--- a/1. presentasi/Seminar Kemajuan Tesis.pptx
+++ b/1. presentasi/Seminar Kemajuan Tesis.pptx
@@ -348,7 +348,7 @@
           <a:p>
             <a:fld id="{8476A333-483B-443C-9BB4-F5BC7F6CB232}" type="datetimeFigureOut">
               <a:rPr lang="en-US" smtClean="0"/>
-              <a:t>10/18/2017</a:t>
+              <a:t>10/20/2017</a:t>
             </a:fld>
             <a:endParaRPr lang="en-US"/>
           </a:p>
@@ -538,7 +538,7 @@
           <a:p>
             <a:fld id="{8476A333-483B-443C-9BB4-F5BC7F6CB232}" type="datetimeFigureOut">
               <a:rPr lang="en-US" smtClean="0"/>
-              <a:t>10/18/2017</a:t>
+              <a:t>10/20/2017</a:t>
             </a:fld>
             <a:endParaRPr lang="en-US"/>
           </a:p>
@@ -718,7 +718,7 @@
           <a:p>
             <a:fld id="{8476A333-483B-443C-9BB4-F5BC7F6CB232}" type="datetimeFigureOut">
               <a:rPr lang="en-US" smtClean="0"/>
-              <a:t>10/18/2017</a:t>
+              <a:t>10/20/2017</a:t>
             </a:fld>
             <a:endParaRPr lang="en-US"/>
           </a:p>
@@ -888,7 +888,7 @@
           <a:p>
             <a:fld id="{8476A333-483B-443C-9BB4-F5BC7F6CB232}" type="datetimeFigureOut">
               <a:rPr lang="en-US" smtClean="0"/>
-              <a:t>10/18/2017</a:t>
+              <a:t>10/20/2017</a:t>
             </a:fld>
             <a:endParaRPr lang="en-US"/>
           </a:p>
@@ -1144,7 +1144,7 @@
           <a:p>
             <a:fld id="{8476A333-483B-443C-9BB4-F5BC7F6CB232}" type="datetimeFigureOut">
               <a:rPr lang="en-US" smtClean="0"/>
-              <a:t>10/18/2017</a:t>
+              <a:t>10/20/2017</a:t>
             </a:fld>
             <a:endParaRPr lang="en-US"/>
           </a:p>
@@ -1432,7 +1432,7 @@
           <a:p>
             <a:fld id="{8476A333-483B-443C-9BB4-F5BC7F6CB232}" type="datetimeFigureOut">
               <a:rPr lang="en-US" smtClean="0"/>
-              <a:t>10/18/2017</a:t>
+              <a:t>10/20/2017</a:t>
             </a:fld>
             <a:endParaRPr lang="en-US"/>
           </a:p>
@@ -1870,7 +1870,7 @@
           <a:p>
             <a:fld id="{8476A333-483B-443C-9BB4-F5BC7F6CB232}" type="datetimeFigureOut">
               <a:rPr lang="en-US" smtClean="0"/>
-              <a:t>10/18/2017</a:t>
+              <a:t>10/20/2017</a:t>
             </a:fld>
             <a:endParaRPr lang="en-US"/>
           </a:p>
@@ -1988,7 +1988,7 @@
           <a:p>
             <a:fld id="{8476A333-483B-443C-9BB4-F5BC7F6CB232}" type="datetimeFigureOut">
               <a:rPr lang="en-US" smtClean="0"/>
-              <a:t>10/18/2017</a:t>
+              <a:t>10/20/2017</a:t>
             </a:fld>
             <a:endParaRPr lang="en-US"/>
           </a:p>
@@ -2083,7 +2083,7 @@
           <a:p>
             <a:fld id="{8476A333-483B-443C-9BB4-F5BC7F6CB232}" type="datetimeFigureOut">
               <a:rPr lang="en-US" smtClean="0"/>
-              <a:t>10/18/2017</a:t>
+              <a:t>10/20/2017</a:t>
             </a:fld>
             <a:endParaRPr lang="en-US"/>
           </a:p>
@@ -2439,7 +2439,7 @@
           <a:p>
             <a:fld id="{8476A333-483B-443C-9BB4-F5BC7F6CB232}" type="datetimeFigureOut">
               <a:rPr lang="en-US" smtClean="0"/>
-              <a:t>10/18/2017</a:t>
+              <a:t>10/20/2017</a:t>
             </a:fld>
             <a:endParaRPr lang="en-US"/>
           </a:p>
@@ -2755,7 +2755,7 @@
           <a:p>
             <a:fld id="{8476A333-483B-443C-9BB4-F5BC7F6CB232}" type="datetimeFigureOut">
               <a:rPr lang="en-US" smtClean="0"/>
-              <a:t>10/18/2017</a:t>
+              <a:t>10/20/2017</a:t>
             </a:fld>
             <a:endParaRPr lang="en-US"/>
           </a:p>
@@ -2988,7 +2988,7 @@
           <a:p>
             <a:fld id="{8476A333-483B-443C-9BB4-F5BC7F6CB232}" type="datetimeFigureOut">
               <a:rPr lang="en-US" smtClean="0"/>
-              <a:t>10/18/2017</a:t>
+              <a:t>10/20/2017</a:t>
             </a:fld>
             <a:endParaRPr lang="en-US"/>
           </a:p>
@@ -12048,6 +12048,41 @@
           </a:xfrm>
         </p:spPr>
       </p:pic>
+      <p:sp>
+        <p:nvSpPr>
+          <p:cNvPr id="3" name="TextBox 2">
+            <a:extLst>
+              <a:ext uri="{FF2B5EF4-FFF2-40B4-BE49-F238E27FC236}">
+                <a16:creationId xmlns:a16="http://schemas.microsoft.com/office/drawing/2014/main" id="{6EE8136F-E77E-4333-B58C-802C53A83DFA}"/>
+              </a:ext>
+            </a:extLst>
+          </p:cNvPr>
+          <p:cNvSpPr txBox="1"/>
+          <p:nvPr/>
+        </p:nvSpPr>
+        <p:spPr>
+          <a:xfrm>
+            <a:off x="9642764" y="5749638"/>
+            <a:ext cx="928267" cy="369332"/>
+          </a:xfrm>
+          <a:prstGeom prst="rect">
+            <a:avLst/>
+          </a:prstGeom>
+          <a:noFill/>
+        </p:spPr>
+        <p:txBody>
+          <a:bodyPr wrap="none" rtlCol="0">
+            <a:spAutoFit/>
+          </a:bodyPr>
+          <a:lstStyle/>
+          <a:p>
+            <a:r>
+              <a:rPr lang="en-US" dirty="0"/>
+              <a:t>= Target</a:t>
+            </a:r>
+          </a:p>
+        </p:txBody>
+      </p:sp>
     </p:spTree>
     <p:extLst>
       <p:ext uri="{BB962C8B-B14F-4D97-AF65-F5344CB8AC3E}">

--- a/1. presentasi/Seminar Kemajuan Tesis.pptx
+++ b/1. presentasi/Seminar Kemajuan Tesis.pptx
@@ -38,6 +38,10 @@
     <p:sldId id="262" r:id="rId32"/>
     <p:sldId id="296" r:id="rId33"/>
     <p:sldId id="298" r:id="rId34"/>
+    <p:sldId id="305" r:id="rId35"/>
+    <p:sldId id="302" r:id="rId36"/>
+    <p:sldId id="303" r:id="rId37"/>
+    <p:sldId id="304" r:id="rId38"/>
   </p:sldIdLst>
   <p:sldSz cx="12192000" cy="6858000"/>
   <p:notesSz cx="6858000" cy="9144000"/>
@@ -348,7 +352,7 @@
           <a:p>
             <a:fld id="{8476A333-483B-443C-9BB4-F5BC7F6CB232}" type="datetimeFigureOut">
               <a:rPr lang="en-US" smtClean="0"/>
-              <a:t>10/20/2017</a:t>
+              <a:t>10/27/2017</a:t>
             </a:fld>
             <a:endParaRPr lang="en-US"/>
           </a:p>
@@ -538,7 +542,7 @@
           <a:p>
             <a:fld id="{8476A333-483B-443C-9BB4-F5BC7F6CB232}" type="datetimeFigureOut">
               <a:rPr lang="en-US" smtClean="0"/>
-              <a:t>10/20/2017</a:t>
+              <a:t>10/27/2017</a:t>
             </a:fld>
             <a:endParaRPr lang="en-US"/>
           </a:p>
@@ -718,7 +722,7 @@
           <a:p>
             <a:fld id="{8476A333-483B-443C-9BB4-F5BC7F6CB232}" type="datetimeFigureOut">
               <a:rPr lang="en-US" smtClean="0"/>
-              <a:t>10/20/2017</a:t>
+              <a:t>10/27/2017</a:t>
             </a:fld>
             <a:endParaRPr lang="en-US"/>
           </a:p>
@@ -888,7 +892,7 @@
           <a:p>
             <a:fld id="{8476A333-483B-443C-9BB4-F5BC7F6CB232}" type="datetimeFigureOut">
               <a:rPr lang="en-US" smtClean="0"/>
-              <a:t>10/20/2017</a:t>
+              <a:t>10/27/2017</a:t>
             </a:fld>
             <a:endParaRPr lang="en-US"/>
           </a:p>
@@ -1144,7 +1148,7 @@
           <a:p>
             <a:fld id="{8476A333-483B-443C-9BB4-F5BC7F6CB232}" type="datetimeFigureOut">
               <a:rPr lang="en-US" smtClean="0"/>
-              <a:t>10/20/2017</a:t>
+              <a:t>10/27/2017</a:t>
             </a:fld>
             <a:endParaRPr lang="en-US"/>
           </a:p>
@@ -1432,7 +1436,7 @@
           <a:p>
             <a:fld id="{8476A333-483B-443C-9BB4-F5BC7F6CB232}" type="datetimeFigureOut">
               <a:rPr lang="en-US" smtClean="0"/>
-              <a:t>10/20/2017</a:t>
+              <a:t>10/27/2017</a:t>
             </a:fld>
             <a:endParaRPr lang="en-US"/>
           </a:p>
@@ -1870,7 +1874,7 @@
           <a:p>
             <a:fld id="{8476A333-483B-443C-9BB4-F5BC7F6CB232}" type="datetimeFigureOut">
               <a:rPr lang="en-US" smtClean="0"/>
-              <a:t>10/20/2017</a:t>
+              <a:t>10/27/2017</a:t>
             </a:fld>
             <a:endParaRPr lang="en-US"/>
           </a:p>
@@ -1988,7 +1992,7 @@
           <a:p>
             <a:fld id="{8476A333-483B-443C-9BB4-F5BC7F6CB232}" type="datetimeFigureOut">
               <a:rPr lang="en-US" smtClean="0"/>
-              <a:t>10/20/2017</a:t>
+              <a:t>10/27/2017</a:t>
             </a:fld>
             <a:endParaRPr lang="en-US"/>
           </a:p>
@@ -2083,7 +2087,7 @@
           <a:p>
             <a:fld id="{8476A333-483B-443C-9BB4-F5BC7F6CB232}" type="datetimeFigureOut">
               <a:rPr lang="en-US" smtClean="0"/>
-              <a:t>10/20/2017</a:t>
+              <a:t>10/27/2017</a:t>
             </a:fld>
             <a:endParaRPr lang="en-US"/>
           </a:p>
@@ -2439,7 +2443,7 @@
           <a:p>
             <a:fld id="{8476A333-483B-443C-9BB4-F5BC7F6CB232}" type="datetimeFigureOut">
               <a:rPr lang="en-US" smtClean="0"/>
-              <a:t>10/20/2017</a:t>
+              <a:t>10/27/2017</a:t>
             </a:fld>
             <a:endParaRPr lang="en-US"/>
           </a:p>
@@ -2755,7 +2759,7 @@
           <a:p>
             <a:fld id="{8476A333-483B-443C-9BB4-F5BC7F6CB232}" type="datetimeFigureOut">
               <a:rPr lang="en-US" smtClean="0"/>
-              <a:t>10/20/2017</a:t>
+              <a:t>10/27/2017</a:t>
             </a:fld>
             <a:endParaRPr lang="en-US"/>
           </a:p>
@@ -2988,7 +2992,7 @@
           <a:p>
             <a:fld id="{8476A333-483B-443C-9BB4-F5BC7F6CB232}" type="datetimeFigureOut">
               <a:rPr lang="en-US" smtClean="0"/>
-              <a:t>10/20/2017</a:t>
+              <a:t>10/27/2017</a:t>
             </a:fld>
             <a:endParaRPr lang="en-US"/>
           </a:p>
@@ -16751,6 +16755,7771 @@
 </p:sld>
 </file>
 
+<file path=ppt/slides/slide34.xml><?xml version="1.0" encoding="utf-8"?>
+<p:sld xmlns:a="http://schemas.openxmlformats.org/drawingml/2006/main" xmlns:r="http://schemas.openxmlformats.org/officeDocument/2006/relationships" xmlns:p="http://schemas.openxmlformats.org/presentationml/2006/main">
+  <p:cSld>
+    <p:spTree>
+      <p:nvGrpSpPr>
+        <p:cNvPr id="1" name=""/>
+        <p:cNvGrpSpPr/>
+        <p:nvPr/>
+      </p:nvGrpSpPr>
+      <p:grpSpPr>
+        <a:xfrm>
+          <a:off x="0" y="0"/>
+          <a:ext cx="0" cy="0"/>
+          <a:chOff x="0" y="0"/>
+          <a:chExt cx="0" cy="0"/>
+        </a:xfrm>
+      </p:grpSpPr>
+      <p:sp>
+        <p:nvSpPr>
+          <p:cNvPr id="2" name="Title 1">
+            <a:extLst>
+              <a:ext uri="{FF2B5EF4-FFF2-40B4-BE49-F238E27FC236}">
+                <a16:creationId xmlns:a16="http://schemas.microsoft.com/office/drawing/2014/main" id="{FAF97999-BEF0-4F71-BF3A-C4B764E45EC8}"/>
+              </a:ext>
+            </a:extLst>
+          </p:cNvPr>
+          <p:cNvSpPr>
+            <a:spLocks noGrp="1"/>
+          </p:cNvSpPr>
+          <p:nvPr>
+            <p:ph type="title"/>
+          </p:nvPr>
+        </p:nvSpPr>
+        <p:spPr>
+          <a:xfrm>
+            <a:off x="782831" y="32322"/>
+            <a:ext cx="10772775" cy="1658198"/>
+          </a:xfrm>
+        </p:spPr>
+        <p:txBody>
+          <a:bodyPr>
+            <a:normAutofit/>
+          </a:bodyPr>
+          <a:lstStyle/>
+          <a:p>
+            <a:pPr algn="ctr"/>
+            <a:r>
+              <a:rPr lang="en-US" sz="4000" dirty="0" err="1"/>
+              <a:t>Konsep</a:t>
+            </a:r>
+            <a:r>
+              <a:rPr lang="en-US" sz="4000" dirty="0"/>
+              <a:t> Neural Network</a:t>
+            </a:r>
+          </a:p>
+        </p:txBody>
+      </p:sp>
+      <p:sp>
+        <p:nvSpPr>
+          <p:cNvPr id="3" name="Content Placeholder 2">
+            <a:extLst>
+              <a:ext uri="{FF2B5EF4-FFF2-40B4-BE49-F238E27FC236}">
+                <a16:creationId xmlns:a16="http://schemas.microsoft.com/office/drawing/2014/main" id="{202CEBE0-B918-4988-A07F-1FEB982E8022}"/>
+              </a:ext>
+            </a:extLst>
+          </p:cNvPr>
+          <p:cNvSpPr>
+            <a:spLocks noGrp="1"/>
+          </p:cNvSpPr>
+          <p:nvPr>
+            <p:ph idx="1"/>
+          </p:nvPr>
+        </p:nvSpPr>
+        <p:spPr>
+          <a:xfrm>
+            <a:off x="5846618" y="2011681"/>
+            <a:ext cx="5583763" cy="3413938"/>
+          </a:xfrm>
+        </p:spPr>
+        <p:txBody>
+          <a:bodyPr>
+            <a:normAutofit/>
+          </a:bodyPr>
+          <a:lstStyle/>
+          <a:p>
+            <a:pPr marL="0" lvl="0" indent="0">
+              <a:buNone/>
+            </a:pPr>
+            <a:r>
+              <a:rPr lang="en-US" sz="2000" dirty="0"/>
+              <a:t>- </a:t>
+            </a:r>
+            <a:r>
+              <a:rPr lang="en-US" sz="2000" dirty="0" err="1"/>
+              <a:t>Pemrosesan</a:t>
+            </a:r>
+            <a:r>
+              <a:rPr lang="en-US" sz="2000" dirty="0"/>
+              <a:t> </a:t>
+            </a:r>
+            <a:r>
+              <a:rPr lang="en-US" sz="2000" dirty="0" err="1"/>
+              <a:t>sinyal</a:t>
+            </a:r>
+            <a:r>
+              <a:rPr lang="en-US" sz="2000" dirty="0"/>
+              <a:t> </a:t>
+            </a:r>
+            <a:r>
+              <a:rPr lang="en-US" sz="2000" dirty="0" err="1"/>
+              <a:t>atau</a:t>
+            </a:r>
+            <a:r>
+              <a:rPr lang="en-US" sz="2000" dirty="0"/>
+              <a:t> </a:t>
+            </a:r>
+            <a:r>
+              <a:rPr lang="en-US" sz="2000" dirty="0" err="1"/>
+              <a:t>informasi</a:t>
+            </a:r>
+            <a:r>
+              <a:rPr lang="en-US" sz="2000" dirty="0"/>
+              <a:t> </a:t>
+            </a:r>
+            <a:r>
+              <a:rPr lang="en-US" sz="2000" dirty="0" err="1"/>
+              <a:t>terjadi</a:t>
+            </a:r>
+            <a:r>
+              <a:rPr lang="en-US" sz="2000" dirty="0"/>
+              <a:t> </a:t>
+            </a:r>
+            <a:r>
+              <a:rPr lang="en-US" sz="2000" dirty="0" err="1"/>
+              <a:t>pada</a:t>
+            </a:r>
+            <a:r>
+              <a:rPr lang="en-US" sz="2000" dirty="0"/>
+              <a:t> neuron</a:t>
+            </a:r>
+          </a:p>
+          <a:p>
+            <a:pPr marL="0" lvl="0" indent="0">
+              <a:buNone/>
+            </a:pPr>
+            <a:r>
+              <a:rPr lang="en-US" sz="2000" dirty="0"/>
+              <a:t>- </a:t>
+            </a:r>
+            <a:r>
+              <a:rPr lang="en-US" sz="2000" dirty="0" err="1"/>
+              <a:t>Sinyal</a:t>
+            </a:r>
+            <a:r>
+              <a:rPr lang="en-US" sz="2000" dirty="0"/>
+              <a:t> </a:t>
+            </a:r>
+            <a:r>
+              <a:rPr lang="en-US" sz="2000" dirty="0" err="1"/>
+              <a:t>dikirimkan</a:t>
+            </a:r>
+            <a:r>
+              <a:rPr lang="en-US" sz="2000" dirty="0"/>
+              <a:t> </a:t>
+            </a:r>
+            <a:r>
+              <a:rPr lang="en-US" sz="2000" dirty="0" err="1"/>
+              <a:t>diantara</a:t>
+            </a:r>
+            <a:r>
+              <a:rPr lang="en-US" sz="2000" dirty="0"/>
+              <a:t> neuron </a:t>
+            </a:r>
+            <a:r>
+              <a:rPr lang="en-US" sz="2000" dirty="0" err="1"/>
+              <a:t>melalui</a:t>
+            </a:r>
+            <a:r>
+              <a:rPr lang="en-US" sz="2000" dirty="0"/>
+              <a:t> </a:t>
+            </a:r>
+            <a:r>
+              <a:rPr lang="en-US" sz="2000" dirty="0" err="1"/>
+              <a:t>suatu</a:t>
+            </a:r>
+            <a:r>
+              <a:rPr lang="en-US" sz="2000" dirty="0"/>
+              <a:t> </a:t>
+            </a:r>
+            <a:r>
+              <a:rPr lang="en-US" sz="2000" dirty="0" err="1"/>
+              <a:t>penghubung</a:t>
+            </a:r>
+            <a:r>
+              <a:rPr lang="en-US" sz="2000" dirty="0"/>
+              <a:t>, </a:t>
+            </a:r>
+            <a:r>
+              <a:rPr lang="en-US" sz="2000" dirty="0" err="1"/>
+              <a:t>yakni</a:t>
+            </a:r>
+            <a:r>
+              <a:rPr lang="en-US" sz="2000" dirty="0"/>
+              <a:t> </a:t>
+            </a:r>
+            <a:r>
+              <a:rPr lang="en-US" sz="2000" dirty="0" err="1"/>
+              <a:t>dendrit</a:t>
+            </a:r>
+            <a:r>
+              <a:rPr lang="en-US" sz="2000" dirty="0"/>
+              <a:t> </a:t>
+            </a:r>
+            <a:r>
+              <a:rPr lang="en-US" sz="2000" dirty="0" err="1"/>
+              <a:t>dan</a:t>
+            </a:r>
+            <a:r>
+              <a:rPr lang="en-US" sz="2000" dirty="0"/>
+              <a:t> </a:t>
+            </a:r>
+            <a:r>
+              <a:rPr lang="en-US" sz="2000" dirty="0" err="1"/>
+              <a:t>akson</a:t>
+            </a:r>
+            <a:endParaRPr lang="en-US" sz="2000" dirty="0"/>
+          </a:p>
+          <a:p>
+            <a:pPr marL="0" lvl="0" indent="0">
+              <a:buNone/>
+            </a:pPr>
+            <a:r>
+              <a:rPr lang="en-US" sz="2000" dirty="0"/>
+              <a:t>-  </a:t>
+            </a:r>
+            <a:r>
+              <a:rPr lang="en-US" sz="2000" dirty="0" err="1"/>
+              <a:t>Penghubung</a:t>
+            </a:r>
+            <a:r>
+              <a:rPr lang="en-US" sz="2000" dirty="0"/>
+              <a:t> </a:t>
+            </a:r>
+            <a:r>
+              <a:rPr lang="en-US" sz="2000" dirty="0" err="1"/>
+              <a:t>antar</a:t>
+            </a:r>
+            <a:r>
+              <a:rPr lang="en-US" sz="2000" dirty="0"/>
+              <a:t> neuron </a:t>
+            </a:r>
+            <a:r>
+              <a:rPr lang="en-US" sz="2000" dirty="0" err="1"/>
+              <a:t>memiliki</a:t>
+            </a:r>
+            <a:r>
+              <a:rPr lang="en-US" sz="2000" dirty="0"/>
+              <a:t> </a:t>
+            </a:r>
+            <a:r>
+              <a:rPr lang="en-US" sz="2000" dirty="0" err="1"/>
+              <a:t>bobot</a:t>
+            </a:r>
+            <a:r>
+              <a:rPr lang="en-US" sz="2000" dirty="0"/>
+              <a:t> yang </a:t>
+            </a:r>
+            <a:r>
+              <a:rPr lang="en-US" sz="2000" dirty="0" err="1"/>
+              <a:t>akan</a:t>
+            </a:r>
+            <a:r>
+              <a:rPr lang="en-US" sz="2000" dirty="0"/>
+              <a:t> </a:t>
+            </a:r>
+            <a:r>
+              <a:rPr lang="en-US" sz="2000" dirty="0" err="1"/>
+              <a:t>memperkuat</a:t>
+            </a:r>
+            <a:r>
+              <a:rPr lang="en-US" sz="2000" dirty="0"/>
+              <a:t> </a:t>
+            </a:r>
+            <a:r>
+              <a:rPr lang="en-US" sz="2000" dirty="0" err="1"/>
+              <a:t>atau</a:t>
+            </a:r>
+            <a:r>
+              <a:rPr lang="en-US" sz="2000" dirty="0"/>
+              <a:t> </a:t>
+            </a:r>
+            <a:r>
+              <a:rPr lang="en-US" sz="2000" dirty="0" err="1"/>
+              <a:t>memperlemah</a:t>
+            </a:r>
+            <a:r>
+              <a:rPr lang="en-US" sz="2000" dirty="0"/>
+              <a:t> </a:t>
+            </a:r>
+            <a:r>
+              <a:rPr lang="en-US" sz="2000" dirty="0" err="1"/>
+              <a:t>sinyal</a:t>
+            </a:r>
+            <a:endParaRPr lang="en-US" sz="2000" dirty="0"/>
+          </a:p>
+          <a:p>
+            <a:pPr lvl="0">
+              <a:buFontTx/>
+              <a:buChar char="-"/>
+            </a:pPr>
+            <a:r>
+              <a:rPr lang="en-US" sz="2000" dirty="0" err="1"/>
+              <a:t>Setiap</a:t>
+            </a:r>
+            <a:r>
+              <a:rPr lang="en-US" sz="2000" dirty="0"/>
+              <a:t> neuron </a:t>
+            </a:r>
+            <a:r>
+              <a:rPr lang="en-US" sz="2000" dirty="0" err="1"/>
+              <a:t>memiliki</a:t>
+            </a:r>
+            <a:r>
+              <a:rPr lang="en-US" sz="2000" dirty="0"/>
+              <a:t> </a:t>
+            </a:r>
+            <a:r>
+              <a:rPr lang="en-US" sz="2000" dirty="0" err="1"/>
+              <a:t>fungsi</a:t>
+            </a:r>
+            <a:r>
+              <a:rPr lang="en-US" sz="2000" dirty="0"/>
+              <a:t> </a:t>
+            </a:r>
+            <a:r>
+              <a:rPr lang="en-US" sz="2000" dirty="0" err="1"/>
+              <a:t>aktivasi</a:t>
+            </a:r>
+            <a:r>
+              <a:rPr lang="en-US" sz="2000" dirty="0"/>
+              <a:t> yang </a:t>
+            </a:r>
+            <a:r>
+              <a:rPr lang="en-US" sz="2000" dirty="0" err="1"/>
+              <a:t>berfungsi</a:t>
+            </a:r>
+            <a:r>
+              <a:rPr lang="en-US" sz="2000" dirty="0"/>
+              <a:t> </a:t>
+            </a:r>
+            <a:r>
+              <a:rPr lang="en-US" sz="2000" dirty="0" err="1"/>
+              <a:t>untuk</a:t>
+            </a:r>
+            <a:r>
+              <a:rPr lang="en-US" sz="2000" dirty="0"/>
+              <a:t> </a:t>
+            </a:r>
+            <a:r>
+              <a:rPr lang="en-US" sz="2000" dirty="0" err="1"/>
+              <a:t>menentukan</a:t>
+            </a:r>
+            <a:r>
+              <a:rPr lang="en-US" sz="2000" dirty="0"/>
+              <a:t> </a:t>
+            </a:r>
+            <a:r>
+              <a:rPr lang="en-US" sz="2000" dirty="0" err="1"/>
+              <a:t>keluaran</a:t>
+            </a:r>
+            <a:r>
+              <a:rPr lang="en-US" sz="2000" dirty="0"/>
+              <a:t> </a:t>
+            </a:r>
+            <a:r>
+              <a:rPr lang="en-US" sz="2000" dirty="0" err="1"/>
+              <a:t>suatu</a:t>
+            </a:r>
+            <a:r>
+              <a:rPr lang="en-US" sz="2000" dirty="0"/>
+              <a:t> neuron, </a:t>
+            </a:r>
+            <a:r>
+              <a:rPr lang="en-US" sz="2000" dirty="0" err="1"/>
+              <a:t>apakah</a:t>
+            </a:r>
+            <a:r>
+              <a:rPr lang="en-US" sz="2000" dirty="0"/>
+              <a:t> </a:t>
+            </a:r>
+            <a:r>
+              <a:rPr lang="en-US" sz="2000" dirty="0" err="1"/>
+              <a:t>sinyal</a:t>
+            </a:r>
+            <a:r>
+              <a:rPr lang="en-US" sz="2000" dirty="0"/>
+              <a:t> </a:t>
+            </a:r>
+            <a:r>
+              <a:rPr lang="en-US" sz="2000" dirty="0" err="1"/>
+              <a:t>akan</a:t>
+            </a:r>
+            <a:r>
+              <a:rPr lang="en-US" sz="2000" dirty="0"/>
+              <a:t> </a:t>
+            </a:r>
+            <a:r>
+              <a:rPr lang="en-US" sz="2000" dirty="0" err="1"/>
+              <a:t>diteruskan</a:t>
+            </a:r>
+            <a:r>
+              <a:rPr lang="en-US" sz="2000" dirty="0"/>
+              <a:t> </a:t>
+            </a:r>
+            <a:r>
+              <a:rPr lang="en-US" sz="2000" dirty="0" err="1"/>
+              <a:t>ke</a:t>
+            </a:r>
+            <a:r>
+              <a:rPr lang="en-US" sz="2000" dirty="0"/>
+              <a:t> neuron lain </a:t>
+            </a:r>
+            <a:r>
+              <a:rPr lang="en-US" sz="2000" dirty="0" err="1"/>
+              <a:t>atau</a:t>
+            </a:r>
+            <a:r>
+              <a:rPr lang="en-US" sz="2000" dirty="0"/>
+              <a:t> </a:t>
+            </a:r>
+            <a:r>
+              <a:rPr lang="en-US" sz="2000" dirty="0" err="1"/>
+              <a:t>tidak</a:t>
+            </a:r>
+            <a:r>
+              <a:rPr lang="en-US" sz="2000" dirty="0"/>
+              <a:t>.</a:t>
+            </a:r>
+          </a:p>
+          <a:p>
+            <a:pPr lvl="0">
+              <a:buFontTx/>
+              <a:buChar char="-"/>
+            </a:pPr>
+            <a:endParaRPr lang="en-US" sz="2000" dirty="0"/>
+          </a:p>
+        </p:txBody>
+      </p:sp>
+      <p:grpSp>
+        <p:nvGrpSpPr>
+          <p:cNvPr id="4" name="Group 3">
+            <a:extLst>
+              <a:ext uri="{FF2B5EF4-FFF2-40B4-BE49-F238E27FC236}">
+                <a16:creationId xmlns:a16="http://schemas.microsoft.com/office/drawing/2014/main" id="{8A45DA47-8B41-46D5-A7DC-D6FCA68665C1}"/>
+              </a:ext>
+            </a:extLst>
+          </p:cNvPr>
+          <p:cNvGrpSpPr/>
+          <p:nvPr/>
+        </p:nvGrpSpPr>
+        <p:grpSpPr>
+          <a:xfrm>
+            <a:off x="601805" y="1690520"/>
+            <a:ext cx="4593649" cy="3735098"/>
+            <a:chOff x="0" y="0"/>
+            <a:chExt cx="2438400" cy="2219325"/>
+          </a:xfrm>
+        </p:grpSpPr>
+        <p:grpSp>
+          <p:nvGrpSpPr>
+            <p:cNvPr id="5" name="Group 4">
+              <a:extLst>
+                <a:ext uri="{FF2B5EF4-FFF2-40B4-BE49-F238E27FC236}">
+                  <a16:creationId xmlns:a16="http://schemas.microsoft.com/office/drawing/2014/main" id="{93D5D760-7805-4ADF-8EE3-82F9EF752E29}"/>
+                </a:ext>
+              </a:extLst>
+            </p:cNvPr>
+            <p:cNvGrpSpPr/>
+            <p:nvPr/>
+          </p:nvGrpSpPr>
+          <p:grpSpPr>
+            <a:xfrm>
+              <a:off x="19050" y="0"/>
+              <a:ext cx="438150" cy="438150"/>
+              <a:chOff x="0" y="0"/>
+              <a:chExt cx="438150" cy="438150"/>
+            </a:xfrm>
+          </p:grpSpPr>
+          <p:sp>
+            <p:nvSpPr>
+              <p:cNvPr id="31" name="Oval 30">
+                <a:extLst>
+                  <a:ext uri="{FF2B5EF4-FFF2-40B4-BE49-F238E27FC236}">
+                    <a16:creationId xmlns:a16="http://schemas.microsoft.com/office/drawing/2014/main" id="{FAA44AB2-4695-4408-AF53-3E7CB66E67E7}"/>
+                  </a:ext>
+                </a:extLst>
+              </p:cNvPr>
+              <p:cNvSpPr/>
+              <p:nvPr/>
+            </p:nvSpPr>
+            <p:spPr>
+              <a:xfrm>
+                <a:off x="0" y="0"/>
+                <a:ext cx="438150" cy="438150"/>
+              </a:xfrm>
+              <a:prstGeom prst="ellipse">
+                <a:avLst/>
+              </a:prstGeom>
+              <a:ln>
+                <a:solidFill>
+                  <a:schemeClr val="tx1"/>
+                </a:solidFill>
+              </a:ln>
+            </p:spPr>
+            <p:style>
+              <a:lnRef idx="2">
+                <a:schemeClr val="accent6"/>
+              </a:lnRef>
+              <a:fillRef idx="1">
+                <a:schemeClr val="lt1"/>
+              </a:fillRef>
+              <a:effectRef idx="0">
+                <a:schemeClr val="accent6"/>
+              </a:effectRef>
+              <a:fontRef idx="minor">
+                <a:schemeClr val="dk1"/>
+              </a:fontRef>
+            </p:style>
+            <p:txBody>
+              <a:bodyPr rot="0" spcFirstLastPara="0" vert="horz" wrap="square" lIns="91440" tIns="45720" rIns="91440" bIns="45720" numCol="1" spcCol="0" rtlCol="0" fromWordArt="0" anchor="ctr" anchorCtr="0" forceAA="0" compatLnSpc="1">
+                <a:prstTxWarp prst="textNoShape">
+                  <a:avLst/>
+                </a:prstTxWarp>
+                <a:noAutofit/>
+              </a:bodyPr>
+              <a:lstStyle/>
+              <a:p>
+                <a:endParaRPr lang="en-US" sz="1600"/>
+              </a:p>
+            </p:txBody>
+          </p:sp>
+          <p:sp>
+            <p:nvSpPr>
+              <p:cNvPr id="32" name="Text Box 639">
+                <a:extLst>
+                  <a:ext uri="{FF2B5EF4-FFF2-40B4-BE49-F238E27FC236}">
+                    <a16:creationId xmlns:a16="http://schemas.microsoft.com/office/drawing/2014/main" id="{E869C592-4AA5-4694-8A9D-75112194DC8C}"/>
+                  </a:ext>
+                </a:extLst>
+              </p:cNvPr>
+              <p:cNvSpPr txBox="1"/>
+              <p:nvPr/>
+            </p:nvSpPr>
+            <p:spPr>
+              <a:xfrm>
+                <a:off x="66675" y="95250"/>
+                <a:ext cx="295275" cy="266700"/>
+              </a:xfrm>
+              <a:prstGeom prst="rect">
+                <a:avLst/>
+              </a:prstGeom>
+              <a:solidFill>
+                <a:schemeClr val="lt1"/>
+              </a:solidFill>
+              <a:ln w="6350">
+                <a:noFill/>
+              </a:ln>
+            </p:spPr>
+            <p:txBody>
+              <a:bodyPr rot="0" spcFirstLastPara="0" vert="horz" wrap="none" lIns="91440" tIns="45720" rIns="91440" bIns="45720" numCol="1" spcCol="0" rtlCol="0" fromWordArt="0" anchor="t" anchorCtr="0" forceAA="0" compatLnSpc="1">
+                <a:prstTxWarp prst="textNoShape">
+                  <a:avLst/>
+                </a:prstTxWarp>
+                <a:noAutofit/>
+              </a:bodyPr>
+              <a:lstStyle/>
+              <a:p>
+                <a:pPr marL="0" marR="0">
+                  <a:lnSpc>
+                    <a:spcPct val="115000"/>
+                  </a:lnSpc>
+                  <a:spcBef>
+                    <a:spcPts val="0"/>
+                  </a:spcBef>
+                  <a:spcAft>
+                    <a:spcPts val="1000"/>
+                  </a:spcAft>
+                </a:pPr>
+                <a:r>
+                  <a:rPr lang="en-US" sz="1600">
+                    <a:effectLst/>
+                    <a:latin typeface="Calibri" panose="020F0502020204030204" pitchFamily="34" charset="0"/>
+                    <a:ea typeface="Times New Roman" panose="02020603050405020304" pitchFamily="18" charset="0"/>
+                    <a:cs typeface="Arial" panose="020B0604020202020204" pitchFamily="34" charset="0"/>
+                  </a:rPr>
+                  <a:t>x</a:t>
+                </a:r>
+                <a:r>
+                  <a:rPr lang="en-US" sz="1600" baseline="-25000">
+                    <a:effectLst/>
+                    <a:latin typeface="Calibri" panose="020F0502020204030204" pitchFamily="34" charset="0"/>
+                    <a:ea typeface="Times New Roman" panose="02020603050405020304" pitchFamily="18" charset="0"/>
+                    <a:cs typeface="Arial" panose="020B0604020202020204" pitchFamily="34" charset="0"/>
+                  </a:rPr>
+                  <a:t>1</a:t>
+                </a:r>
+                <a:endParaRPr lang="en-US" sz="1600">
+                  <a:effectLst/>
+                  <a:latin typeface="Calibri" panose="020F0502020204030204" pitchFamily="34" charset="0"/>
+                  <a:ea typeface="Times New Roman" panose="02020603050405020304" pitchFamily="18" charset="0"/>
+                  <a:cs typeface="Arial" panose="020B0604020202020204" pitchFamily="34" charset="0"/>
+                </a:endParaRPr>
+              </a:p>
+            </p:txBody>
+          </p:sp>
+        </p:grpSp>
+        <p:grpSp>
+          <p:nvGrpSpPr>
+            <p:cNvPr id="6" name="Group 5">
+              <a:extLst>
+                <a:ext uri="{FF2B5EF4-FFF2-40B4-BE49-F238E27FC236}">
+                  <a16:creationId xmlns:a16="http://schemas.microsoft.com/office/drawing/2014/main" id="{DC3D26A0-FEAC-4305-B308-66AF640A86A9}"/>
+                </a:ext>
+              </a:extLst>
+            </p:cNvPr>
+            <p:cNvGrpSpPr/>
+            <p:nvPr/>
+          </p:nvGrpSpPr>
+          <p:grpSpPr>
+            <a:xfrm>
+              <a:off x="19050" y="590550"/>
+              <a:ext cx="438150" cy="438150"/>
+              <a:chOff x="0" y="0"/>
+              <a:chExt cx="438150" cy="438150"/>
+            </a:xfrm>
+          </p:grpSpPr>
+          <p:sp>
+            <p:nvSpPr>
+              <p:cNvPr id="29" name="Oval 28">
+                <a:extLst>
+                  <a:ext uri="{FF2B5EF4-FFF2-40B4-BE49-F238E27FC236}">
+                    <a16:creationId xmlns:a16="http://schemas.microsoft.com/office/drawing/2014/main" id="{288C8181-493A-41B6-BBCF-9631B7684410}"/>
+                  </a:ext>
+                </a:extLst>
+              </p:cNvPr>
+              <p:cNvSpPr/>
+              <p:nvPr/>
+            </p:nvSpPr>
+            <p:spPr>
+              <a:xfrm>
+                <a:off x="0" y="0"/>
+                <a:ext cx="438150" cy="438150"/>
+              </a:xfrm>
+              <a:prstGeom prst="ellipse">
+                <a:avLst/>
+              </a:prstGeom>
+              <a:ln>
+                <a:solidFill>
+                  <a:schemeClr val="tx1"/>
+                </a:solidFill>
+              </a:ln>
+            </p:spPr>
+            <p:style>
+              <a:lnRef idx="2">
+                <a:schemeClr val="accent6"/>
+              </a:lnRef>
+              <a:fillRef idx="1">
+                <a:schemeClr val="lt1"/>
+              </a:fillRef>
+              <a:effectRef idx="0">
+                <a:schemeClr val="accent6"/>
+              </a:effectRef>
+              <a:fontRef idx="minor">
+                <a:schemeClr val="dk1"/>
+              </a:fontRef>
+            </p:style>
+            <p:txBody>
+              <a:bodyPr rot="0" spcFirstLastPara="0" vert="horz" wrap="square" lIns="91440" tIns="45720" rIns="91440" bIns="45720" numCol="1" spcCol="0" rtlCol="0" fromWordArt="0" anchor="ctr" anchorCtr="0" forceAA="0" compatLnSpc="1">
+                <a:prstTxWarp prst="textNoShape">
+                  <a:avLst/>
+                </a:prstTxWarp>
+                <a:noAutofit/>
+              </a:bodyPr>
+              <a:lstStyle/>
+              <a:p>
+                <a:endParaRPr lang="en-US" sz="1600"/>
+              </a:p>
+            </p:txBody>
+          </p:sp>
+          <p:sp>
+            <p:nvSpPr>
+              <p:cNvPr id="30" name="Text Box 194">
+                <a:extLst>
+                  <a:ext uri="{FF2B5EF4-FFF2-40B4-BE49-F238E27FC236}">
+                    <a16:creationId xmlns:a16="http://schemas.microsoft.com/office/drawing/2014/main" id="{A3C99C37-B6BD-4AED-9699-847F126688D9}"/>
+                  </a:ext>
+                </a:extLst>
+              </p:cNvPr>
+              <p:cNvSpPr txBox="1"/>
+              <p:nvPr/>
+            </p:nvSpPr>
+            <p:spPr>
+              <a:xfrm>
+                <a:off x="66675" y="95250"/>
+                <a:ext cx="295275" cy="266700"/>
+              </a:xfrm>
+              <a:prstGeom prst="rect">
+                <a:avLst/>
+              </a:prstGeom>
+              <a:solidFill>
+                <a:schemeClr val="lt1"/>
+              </a:solidFill>
+              <a:ln w="6350">
+                <a:noFill/>
+              </a:ln>
+            </p:spPr>
+            <p:txBody>
+              <a:bodyPr rot="0" spcFirstLastPara="0" vert="horz" wrap="none" lIns="91440" tIns="45720" rIns="91440" bIns="45720" numCol="1" spcCol="0" rtlCol="0" fromWordArt="0" anchor="t" anchorCtr="0" forceAA="0" compatLnSpc="1">
+                <a:prstTxWarp prst="textNoShape">
+                  <a:avLst/>
+                </a:prstTxWarp>
+                <a:noAutofit/>
+              </a:bodyPr>
+              <a:lstStyle/>
+              <a:p>
+                <a:pPr marL="0" marR="0">
+                  <a:lnSpc>
+                    <a:spcPct val="115000"/>
+                  </a:lnSpc>
+                  <a:spcBef>
+                    <a:spcPts val="0"/>
+                  </a:spcBef>
+                  <a:spcAft>
+                    <a:spcPts val="1000"/>
+                  </a:spcAft>
+                </a:pPr>
+                <a:r>
+                  <a:rPr lang="en-US" sz="1600" dirty="0">
+                    <a:effectLst/>
+                    <a:latin typeface="Calibri" panose="020F0502020204030204" pitchFamily="34" charset="0"/>
+                    <a:ea typeface="Times New Roman" panose="02020603050405020304" pitchFamily="18" charset="0"/>
+                    <a:cs typeface="Arial" panose="020B0604020202020204" pitchFamily="34" charset="0"/>
+                  </a:rPr>
+                  <a:t>x</a:t>
+                </a:r>
+                <a:r>
+                  <a:rPr lang="en-US" sz="1600" baseline="-25000" dirty="0">
+                    <a:effectLst/>
+                    <a:latin typeface="Calibri" panose="020F0502020204030204" pitchFamily="34" charset="0"/>
+                    <a:ea typeface="Times New Roman" panose="02020603050405020304" pitchFamily="18" charset="0"/>
+                    <a:cs typeface="Arial" panose="020B0604020202020204" pitchFamily="34" charset="0"/>
+                  </a:rPr>
+                  <a:t>2</a:t>
+                </a:r>
+                <a:endParaRPr lang="en-US" sz="1600" dirty="0">
+                  <a:effectLst/>
+                  <a:latin typeface="Calibri" panose="020F0502020204030204" pitchFamily="34" charset="0"/>
+                  <a:ea typeface="Times New Roman" panose="02020603050405020304" pitchFamily="18" charset="0"/>
+                  <a:cs typeface="Arial" panose="020B0604020202020204" pitchFamily="34" charset="0"/>
+                </a:endParaRPr>
+              </a:p>
+            </p:txBody>
+          </p:sp>
+        </p:grpSp>
+        <p:grpSp>
+          <p:nvGrpSpPr>
+            <p:cNvPr id="7" name="Group 6">
+              <a:extLst>
+                <a:ext uri="{FF2B5EF4-FFF2-40B4-BE49-F238E27FC236}">
+                  <a16:creationId xmlns:a16="http://schemas.microsoft.com/office/drawing/2014/main" id="{3E31C999-14D4-4922-A85D-CA8FD66F120F}"/>
+                </a:ext>
+              </a:extLst>
+            </p:cNvPr>
+            <p:cNvGrpSpPr/>
+            <p:nvPr/>
+          </p:nvGrpSpPr>
+          <p:grpSpPr>
+            <a:xfrm>
+              <a:off x="1581150" y="952500"/>
+              <a:ext cx="857250" cy="438150"/>
+              <a:chOff x="0" y="0"/>
+              <a:chExt cx="857250" cy="438150"/>
+            </a:xfrm>
+          </p:grpSpPr>
+          <p:sp>
+            <p:nvSpPr>
+              <p:cNvPr id="26" name="Oval 25">
+                <a:extLst>
+                  <a:ext uri="{FF2B5EF4-FFF2-40B4-BE49-F238E27FC236}">
+                    <a16:creationId xmlns:a16="http://schemas.microsoft.com/office/drawing/2014/main" id="{CE02CDDF-4456-42BB-AA31-08E40654B954}"/>
+                  </a:ext>
+                </a:extLst>
+              </p:cNvPr>
+              <p:cNvSpPr/>
+              <p:nvPr/>
+            </p:nvSpPr>
+            <p:spPr>
+              <a:xfrm>
+                <a:off x="0" y="0"/>
+                <a:ext cx="438150" cy="438150"/>
+              </a:xfrm>
+              <a:prstGeom prst="ellipse">
+                <a:avLst/>
+              </a:prstGeom>
+              <a:ln>
+                <a:solidFill>
+                  <a:schemeClr val="tx1"/>
+                </a:solidFill>
+              </a:ln>
+            </p:spPr>
+            <p:style>
+              <a:lnRef idx="2">
+                <a:schemeClr val="accent6"/>
+              </a:lnRef>
+              <a:fillRef idx="1">
+                <a:schemeClr val="lt1"/>
+              </a:fillRef>
+              <a:effectRef idx="0">
+                <a:schemeClr val="accent6"/>
+              </a:effectRef>
+              <a:fontRef idx="minor">
+                <a:schemeClr val="dk1"/>
+              </a:fontRef>
+            </p:style>
+            <p:txBody>
+              <a:bodyPr rot="0" spcFirstLastPara="0" vert="horz" wrap="square" lIns="91440" tIns="45720" rIns="91440" bIns="45720" numCol="1" spcCol="0" rtlCol="0" fromWordArt="0" anchor="ctr" anchorCtr="0" forceAA="0" compatLnSpc="1">
+                <a:prstTxWarp prst="textNoShape">
+                  <a:avLst/>
+                </a:prstTxWarp>
+                <a:noAutofit/>
+              </a:bodyPr>
+              <a:lstStyle/>
+              <a:p>
+                <a:endParaRPr lang="en-US" sz="1600"/>
+              </a:p>
+            </p:txBody>
+          </p:sp>
+          <p:sp>
+            <p:nvSpPr>
+              <p:cNvPr id="27" name="Text Box 198">
+                <a:extLst>
+                  <a:ext uri="{FF2B5EF4-FFF2-40B4-BE49-F238E27FC236}">
+                    <a16:creationId xmlns:a16="http://schemas.microsoft.com/office/drawing/2014/main" id="{01C2879C-8FB7-4EF6-AEB0-AABC81F37691}"/>
+                  </a:ext>
+                </a:extLst>
+              </p:cNvPr>
+              <p:cNvSpPr txBox="1"/>
+              <p:nvPr/>
+            </p:nvSpPr>
+            <p:spPr>
+              <a:xfrm>
+                <a:off x="85725" y="85725"/>
+                <a:ext cx="257810" cy="266700"/>
+              </a:xfrm>
+              <a:prstGeom prst="rect">
+                <a:avLst/>
+              </a:prstGeom>
+              <a:solidFill>
+                <a:schemeClr val="lt1"/>
+              </a:solidFill>
+              <a:ln w="6350">
+                <a:noFill/>
+              </a:ln>
+            </p:spPr>
+            <p:txBody>
+              <a:bodyPr rot="0" spcFirstLastPara="0" vert="horz" wrap="none" lIns="91440" tIns="45720" rIns="91440" bIns="45720" numCol="1" spcCol="0" rtlCol="0" fromWordArt="0" anchor="t" anchorCtr="0" forceAA="0" compatLnSpc="1">
+                <a:prstTxWarp prst="textNoShape">
+                  <a:avLst/>
+                </a:prstTxWarp>
+                <a:noAutofit/>
+              </a:bodyPr>
+              <a:lstStyle/>
+              <a:p>
+                <a:pPr marL="0" marR="0">
+                  <a:lnSpc>
+                    <a:spcPct val="115000"/>
+                  </a:lnSpc>
+                  <a:spcBef>
+                    <a:spcPts val="0"/>
+                  </a:spcBef>
+                  <a:spcAft>
+                    <a:spcPts val="1000"/>
+                  </a:spcAft>
+                </a:pPr>
+                <a:r>
+                  <a:rPr lang="en-US" sz="1600">
+                    <a:effectLst/>
+                    <a:latin typeface="Calibri" panose="020F0502020204030204" pitchFamily="34" charset="0"/>
+                    <a:ea typeface="Times New Roman" panose="02020603050405020304" pitchFamily="18" charset="0"/>
+                    <a:cs typeface="Arial" panose="020B0604020202020204" pitchFamily="34" charset="0"/>
+                  </a:rPr>
+                  <a:t>Y</a:t>
+                </a:r>
+              </a:p>
+            </p:txBody>
+          </p:sp>
+          <p:cxnSp>
+            <p:nvCxnSpPr>
+              <p:cNvPr id="28" name="Straight Arrow Connector 27">
+                <a:extLst>
+                  <a:ext uri="{FF2B5EF4-FFF2-40B4-BE49-F238E27FC236}">
+                    <a16:creationId xmlns:a16="http://schemas.microsoft.com/office/drawing/2014/main" id="{BBAE0DF6-3EE7-42EA-ADB5-1070C5710186}"/>
+                  </a:ext>
+                </a:extLst>
+              </p:cNvPr>
+              <p:cNvCxnSpPr/>
+              <p:nvPr/>
+            </p:nvCxnSpPr>
+            <p:spPr>
+              <a:xfrm>
+                <a:off x="447675" y="228600"/>
+                <a:ext cx="409575" cy="0"/>
+              </a:xfrm>
+              <a:prstGeom prst="straightConnector1">
+                <a:avLst/>
+              </a:prstGeom>
+              <a:ln>
+                <a:tailEnd type="triangle"/>
+              </a:ln>
+            </p:spPr>
+            <p:style>
+              <a:lnRef idx="1">
+                <a:schemeClr val="dk1"/>
+              </a:lnRef>
+              <a:fillRef idx="0">
+                <a:schemeClr val="dk1"/>
+              </a:fillRef>
+              <a:effectRef idx="0">
+                <a:schemeClr val="dk1"/>
+              </a:effectRef>
+              <a:fontRef idx="minor">
+                <a:schemeClr val="tx1"/>
+              </a:fontRef>
+            </p:style>
+          </p:cxnSp>
+        </p:grpSp>
+        <p:grpSp>
+          <p:nvGrpSpPr>
+            <p:cNvPr id="8" name="Group 7">
+              <a:extLst>
+                <a:ext uri="{FF2B5EF4-FFF2-40B4-BE49-F238E27FC236}">
+                  <a16:creationId xmlns:a16="http://schemas.microsoft.com/office/drawing/2014/main" id="{1DFE93D6-6B6D-4B4D-B8AA-F736C7BABFBE}"/>
+                </a:ext>
+              </a:extLst>
+            </p:cNvPr>
+            <p:cNvGrpSpPr/>
+            <p:nvPr/>
+          </p:nvGrpSpPr>
+          <p:grpSpPr>
+            <a:xfrm>
+              <a:off x="457200" y="238125"/>
+              <a:ext cx="1181100" cy="752475"/>
+              <a:chOff x="0" y="0"/>
+              <a:chExt cx="1181100" cy="752475"/>
+            </a:xfrm>
+          </p:grpSpPr>
+          <p:cxnSp>
+            <p:nvCxnSpPr>
+              <p:cNvPr id="24" name="Straight Arrow Connector 23">
+                <a:extLst>
+                  <a:ext uri="{FF2B5EF4-FFF2-40B4-BE49-F238E27FC236}">
+                    <a16:creationId xmlns:a16="http://schemas.microsoft.com/office/drawing/2014/main" id="{015EE902-6DC8-4C29-AB4E-8AC1EC674B94}"/>
+                  </a:ext>
+                </a:extLst>
+              </p:cNvPr>
+              <p:cNvCxnSpPr/>
+              <p:nvPr/>
+            </p:nvCxnSpPr>
+            <p:spPr>
+              <a:xfrm>
+                <a:off x="0" y="0"/>
+                <a:ext cx="1181100" cy="752475"/>
+              </a:xfrm>
+              <a:prstGeom prst="straightConnector1">
+                <a:avLst/>
+              </a:prstGeom>
+              <a:ln>
+                <a:tailEnd type="triangle"/>
+              </a:ln>
+            </p:spPr>
+            <p:style>
+              <a:lnRef idx="1">
+                <a:schemeClr val="dk1"/>
+              </a:lnRef>
+              <a:fillRef idx="0">
+                <a:schemeClr val="dk1"/>
+              </a:fillRef>
+              <a:effectRef idx="0">
+                <a:schemeClr val="dk1"/>
+              </a:effectRef>
+              <a:fontRef idx="minor">
+                <a:schemeClr val="tx1"/>
+              </a:fontRef>
+            </p:style>
+          </p:cxnSp>
+          <p:sp>
+            <p:nvSpPr>
+              <p:cNvPr id="25" name="Text Box 206">
+                <a:extLst>
+                  <a:ext uri="{FF2B5EF4-FFF2-40B4-BE49-F238E27FC236}">
+                    <a16:creationId xmlns:a16="http://schemas.microsoft.com/office/drawing/2014/main" id="{E42B1B3A-F846-4D55-98EE-BD597FA89FE3}"/>
+                  </a:ext>
+                </a:extLst>
+              </p:cNvPr>
+              <p:cNvSpPr txBox="1"/>
+              <p:nvPr/>
+            </p:nvSpPr>
+            <p:spPr>
+              <a:xfrm>
+                <a:off x="304800" y="38100"/>
+                <a:ext cx="390525" cy="276225"/>
+              </a:xfrm>
+              <a:prstGeom prst="rect">
+                <a:avLst/>
+              </a:prstGeom>
+              <a:solidFill>
+                <a:schemeClr val="lt1"/>
+              </a:solidFill>
+              <a:ln w="6350">
+                <a:noFill/>
+              </a:ln>
+            </p:spPr>
+            <p:txBody>
+              <a:bodyPr rot="0" spcFirstLastPara="0" vert="horz" wrap="square" lIns="91440" tIns="45720" rIns="91440" bIns="45720" numCol="1" spcCol="0" rtlCol="0" fromWordArt="0" anchor="t" anchorCtr="0" forceAA="0" compatLnSpc="1">
+                <a:prstTxWarp prst="textNoShape">
+                  <a:avLst/>
+                </a:prstTxWarp>
+                <a:noAutofit/>
+              </a:bodyPr>
+              <a:lstStyle/>
+              <a:p>
+                <a:pPr marL="0" marR="0">
+                  <a:lnSpc>
+                    <a:spcPct val="115000"/>
+                  </a:lnSpc>
+                  <a:spcBef>
+                    <a:spcPts val="0"/>
+                  </a:spcBef>
+                  <a:spcAft>
+                    <a:spcPts val="1000"/>
+                  </a:spcAft>
+                </a:pPr>
+                <a:r>
+                  <a:rPr lang="en-US" sz="1600">
+                    <a:effectLst/>
+                    <a:latin typeface="Calibri" panose="020F0502020204030204" pitchFamily="34" charset="0"/>
+                    <a:ea typeface="Times New Roman" panose="02020603050405020304" pitchFamily="18" charset="0"/>
+                    <a:cs typeface="Arial" panose="020B0604020202020204" pitchFamily="34" charset="0"/>
+                  </a:rPr>
+                  <a:t>w</a:t>
+                </a:r>
+                <a:r>
+                  <a:rPr lang="en-US" sz="1600" baseline="-25000">
+                    <a:effectLst/>
+                    <a:latin typeface="Calibri" panose="020F0502020204030204" pitchFamily="34" charset="0"/>
+                    <a:ea typeface="Times New Roman" panose="02020603050405020304" pitchFamily="18" charset="0"/>
+                    <a:cs typeface="Arial" panose="020B0604020202020204" pitchFamily="34" charset="0"/>
+                  </a:rPr>
+                  <a:t>1</a:t>
+                </a:r>
+                <a:endParaRPr lang="en-US" sz="1600">
+                  <a:effectLst/>
+                  <a:latin typeface="Calibri" panose="020F0502020204030204" pitchFamily="34" charset="0"/>
+                  <a:ea typeface="Times New Roman" panose="02020603050405020304" pitchFamily="18" charset="0"/>
+                  <a:cs typeface="Arial" panose="020B0604020202020204" pitchFamily="34" charset="0"/>
+                </a:endParaRPr>
+              </a:p>
+            </p:txBody>
+          </p:sp>
+        </p:grpSp>
+        <p:grpSp>
+          <p:nvGrpSpPr>
+            <p:cNvPr id="9" name="Group 8">
+              <a:extLst>
+                <a:ext uri="{FF2B5EF4-FFF2-40B4-BE49-F238E27FC236}">
+                  <a16:creationId xmlns:a16="http://schemas.microsoft.com/office/drawing/2014/main" id="{E3275776-BFC2-45E6-8F68-55C52CD7A552}"/>
+                </a:ext>
+              </a:extLst>
+            </p:cNvPr>
+            <p:cNvGrpSpPr/>
+            <p:nvPr/>
+          </p:nvGrpSpPr>
+          <p:grpSpPr>
+            <a:xfrm>
+              <a:off x="457200" y="676275"/>
+              <a:ext cx="1133475" cy="447675"/>
+              <a:chOff x="0" y="0"/>
+              <a:chExt cx="1133475" cy="447675"/>
+            </a:xfrm>
+          </p:grpSpPr>
+          <p:cxnSp>
+            <p:nvCxnSpPr>
+              <p:cNvPr id="22" name="Straight Arrow Connector 21">
+                <a:extLst>
+                  <a:ext uri="{FF2B5EF4-FFF2-40B4-BE49-F238E27FC236}">
+                    <a16:creationId xmlns:a16="http://schemas.microsoft.com/office/drawing/2014/main" id="{B1932781-AFEB-4808-A3AB-F1EB76200D7B}"/>
+                  </a:ext>
+                </a:extLst>
+              </p:cNvPr>
+              <p:cNvCxnSpPr/>
+              <p:nvPr/>
+            </p:nvCxnSpPr>
+            <p:spPr>
+              <a:xfrm>
+                <a:off x="0" y="114300"/>
+                <a:ext cx="1133475" cy="333375"/>
+              </a:xfrm>
+              <a:prstGeom prst="straightConnector1">
+                <a:avLst/>
+              </a:prstGeom>
+              <a:ln>
+                <a:tailEnd type="triangle"/>
+              </a:ln>
+            </p:spPr>
+            <p:style>
+              <a:lnRef idx="1">
+                <a:schemeClr val="dk1"/>
+              </a:lnRef>
+              <a:fillRef idx="0">
+                <a:schemeClr val="dk1"/>
+              </a:fillRef>
+              <a:effectRef idx="0">
+                <a:schemeClr val="dk1"/>
+              </a:effectRef>
+              <a:fontRef idx="minor">
+                <a:schemeClr val="tx1"/>
+              </a:fontRef>
+            </p:style>
+          </p:cxnSp>
+          <p:sp>
+            <p:nvSpPr>
+              <p:cNvPr id="23" name="Text Box 207">
+                <a:extLst>
+                  <a:ext uri="{FF2B5EF4-FFF2-40B4-BE49-F238E27FC236}">
+                    <a16:creationId xmlns:a16="http://schemas.microsoft.com/office/drawing/2014/main" id="{D2CC3240-529D-44C3-8B7D-786B2F575B07}"/>
+                  </a:ext>
+                </a:extLst>
+              </p:cNvPr>
+              <p:cNvSpPr txBox="1"/>
+              <p:nvPr/>
+            </p:nvSpPr>
+            <p:spPr>
+              <a:xfrm>
+                <a:off x="180975" y="0"/>
+                <a:ext cx="390525" cy="276225"/>
+              </a:xfrm>
+              <a:prstGeom prst="rect">
+                <a:avLst/>
+              </a:prstGeom>
+              <a:solidFill>
+                <a:schemeClr val="lt1"/>
+              </a:solidFill>
+              <a:ln w="6350">
+                <a:noFill/>
+              </a:ln>
+            </p:spPr>
+            <p:txBody>
+              <a:bodyPr rot="0" spcFirstLastPara="0" vert="horz" wrap="square" lIns="91440" tIns="45720" rIns="91440" bIns="45720" numCol="1" spcCol="0" rtlCol="0" fromWordArt="0" anchor="t" anchorCtr="0" forceAA="0" compatLnSpc="1">
+                <a:prstTxWarp prst="textNoShape">
+                  <a:avLst/>
+                </a:prstTxWarp>
+                <a:noAutofit/>
+              </a:bodyPr>
+              <a:lstStyle/>
+              <a:p>
+                <a:pPr marL="0" marR="0">
+                  <a:lnSpc>
+                    <a:spcPct val="115000"/>
+                  </a:lnSpc>
+                  <a:spcBef>
+                    <a:spcPts val="0"/>
+                  </a:spcBef>
+                  <a:spcAft>
+                    <a:spcPts val="1000"/>
+                  </a:spcAft>
+                </a:pPr>
+                <a:r>
+                  <a:rPr lang="en-US" sz="1600">
+                    <a:effectLst/>
+                    <a:latin typeface="Calibri" panose="020F0502020204030204" pitchFamily="34" charset="0"/>
+                    <a:ea typeface="Times New Roman" panose="02020603050405020304" pitchFamily="18" charset="0"/>
+                    <a:cs typeface="Arial" panose="020B0604020202020204" pitchFamily="34" charset="0"/>
+                  </a:rPr>
+                  <a:t>w</a:t>
+                </a:r>
+                <a:r>
+                  <a:rPr lang="en-US" sz="1600" baseline="-25000">
+                    <a:effectLst/>
+                    <a:latin typeface="Calibri" panose="020F0502020204030204" pitchFamily="34" charset="0"/>
+                    <a:ea typeface="Times New Roman" panose="02020603050405020304" pitchFamily="18" charset="0"/>
+                    <a:cs typeface="Arial" panose="020B0604020202020204" pitchFamily="34" charset="0"/>
+                  </a:rPr>
+                  <a:t>2</a:t>
+                </a:r>
+                <a:endParaRPr lang="en-US" sz="1600">
+                  <a:effectLst/>
+                  <a:latin typeface="Calibri" panose="020F0502020204030204" pitchFamily="34" charset="0"/>
+                  <a:ea typeface="Times New Roman" panose="02020603050405020304" pitchFamily="18" charset="0"/>
+                  <a:cs typeface="Arial" panose="020B0604020202020204" pitchFamily="34" charset="0"/>
+                </a:endParaRPr>
+              </a:p>
+            </p:txBody>
+          </p:sp>
+        </p:grpSp>
+        <p:grpSp>
+          <p:nvGrpSpPr>
+            <p:cNvPr id="10" name="Group 9">
+              <a:extLst>
+                <a:ext uri="{FF2B5EF4-FFF2-40B4-BE49-F238E27FC236}">
+                  <a16:creationId xmlns:a16="http://schemas.microsoft.com/office/drawing/2014/main" id="{229E4575-3836-4CA9-A0C8-6824596B4EC9}"/>
+                </a:ext>
+              </a:extLst>
+            </p:cNvPr>
+            <p:cNvGrpSpPr/>
+            <p:nvPr/>
+          </p:nvGrpSpPr>
+          <p:grpSpPr>
+            <a:xfrm>
+              <a:off x="447675" y="1152525"/>
+              <a:ext cx="1133475" cy="276225"/>
+              <a:chOff x="0" y="0"/>
+              <a:chExt cx="1133475" cy="276225"/>
+            </a:xfrm>
+          </p:grpSpPr>
+          <p:cxnSp>
+            <p:nvCxnSpPr>
+              <p:cNvPr id="20" name="Straight Arrow Connector 19">
+                <a:extLst>
+                  <a:ext uri="{FF2B5EF4-FFF2-40B4-BE49-F238E27FC236}">
+                    <a16:creationId xmlns:a16="http://schemas.microsoft.com/office/drawing/2014/main" id="{750B4D62-3AAD-46A2-9C16-47BC00A679C1}"/>
+                  </a:ext>
+                </a:extLst>
+              </p:cNvPr>
+              <p:cNvCxnSpPr/>
+              <p:nvPr/>
+            </p:nvCxnSpPr>
+            <p:spPr>
+              <a:xfrm flipV="1">
+                <a:off x="0" y="76200"/>
+                <a:ext cx="1133475" cy="123825"/>
+              </a:xfrm>
+              <a:prstGeom prst="straightConnector1">
+                <a:avLst/>
+              </a:prstGeom>
+              <a:ln>
+                <a:tailEnd type="triangle"/>
+              </a:ln>
+            </p:spPr>
+            <p:style>
+              <a:lnRef idx="1">
+                <a:schemeClr val="dk1"/>
+              </a:lnRef>
+              <a:fillRef idx="0">
+                <a:schemeClr val="dk1"/>
+              </a:fillRef>
+              <a:effectRef idx="0">
+                <a:schemeClr val="dk1"/>
+              </a:effectRef>
+              <a:fontRef idx="minor">
+                <a:schemeClr val="tx1"/>
+              </a:fontRef>
+            </p:style>
+          </p:cxnSp>
+          <p:sp>
+            <p:nvSpPr>
+              <p:cNvPr id="21" name="Text Box 208">
+                <a:extLst>
+                  <a:ext uri="{FF2B5EF4-FFF2-40B4-BE49-F238E27FC236}">
+                    <a16:creationId xmlns:a16="http://schemas.microsoft.com/office/drawing/2014/main" id="{4612C0C5-C81C-45D8-AC5F-640CE83A42EF}"/>
+                  </a:ext>
+                </a:extLst>
+              </p:cNvPr>
+              <p:cNvSpPr txBox="1"/>
+              <p:nvPr/>
+            </p:nvSpPr>
+            <p:spPr>
+              <a:xfrm>
+                <a:off x="190500" y="0"/>
+                <a:ext cx="390525" cy="276225"/>
+              </a:xfrm>
+              <a:prstGeom prst="rect">
+                <a:avLst/>
+              </a:prstGeom>
+              <a:solidFill>
+                <a:schemeClr val="lt1"/>
+              </a:solidFill>
+              <a:ln w="6350">
+                <a:noFill/>
+              </a:ln>
+            </p:spPr>
+            <p:txBody>
+              <a:bodyPr rot="0" spcFirstLastPara="0" vert="horz" wrap="square" lIns="91440" tIns="45720" rIns="91440" bIns="45720" numCol="1" spcCol="0" rtlCol="0" fromWordArt="0" anchor="t" anchorCtr="0" forceAA="0" compatLnSpc="1">
+                <a:prstTxWarp prst="textNoShape">
+                  <a:avLst/>
+                </a:prstTxWarp>
+                <a:noAutofit/>
+              </a:bodyPr>
+              <a:lstStyle/>
+              <a:p>
+                <a:pPr marL="0" marR="0">
+                  <a:lnSpc>
+                    <a:spcPct val="115000"/>
+                  </a:lnSpc>
+                  <a:spcBef>
+                    <a:spcPts val="0"/>
+                  </a:spcBef>
+                  <a:spcAft>
+                    <a:spcPts val="1000"/>
+                  </a:spcAft>
+                </a:pPr>
+                <a:r>
+                  <a:rPr lang="en-US" sz="1600">
+                    <a:effectLst/>
+                    <a:latin typeface="Calibri" panose="020F0502020204030204" pitchFamily="34" charset="0"/>
+                    <a:ea typeface="Times New Roman" panose="02020603050405020304" pitchFamily="18" charset="0"/>
+                    <a:cs typeface="Arial" panose="020B0604020202020204" pitchFamily="34" charset="0"/>
+                  </a:rPr>
+                  <a:t>w</a:t>
+                </a:r>
+                <a:r>
+                  <a:rPr lang="en-US" sz="1600" baseline="-25000">
+                    <a:effectLst/>
+                    <a:latin typeface="Calibri" panose="020F0502020204030204" pitchFamily="34" charset="0"/>
+                    <a:ea typeface="Times New Roman" panose="02020603050405020304" pitchFamily="18" charset="0"/>
+                    <a:cs typeface="Arial" panose="020B0604020202020204" pitchFamily="34" charset="0"/>
+                  </a:rPr>
+                  <a:t>3</a:t>
+                </a:r>
+                <a:endParaRPr lang="en-US" sz="1600">
+                  <a:effectLst/>
+                  <a:latin typeface="Calibri" panose="020F0502020204030204" pitchFamily="34" charset="0"/>
+                  <a:ea typeface="Times New Roman" panose="02020603050405020304" pitchFamily="18" charset="0"/>
+                  <a:cs typeface="Arial" panose="020B0604020202020204" pitchFamily="34" charset="0"/>
+                </a:endParaRPr>
+              </a:p>
+            </p:txBody>
+          </p:sp>
+        </p:grpSp>
+        <p:grpSp>
+          <p:nvGrpSpPr>
+            <p:cNvPr id="11" name="Group 10">
+              <a:extLst>
+                <a:ext uri="{FF2B5EF4-FFF2-40B4-BE49-F238E27FC236}">
+                  <a16:creationId xmlns:a16="http://schemas.microsoft.com/office/drawing/2014/main" id="{76DEAD31-5F67-4EB0-87FF-33A0399BE9CD}"/>
+                </a:ext>
+              </a:extLst>
+            </p:cNvPr>
+            <p:cNvGrpSpPr/>
+            <p:nvPr/>
+          </p:nvGrpSpPr>
+          <p:grpSpPr>
+            <a:xfrm>
+              <a:off x="0" y="1181100"/>
+              <a:ext cx="438150" cy="438150"/>
+              <a:chOff x="0" y="0"/>
+              <a:chExt cx="438150" cy="438150"/>
+            </a:xfrm>
+          </p:grpSpPr>
+          <p:sp>
+            <p:nvSpPr>
+              <p:cNvPr id="18" name="Oval 17">
+                <a:extLst>
+                  <a:ext uri="{FF2B5EF4-FFF2-40B4-BE49-F238E27FC236}">
+                    <a16:creationId xmlns:a16="http://schemas.microsoft.com/office/drawing/2014/main" id="{07A7960D-65F7-4C5B-8DA1-6E0935DE17C8}"/>
+                  </a:ext>
+                </a:extLst>
+              </p:cNvPr>
+              <p:cNvSpPr/>
+              <p:nvPr/>
+            </p:nvSpPr>
+            <p:spPr>
+              <a:xfrm>
+                <a:off x="0" y="0"/>
+                <a:ext cx="438150" cy="438150"/>
+              </a:xfrm>
+              <a:prstGeom prst="ellipse">
+                <a:avLst/>
+              </a:prstGeom>
+              <a:ln>
+                <a:solidFill>
+                  <a:schemeClr val="tx1"/>
+                </a:solidFill>
+              </a:ln>
+            </p:spPr>
+            <p:style>
+              <a:lnRef idx="2">
+                <a:schemeClr val="accent6"/>
+              </a:lnRef>
+              <a:fillRef idx="1">
+                <a:schemeClr val="lt1"/>
+              </a:fillRef>
+              <a:effectRef idx="0">
+                <a:schemeClr val="accent6"/>
+              </a:effectRef>
+              <a:fontRef idx="minor">
+                <a:schemeClr val="dk1"/>
+              </a:fontRef>
+            </p:style>
+            <p:txBody>
+              <a:bodyPr rot="0" spcFirstLastPara="0" vert="horz" wrap="square" lIns="91440" tIns="45720" rIns="91440" bIns="45720" numCol="1" spcCol="0" rtlCol="0" fromWordArt="0" anchor="ctr" anchorCtr="0" forceAA="0" compatLnSpc="1">
+                <a:prstTxWarp prst="textNoShape">
+                  <a:avLst/>
+                </a:prstTxWarp>
+                <a:noAutofit/>
+              </a:bodyPr>
+              <a:lstStyle/>
+              <a:p>
+                <a:endParaRPr lang="en-US" sz="1600"/>
+              </a:p>
+            </p:txBody>
+          </p:sp>
+          <p:sp>
+            <p:nvSpPr>
+              <p:cNvPr id="19" name="Text Box 209">
+                <a:extLst>
+                  <a:ext uri="{FF2B5EF4-FFF2-40B4-BE49-F238E27FC236}">
+                    <a16:creationId xmlns:a16="http://schemas.microsoft.com/office/drawing/2014/main" id="{186DBF80-547C-448C-83B4-C44EAE898F00}"/>
+                  </a:ext>
+                </a:extLst>
+              </p:cNvPr>
+              <p:cNvSpPr txBox="1"/>
+              <p:nvPr/>
+            </p:nvSpPr>
+            <p:spPr>
+              <a:xfrm>
+                <a:off x="66675" y="95250"/>
+                <a:ext cx="295275" cy="266700"/>
+              </a:xfrm>
+              <a:prstGeom prst="rect">
+                <a:avLst/>
+              </a:prstGeom>
+              <a:solidFill>
+                <a:schemeClr val="lt1"/>
+              </a:solidFill>
+              <a:ln w="6350">
+                <a:noFill/>
+              </a:ln>
+            </p:spPr>
+            <p:txBody>
+              <a:bodyPr rot="0" spcFirstLastPara="0" vert="horz" wrap="none" lIns="91440" tIns="45720" rIns="91440" bIns="45720" numCol="1" spcCol="0" rtlCol="0" fromWordArt="0" anchor="t" anchorCtr="0" forceAA="0" compatLnSpc="1">
+                <a:prstTxWarp prst="textNoShape">
+                  <a:avLst/>
+                </a:prstTxWarp>
+                <a:noAutofit/>
+              </a:bodyPr>
+              <a:lstStyle/>
+              <a:p>
+                <a:pPr marL="0" marR="0">
+                  <a:lnSpc>
+                    <a:spcPct val="115000"/>
+                  </a:lnSpc>
+                  <a:spcBef>
+                    <a:spcPts val="0"/>
+                  </a:spcBef>
+                  <a:spcAft>
+                    <a:spcPts val="1000"/>
+                  </a:spcAft>
+                </a:pPr>
+                <a:r>
+                  <a:rPr lang="en-US" sz="1600">
+                    <a:effectLst/>
+                    <a:latin typeface="Calibri" panose="020F0502020204030204" pitchFamily="34" charset="0"/>
+                    <a:ea typeface="Times New Roman" panose="02020603050405020304" pitchFamily="18" charset="0"/>
+                    <a:cs typeface="Arial" panose="020B0604020202020204" pitchFamily="34" charset="0"/>
+                  </a:rPr>
+                  <a:t>x</a:t>
+                </a:r>
+                <a:r>
+                  <a:rPr lang="en-US" sz="1600" baseline="-25000">
+                    <a:effectLst/>
+                    <a:latin typeface="Calibri" panose="020F0502020204030204" pitchFamily="34" charset="0"/>
+                    <a:ea typeface="Times New Roman" panose="02020603050405020304" pitchFamily="18" charset="0"/>
+                    <a:cs typeface="Arial" panose="020B0604020202020204" pitchFamily="34" charset="0"/>
+                  </a:rPr>
+                  <a:t>3</a:t>
+                </a:r>
+                <a:endParaRPr lang="en-US" sz="1600">
+                  <a:effectLst/>
+                  <a:latin typeface="Calibri" panose="020F0502020204030204" pitchFamily="34" charset="0"/>
+                  <a:ea typeface="Times New Roman" panose="02020603050405020304" pitchFamily="18" charset="0"/>
+                  <a:cs typeface="Arial" panose="020B0604020202020204" pitchFamily="34" charset="0"/>
+                </a:endParaRPr>
+              </a:p>
+            </p:txBody>
+          </p:sp>
+        </p:grpSp>
+        <p:grpSp>
+          <p:nvGrpSpPr>
+            <p:cNvPr id="12" name="Group 11">
+              <a:extLst>
+                <a:ext uri="{FF2B5EF4-FFF2-40B4-BE49-F238E27FC236}">
+                  <a16:creationId xmlns:a16="http://schemas.microsoft.com/office/drawing/2014/main" id="{FF2680B5-BEDF-4B6B-80E9-870776D7D18E}"/>
+                </a:ext>
+              </a:extLst>
+            </p:cNvPr>
+            <p:cNvGrpSpPr/>
+            <p:nvPr/>
+          </p:nvGrpSpPr>
+          <p:grpSpPr>
+            <a:xfrm>
+              <a:off x="0" y="1781175"/>
+              <a:ext cx="438150" cy="438150"/>
+              <a:chOff x="0" y="0"/>
+              <a:chExt cx="438150" cy="438150"/>
+            </a:xfrm>
+          </p:grpSpPr>
+          <p:sp>
+            <p:nvSpPr>
+              <p:cNvPr id="16" name="Oval 15">
+                <a:extLst>
+                  <a:ext uri="{FF2B5EF4-FFF2-40B4-BE49-F238E27FC236}">
+                    <a16:creationId xmlns:a16="http://schemas.microsoft.com/office/drawing/2014/main" id="{195409F1-8482-4CF1-A2AF-5129FD2A898A}"/>
+                  </a:ext>
+                </a:extLst>
+              </p:cNvPr>
+              <p:cNvSpPr/>
+              <p:nvPr/>
+            </p:nvSpPr>
+            <p:spPr>
+              <a:xfrm>
+                <a:off x="0" y="0"/>
+                <a:ext cx="438150" cy="438150"/>
+              </a:xfrm>
+              <a:prstGeom prst="ellipse">
+                <a:avLst/>
+              </a:prstGeom>
+              <a:ln>
+                <a:solidFill>
+                  <a:schemeClr val="tx1"/>
+                </a:solidFill>
+              </a:ln>
+            </p:spPr>
+            <p:style>
+              <a:lnRef idx="2">
+                <a:schemeClr val="accent6"/>
+              </a:lnRef>
+              <a:fillRef idx="1">
+                <a:schemeClr val="lt1"/>
+              </a:fillRef>
+              <a:effectRef idx="0">
+                <a:schemeClr val="accent6"/>
+              </a:effectRef>
+              <a:fontRef idx="minor">
+                <a:schemeClr val="dk1"/>
+              </a:fontRef>
+            </p:style>
+            <p:txBody>
+              <a:bodyPr rot="0" spcFirstLastPara="0" vert="horz" wrap="square" lIns="91440" tIns="45720" rIns="91440" bIns="45720" numCol="1" spcCol="0" rtlCol="0" fromWordArt="0" anchor="ctr" anchorCtr="0" forceAA="0" compatLnSpc="1">
+                <a:prstTxWarp prst="textNoShape">
+                  <a:avLst/>
+                </a:prstTxWarp>
+                <a:noAutofit/>
+              </a:bodyPr>
+              <a:lstStyle/>
+              <a:p>
+                <a:endParaRPr lang="en-US" sz="1600"/>
+              </a:p>
+            </p:txBody>
+          </p:sp>
+          <p:sp>
+            <p:nvSpPr>
+              <p:cNvPr id="17" name="Text Box 290">
+                <a:extLst>
+                  <a:ext uri="{FF2B5EF4-FFF2-40B4-BE49-F238E27FC236}">
+                    <a16:creationId xmlns:a16="http://schemas.microsoft.com/office/drawing/2014/main" id="{FCEC9C2D-6202-4811-BA59-26F58542AC9E}"/>
+                  </a:ext>
+                </a:extLst>
+              </p:cNvPr>
+              <p:cNvSpPr txBox="1"/>
+              <p:nvPr/>
+            </p:nvSpPr>
+            <p:spPr>
+              <a:xfrm>
+                <a:off x="85725" y="85725"/>
+                <a:ext cx="307340" cy="266700"/>
+              </a:xfrm>
+              <a:prstGeom prst="rect">
+                <a:avLst/>
+              </a:prstGeom>
+              <a:solidFill>
+                <a:schemeClr val="lt1"/>
+              </a:solidFill>
+              <a:ln w="6350">
+                <a:noFill/>
+              </a:ln>
+            </p:spPr>
+            <p:txBody>
+              <a:bodyPr rot="0" spcFirstLastPara="0" vert="horz" wrap="none" lIns="91440" tIns="45720" rIns="91440" bIns="45720" numCol="1" spcCol="0" rtlCol="0" fromWordArt="0" anchor="t" anchorCtr="0" forceAA="0" compatLnSpc="1">
+                <a:prstTxWarp prst="textNoShape">
+                  <a:avLst/>
+                </a:prstTxWarp>
+                <a:noAutofit/>
+              </a:bodyPr>
+              <a:lstStyle/>
+              <a:p>
+                <a:pPr marL="0" marR="0">
+                  <a:lnSpc>
+                    <a:spcPct val="115000"/>
+                  </a:lnSpc>
+                  <a:spcBef>
+                    <a:spcPts val="0"/>
+                  </a:spcBef>
+                  <a:spcAft>
+                    <a:spcPts val="1000"/>
+                  </a:spcAft>
+                </a:pPr>
+                <a:r>
+                  <a:rPr lang="en-US" sz="1600">
+                    <a:effectLst/>
+                    <a:latin typeface="Calibri" panose="020F0502020204030204" pitchFamily="34" charset="0"/>
+                    <a:ea typeface="Times New Roman" panose="02020603050405020304" pitchFamily="18" charset="0"/>
+                    <a:cs typeface="Arial" panose="020B0604020202020204" pitchFamily="34" charset="0"/>
+                  </a:rPr>
+                  <a:t>X</a:t>
+                </a:r>
+                <a:r>
+                  <a:rPr lang="en-US" sz="1600" baseline="-25000">
+                    <a:effectLst/>
+                    <a:latin typeface="Calibri" panose="020F0502020204030204" pitchFamily="34" charset="0"/>
+                    <a:ea typeface="Times New Roman" panose="02020603050405020304" pitchFamily="18" charset="0"/>
+                    <a:cs typeface="Arial" panose="020B0604020202020204" pitchFamily="34" charset="0"/>
+                  </a:rPr>
+                  <a:t>4</a:t>
+                </a:r>
+                <a:endParaRPr lang="en-US" sz="1600">
+                  <a:effectLst/>
+                  <a:latin typeface="Calibri" panose="020F0502020204030204" pitchFamily="34" charset="0"/>
+                  <a:ea typeface="Times New Roman" panose="02020603050405020304" pitchFamily="18" charset="0"/>
+                  <a:cs typeface="Arial" panose="020B0604020202020204" pitchFamily="34" charset="0"/>
+                </a:endParaRPr>
+              </a:p>
+            </p:txBody>
+          </p:sp>
+        </p:grpSp>
+        <p:grpSp>
+          <p:nvGrpSpPr>
+            <p:cNvPr id="13" name="Group 12">
+              <a:extLst>
+                <a:ext uri="{FF2B5EF4-FFF2-40B4-BE49-F238E27FC236}">
+                  <a16:creationId xmlns:a16="http://schemas.microsoft.com/office/drawing/2014/main" id="{33CC9014-953E-4728-85D3-3F61EE9894DE}"/>
+                </a:ext>
+              </a:extLst>
+            </p:cNvPr>
+            <p:cNvGrpSpPr/>
+            <p:nvPr/>
+          </p:nvGrpSpPr>
+          <p:grpSpPr>
+            <a:xfrm>
+              <a:off x="438150" y="1352550"/>
+              <a:ext cx="1171575" cy="638175"/>
+              <a:chOff x="0" y="0"/>
+              <a:chExt cx="1171575" cy="638175"/>
+            </a:xfrm>
+          </p:grpSpPr>
+          <p:cxnSp>
+            <p:nvCxnSpPr>
+              <p:cNvPr id="14" name="Straight Arrow Connector 13">
+                <a:extLst>
+                  <a:ext uri="{FF2B5EF4-FFF2-40B4-BE49-F238E27FC236}">
+                    <a16:creationId xmlns:a16="http://schemas.microsoft.com/office/drawing/2014/main" id="{B08AEADC-53CF-4554-A71E-1028D54D117E}"/>
+                  </a:ext>
+                </a:extLst>
+              </p:cNvPr>
+              <p:cNvCxnSpPr/>
+              <p:nvPr/>
+            </p:nvCxnSpPr>
+            <p:spPr>
+              <a:xfrm flipV="1">
+                <a:off x="0" y="0"/>
+                <a:ext cx="1171575" cy="638175"/>
+              </a:xfrm>
+              <a:prstGeom prst="straightConnector1">
+                <a:avLst/>
+              </a:prstGeom>
+              <a:ln>
+                <a:tailEnd type="triangle"/>
+              </a:ln>
+            </p:spPr>
+            <p:style>
+              <a:lnRef idx="1">
+                <a:schemeClr val="dk1"/>
+              </a:lnRef>
+              <a:fillRef idx="0">
+                <a:schemeClr val="dk1"/>
+              </a:fillRef>
+              <a:effectRef idx="0">
+                <a:schemeClr val="dk1"/>
+              </a:effectRef>
+              <a:fontRef idx="minor">
+                <a:schemeClr val="tx1"/>
+              </a:fontRef>
+            </p:style>
+          </p:cxnSp>
+          <p:sp>
+            <p:nvSpPr>
+              <p:cNvPr id="15" name="Text Box 296">
+                <a:extLst>
+                  <a:ext uri="{FF2B5EF4-FFF2-40B4-BE49-F238E27FC236}">
+                    <a16:creationId xmlns:a16="http://schemas.microsoft.com/office/drawing/2014/main" id="{8C3394C0-E800-4754-9533-88C4636FFA17}"/>
+                  </a:ext>
+                </a:extLst>
+              </p:cNvPr>
+              <p:cNvSpPr txBox="1"/>
+              <p:nvPr/>
+            </p:nvSpPr>
+            <p:spPr>
+              <a:xfrm>
+                <a:off x="266700" y="285750"/>
+                <a:ext cx="390525" cy="276225"/>
+              </a:xfrm>
+              <a:prstGeom prst="rect">
+                <a:avLst/>
+              </a:prstGeom>
+              <a:solidFill>
+                <a:schemeClr val="lt1"/>
+              </a:solidFill>
+              <a:ln w="6350">
+                <a:noFill/>
+              </a:ln>
+            </p:spPr>
+            <p:txBody>
+              <a:bodyPr rot="0" spcFirstLastPara="0" vert="horz" wrap="square" lIns="91440" tIns="45720" rIns="91440" bIns="45720" numCol="1" spcCol="0" rtlCol="0" fromWordArt="0" anchor="t" anchorCtr="0" forceAA="0" compatLnSpc="1">
+                <a:prstTxWarp prst="textNoShape">
+                  <a:avLst/>
+                </a:prstTxWarp>
+                <a:noAutofit/>
+              </a:bodyPr>
+              <a:lstStyle/>
+              <a:p>
+                <a:pPr marL="0" marR="0">
+                  <a:lnSpc>
+                    <a:spcPct val="115000"/>
+                  </a:lnSpc>
+                  <a:spcBef>
+                    <a:spcPts val="0"/>
+                  </a:spcBef>
+                  <a:spcAft>
+                    <a:spcPts val="1000"/>
+                  </a:spcAft>
+                </a:pPr>
+                <a:r>
+                  <a:rPr lang="en-US" sz="1600">
+                    <a:effectLst/>
+                    <a:latin typeface="Calibri" panose="020F0502020204030204" pitchFamily="34" charset="0"/>
+                    <a:ea typeface="Times New Roman" panose="02020603050405020304" pitchFamily="18" charset="0"/>
+                    <a:cs typeface="Arial" panose="020B0604020202020204" pitchFamily="34" charset="0"/>
+                  </a:rPr>
+                  <a:t>w</a:t>
+                </a:r>
+                <a:r>
+                  <a:rPr lang="en-US" sz="1600" baseline="-25000">
+                    <a:effectLst/>
+                    <a:latin typeface="Calibri" panose="020F0502020204030204" pitchFamily="34" charset="0"/>
+                    <a:ea typeface="Times New Roman" panose="02020603050405020304" pitchFamily="18" charset="0"/>
+                    <a:cs typeface="Arial" panose="020B0604020202020204" pitchFamily="34" charset="0"/>
+                  </a:rPr>
+                  <a:t>4</a:t>
+                </a:r>
+                <a:endParaRPr lang="en-US" sz="1600">
+                  <a:effectLst/>
+                  <a:latin typeface="Calibri" panose="020F0502020204030204" pitchFamily="34" charset="0"/>
+                  <a:ea typeface="Times New Roman" panose="02020603050405020304" pitchFamily="18" charset="0"/>
+                  <a:cs typeface="Arial" panose="020B0604020202020204" pitchFamily="34" charset="0"/>
+                </a:endParaRPr>
+              </a:p>
+            </p:txBody>
+          </p:sp>
+        </p:grpSp>
+      </p:grpSp>
+      <p:sp>
+        <p:nvSpPr>
+          <p:cNvPr id="33" name="TextBox 32">
+            <a:extLst>
+              <a:ext uri="{FF2B5EF4-FFF2-40B4-BE49-F238E27FC236}">
+                <a16:creationId xmlns:a16="http://schemas.microsoft.com/office/drawing/2014/main" id="{4228876C-4416-4B7A-A12E-1F6AB978137A}"/>
+              </a:ext>
+            </a:extLst>
+          </p:cNvPr>
+          <p:cNvSpPr txBox="1"/>
+          <p:nvPr/>
+        </p:nvSpPr>
+        <p:spPr>
+          <a:xfrm>
+            <a:off x="6040582" y="5666509"/>
+            <a:ext cx="4210127" cy="646331"/>
+          </a:xfrm>
+          <a:prstGeom prst="rect">
+            <a:avLst/>
+          </a:prstGeom>
+          <a:noFill/>
+        </p:spPr>
+        <p:txBody>
+          <a:bodyPr wrap="none" rtlCol="0">
+            <a:spAutoFit/>
+          </a:bodyPr>
+          <a:lstStyle/>
+          <a:p>
+            <a:r>
+              <a:rPr lang="en-US" dirty="0" err="1"/>
+              <a:t>Fungsi</a:t>
+            </a:r>
+            <a:r>
+              <a:rPr lang="en-US" dirty="0"/>
+              <a:t> </a:t>
+            </a:r>
+            <a:r>
+              <a:rPr lang="en-US" dirty="0" err="1"/>
+              <a:t>aktivasi</a:t>
+            </a:r>
+            <a:r>
+              <a:rPr lang="en-US" dirty="0"/>
+              <a:t> </a:t>
+            </a:r>
+            <a:r>
+              <a:rPr lang="en-US" dirty="0" err="1"/>
+              <a:t>untuk</a:t>
+            </a:r>
+            <a:r>
+              <a:rPr lang="en-US" dirty="0"/>
+              <a:t> hidden layer : Sigmoid</a:t>
+            </a:r>
+          </a:p>
+          <a:p>
+            <a:r>
+              <a:rPr lang="en-US" dirty="0" err="1"/>
+              <a:t>Gungsi</a:t>
+            </a:r>
+            <a:r>
+              <a:rPr lang="en-US" dirty="0"/>
+              <a:t> </a:t>
+            </a:r>
+            <a:r>
+              <a:rPr lang="en-US" dirty="0" err="1"/>
+              <a:t>aktivasi</a:t>
+            </a:r>
+            <a:r>
+              <a:rPr lang="en-US" dirty="0"/>
+              <a:t> </a:t>
+            </a:r>
+            <a:r>
+              <a:rPr lang="en-US" dirty="0" err="1"/>
+              <a:t>untuk</a:t>
+            </a:r>
+            <a:r>
+              <a:rPr lang="en-US" dirty="0"/>
+              <a:t> output : </a:t>
+            </a:r>
+            <a:r>
+              <a:rPr lang="en-US" dirty="0" err="1"/>
+              <a:t>Softmax</a:t>
+            </a:r>
+            <a:endParaRPr lang="en-US" dirty="0"/>
+          </a:p>
+        </p:txBody>
+      </p:sp>
+    </p:spTree>
+    <p:extLst>
+      <p:ext uri="{BB962C8B-B14F-4D97-AF65-F5344CB8AC3E}">
+        <p14:creationId xmlns:p14="http://schemas.microsoft.com/office/powerpoint/2010/main" val="2213418564"/>
+      </p:ext>
+    </p:extLst>
+  </p:cSld>
+  <p:clrMapOvr>
+    <a:masterClrMapping/>
+  </p:clrMapOvr>
+</p:sld>
+</file>
+
+<file path=ppt/slides/slide35.xml><?xml version="1.0" encoding="utf-8"?>
+<p:sld xmlns:a="http://schemas.openxmlformats.org/drawingml/2006/main" xmlns:r="http://schemas.openxmlformats.org/officeDocument/2006/relationships" xmlns:p="http://schemas.openxmlformats.org/presentationml/2006/main">
+  <p:cSld>
+    <p:spTree>
+      <p:nvGrpSpPr>
+        <p:cNvPr id="1" name=""/>
+        <p:cNvGrpSpPr/>
+        <p:nvPr/>
+      </p:nvGrpSpPr>
+      <p:grpSpPr>
+        <a:xfrm>
+          <a:off x="0" y="0"/>
+          <a:ext cx="0" cy="0"/>
+          <a:chOff x="0" y="0"/>
+          <a:chExt cx="0" cy="0"/>
+        </a:xfrm>
+      </p:grpSpPr>
+      <p:grpSp>
+        <p:nvGrpSpPr>
+          <p:cNvPr id="41" name="Group 40">
+            <a:extLst>
+              <a:ext uri="{FF2B5EF4-FFF2-40B4-BE49-F238E27FC236}">
+                <a16:creationId xmlns:a16="http://schemas.microsoft.com/office/drawing/2014/main" id="{3B492172-EF34-4534-AABE-2FA1EA6EA1F3}"/>
+              </a:ext>
+            </a:extLst>
+          </p:cNvPr>
+          <p:cNvGrpSpPr/>
+          <p:nvPr/>
+        </p:nvGrpSpPr>
+        <p:grpSpPr>
+          <a:xfrm>
+            <a:off x="268182" y="1845426"/>
+            <a:ext cx="2947694" cy="4056611"/>
+            <a:chOff x="1016326" y="1981199"/>
+            <a:chExt cx="3261796" cy="4488878"/>
+          </a:xfrm>
+        </p:grpSpPr>
+        <p:sp>
+          <p:nvSpPr>
+            <p:cNvPr id="7" name="Oval 6">
+              <a:extLst>
+                <a:ext uri="{FF2B5EF4-FFF2-40B4-BE49-F238E27FC236}">
+                  <a16:creationId xmlns:a16="http://schemas.microsoft.com/office/drawing/2014/main" id="{68588C23-4738-48F1-B78E-B60C6036460D}"/>
+                </a:ext>
+              </a:extLst>
+            </p:cNvPr>
+            <p:cNvSpPr/>
+            <p:nvPr/>
+          </p:nvSpPr>
+          <p:spPr>
+            <a:xfrm>
+              <a:off x="1094506" y="3893127"/>
+              <a:ext cx="665021" cy="665021"/>
+            </a:xfrm>
+            <a:prstGeom prst="ellipse">
+              <a:avLst/>
+            </a:prstGeom>
+            <a:noFill/>
+            <a:ln>
+              <a:solidFill>
+                <a:schemeClr val="tx1"/>
+              </a:solidFill>
+            </a:ln>
+          </p:spPr>
+          <p:style>
+            <a:lnRef idx="2">
+              <a:schemeClr val="accent1">
+                <a:shade val="50000"/>
+              </a:schemeClr>
+            </a:lnRef>
+            <a:fillRef idx="1">
+              <a:schemeClr val="accent1"/>
+            </a:fillRef>
+            <a:effectRef idx="0">
+              <a:schemeClr val="accent1"/>
+            </a:effectRef>
+            <a:fontRef idx="minor">
+              <a:schemeClr val="lt1"/>
+            </a:fontRef>
+          </p:style>
+          <p:txBody>
+            <a:bodyPr rtlCol="0" anchor="ctr"/>
+            <a:lstStyle/>
+            <a:p>
+              <a:pPr algn="ctr"/>
+              <a:r>
+                <a:rPr lang="en-US" sz="900" dirty="0">
+                  <a:solidFill>
+                    <a:schemeClr val="tx1"/>
+                  </a:solidFill>
+                  <a:latin typeface="Times New Roman" panose="02020603050405020304" pitchFamily="18" charset="0"/>
+                  <a:cs typeface="Times New Roman" panose="02020603050405020304" pitchFamily="18" charset="0"/>
+                </a:rPr>
+                <a:t>N1,0</a:t>
+              </a:r>
+            </a:p>
+          </p:txBody>
+        </p:sp>
+        <p:sp>
+          <p:nvSpPr>
+            <p:cNvPr id="8" name="Oval 7">
+              <a:extLst>
+                <a:ext uri="{FF2B5EF4-FFF2-40B4-BE49-F238E27FC236}">
+                  <a16:creationId xmlns:a16="http://schemas.microsoft.com/office/drawing/2014/main" id="{179B8457-C58E-4300-B0DA-5AC463D340FE}"/>
+                </a:ext>
+              </a:extLst>
+            </p:cNvPr>
+            <p:cNvSpPr/>
+            <p:nvPr/>
+          </p:nvSpPr>
+          <p:spPr>
+            <a:xfrm>
+              <a:off x="1094506" y="5784681"/>
+              <a:ext cx="665021" cy="665021"/>
+            </a:xfrm>
+            <a:prstGeom prst="ellipse">
+              <a:avLst/>
+            </a:prstGeom>
+            <a:noFill/>
+            <a:ln>
+              <a:solidFill>
+                <a:schemeClr val="tx1"/>
+              </a:solidFill>
+            </a:ln>
+          </p:spPr>
+          <p:style>
+            <a:lnRef idx="2">
+              <a:schemeClr val="accent1">
+                <a:shade val="50000"/>
+              </a:schemeClr>
+            </a:lnRef>
+            <a:fillRef idx="1">
+              <a:schemeClr val="accent1"/>
+            </a:fillRef>
+            <a:effectRef idx="0">
+              <a:schemeClr val="accent1"/>
+            </a:effectRef>
+            <a:fontRef idx="minor">
+              <a:schemeClr val="lt1"/>
+            </a:fontRef>
+          </p:style>
+          <p:txBody>
+            <a:bodyPr rtlCol="0" anchor="ctr"/>
+            <a:lstStyle/>
+            <a:p>
+              <a:pPr algn="ctr"/>
+              <a:r>
+                <a:rPr lang="en-US" sz="1000" dirty="0">
+                  <a:solidFill>
+                    <a:schemeClr val="tx1"/>
+                  </a:solidFill>
+                  <a:latin typeface="Times New Roman" panose="02020603050405020304" pitchFamily="18" charset="0"/>
+                  <a:cs typeface="Times New Roman" panose="02020603050405020304" pitchFamily="18" charset="0"/>
+                </a:rPr>
+                <a:t>X1</a:t>
+              </a:r>
+            </a:p>
+          </p:txBody>
+        </p:sp>
+        <p:sp>
+          <p:nvSpPr>
+            <p:cNvPr id="9" name="Oval 8">
+              <a:extLst>
+                <a:ext uri="{FF2B5EF4-FFF2-40B4-BE49-F238E27FC236}">
+                  <a16:creationId xmlns:a16="http://schemas.microsoft.com/office/drawing/2014/main" id="{5526F0E9-E903-42B3-8EF9-E12DBB95BE1F}"/>
+                </a:ext>
+              </a:extLst>
+            </p:cNvPr>
+            <p:cNvSpPr/>
+            <p:nvPr/>
+          </p:nvSpPr>
+          <p:spPr>
+            <a:xfrm>
+              <a:off x="3380505" y="3893126"/>
+              <a:ext cx="665021" cy="665021"/>
+            </a:xfrm>
+            <a:prstGeom prst="ellipse">
+              <a:avLst/>
+            </a:prstGeom>
+            <a:noFill/>
+            <a:ln>
+              <a:solidFill>
+                <a:schemeClr val="tx1"/>
+              </a:solidFill>
+            </a:ln>
+          </p:spPr>
+          <p:style>
+            <a:lnRef idx="2">
+              <a:schemeClr val="accent1">
+                <a:shade val="50000"/>
+              </a:schemeClr>
+            </a:lnRef>
+            <a:fillRef idx="1">
+              <a:schemeClr val="accent1"/>
+            </a:fillRef>
+            <a:effectRef idx="0">
+              <a:schemeClr val="accent1"/>
+            </a:effectRef>
+            <a:fontRef idx="minor">
+              <a:schemeClr val="lt1"/>
+            </a:fontRef>
+          </p:style>
+          <p:txBody>
+            <a:bodyPr rtlCol="0" anchor="ctr"/>
+            <a:lstStyle/>
+            <a:p>
+              <a:pPr algn="ctr"/>
+              <a:r>
+                <a:rPr lang="en-US" sz="900" dirty="0">
+                  <a:solidFill>
+                    <a:schemeClr val="tx1"/>
+                  </a:solidFill>
+                  <a:latin typeface="Times New Roman" panose="02020603050405020304" pitchFamily="18" charset="0"/>
+                  <a:cs typeface="Times New Roman" panose="02020603050405020304" pitchFamily="18" charset="0"/>
+                </a:rPr>
+                <a:t>N1,1</a:t>
+              </a:r>
+            </a:p>
+          </p:txBody>
+        </p:sp>
+        <p:sp>
+          <p:nvSpPr>
+            <p:cNvPr id="10" name="Oval 9">
+              <a:extLst>
+                <a:ext uri="{FF2B5EF4-FFF2-40B4-BE49-F238E27FC236}">
+                  <a16:creationId xmlns:a16="http://schemas.microsoft.com/office/drawing/2014/main" id="{D2549438-94D1-4F38-81BE-2F3D54D16C4C}"/>
+                </a:ext>
+              </a:extLst>
+            </p:cNvPr>
+            <p:cNvSpPr/>
+            <p:nvPr/>
+          </p:nvSpPr>
+          <p:spPr>
+            <a:xfrm>
+              <a:off x="3380505" y="5805056"/>
+              <a:ext cx="665021" cy="665021"/>
+            </a:xfrm>
+            <a:prstGeom prst="ellipse">
+              <a:avLst/>
+            </a:prstGeom>
+            <a:noFill/>
+            <a:ln>
+              <a:solidFill>
+                <a:schemeClr val="tx1"/>
+              </a:solidFill>
+            </a:ln>
+          </p:spPr>
+          <p:style>
+            <a:lnRef idx="2">
+              <a:schemeClr val="accent1">
+                <a:shade val="50000"/>
+              </a:schemeClr>
+            </a:lnRef>
+            <a:fillRef idx="1">
+              <a:schemeClr val="accent1"/>
+            </a:fillRef>
+            <a:effectRef idx="0">
+              <a:schemeClr val="accent1"/>
+            </a:effectRef>
+            <a:fontRef idx="minor">
+              <a:schemeClr val="lt1"/>
+            </a:fontRef>
+          </p:style>
+          <p:txBody>
+            <a:bodyPr rtlCol="0" anchor="ctr"/>
+            <a:lstStyle/>
+            <a:p>
+              <a:pPr algn="ctr"/>
+              <a:r>
+                <a:rPr lang="en-US" sz="1000" dirty="0">
+                  <a:solidFill>
+                    <a:schemeClr val="tx1"/>
+                  </a:solidFill>
+                  <a:latin typeface="Times New Roman" panose="02020603050405020304" pitchFamily="18" charset="0"/>
+                  <a:cs typeface="Times New Roman" panose="02020603050405020304" pitchFamily="18" charset="0"/>
+                </a:rPr>
+                <a:t>X2</a:t>
+              </a:r>
+            </a:p>
+          </p:txBody>
+        </p:sp>
+        <p:sp>
+          <p:nvSpPr>
+            <p:cNvPr id="11" name="Oval 10">
+              <a:extLst>
+                <a:ext uri="{FF2B5EF4-FFF2-40B4-BE49-F238E27FC236}">
+                  <a16:creationId xmlns:a16="http://schemas.microsoft.com/office/drawing/2014/main" id="{4C3BBE06-27F4-49E8-8938-E882348BAB58}"/>
+                </a:ext>
+              </a:extLst>
+            </p:cNvPr>
+            <p:cNvSpPr/>
+            <p:nvPr/>
+          </p:nvSpPr>
+          <p:spPr>
+            <a:xfrm>
+              <a:off x="2244433" y="1981199"/>
+              <a:ext cx="665021" cy="665021"/>
+            </a:xfrm>
+            <a:prstGeom prst="ellipse">
+              <a:avLst/>
+            </a:prstGeom>
+            <a:noFill/>
+            <a:ln>
+              <a:solidFill>
+                <a:schemeClr val="tx1"/>
+              </a:solidFill>
+            </a:ln>
+          </p:spPr>
+          <p:style>
+            <a:lnRef idx="2">
+              <a:schemeClr val="accent1">
+                <a:shade val="50000"/>
+              </a:schemeClr>
+            </a:lnRef>
+            <a:fillRef idx="1">
+              <a:schemeClr val="accent1"/>
+            </a:fillRef>
+            <a:effectRef idx="0">
+              <a:schemeClr val="accent1"/>
+            </a:effectRef>
+            <a:fontRef idx="minor">
+              <a:schemeClr val="lt1"/>
+            </a:fontRef>
+          </p:style>
+          <p:txBody>
+            <a:bodyPr rtlCol="0" anchor="ctr"/>
+            <a:lstStyle/>
+            <a:p>
+              <a:pPr algn="ctr"/>
+              <a:r>
+                <a:rPr lang="en-US" sz="1000" dirty="0">
+                  <a:solidFill>
+                    <a:schemeClr val="tx1"/>
+                  </a:solidFill>
+                  <a:latin typeface="Times New Roman" panose="02020603050405020304" pitchFamily="18" charset="0"/>
+                  <a:cs typeface="Times New Roman" panose="02020603050405020304" pitchFamily="18" charset="0"/>
+                </a:rPr>
+                <a:t>N2</a:t>
+              </a:r>
+            </a:p>
+          </p:txBody>
+        </p:sp>
+        <p:cxnSp>
+          <p:nvCxnSpPr>
+            <p:cNvPr id="13" name="Straight Arrow Connector 12">
+              <a:extLst>
+                <a:ext uri="{FF2B5EF4-FFF2-40B4-BE49-F238E27FC236}">
+                  <a16:creationId xmlns:a16="http://schemas.microsoft.com/office/drawing/2014/main" id="{49B27D55-7D0F-4E04-AC4C-5646C4F5128C}"/>
+                </a:ext>
+              </a:extLst>
+            </p:cNvPr>
+            <p:cNvCxnSpPr>
+              <a:cxnSpLocks/>
+              <a:stCxn id="10" idx="1"/>
+              <a:endCxn id="7" idx="5"/>
+            </p:cNvCxnSpPr>
+            <p:nvPr/>
+          </p:nvCxnSpPr>
+          <p:spPr>
+            <a:xfrm flipH="1" flipV="1">
+              <a:off x="1662137" y="4460758"/>
+              <a:ext cx="1815758" cy="1441688"/>
+            </a:xfrm>
+            <a:prstGeom prst="straightConnector1">
+              <a:avLst/>
+            </a:prstGeom>
+            <a:ln>
+              <a:solidFill>
+                <a:schemeClr val="tx1"/>
+              </a:solidFill>
+              <a:tailEnd type="triangle"/>
+            </a:ln>
+          </p:spPr>
+          <p:style>
+            <a:lnRef idx="1">
+              <a:schemeClr val="accent1"/>
+            </a:lnRef>
+            <a:fillRef idx="0">
+              <a:schemeClr val="accent1"/>
+            </a:fillRef>
+            <a:effectRef idx="0">
+              <a:schemeClr val="accent1"/>
+            </a:effectRef>
+            <a:fontRef idx="minor">
+              <a:schemeClr val="tx1"/>
+            </a:fontRef>
+          </p:style>
+        </p:cxnSp>
+        <p:cxnSp>
+          <p:nvCxnSpPr>
+            <p:cNvPr id="14" name="Straight Arrow Connector 13">
+              <a:extLst>
+                <a:ext uri="{FF2B5EF4-FFF2-40B4-BE49-F238E27FC236}">
+                  <a16:creationId xmlns:a16="http://schemas.microsoft.com/office/drawing/2014/main" id="{89AFA95E-AD9D-4C25-B376-0317AC325B95}"/>
+                </a:ext>
+              </a:extLst>
+            </p:cNvPr>
+            <p:cNvCxnSpPr>
+              <a:cxnSpLocks/>
+              <a:stCxn id="8" idx="7"/>
+              <a:endCxn id="9" idx="3"/>
+            </p:cNvCxnSpPr>
+            <p:nvPr/>
+          </p:nvCxnSpPr>
+          <p:spPr>
+            <a:xfrm flipV="1">
+              <a:off x="1662137" y="4460757"/>
+              <a:ext cx="1815758" cy="1421314"/>
+            </a:xfrm>
+            <a:prstGeom prst="straightConnector1">
+              <a:avLst/>
+            </a:prstGeom>
+            <a:ln>
+              <a:solidFill>
+                <a:schemeClr val="tx1"/>
+              </a:solidFill>
+              <a:tailEnd type="triangle"/>
+            </a:ln>
+          </p:spPr>
+          <p:style>
+            <a:lnRef idx="1">
+              <a:schemeClr val="accent1"/>
+            </a:lnRef>
+            <a:fillRef idx="0">
+              <a:schemeClr val="accent1"/>
+            </a:fillRef>
+            <a:effectRef idx="0">
+              <a:schemeClr val="accent1"/>
+            </a:effectRef>
+            <a:fontRef idx="minor">
+              <a:schemeClr val="tx1"/>
+            </a:fontRef>
+          </p:style>
+        </p:cxnSp>
+        <p:cxnSp>
+          <p:nvCxnSpPr>
+            <p:cNvPr id="17" name="Straight Arrow Connector 16">
+              <a:extLst>
+                <a:ext uri="{FF2B5EF4-FFF2-40B4-BE49-F238E27FC236}">
+                  <a16:creationId xmlns:a16="http://schemas.microsoft.com/office/drawing/2014/main" id="{6E43B879-6893-4F03-B8CB-9B27BA376526}"/>
+                </a:ext>
+              </a:extLst>
+            </p:cNvPr>
+            <p:cNvCxnSpPr>
+              <a:cxnSpLocks/>
+              <a:stCxn id="9" idx="0"/>
+              <a:endCxn id="11" idx="5"/>
+            </p:cNvCxnSpPr>
+            <p:nvPr/>
+          </p:nvCxnSpPr>
+          <p:spPr>
+            <a:xfrm flipH="1" flipV="1">
+              <a:off x="2812064" y="2548830"/>
+              <a:ext cx="900952" cy="1344296"/>
+            </a:xfrm>
+            <a:prstGeom prst="straightConnector1">
+              <a:avLst/>
+            </a:prstGeom>
+            <a:ln>
+              <a:solidFill>
+                <a:schemeClr val="tx1"/>
+              </a:solidFill>
+              <a:tailEnd type="triangle"/>
+            </a:ln>
+          </p:spPr>
+          <p:style>
+            <a:lnRef idx="1">
+              <a:schemeClr val="accent1"/>
+            </a:lnRef>
+            <a:fillRef idx="0">
+              <a:schemeClr val="accent1"/>
+            </a:fillRef>
+            <a:effectRef idx="0">
+              <a:schemeClr val="accent1"/>
+            </a:effectRef>
+            <a:fontRef idx="minor">
+              <a:schemeClr val="tx1"/>
+            </a:fontRef>
+          </p:style>
+        </p:cxnSp>
+        <p:cxnSp>
+          <p:nvCxnSpPr>
+            <p:cNvPr id="21" name="Straight Arrow Connector 20">
+              <a:extLst>
+                <a:ext uri="{FF2B5EF4-FFF2-40B4-BE49-F238E27FC236}">
+                  <a16:creationId xmlns:a16="http://schemas.microsoft.com/office/drawing/2014/main" id="{85DD0324-F821-4EE5-A676-DCAC25F59F7D}"/>
+                </a:ext>
+              </a:extLst>
+            </p:cNvPr>
+            <p:cNvCxnSpPr>
+              <a:cxnSpLocks/>
+              <a:stCxn id="7" idx="0"/>
+              <a:endCxn id="11" idx="3"/>
+            </p:cNvCxnSpPr>
+            <p:nvPr/>
+          </p:nvCxnSpPr>
+          <p:spPr>
+            <a:xfrm flipV="1">
+              <a:off x="1427017" y="2548830"/>
+              <a:ext cx="914806" cy="1344297"/>
+            </a:xfrm>
+            <a:prstGeom prst="straightConnector1">
+              <a:avLst/>
+            </a:prstGeom>
+            <a:ln>
+              <a:solidFill>
+                <a:schemeClr val="tx1"/>
+              </a:solidFill>
+              <a:tailEnd type="triangle"/>
+            </a:ln>
+          </p:spPr>
+          <p:style>
+            <a:lnRef idx="1">
+              <a:schemeClr val="accent1"/>
+            </a:lnRef>
+            <a:fillRef idx="0">
+              <a:schemeClr val="accent1"/>
+            </a:fillRef>
+            <a:effectRef idx="0">
+              <a:schemeClr val="accent1"/>
+            </a:effectRef>
+            <a:fontRef idx="minor">
+              <a:schemeClr val="tx1"/>
+            </a:fontRef>
+          </p:style>
+        </p:cxnSp>
+        <p:cxnSp>
+          <p:nvCxnSpPr>
+            <p:cNvPr id="24" name="Straight Arrow Connector 23">
+              <a:extLst>
+                <a:ext uri="{FF2B5EF4-FFF2-40B4-BE49-F238E27FC236}">
+                  <a16:creationId xmlns:a16="http://schemas.microsoft.com/office/drawing/2014/main" id="{9530E4E7-2AF2-4C16-9295-05E38E2A5D68}"/>
+                </a:ext>
+              </a:extLst>
+            </p:cNvPr>
+            <p:cNvCxnSpPr>
+              <a:cxnSpLocks/>
+              <a:stCxn id="10" idx="0"/>
+            </p:cNvCxnSpPr>
+            <p:nvPr/>
+          </p:nvCxnSpPr>
+          <p:spPr>
+            <a:xfrm flipV="1">
+              <a:off x="3713016" y="4558148"/>
+              <a:ext cx="0" cy="1246908"/>
+            </a:xfrm>
+            <a:prstGeom prst="straightConnector1">
+              <a:avLst/>
+            </a:prstGeom>
+            <a:ln>
+              <a:solidFill>
+                <a:schemeClr val="tx1"/>
+              </a:solidFill>
+              <a:tailEnd type="triangle"/>
+            </a:ln>
+          </p:spPr>
+          <p:style>
+            <a:lnRef idx="1">
+              <a:schemeClr val="accent1"/>
+            </a:lnRef>
+            <a:fillRef idx="0">
+              <a:schemeClr val="accent1"/>
+            </a:fillRef>
+            <a:effectRef idx="0">
+              <a:schemeClr val="accent1"/>
+            </a:effectRef>
+            <a:fontRef idx="minor">
+              <a:schemeClr val="tx1"/>
+            </a:fontRef>
+          </p:style>
+        </p:cxnSp>
+        <p:cxnSp>
+          <p:nvCxnSpPr>
+            <p:cNvPr id="26" name="Straight Arrow Connector 25">
+              <a:extLst>
+                <a:ext uri="{FF2B5EF4-FFF2-40B4-BE49-F238E27FC236}">
+                  <a16:creationId xmlns:a16="http://schemas.microsoft.com/office/drawing/2014/main" id="{F59CA5BF-78B1-4674-BF85-7DB6A6DEB404}"/>
+                </a:ext>
+              </a:extLst>
+            </p:cNvPr>
+            <p:cNvCxnSpPr>
+              <a:cxnSpLocks/>
+              <a:stCxn id="8" idx="0"/>
+              <a:endCxn id="7" idx="4"/>
+            </p:cNvCxnSpPr>
+            <p:nvPr/>
+          </p:nvCxnSpPr>
+          <p:spPr>
+            <a:xfrm flipV="1">
+              <a:off x="1427017" y="4558148"/>
+              <a:ext cx="0" cy="1226533"/>
+            </a:xfrm>
+            <a:prstGeom prst="straightConnector1">
+              <a:avLst/>
+            </a:prstGeom>
+            <a:ln>
+              <a:solidFill>
+                <a:schemeClr val="tx1"/>
+              </a:solidFill>
+              <a:tailEnd type="triangle"/>
+            </a:ln>
+          </p:spPr>
+          <p:style>
+            <a:lnRef idx="1">
+              <a:schemeClr val="accent1"/>
+            </a:lnRef>
+            <a:fillRef idx="0">
+              <a:schemeClr val="accent1"/>
+            </a:fillRef>
+            <a:effectRef idx="0">
+              <a:schemeClr val="accent1"/>
+            </a:effectRef>
+            <a:fontRef idx="minor">
+              <a:schemeClr val="tx1"/>
+            </a:fontRef>
+          </p:style>
+        </p:cxnSp>
+        <p:sp>
+          <p:nvSpPr>
+            <p:cNvPr id="33" name="TextBox 32">
+              <a:extLst>
+                <a:ext uri="{FF2B5EF4-FFF2-40B4-BE49-F238E27FC236}">
+                  <a16:creationId xmlns:a16="http://schemas.microsoft.com/office/drawing/2014/main" id="{A5F8459B-4003-4B15-AD96-4E438B8B7E1D}"/>
+                </a:ext>
+              </a:extLst>
+            </p:cNvPr>
+            <p:cNvSpPr txBox="1"/>
+            <p:nvPr/>
+          </p:nvSpPr>
+          <p:spPr>
+            <a:xfrm>
+              <a:off x="1016326" y="5083535"/>
+              <a:ext cx="410690" cy="307777"/>
+            </a:xfrm>
+            <a:prstGeom prst="rect">
+              <a:avLst/>
+            </a:prstGeom>
+            <a:noFill/>
+          </p:spPr>
+          <p:txBody>
+            <a:bodyPr wrap="none" rtlCol="0">
+              <a:spAutoFit/>
+            </a:bodyPr>
+            <a:lstStyle/>
+            <a:p>
+              <a:r>
+                <a:rPr lang="en-US" sz="1400" dirty="0"/>
+                <a:t>0.4</a:t>
+              </a:r>
+            </a:p>
+          </p:txBody>
+        </p:sp>
+        <p:sp>
+          <p:nvSpPr>
+            <p:cNvPr id="34" name="TextBox 33">
+              <a:extLst>
+                <a:ext uri="{FF2B5EF4-FFF2-40B4-BE49-F238E27FC236}">
+                  <a16:creationId xmlns:a16="http://schemas.microsoft.com/office/drawing/2014/main" id="{2229D136-C4F4-4019-85C8-E8F4DC3B9CDB}"/>
+                </a:ext>
+              </a:extLst>
+            </p:cNvPr>
+            <p:cNvSpPr txBox="1"/>
+            <p:nvPr/>
+          </p:nvSpPr>
+          <p:spPr>
+            <a:xfrm>
+              <a:off x="2080450" y="4558147"/>
+              <a:ext cx="410690" cy="307777"/>
+            </a:xfrm>
+            <a:prstGeom prst="rect">
+              <a:avLst/>
+            </a:prstGeom>
+            <a:noFill/>
+          </p:spPr>
+          <p:txBody>
+            <a:bodyPr wrap="none" rtlCol="0">
+              <a:spAutoFit/>
+            </a:bodyPr>
+            <a:lstStyle/>
+            <a:p>
+              <a:r>
+                <a:rPr lang="en-US" sz="1400" dirty="0"/>
+                <a:t>0.1</a:t>
+              </a:r>
+            </a:p>
+          </p:txBody>
+        </p:sp>
+        <p:sp>
+          <p:nvSpPr>
+            <p:cNvPr id="35" name="TextBox 34">
+              <a:extLst>
+                <a:ext uri="{FF2B5EF4-FFF2-40B4-BE49-F238E27FC236}">
+                  <a16:creationId xmlns:a16="http://schemas.microsoft.com/office/drawing/2014/main" id="{EEBA8485-487C-49D9-8534-CD395AE77DA9}"/>
+                </a:ext>
+              </a:extLst>
+            </p:cNvPr>
+            <p:cNvSpPr txBox="1"/>
+            <p:nvPr/>
+          </p:nvSpPr>
+          <p:spPr>
+            <a:xfrm>
+              <a:off x="2692720" y="4558147"/>
+              <a:ext cx="465192" cy="307777"/>
+            </a:xfrm>
+            <a:prstGeom prst="rect">
+              <a:avLst/>
+            </a:prstGeom>
+            <a:noFill/>
+          </p:spPr>
+          <p:txBody>
+            <a:bodyPr wrap="none" rtlCol="0">
+              <a:spAutoFit/>
+            </a:bodyPr>
+            <a:lstStyle/>
+            <a:p>
+              <a:r>
+                <a:rPr lang="en-US" sz="1400" dirty="0"/>
+                <a:t>-0.1</a:t>
+              </a:r>
+            </a:p>
+          </p:txBody>
+        </p:sp>
+        <p:sp>
+          <p:nvSpPr>
+            <p:cNvPr id="36" name="TextBox 35">
+              <a:extLst>
+                <a:ext uri="{FF2B5EF4-FFF2-40B4-BE49-F238E27FC236}">
+                  <a16:creationId xmlns:a16="http://schemas.microsoft.com/office/drawing/2014/main" id="{DF1BA588-EC9D-4DEE-AC82-E0EC4D3D7B0A}"/>
+                </a:ext>
+              </a:extLst>
+            </p:cNvPr>
+            <p:cNvSpPr txBox="1"/>
+            <p:nvPr/>
+          </p:nvSpPr>
+          <p:spPr>
+            <a:xfrm>
+              <a:off x="3812930" y="5118988"/>
+              <a:ext cx="465192" cy="307777"/>
+            </a:xfrm>
+            <a:prstGeom prst="rect">
+              <a:avLst/>
+            </a:prstGeom>
+            <a:noFill/>
+          </p:spPr>
+          <p:txBody>
+            <a:bodyPr wrap="none" rtlCol="0">
+              <a:spAutoFit/>
+            </a:bodyPr>
+            <a:lstStyle/>
+            <a:p>
+              <a:r>
+                <a:rPr lang="en-US" sz="1400" dirty="0"/>
+                <a:t>-0.1</a:t>
+              </a:r>
+            </a:p>
+          </p:txBody>
+        </p:sp>
+        <p:sp>
+          <p:nvSpPr>
+            <p:cNvPr id="38" name="TextBox 37">
+              <a:extLst>
+                <a:ext uri="{FF2B5EF4-FFF2-40B4-BE49-F238E27FC236}">
+                  <a16:creationId xmlns:a16="http://schemas.microsoft.com/office/drawing/2014/main" id="{91BA8A92-E7D1-4BB0-BCA4-E7CC382417D0}"/>
+                </a:ext>
+              </a:extLst>
+            </p:cNvPr>
+            <p:cNvSpPr txBox="1"/>
+            <p:nvPr/>
+          </p:nvSpPr>
+          <p:spPr>
+            <a:xfrm>
+              <a:off x="1382359" y="2972083"/>
+              <a:ext cx="502061" cy="307777"/>
+            </a:xfrm>
+            <a:prstGeom prst="rect">
+              <a:avLst/>
+            </a:prstGeom>
+            <a:noFill/>
+          </p:spPr>
+          <p:txBody>
+            <a:bodyPr wrap="none" rtlCol="0">
+              <a:spAutoFit/>
+            </a:bodyPr>
+            <a:lstStyle/>
+            <a:p>
+              <a:r>
+                <a:rPr lang="en-US" sz="1400" dirty="0"/>
+                <a:t>0.06</a:t>
+              </a:r>
+            </a:p>
+          </p:txBody>
+        </p:sp>
+        <p:sp>
+          <p:nvSpPr>
+            <p:cNvPr id="39" name="TextBox 38">
+              <a:extLst>
+                <a:ext uri="{FF2B5EF4-FFF2-40B4-BE49-F238E27FC236}">
+                  <a16:creationId xmlns:a16="http://schemas.microsoft.com/office/drawing/2014/main" id="{58D1B2B2-5801-487B-8B28-F7E48870D94F}"/>
+                </a:ext>
+              </a:extLst>
+            </p:cNvPr>
+            <p:cNvSpPr txBox="1"/>
+            <p:nvPr/>
+          </p:nvSpPr>
+          <p:spPr>
+            <a:xfrm>
+              <a:off x="3289325" y="2920328"/>
+              <a:ext cx="465192" cy="307777"/>
+            </a:xfrm>
+            <a:prstGeom prst="rect">
+              <a:avLst/>
+            </a:prstGeom>
+            <a:noFill/>
+          </p:spPr>
+          <p:txBody>
+            <a:bodyPr wrap="none" rtlCol="0">
+              <a:spAutoFit/>
+            </a:bodyPr>
+            <a:lstStyle/>
+            <a:p>
+              <a:r>
+                <a:rPr lang="en-US" sz="1400" dirty="0"/>
+                <a:t>-0.4</a:t>
+              </a:r>
+            </a:p>
+          </p:txBody>
+        </p:sp>
+      </p:grpSp>
+      <mc:AlternateContent xmlns:mc="http://schemas.openxmlformats.org/markup-compatibility/2006" xmlns:a14="http://schemas.microsoft.com/office/drawing/2010/main">
+        <mc:Choice Requires="a14">
+          <p:sp>
+            <p:nvSpPr>
+              <p:cNvPr id="42" name="Content Placeholder 2">
+                <a:extLst>
+                  <a:ext uri="{FF2B5EF4-FFF2-40B4-BE49-F238E27FC236}">
+                    <a16:creationId xmlns:a16="http://schemas.microsoft.com/office/drawing/2014/main" id="{30A7EA29-0265-4A9B-AA7D-609CEEF91367}"/>
+                  </a:ext>
+                </a:extLst>
+              </p:cNvPr>
+              <p:cNvSpPr>
+                <a:spLocks noGrp="1"/>
+              </p:cNvSpPr>
+              <p:nvPr>
+                <p:ph idx="1"/>
+              </p:nvPr>
+            </p:nvSpPr>
+            <p:spPr>
+              <a:xfrm>
+                <a:off x="3546413" y="962913"/>
+                <a:ext cx="4640869" cy="3646305"/>
+              </a:xfrm>
+            </p:spPr>
+            <p:txBody>
+              <a:bodyPr>
+                <a:normAutofit fontScale="92500"/>
+              </a:bodyPr>
+              <a:lstStyle/>
+              <a:p>
+                <a:r>
+                  <a:rPr lang="en-US" dirty="0">
+                    <a:latin typeface="Times New Roman" panose="02020603050405020304" pitchFamily="18" charset="0"/>
+                    <a:cs typeface="Times New Roman" panose="02020603050405020304" pitchFamily="18" charset="0"/>
+                  </a:rPr>
+                  <a:t>X1 = 0 , X2 = 1</a:t>
+                </a:r>
+              </a:p>
+              <a:p>
+                <a:r>
+                  <a:rPr lang="en-US" dirty="0" err="1">
+                    <a:latin typeface="Times New Roman" panose="02020603050405020304" pitchFamily="18" charset="0"/>
+                    <a:cs typeface="Times New Roman" panose="02020603050405020304" pitchFamily="18" charset="0"/>
+                  </a:rPr>
+                  <a:t>Hitung</a:t>
+                </a:r>
+                <a:r>
+                  <a:rPr lang="en-US" dirty="0">
+                    <a:latin typeface="Times New Roman" panose="02020603050405020304" pitchFamily="18" charset="0"/>
+                    <a:cs typeface="Times New Roman" panose="02020603050405020304" pitchFamily="18" charset="0"/>
+                  </a:rPr>
+                  <a:t> net hidden layer :</a:t>
+                </a:r>
+              </a:p>
+              <a:p>
+                <a:r>
+                  <a:rPr lang="en-US" dirty="0">
+                    <a:latin typeface="Times New Roman" panose="02020603050405020304" pitchFamily="18" charset="0"/>
+                    <a:cs typeface="Times New Roman" panose="02020603050405020304" pitchFamily="18" charset="0"/>
+                  </a:rPr>
+                  <a:t>net N1.0 = (X1.W1 + X2.W2)            </a:t>
+                </a:r>
+              </a:p>
+              <a:p>
+                <a:pPr marL="1171400" lvl="6" indent="0">
+                  <a:buNone/>
+                </a:pPr>
+                <a:r>
+                  <a:rPr lang="en-US" sz="2400" dirty="0">
+                    <a:latin typeface="Times New Roman" panose="02020603050405020304" pitchFamily="18" charset="0"/>
+                    <a:cs typeface="Times New Roman" panose="02020603050405020304" pitchFamily="18" charset="0"/>
+                  </a:rPr>
+                  <a:t>  = (0 . 0.4 + 1 . 0.1)</a:t>
+                </a:r>
+              </a:p>
+              <a:p>
+                <a:pPr marL="1171400" lvl="6" indent="0">
+                  <a:buNone/>
+                </a:pPr>
+                <a:r>
+                  <a:rPr lang="en-US" sz="2400" dirty="0">
+                    <a:latin typeface="Times New Roman" panose="02020603050405020304" pitchFamily="18" charset="0"/>
+                    <a:cs typeface="Times New Roman" panose="02020603050405020304" pitchFamily="18" charset="0"/>
+                  </a:rPr>
+                  <a:t>  = 0.1</a:t>
+                </a:r>
+              </a:p>
+              <a:p>
+                <a:pPr marL="111125" lvl="6" indent="0">
+                  <a:buNone/>
+                </a:pPr>
+                <a:r>
+                  <a:rPr lang="en-US" sz="2400" i="1" dirty="0">
+                    <a:latin typeface="Times New Roman" panose="02020603050405020304" pitchFamily="18" charset="0"/>
+                    <a:cs typeface="Times New Roman" panose="02020603050405020304" pitchFamily="18" charset="0"/>
+                  </a:rPr>
+                  <a:t>f</a:t>
+                </a:r>
+                <a:r>
+                  <a:rPr lang="en-US" sz="2400" dirty="0">
+                    <a:latin typeface="Times New Roman" panose="02020603050405020304" pitchFamily="18" charset="0"/>
+                    <a:cs typeface="Times New Roman" panose="02020603050405020304" pitchFamily="18" charset="0"/>
+                  </a:rPr>
+                  <a:t>(net) = </a:t>
+                </a:r>
+                <a14:m>
+                  <m:oMath xmlns:m="http://schemas.openxmlformats.org/officeDocument/2006/math">
+                    <m:f>
+                      <m:fPr>
+                        <m:ctrlPr>
+                          <a:rPr lang="en-US" sz="2400" i="1">
+                            <a:latin typeface="Cambria Math" panose="02040503050406030204" pitchFamily="18" charset="0"/>
+                          </a:rPr>
+                        </m:ctrlPr>
+                      </m:fPr>
+                      <m:num>
+                        <m:r>
+                          <a:rPr lang="en-US" sz="2400" i="1">
+                            <a:latin typeface="Cambria Math" panose="02040503050406030204" pitchFamily="18" charset="0"/>
+                          </a:rPr>
+                          <m:t>1</m:t>
+                        </m:r>
+                      </m:num>
+                      <m:den>
+                        <m:r>
+                          <a:rPr lang="en-US" sz="2400" i="1">
+                            <a:latin typeface="Cambria Math" panose="02040503050406030204" pitchFamily="18" charset="0"/>
+                          </a:rPr>
+                          <m:t>(1+</m:t>
+                        </m:r>
+                        <m:sSup>
+                          <m:sSupPr>
+                            <m:ctrlPr>
+                              <a:rPr lang="en-US" sz="2400" i="1">
+                                <a:latin typeface="Cambria Math" panose="02040503050406030204" pitchFamily="18" charset="0"/>
+                              </a:rPr>
+                            </m:ctrlPr>
+                          </m:sSupPr>
+                          <m:e>
+                            <m:r>
+                              <a:rPr lang="en-US" sz="2400" i="1">
+                                <a:latin typeface="Cambria Math" panose="02040503050406030204" pitchFamily="18" charset="0"/>
+                              </a:rPr>
+                              <m:t>𝑒</m:t>
+                            </m:r>
+                          </m:e>
+                          <m:sup>
+                            <m:r>
+                              <a:rPr lang="en-US" sz="2400" i="1">
+                                <a:latin typeface="Cambria Math" panose="02040503050406030204" pitchFamily="18" charset="0"/>
+                              </a:rPr>
+                              <m:t>−</m:t>
+                            </m:r>
+                            <m:r>
+                              <a:rPr lang="en-US" sz="2400" i="1">
+                                <a:latin typeface="Cambria Math" panose="02040503050406030204" pitchFamily="18" charset="0"/>
+                              </a:rPr>
+                              <m:t>𝑥</m:t>
+                            </m:r>
+                          </m:sup>
+                        </m:sSup>
+                        <m:r>
+                          <a:rPr lang="en-US" sz="2400" i="1">
+                            <a:latin typeface="Cambria Math" panose="02040503050406030204" pitchFamily="18" charset="0"/>
+                          </a:rPr>
+                          <m:t>)</m:t>
+                        </m:r>
+                      </m:den>
+                    </m:f>
+                  </m:oMath>
+                </a14:m>
+                <a:endParaRPr lang="en-US" sz="2400" dirty="0">
+                  <a:latin typeface="Times New Roman" panose="02020603050405020304" pitchFamily="18" charset="0"/>
+                  <a:cs typeface="Times New Roman" panose="02020603050405020304" pitchFamily="18" charset="0"/>
+                </a:endParaRPr>
+              </a:p>
+              <a:p>
+                <a:pPr marL="111125" lvl="6" indent="0">
+                  <a:buNone/>
+                </a:pPr>
+                <a:r>
+                  <a:rPr lang="en-US" sz="2400" i="1" dirty="0">
+                    <a:latin typeface="Times New Roman" panose="02020603050405020304" pitchFamily="18" charset="0"/>
+                    <a:cs typeface="Times New Roman" panose="02020603050405020304" pitchFamily="18" charset="0"/>
+                  </a:rPr>
+                  <a:t>f</a:t>
+                </a:r>
+                <a:r>
+                  <a:rPr lang="en-US" sz="2400" dirty="0">
+                    <a:latin typeface="Times New Roman" panose="02020603050405020304" pitchFamily="18" charset="0"/>
+                    <a:cs typeface="Times New Roman" panose="02020603050405020304" pitchFamily="18" charset="0"/>
+                  </a:rPr>
+                  <a:t>(net) = </a:t>
+                </a:r>
+                <a14:m>
+                  <m:oMath xmlns:m="http://schemas.openxmlformats.org/officeDocument/2006/math">
+                    <m:f>
+                      <m:fPr>
+                        <m:ctrlPr>
+                          <a:rPr lang="en-US" sz="2400" i="1">
+                            <a:latin typeface="Cambria Math" panose="02040503050406030204" pitchFamily="18" charset="0"/>
+                          </a:rPr>
+                        </m:ctrlPr>
+                      </m:fPr>
+                      <m:num>
+                        <m:r>
+                          <a:rPr lang="en-US" sz="2400" i="1">
+                            <a:latin typeface="Cambria Math" panose="02040503050406030204" pitchFamily="18" charset="0"/>
+                          </a:rPr>
+                          <m:t>1</m:t>
+                        </m:r>
+                      </m:num>
+                      <m:den>
+                        <m:r>
+                          <a:rPr lang="en-US" sz="2400" i="1">
+                            <a:latin typeface="Cambria Math" panose="02040503050406030204" pitchFamily="18" charset="0"/>
+                          </a:rPr>
+                          <m:t>(1+</m:t>
+                        </m:r>
+                        <m:sSup>
+                          <m:sSupPr>
+                            <m:ctrlPr>
+                              <a:rPr lang="en-US" sz="2400" i="1">
+                                <a:latin typeface="Cambria Math" panose="02040503050406030204" pitchFamily="18" charset="0"/>
+                              </a:rPr>
+                            </m:ctrlPr>
+                          </m:sSupPr>
+                          <m:e>
+                            <m:r>
+                              <a:rPr lang="en-US" sz="2400" i="1">
+                                <a:latin typeface="Cambria Math" panose="02040503050406030204" pitchFamily="18" charset="0"/>
+                              </a:rPr>
+                              <m:t>𝑒</m:t>
+                            </m:r>
+                          </m:e>
+                          <m:sup>
+                            <m:r>
+                              <a:rPr lang="en-US" sz="2400" i="1">
+                                <a:latin typeface="Cambria Math" panose="02040503050406030204" pitchFamily="18" charset="0"/>
+                              </a:rPr>
+                              <m:t>−</m:t>
+                            </m:r>
+                            <m:r>
+                              <a:rPr lang="en-US" sz="2400" b="0" i="1" smtClean="0">
+                                <a:latin typeface="Cambria Math" panose="02040503050406030204" pitchFamily="18" charset="0"/>
+                              </a:rPr>
+                              <m:t>0.1</m:t>
+                            </m:r>
+                          </m:sup>
+                        </m:sSup>
+                        <m:r>
+                          <a:rPr lang="en-US" sz="2400" i="1">
+                            <a:latin typeface="Cambria Math" panose="02040503050406030204" pitchFamily="18" charset="0"/>
+                          </a:rPr>
+                          <m:t>)</m:t>
+                        </m:r>
+                      </m:den>
+                    </m:f>
+                  </m:oMath>
+                </a14:m>
+                <a:endParaRPr lang="en-US" sz="2400" i="1" dirty="0">
+                  <a:latin typeface="Times New Roman" panose="02020603050405020304" pitchFamily="18" charset="0"/>
+                  <a:cs typeface="Times New Roman" panose="02020603050405020304" pitchFamily="18" charset="0"/>
+                </a:endParaRPr>
+              </a:p>
+              <a:p>
+                <a:pPr marL="111125" lvl="6" indent="0">
+                  <a:buNone/>
+                </a:pPr>
+                <a:r>
+                  <a:rPr lang="en-US" sz="2400" i="1" dirty="0">
+                    <a:latin typeface="Times New Roman" panose="02020603050405020304" pitchFamily="18" charset="0"/>
+                    <a:cs typeface="Times New Roman" panose="02020603050405020304" pitchFamily="18" charset="0"/>
+                  </a:rPr>
+                  <a:t>f</a:t>
+                </a:r>
+                <a:r>
+                  <a:rPr lang="en-US" sz="2400" dirty="0">
+                    <a:latin typeface="Times New Roman" panose="02020603050405020304" pitchFamily="18" charset="0"/>
+                    <a:cs typeface="Times New Roman" panose="02020603050405020304" pitchFamily="18" charset="0"/>
+                  </a:rPr>
+                  <a:t>(net) = 0.524</a:t>
+                </a:r>
+              </a:p>
+              <a:p>
+                <a:pPr marL="111125" lvl="6" indent="0">
+                  <a:buNone/>
+                </a:pPr>
+                <a:endParaRPr lang="en-US" sz="2400" i="1" dirty="0">
+                  <a:latin typeface="Times New Roman" panose="02020603050405020304" pitchFamily="18" charset="0"/>
+                  <a:cs typeface="Times New Roman" panose="02020603050405020304" pitchFamily="18" charset="0"/>
+                </a:endParaRPr>
+              </a:p>
+              <a:p>
+                <a:pPr marL="111125" lvl="6" indent="0">
+                  <a:buNone/>
+                </a:pPr>
+                <a:endParaRPr lang="en-US" sz="2400" dirty="0">
+                  <a:latin typeface="Times New Roman" panose="02020603050405020304" pitchFamily="18" charset="0"/>
+                  <a:cs typeface="Times New Roman" panose="02020603050405020304" pitchFamily="18" charset="0"/>
+                </a:endParaRPr>
+              </a:p>
+            </p:txBody>
+          </p:sp>
+        </mc:Choice>
+        <mc:Fallback xmlns="">
+          <p:sp>
+            <p:nvSpPr>
+              <p:cNvPr id="42" name="Content Placeholder 2">
+                <a:extLst>
+                  <a:ext uri="{FF2B5EF4-FFF2-40B4-BE49-F238E27FC236}">
+                    <a16:creationId xmlns:a16="http://schemas.microsoft.com/office/drawing/2014/main" id="{30A7EA29-0265-4A9B-AA7D-609CEEF91367}"/>
+                  </a:ext>
+                </a:extLst>
+              </p:cNvPr>
+              <p:cNvSpPr>
+                <a:spLocks noGrp="1" noRot="1" noChangeAspect="1" noMove="1" noResize="1" noEditPoints="1" noAdjustHandles="1" noChangeArrowheads="1" noChangeShapeType="1" noTextEdit="1"/>
+              </p:cNvSpPr>
+              <p:nvPr>
+                <p:ph idx="1"/>
+              </p:nvPr>
+            </p:nvSpPr>
+            <p:spPr>
+              <a:xfrm>
+                <a:off x="3546413" y="962913"/>
+                <a:ext cx="4640869" cy="3646305"/>
+              </a:xfrm>
+              <a:blipFill>
+                <a:blip r:embed="rId2"/>
+                <a:stretch>
+                  <a:fillRect t="-2508"/>
+                </a:stretch>
+              </a:blipFill>
+            </p:spPr>
+            <p:txBody>
+              <a:bodyPr/>
+              <a:lstStyle/>
+              <a:p>
+                <a:r>
+                  <a:rPr lang="en-US">
+                    <a:noFill/>
+                  </a:rPr>
+                  <a:t> </a:t>
+                </a:r>
+              </a:p>
+            </p:txBody>
+          </p:sp>
+        </mc:Fallback>
+      </mc:AlternateContent>
+      <p:sp>
+        <p:nvSpPr>
+          <p:cNvPr id="43" name="Title 1">
+            <a:extLst>
+              <a:ext uri="{FF2B5EF4-FFF2-40B4-BE49-F238E27FC236}">
+                <a16:creationId xmlns:a16="http://schemas.microsoft.com/office/drawing/2014/main" id="{16119E74-1771-4525-85BE-293873E4DCB6}"/>
+              </a:ext>
+            </a:extLst>
+          </p:cNvPr>
+          <p:cNvSpPr>
+            <a:spLocks noGrp="1"/>
+          </p:cNvSpPr>
+          <p:nvPr>
+            <p:ph type="title"/>
+          </p:nvPr>
+        </p:nvSpPr>
+        <p:spPr>
+          <a:xfrm>
+            <a:off x="639323" y="-51862"/>
+            <a:ext cx="10772775" cy="895385"/>
+          </a:xfrm>
+        </p:spPr>
+        <p:txBody>
+          <a:bodyPr>
+            <a:normAutofit fontScale="90000"/>
+          </a:bodyPr>
+          <a:lstStyle/>
+          <a:p>
+            <a:pPr algn="ctr"/>
+            <a:r>
+              <a:rPr lang="en-US" sz="4800" dirty="0"/>
+              <a:t>Cara </a:t>
+            </a:r>
+            <a:r>
+              <a:rPr lang="en-US" sz="4800" dirty="0" err="1"/>
+              <a:t>menghitung</a:t>
+            </a:r>
+            <a:r>
+              <a:rPr lang="en-US" sz="4800" dirty="0"/>
+              <a:t> </a:t>
+            </a:r>
+            <a:r>
+              <a:rPr lang="en-US" sz="4800" dirty="0" err="1"/>
+              <a:t>fungsi</a:t>
+            </a:r>
+            <a:r>
+              <a:rPr lang="en-US" sz="4800" dirty="0"/>
+              <a:t> </a:t>
+            </a:r>
+            <a:r>
+              <a:rPr lang="en-US" sz="4800" dirty="0" err="1"/>
+              <a:t>aktivasi</a:t>
+            </a:r>
+            <a:r>
+              <a:rPr lang="en-US" sz="4800" dirty="0"/>
+              <a:t> </a:t>
+            </a:r>
+            <a:r>
+              <a:rPr lang="en-US" sz="4800" dirty="0" err="1"/>
+              <a:t>dengan</a:t>
+            </a:r>
+            <a:r>
+              <a:rPr lang="en-US" sz="4800" dirty="0"/>
+              <a:t> Sigmoid</a:t>
+            </a:r>
+          </a:p>
+        </p:txBody>
+      </p:sp>
+      <mc:AlternateContent xmlns:mc="http://schemas.openxmlformats.org/markup-compatibility/2006" xmlns:a14="http://schemas.microsoft.com/office/drawing/2010/main">
+        <mc:Choice Requires="a14">
+          <p:sp>
+            <p:nvSpPr>
+              <p:cNvPr id="45" name="Content Placeholder 2">
+                <a:extLst>
+                  <a:ext uri="{FF2B5EF4-FFF2-40B4-BE49-F238E27FC236}">
+                    <a16:creationId xmlns:a16="http://schemas.microsoft.com/office/drawing/2014/main" id="{CBCBFC66-0E04-41A8-B7E7-3EB834C4BF63}"/>
+                  </a:ext>
+                </a:extLst>
+              </p:cNvPr>
+              <p:cNvSpPr txBox="1">
+                <a:spLocks/>
+              </p:cNvSpPr>
+              <p:nvPr/>
+            </p:nvSpPr>
+            <p:spPr>
+              <a:xfrm>
+                <a:off x="8187282" y="1845426"/>
+                <a:ext cx="4640869" cy="2215041"/>
+              </a:xfrm>
+              <a:prstGeom prst="rect">
+                <a:avLst/>
+              </a:prstGeom>
+            </p:spPr>
+            <p:txBody>
+              <a:bodyPr vert="horz" lIns="91440" tIns="45720" rIns="91440" bIns="45720" rtlCol="0">
+                <a:normAutofit fontScale="92500"/>
+              </a:bodyPr>
+              <a:lstStyle>
+                <a:lvl1pPr marL="91440" indent="-91440" algn="l" defTabSz="914400" rtl="0" eaLnBrk="1" latinLnBrk="0" hangingPunct="1">
+                  <a:lnSpc>
+                    <a:spcPct val="85000"/>
+                  </a:lnSpc>
+                  <a:spcBef>
+                    <a:spcPts val="1300"/>
+                  </a:spcBef>
+                  <a:buFont typeface="Arial" pitchFamily="34" charset="0"/>
+                  <a:buChar char=" "/>
+                  <a:defRPr sz="2400" kern="1200">
+                    <a:solidFill>
+                      <a:schemeClr val="tx1">
+                        <a:lumMod val="85000"/>
+                        <a:lumOff val="15000"/>
+                      </a:schemeClr>
+                    </a:solidFill>
+                    <a:latin typeface="+mn-lt"/>
+                    <a:ea typeface="+mn-ea"/>
+                    <a:cs typeface="+mn-cs"/>
+                  </a:defRPr>
+                </a:lvl1pPr>
+                <a:lvl2pPr marL="347472" indent="-342900" algn="l" defTabSz="914400" rtl="0" eaLnBrk="1" latinLnBrk="0" hangingPunct="1">
+                  <a:lnSpc>
+                    <a:spcPct val="85000"/>
+                  </a:lnSpc>
+                  <a:spcBef>
+                    <a:spcPts val="600"/>
+                  </a:spcBef>
+                  <a:buFont typeface="Arial" pitchFamily="34" charset="0"/>
+                  <a:buChar char=" "/>
+                  <a:defRPr sz="2400" kern="1200">
+                    <a:solidFill>
+                      <a:schemeClr val="tx1">
+                        <a:lumMod val="85000"/>
+                        <a:lumOff val="15000"/>
+                      </a:schemeClr>
+                    </a:solidFill>
+                    <a:latin typeface="+mn-lt"/>
+                    <a:ea typeface="+mn-ea"/>
+                    <a:cs typeface="+mn-cs"/>
+                  </a:defRPr>
+                </a:lvl2pPr>
+                <a:lvl3pPr marL="548640" indent="-548640" algn="l" defTabSz="914400" rtl="0" eaLnBrk="1" latinLnBrk="0" hangingPunct="1">
+                  <a:lnSpc>
+                    <a:spcPct val="85000"/>
+                  </a:lnSpc>
+                  <a:spcBef>
+                    <a:spcPts val="600"/>
+                  </a:spcBef>
+                  <a:buFont typeface="Arial" pitchFamily="34" charset="0"/>
+                  <a:buChar char=" "/>
+                  <a:defRPr sz="2000" i="1" kern="1200">
+                    <a:solidFill>
+                      <a:schemeClr val="tx1">
+                        <a:lumMod val="85000"/>
+                        <a:lumOff val="15000"/>
+                      </a:schemeClr>
+                    </a:solidFill>
+                    <a:latin typeface="+mn-lt"/>
+                    <a:ea typeface="+mn-ea"/>
+                    <a:cs typeface="+mn-cs"/>
+                  </a:defRPr>
+                </a:lvl3pPr>
+                <a:lvl4pPr marL="822960" indent="-822960" algn="l" defTabSz="914400" rtl="0" eaLnBrk="1" latinLnBrk="0" hangingPunct="1">
+                  <a:lnSpc>
+                    <a:spcPct val="85000"/>
+                  </a:lnSpc>
+                  <a:spcBef>
+                    <a:spcPts val="600"/>
+                  </a:spcBef>
+                  <a:buFont typeface="Arial" pitchFamily="34" charset="0"/>
+                  <a:buChar char=" "/>
+                  <a:defRPr sz="1800" kern="1200">
+                    <a:solidFill>
+                      <a:schemeClr val="tx1">
+                        <a:lumMod val="85000"/>
+                        <a:lumOff val="15000"/>
+                      </a:schemeClr>
+                    </a:solidFill>
+                    <a:latin typeface="+mn-lt"/>
+                    <a:ea typeface="+mn-ea"/>
+                    <a:cs typeface="+mn-cs"/>
+                  </a:defRPr>
+                </a:lvl4pPr>
+                <a:lvl5pPr marL="1097280" indent="-1097280" algn="l" defTabSz="914400" rtl="0" eaLnBrk="1" latinLnBrk="0" hangingPunct="1">
+                  <a:lnSpc>
+                    <a:spcPct val="85000"/>
+                  </a:lnSpc>
+                  <a:spcBef>
+                    <a:spcPts val="600"/>
+                  </a:spcBef>
+                  <a:buFont typeface="Arial" pitchFamily="34" charset="0"/>
+                  <a:buChar char=" "/>
+                  <a:defRPr sz="1800" kern="1200">
+                    <a:solidFill>
+                      <a:schemeClr val="tx1">
+                        <a:lumMod val="85000"/>
+                        <a:lumOff val="15000"/>
+                      </a:schemeClr>
+                    </a:solidFill>
+                    <a:latin typeface="+mn-lt"/>
+                    <a:ea typeface="+mn-ea"/>
+                    <a:cs typeface="+mn-cs"/>
+                  </a:defRPr>
+                </a:lvl5pPr>
+                <a:lvl6pPr marL="1200000" indent="-228600" algn="l" defTabSz="914400" rtl="0" eaLnBrk="1" latinLnBrk="0" hangingPunct="1">
+                  <a:lnSpc>
+                    <a:spcPct val="85000"/>
+                  </a:lnSpc>
+                  <a:spcBef>
+                    <a:spcPts val="600"/>
+                  </a:spcBef>
+                  <a:buFont typeface="Arial" pitchFamily="34" charset="0"/>
+                  <a:buChar char=" "/>
+                  <a:defRPr sz="1800" kern="1200">
+                    <a:solidFill>
+                      <a:schemeClr val="tx1">
+                        <a:lumMod val="85000"/>
+                        <a:lumOff val="15000"/>
+                      </a:schemeClr>
+                    </a:solidFill>
+                    <a:latin typeface="+mn-lt"/>
+                    <a:ea typeface="+mn-ea"/>
+                    <a:cs typeface="+mn-cs"/>
+                  </a:defRPr>
+                </a:lvl6pPr>
+                <a:lvl7pPr marL="1400000" indent="-228600" algn="l" defTabSz="914400" rtl="0" eaLnBrk="1" latinLnBrk="0" hangingPunct="1">
+                  <a:lnSpc>
+                    <a:spcPct val="85000"/>
+                  </a:lnSpc>
+                  <a:spcBef>
+                    <a:spcPts val="600"/>
+                  </a:spcBef>
+                  <a:buFont typeface="Arial" pitchFamily="34" charset="0"/>
+                  <a:buChar char=" "/>
+                  <a:defRPr sz="1800" kern="1200">
+                    <a:solidFill>
+                      <a:schemeClr val="tx1">
+                        <a:lumMod val="85000"/>
+                        <a:lumOff val="15000"/>
+                      </a:schemeClr>
+                    </a:solidFill>
+                    <a:latin typeface="+mn-lt"/>
+                    <a:ea typeface="+mn-ea"/>
+                    <a:cs typeface="+mn-cs"/>
+                  </a:defRPr>
+                </a:lvl7pPr>
+                <a:lvl8pPr marL="1600000" indent="-228600" algn="l" defTabSz="914400" rtl="0" eaLnBrk="1" latinLnBrk="0" hangingPunct="1">
+                  <a:lnSpc>
+                    <a:spcPct val="85000"/>
+                  </a:lnSpc>
+                  <a:spcBef>
+                    <a:spcPts val="600"/>
+                  </a:spcBef>
+                  <a:buFont typeface="Arial" pitchFamily="34" charset="0"/>
+                  <a:buChar char=" "/>
+                  <a:defRPr sz="1800" kern="1200">
+                    <a:solidFill>
+                      <a:schemeClr val="tx1">
+                        <a:lumMod val="85000"/>
+                        <a:lumOff val="15000"/>
+                      </a:schemeClr>
+                    </a:solidFill>
+                    <a:latin typeface="+mn-lt"/>
+                    <a:ea typeface="+mn-ea"/>
+                    <a:cs typeface="+mn-cs"/>
+                  </a:defRPr>
+                </a:lvl8pPr>
+                <a:lvl9pPr marL="1800000" indent="-228600" algn="l" defTabSz="914400" rtl="0" eaLnBrk="1" latinLnBrk="0" hangingPunct="1">
+                  <a:lnSpc>
+                    <a:spcPct val="85000"/>
+                  </a:lnSpc>
+                  <a:spcBef>
+                    <a:spcPts val="600"/>
+                  </a:spcBef>
+                  <a:buFont typeface="Arial" pitchFamily="34" charset="0"/>
+                  <a:buChar char=" "/>
+                  <a:defRPr sz="1800" kern="1200">
+                    <a:solidFill>
+                      <a:schemeClr val="tx1">
+                        <a:lumMod val="85000"/>
+                        <a:lumOff val="15000"/>
+                      </a:schemeClr>
+                    </a:solidFill>
+                    <a:latin typeface="+mn-lt"/>
+                    <a:ea typeface="+mn-ea"/>
+                    <a:cs typeface="+mn-cs"/>
+                  </a:defRPr>
+                </a:lvl9pPr>
+              </a:lstStyle>
+              <a:p>
+                <a:pPr marL="0" indent="0">
+                  <a:buNone/>
+                </a:pPr>
+                <a:r>
+                  <a:rPr lang="en-US" dirty="0">
+                    <a:latin typeface="Times New Roman" panose="02020603050405020304" pitchFamily="18" charset="0"/>
+                    <a:cs typeface="Times New Roman" panose="02020603050405020304" pitchFamily="18" charset="0"/>
+                  </a:rPr>
+                  <a:t>net N1.1 = (X1.W1 + X2.W2)            </a:t>
+                </a:r>
+              </a:p>
+              <a:p>
+                <a:pPr marL="1171400" lvl="6" indent="0">
+                  <a:buFont typeface="Arial" pitchFamily="34" charset="0"/>
+                  <a:buNone/>
+                </a:pPr>
+                <a:r>
+                  <a:rPr lang="en-US" sz="2400" dirty="0">
+                    <a:latin typeface="Times New Roman" panose="02020603050405020304" pitchFamily="18" charset="0"/>
+                    <a:cs typeface="Times New Roman" panose="02020603050405020304" pitchFamily="18" charset="0"/>
+                  </a:rPr>
+                  <a:t>  = (0 . -0.1 + 1 .(- 0.1))</a:t>
+                </a:r>
+              </a:p>
+              <a:p>
+                <a:pPr marL="1171400" lvl="6" indent="0">
+                  <a:buFont typeface="Arial" pitchFamily="34" charset="0"/>
+                  <a:buNone/>
+                </a:pPr>
+                <a:r>
+                  <a:rPr lang="en-US" sz="2400" dirty="0">
+                    <a:latin typeface="Times New Roman" panose="02020603050405020304" pitchFamily="18" charset="0"/>
+                    <a:cs typeface="Times New Roman" panose="02020603050405020304" pitchFamily="18" charset="0"/>
+                  </a:rPr>
+                  <a:t>  = -0.1</a:t>
+                </a:r>
+              </a:p>
+              <a:p>
+                <a:pPr marL="111125" lvl="6" indent="0">
+                  <a:buFont typeface="Arial" pitchFamily="34" charset="0"/>
+                  <a:buNone/>
+                </a:pPr>
+                <a:r>
+                  <a:rPr lang="en-US" sz="2400" i="1" dirty="0">
+                    <a:latin typeface="Times New Roman" panose="02020603050405020304" pitchFamily="18" charset="0"/>
+                    <a:cs typeface="Times New Roman" panose="02020603050405020304" pitchFamily="18" charset="0"/>
+                  </a:rPr>
+                  <a:t>f</a:t>
+                </a:r>
+                <a:r>
+                  <a:rPr lang="en-US" sz="2400" dirty="0">
+                    <a:latin typeface="Times New Roman" panose="02020603050405020304" pitchFamily="18" charset="0"/>
+                    <a:cs typeface="Times New Roman" panose="02020603050405020304" pitchFamily="18" charset="0"/>
+                  </a:rPr>
+                  <a:t>(net) = </a:t>
+                </a:r>
+                <a14:m>
+                  <m:oMath xmlns:m="http://schemas.openxmlformats.org/officeDocument/2006/math">
+                    <m:f>
+                      <m:fPr>
+                        <m:ctrlPr>
+                          <a:rPr lang="en-US" sz="2400" i="1">
+                            <a:latin typeface="Cambria Math" panose="02040503050406030204" pitchFamily="18" charset="0"/>
+                          </a:rPr>
+                        </m:ctrlPr>
+                      </m:fPr>
+                      <m:num>
+                        <m:r>
+                          <a:rPr lang="en-US" sz="2400" i="1">
+                            <a:latin typeface="Cambria Math" panose="02040503050406030204" pitchFamily="18" charset="0"/>
+                          </a:rPr>
+                          <m:t>1</m:t>
+                        </m:r>
+                      </m:num>
+                      <m:den>
+                        <m:r>
+                          <a:rPr lang="en-US" sz="2400" i="1">
+                            <a:latin typeface="Cambria Math" panose="02040503050406030204" pitchFamily="18" charset="0"/>
+                          </a:rPr>
+                          <m:t>(1+</m:t>
+                        </m:r>
+                        <m:sSup>
+                          <m:sSupPr>
+                            <m:ctrlPr>
+                              <a:rPr lang="en-US" sz="2400" i="1">
+                                <a:latin typeface="Cambria Math" panose="02040503050406030204" pitchFamily="18" charset="0"/>
+                              </a:rPr>
+                            </m:ctrlPr>
+                          </m:sSupPr>
+                          <m:e>
+                            <m:r>
+                              <a:rPr lang="en-US" sz="2400" i="1">
+                                <a:latin typeface="Cambria Math" panose="02040503050406030204" pitchFamily="18" charset="0"/>
+                              </a:rPr>
+                              <m:t>𝑒</m:t>
+                            </m:r>
+                          </m:e>
+                          <m:sup>
+                            <m:r>
+                              <a:rPr lang="en-US" sz="2400" i="1">
+                                <a:latin typeface="Cambria Math" panose="02040503050406030204" pitchFamily="18" charset="0"/>
+                              </a:rPr>
+                              <m:t>−</m:t>
+                            </m:r>
+                            <m:r>
+                              <a:rPr lang="en-US" sz="2400" b="0" i="1" smtClean="0">
+                                <a:latin typeface="Cambria Math" panose="02040503050406030204" pitchFamily="18" charset="0"/>
+                              </a:rPr>
+                              <m:t>(−</m:t>
+                            </m:r>
+                            <m:r>
+                              <a:rPr lang="en-US" sz="2400" i="1" smtClean="0">
+                                <a:latin typeface="Cambria Math" panose="02040503050406030204" pitchFamily="18" charset="0"/>
+                              </a:rPr>
+                              <m:t>0.1</m:t>
+                            </m:r>
+                            <m:r>
+                              <a:rPr lang="en-US" sz="2400" b="0" i="1" smtClean="0">
+                                <a:latin typeface="Cambria Math" panose="02040503050406030204" pitchFamily="18" charset="0"/>
+                              </a:rPr>
+                              <m:t>)</m:t>
+                            </m:r>
+                          </m:sup>
+                        </m:sSup>
+                        <m:r>
+                          <a:rPr lang="en-US" sz="2400" i="1">
+                            <a:latin typeface="Cambria Math" panose="02040503050406030204" pitchFamily="18" charset="0"/>
+                          </a:rPr>
+                          <m:t>)</m:t>
+                        </m:r>
+                      </m:den>
+                    </m:f>
+                  </m:oMath>
+                </a14:m>
+                <a:endParaRPr lang="en-US" sz="2400" i="1" dirty="0">
+                  <a:latin typeface="Times New Roman" panose="02020603050405020304" pitchFamily="18" charset="0"/>
+                  <a:cs typeface="Times New Roman" panose="02020603050405020304" pitchFamily="18" charset="0"/>
+                </a:endParaRPr>
+              </a:p>
+              <a:p>
+                <a:pPr marL="111125" lvl="6" indent="0">
+                  <a:buFont typeface="Arial" pitchFamily="34" charset="0"/>
+                  <a:buNone/>
+                </a:pPr>
+                <a:r>
+                  <a:rPr lang="en-US" sz="2400" i="1" dirty="0">
+                    <a:latin typeface="Times New Roman" panose="02020603050405020304" pitchFamily="18" charset="0"/>
+                    <a:cs typeface="Times New Roman" panose="02020603050405020304" pitchFamily="18" charset="0"/>
+                  </a:rPr>
+                  <a:t>f</a:t>
+                </a:r>
+                <a:r>
+                  <a:rPr lang="en-US" sz="2400" dirty="0">
+                    <a:latin typeface="Times New Roman" panose="02020603050405020304" pitchFamily="18" charset="0"/>
+                    <a:cs typeface="Times New Roman" panose="02020603050405020304" pitchFamily="18" charset="0"/>
+                  </a:rPr>
+                  <a:t>(net) = 0.475</a:t>
+                </a:r>
+              </a:p>
+              <a:p>
+                <a:pPr marL="111125" lvl="6" indent="0">
+                  <a:buFont typeface="Arial" pitchFamily="34" charset="0"/>
+                  <a:buNone/>
+                </a:pPr>
+                <a:endParaRPr lang="en-US" sz="2400" i="1" dirty="0">
+                  <a:latin typeface="Times New Roman" panose="02020603050405020304" pitchFamily="18" charset="0"/>
+                  <a:cs typeface="Times New Roman" panose="02020603050405020304" pitchFamily="18" charset="0"/>
+                </a:endParaRPr>
+              </a:p>
+              <a:p>
+                <a:pPr marL="111125" lvl="6" indent="0">
+                  <a:buFont typeface="Arial" pitchFamily="34" charset="0"/>
+                  <a:buNone/>
+                </a:pPr>
+                <a:endParaRPr lang="en-US" sz="2400" dirty="0">
+                  <a:latin typeface="Times New Roman" panose="02020603050405020304" pitchFamily="18" charset="0"/>
+                  <a:cs typeface="Times New Roman" panose="02020603050405020304" pitchFamily="18" charset="0"/>
+                </a:endParaRPr>
+              </a:p>
+            </p:txBody>
+          </p:sp>
+        </mc:Choice>
+        <mc:Fallback xmlns="">
+          <p:sp>
+            <p:nvSpPr>
+              <p:cNvPr id="45" name="Content Placeholder 2">
+                <a:extLst>
+                  <a:ext uri="{FF2B5EF4-FFF2-40B4-BE49-F238E27FC236}">
+                    <a16:creationId xmlns:a16="http://schemas.microsoft.com/office/drawing/2014/main" id="{CBCBFC66-0E04-41A8-B7E7-3EB834C4BF63}"/>
+                  </a:ext>
+                </a:extLst>
+              </p:cNvPr>
+              <p:cNvSpPr txBox="1">
+                <a:spLocks noRot="1" noChangeAspect="1" noMove="1" noResize="1" noEditPoints="1" noAdjustHandles="1" noChangeArrowheads="1" noChangeShapeType="1" noTextEdit="1"/>
+              </p:cNvSpPr>
+              <p:nvPr/>
+            </p:nvSpPr>
+            <p:spPr>
+              <a:xfrm>
+                <a:off x="8187282" y="1845426"/>
+                <a:ext cx="4640869" cy="2215041"/>
+              </a:xfrm>
+              <a:prstGeom prst="rect">
+                <a:avLst/>
+              </a:prstGeom>
+              <a:blipFill>
+                <a:blip r:embed="rId3"/>
+                <a:stretch>
+                  <a:fillRect l="-1708" t="-4132"/>
+                </a:stretch>
+              </a:blipFill>
+            </p:spPr>
+            <p:txBody>
+              <a:bodyPr/>
+              <a:lstStyle/>
+              <a:p>
+                <a:r>
+                  <a:rPr lang="en-US">
+                    <a:noFill/>
+                  </a:rPr>
+                  <a:t> </a:t>
+                </a:r>
+              </a:p>
+            </p:txBody>
+          </p:sp>
+        </mc:Fallback>
+      </mc:AlternateContent>
+      <mc:AlternateContent xmlns:mc="http://schemas.openxmlformats.org/markup-compatibility/2006" xmlns:a14="http://schemas.microsoft.com/office/drawing/2010/main">
+        <mc:Choice Requires="a14">
+          <p:sp>
+            <p:nvSpPr>
+              <p:cNvPr id="46" name="Rectangle 45">
+                <a:extLst>
+                  <a:ext uri="{FF2B5EF4-FFF2-40B4-BE49-F238E27FC236}">
+                    <a16:creationId xmlns:a16="http://schemas.microsoft.com/office/drawing/2014/main" id="{E2D12B33-7718-4DF0-9CC9-297A2B1D0692}"/>
+                  </a:ext>
+                </a:extLst>
+              </p:cNvPr>
+              <p:cNvSpPr/>
+              <p:nvPr/>
+            </p:nvSpPr>
+            <p:spPr>
+              <a:xfrm>
+                <a:off x="3656073" y="4788084"/>
+                <a:ext cx="6096000" cy="2787173"/>
+              </a:xfrm>
+              <a:prstGeom prst="rect">
+                <a:avLst/>
+              </a:prstGeom>
+            </p:spPr>
+            <p:txBody>
+              <a:bodyPr>
+                <a:spAutoFit/>
+              </a:bodyPr>
+              <a:lstStyle/>
+              <a:p>
+                <a:r>
+                  <a:rPr lang="en-US" dirty="0">
+                    <a:latin typeface="Times New Roman" panose="02020603050405020304" pitchFamily="18" charset="0"/>
+                    <a:cs typeface="Times New Roman" panose="02020603050405020304" pitchFamily="18" charset="0"/>
+                  </a:rPr>
+                  <a:t>net N2  = (N10.W1 + N11.W2)           </a:t>
+                </a:r>
+              </a:p>
+              <a:p>
+                <a:r>
+                  <a:rPr lang="en-US" sz="2400" dirty="0">
+                    <a:latin typeface="Times New Roman" panose="02020603050405020304" pitchFamily="18" charset="0"/>
+                    <a:cs typeface="Times New Roman" panose="02020603050405020304" pitchFamily="18" charset="0"/>
+                  </a:rPr>
+                  <a:t>	   = (0.524.0.06  + 0.475.(- 0.4))</a:t>
+                </a:r>
+              </a:p>
+              <a:p>
+                <a:pPr marL="1171400" lvl="6" indent="0">
+                  <a:buFont typeface="Arial" pitchFamily="34" charset="0"/>
+                  <a:buNone/>
+                </a:pPr>
+                <a:r>
+                  <a:rPr lang="en-US" sz="2400" dirty="0">
+                    <a:latin typeface="Times New Roman" panose="02020603050405020304" pitchFamily="18" charset="0"/>
+                    <a:cs typeface="Times New Roman" panose="02020603050405020304" pitchFamily="18" charset="0"/>
+                  </a:rPr>
+                  <a:t>  = -0.158</a:t>
+                </a:r>
+              </a:p>
+              <a:p>
+                <a:pPr marL="111125" lvl="6" indent="0">
+                  <a:buFont typeface="Arial" pitchFamily="34" charset="0"/>
+                  <a:buNone/>
+                </a:pPr>
+                <a:r>
+                  <a:rPr lang="en-US" sz="2400" i="1" dirty="0">
+                    <a:latin typeface="Times New Roman" panose="02020603050405020304" pitchFamily="18" charset="0"/>
+                    <a:cs typeface="Times New Roman" panose="02020603050405020304" pitchFamily="18" charset="0"/>
+                  </a:rPr>
+                  <a:t>f</a:t>
+                </a:r>
+                <a:r>
+                  <a:rPr lang="en-US" sz="2400" dirty="0">
+                    <a:latin typeface="Times New Roman" panose="02020603050405020304" pitchFamily="18" charset="0"/>
+                    <a:cs typeface="Times New Roman" panose="02020603050405020304" pitchFamily="18" charset="0"/>
+                  </a:rPr>
+                  <a:t>(net) = </a:t>
+                </a:r>
+                <a14:m>
+                  <m:oMath xmlns:m="http://schemas.openxmlformats.org/officeDocument/2006/math">
+                    <m:f>
+                      <m:fPr>
+                        <m:ctrlPr>
+                          <a:rPr lang="en-US" sz="2400" i="1">
+                            <a:latin typeface="Cambria Math" panose="02040503050406030204" pitchFamily="18" charset="0"/>
+                          </a:rPr>
+                        </m:ctrlPr>
+                      </m:fPr>
+                      <m:num>
+                        <m:r>
+                          <a:rPr lang="en-US" sz="2400" i="1">
+                            <a:latin typeface="Cambria Math" panose="02040503050406030204" pitchFamily="18" charset="0"/>
+                          </a:rPr>
+                          <m:t>1</m:t>
+                        </m:r>
+                      </m:num>
+                      <m:den>
+                        <m:r>
+                          <a:rPr lang="en-US" sz="2400" i="1">
+                            <a:latin typeface="Cambria Math" panose="02040503050406030204" pitchFamily="18" charset="0"/>
+                          </a:rPr>
+                          <m:t>(1+</m:t>
+                        </m:r>
+                        <m:sSup>
+                          <m:sSupPr>
+                            <m:ctrlPr>
+                              <a:rPr lang="en-US" sz="2400" i="1">
+                                <a:latin typeface="Cambria Math" panose="02040503050406030204" pitchFamily="18" charset="0"/>
+                              </a:rPr>
+                            </m:ctrlPr>
+                          </m:sSupPr>
+                          <m:e>
+                            <m:r>
+                              <a:rPr lang="en-US" sz="2400" i="1">
+                                <a:latin typeface="Cambria Math" panose="02040503050406030204" pitchFamily="18" charset="0"/>
+                              </a:rPr>
+                              <m:t>𝑒</m:t>
+                            </m:r>
+                          </m:e>
+                          <m:sup>
+                            <m:r>
+                              <a:rPr lang="en-US" sz="2400" i="1">
+                                <a:latin typeface="Cambria Math" panose="02040503050406030204" pitchFamily="18" charset="0"/>
+                              </a:rPr>
+                              <m:t>−0.1</m:t>
+                            </m:r>
+                            <m:r>
+                              <a:rPr lang="en-US" sz="2400" b="0" i="1" smtClean="0">
+                                <a:latin typeface="Cambria Math" panose="02040503050406030204" pitchFamily="18" charset="0"/>
+                              </a:rPr>
+                              <m:t>58</m:t>
+                            </m:r>
+                          </m:sup>
+                        </m:sSup>
+                        <m:r>
+                          <a:rPr lang="en-US" sz="2400" i="1">
+                            <a:latin typeface="Cambria Math" panose="02040503050406030204" pitchFamily="18" charset="0"/>
+                          </a:rPr>
+                          <m:t>)</m:t>
+                        </m:r>
+                      </m:den>
+                    </m:f>
+                  </m:oMath>
+                </a14:m>
+                <a:endParaRPr lang="en-US" sz="2400" i="1" dirty="0">
+                  <a:latin typeface="Times New Roman" panose="02020603050405020304" pitchFamily="18" charset="0"/>
+                  <a:cs typeface="Times New Roman" panose="02020603050405020304" pitchFamily="18" charset="0"/>
+                </a:endParaRPr>
+              </a:p>
+              <a:p>
+                <a:pPr marL="111125" lvl="6" indent="0">
+                  <a:buFont typeface="Arial" pitchFamily="34" charset="0"/>
+                  <a:buNone/>
+                </a:pPr>
+                <a:r>
+                  <a:rPr lang="en-US" sz="2400" i="1" dirty="0">
+                    <a:latin typeface="Times New Roman" panose="02020603050405020304" pitchFamily="18" charset="0"/>
+                    <a:cs typeface="Times New Roman" panose="02020603050405020304" pitchFamily="18" charset="0"/>
+                  </a:rPr>
+                  <a:t>f</a:t>
+                </a:r>
+                <a:r>
+                  <a:rPr lang="en-US" sz="2400" dirty="0">
+                    <a:latin typeface="Times New Roman" panose="02020603050405020304" pitchFamily="18" charset="0"/>
+                    <a:cs typeface="Times New Roman" panose="02020603050405020304" pitchFamily="18" charset="0"/>
+                  </a:rPr>
+                  <a:t>(net) = 0.46</a:t>
+                </a:r>
+              </a:p>
+              <a:p>
+                <a:pPr marL="111125" lvl="6" indent="0">
+                  <a:buFont typeface="Arial" pitchFamily="34" charset="0"/>
+                  <a:buNone/>
+                </a:pPr>
+                <a:endParaRPr lang="en-US" sz="2400" i="1" dirty="0">
+                  <a:latin typeface="Times New Roman" panose="02020603050405020304" pitchFamily="18" charset="0"/>
+                  <a:cs typeface="Times New Roman" panose="02020603050405020304" pitchFamily="18" charset="0"/>
+                </a:endParaRPr>
+              </a:p>
+              <a:p>
+                <a:pPr marL="111125" lvl="6" indent="0">
+                  <a:buFont typeface="Arial" pitchFamily="34" charset="0"/>
+                  <a:buNone/>
+                </a:pPr>
+                <a:endParaRPr lang="en-US" sz="2400" dirty="0">
+                  <a:latin typeface="Times New Roman" panose="02020603050405020304" pitchFamily="18" charset="0"/>
+                  <a:cs typeface="Times New Roman" panose="02020603050405020304" pitchFamily="18" charset="0"/>
+                </a:endParaRPr>
+              </a:p>
+            </p:txBody>
+          </p:sp>
+        </mc:Choice>
+        <mc:Fallback xmlns="">
+          <p:sp>
+            <p:nvSpPr>
+              <p:cNvPr id="46" name="Rectangle 45">
+                <a:extLst>
+                  <a:ext uri="{FF2B5EF4-FFF2-40B4-BE49-F238E27FC236}">
+                    <a16:creationId xmlns:a16="http://schemas.microsoft.com/office/drawing/2014/main" id="{E2D12B33-7718-4DF0-9CC9-297A2B1D0692}"/>
+                  </a:ext>
+                </a:extLst>
+              </p:cNvPr>
+              <p:cNvSpPr>
+                <a:spLocks noRot="1" noChangeAspect="1" noMove="1" noResize="1" noEditPoints="1" noAdjustHandles="1" noChangeArrowheads="1" noChangeShapeType="1" noTextEdit="1"/>
+              </p:cNvSpPr>
+              <p:nvPr/>
+            </p:nvSpPr>
+            <p:spPr>
+              <a:xfrm>
+                <a:off x="3656073" y="4788084"/>
+                <a:ext cx="6096000" cy="2787173"/>
+              </a:xfrm>
+              <a:prstGeom prst="rect">
+                <a:avLst/>
+              </a:prstGeom>
+              <a:blipFill>
+                <a:blip r:embed="rId4"/>
+                <a:stretch>
+                  <a:fillRect l="-900" t="-1092"/>
+                </a:stretch>
+              </a:blipFill>
+            </p:spPr>
+            <p:txBody>
+              <a:bodyPr/>
+              <a:lstStyle/>
+              <a:p>
+                <a:r>
+                  <a:rPr lang="en-US">
+                    <a:noFill/>
+                  </a:rPr>
+                  <a:t> </a:t>
+                </a:r>
+              </a:p>
+            </p:txBody>
+          </p:sp>
+        </mc:Fallback>
+      </mc:AlternateContent>
+      <p:sp>
+        <p:nvSpPr>
+          <p:cNvPr id="47" name="TextBox 46">
+            <a:extLst>
+              <a:ext uri="{FF2B5EF4-FFF2-40B4-BE49-F238E27FC236}">
+                <a16:creationId xmlns:a16="http://schemas.microsoft.com/office/drawing/2014/main" id="{3200687C-B3BD-46DA-8B07-AC72502D78C9}"/>
+              </a:ext>
+            </a:extLst>
+          </p:cNvPr>
+          <p:cNvSpPr txBox="1"/>
+          <p:nvPr/>
+        </p:nvSpPr>
+        <p:spPr>
+          <a:xfrm>
+            <a:off x="9428279" y="5309676"/>
+            <a:ext cx="1527982" cy="646331"/>
+          </a:xfrm>
+          <a:prstGeom prst="rect">
+            <a:avLst/>
+          </a:prstGeom>
+          <a:noFill/>
+        </p:spPr>
+        <p:txBody>
+          <a:bodyPr wrap="none" rtlCol="0">
+            <a:spAutoFit/>
+          </a:bodyPr>
+          <a:lstStyle/>
+          <a:p>
+            <a:r>
+              <a:rPr lang="en-US" dirty="0">
+                <a:latin typeface="Times New Roman" panose="02020603050405020304" pitchFamily="18" charset="0"/>
+                <a:cs typeface="Times New Roman" panose="02020603050405020304" pitchFamily="18" charset="0"/>
+              </a:rPr>
+              <a:t>Output = 0.46 </a:t>
+            </a:r>
+          </a:p>
+          <a:p>
+            <a:r>
+              <a:rPr lang="en-US" dirty="0">
+                <a:latin typeface="Times New Roman" panose="02020603050405020304" pitchFamily="18" charset="0"/>
+                <a:cs typeface="Times New Roman" panose="02020603050405020304" pitchFamily="18" charset="0"/>
+              </a:rPr>
+              <a:t>Target = 0</a:t>
+            </a:r>
+          </a:p>
+        </p:txBody>
+      </p:sp>
+    </p:spTree>
+    <p:extLst>
+      <p:ext uri="{BB962C8B-B14F-4D97-AF65-F5344CB8AC3E}">
+        <p14:creationId xmlns:p14="http://schemas.microsoft.com/office/powerpoint/2010/main" val="893064704"/>
+      </p:ext>
+    </p:extLst>
+  </p:cSld>
+  <p:clrMapOvr>
+    <a:masterClrMapping/>
+  </p:clrMapOvr>
+</p:sld>
+</file>
+
+<file path=ppt/slides/slide36.xml><?xml version="1.0" encoding="utf-8"?>
+<p:sld xmlns:a="http://schemas.openxmlformats.org/drawingml/2006/main" xmlns:r="http://schemas.openxmlformats.org/officeDocument/2006/relationships" xmlns:p="http://schemas.openxmlformats.org/presentationml/2006/main">
+  <p:cSld>
+    <p:spTree>
+      <p:nvGrpSpPr>
+        <p:cNvPr id="1" name=""/>
+        <p:cNvGrpSpPr/>
+        <p:nvPr/>
+      </p:nvGrpSpPr>
+      <p:grpSpPr>
+        <a:xfrm>
+          <a:off x="0" y="0"/>
+          <a:ext cx="0" cy="0"/>
+          <a:chOff x="0" y="0"/>
+          <a:chExt cx="0" cy="0"/>
+        </a:xfrm>
+      </p:grpSpPr>
+      <p:sp>
+        <p:nvSpPr>
+          <p:cNvPr id="2" name="Title 1">
+            <a:extLst>
+              <a:ext uri="{FF2B5EF4-FFF2-40B4-BE49-F238E27FC236}">
+                <a16:creationId xmlns:a16="http://schemas.microsoft.com/office/drawing/2014/main" id="{04AACC95-05BE-45A4-B57D-F19A1A21F310}"/>
+              </a:ext>
+            </a:extLst>
+          </p:cNvPr>
+          <p:cNvSpPr>
+            <a:spLocks noGrp="1"/>
+          </p:cNvSpPr>
+          <p:nvPr>
+            <p:ph type="title"/>
+          </p:nvPr>
+        </p:nvSpPr>
+        <p:spPr>
+          <a:xfrm>
+            <a:off x="787492" y="153169"/>
+            <a:ext cx="10772775" cy="941340"/>
+          </a:xfrm>
+        </p:spPr>
+        <p:txBody>
+          <a:bodyPr>
+            <a:normAutofit/>
+          </a:bodyPr>
+          <a:lstStyle/>
+          <a:p>
+            <a:pPr algn="ctr"/>
+            <a:r>
+              <a:rPr lang="en-US" sz="4400" dirty="0"/>
+              <a:t>Update </a:t>
+            </a:r>
+            <a:r>
+              <a:rPr lang="en-US" sz="4400" dirty="0" err="1"/>
+              <a:t>bobot</a:t>
+            </a:r>
+            <a:r>
+              <a:rPr lang="en-US" sz="4400" dirty="0"/>
+              <a:t> </a:t>
+            </a:r>
+            <a:r>
+              <a:rPr lang="en-US" sz="4400" dirty="0" err="1"/>
+              <a:t>dengan</a:t>
+            </a:r>
+            <a:r>
+              <a:rPr lang="en-US" sz="4400" dirty="0"/>
+              <a:t> </a:t>
+            </a:r>
+            <a:r>
+              <a:rPr lang="en-US" sz="4400" dirty="0" err="1"/>
+              <a:t>BackPropagation</a:t>
+            </a:r>
+            <a:endParaRPr lang="en-US" sz="4400" dirty="0"/>
+          </a:p>
+        </p:txBody>
+      </p:sp>
+      <mc:AlternateContent xmlns:mc="http://schemas.openxmlformats.org/markup-compatibility/2006" xmlns:a14="http://schemas.microsoft.com/office/drawing/2010/main">
+        <mc:Choice Requires="a14">
+          <p:sp>
+            <p:nvSpPr>
+              <p:cNvPr id="3" name="Content Placeholder 2">
+                <a:extLst>
+                  <a:ext uri="{FF2B5EF4-FFF2-40B4-BE49-F238E27FC236}">
+                    <a16:creationId xmlns:a16="http://schemas.microsoft.com/office/drawing/2014/main" id="{68EECDFA-3EE8-4BE5-B492-C27E2E8245B8}"/>
+                  </a:ext>
+                </a:extLst>
+              </p:cNvPr>
+              <p:cNvSpPr>
+                <a:spLocks noGrp="1"/>
+              </p:cNvSpPr>
+              <p:nvPr>
+                <p:ph idx="1"/>
+              </p:nvPr>
+            </p:nvSpPr>
+            <p:spPr>
+              <a:xfrm>
+                <a:off x="1050729" y="1499062"/>
+                <a:ext cx="4588071" cy="5317374"/>
+              </a:xfrm>
+            </p:spPr>
+            <p:txBody>
+              <a:bodyPr>
+                <a:normAutofit/>
+              </a:bodyPr>
+              <a:lstStyle/>
+              <a:p>
+                <a:r>
+                  <a:rPr lang="en-US" sz="2000" dirty="0" err="1">
+                    <a:latin typeface="Times New Roman" panose="02020603050405020304" pitchFamily="18" charset="0"/>
+                    <a:cs typeface="Times New Roman" panose="02020603050405020304" pitchFamily="18" charset="0"/>
+                  </a:rPr>
+                  <a:t>δ</a:t>
+                </a:r>
+                <a:r>
+                  <a:rPr lang="en-US" sz="2000" baseline="-25000" dirty="0" err="1">
+                    <a:latin typeface="Times New Roman" panose="02020603050405020304" pitchFamily="18" charset="0"/>
+                    <a:cs typeface="Times New Roman" panose="02020603050405020304" pitchFamily="18" charset="0"/>
+                  </a:rPr>
+                  <a:t>k</a:t>
+                </a:r>
+                <a:r>
+                  <a:rPr lang="en-US" sz="2000" baseline="-25000" dirty="0">
+                    <a:latin typeface="Times New Roman" panose="02020603050405020304" pitchFamily="18" charset="0"/>
+                    <a:cs typeface="Times New Roman" panose="02020603050405020304" pitchFamily="18" charset="0"/>
+                  </a:rPr>
+                  <a:t> </a:t>
+                </a:r>
+                <a:r>
+                  <a:rPr lang="en-US" sz="2000" b="1" dirty="0">
+                    <a:latin typeface="Times New Roman" panose="02020603050405020304" pitchFamily="18" charset="0"/>
+                    <a:cs typeface="Times New Roman" panose="02020603050405020304" pitchFamily="18" charset="0"/>
+                  </a:rPr>
+                  <a:t>←</a:t>
+                </a:r>
+                <a:r>
+                  <a:rPr lang="en-US" sz="2000" dirty="0">
+                    <a:latin typeface="Times New Roman" panose="02020603050405020304" pitchFamily="18" charset="0"/>
+                    <a:cs typeface="Times New Roman" panose="02020603050405020304" pitchFamily="18" charset="0"/>
+                  </a:rPr>
+                  <a:t> o</a:t>
+                </a:r>
+                <a:r>
+                  <a:rPr lang="en-US" sz="2000" baseline="-25000" dirty="0">
+                    <a:latin typeface="Times New Roman" panose="02020603050405020304" pitchFamily="18" charset="0"/>
+                    <a:cs typeface="Times New Roman" panose="02020603050405020304" pitchFamily="18" charset="0"/>
+                  </a:rPr>
+                  <a:t>k</a:t>
+                </a:r>
+                <a:r>
+                  <a:rPr lang="en-US" sz="2000" dirty="0">
+                    <a:latin typeface="Times New Roman" panose="02020603050405020304" pitchFamily="18" charset="0"/>
+                    <a:cs typeface="Times New Roman" panose="02020603050405020304" pitchFamily="18" charset="0"/>
+                  </a:rPr>
+                  <a:t> (1 – o</a:t>
+                </a:r>
+                <a:r>
+                  <a:rPr lang="en-US" sz="2000" baseline="-25000" dirty="0">
+                    <a:latin typeface="Times New Roman" panose="02020603050405020304" pitchFamily="18" charset="0"/>
+                    <a:cs typeface="Times New Roman" panose="02020603050405020304" pitchFamily="18" charset="0"/>
+                  </a:rPr>
+                  <a:t>k</a:t>
+                </a:r>
+                <a:r>
+                  <a:rPr lang="en-US" sz="2000" dirty="0">
+                    <a:latin typeface="Times New Roman" panose="02020603050405020304" pitchFamily="18" charset="0"/>
+                    <a:cs typeface="Times New Roman" panose="02020603050405020304" pitchFamily="18" charset="0"/>
+                  </a:rPr>
+                  <a:t>) (</a:t>
+                </a:r>
+                <a:r>
+                  <a:rPr lang="en-US" sz="2000" dirty="0" err="1">
+                    <a:latin typeface="Times New Roman" panose="02020603050405020304" pitchFamily="18" charset="0"/>
+                    <a:cs typeface="Times New Roman" panose="02020603050405020304" pitchFamily="18" charset="0"/>
+                  </a:rPr>
+                  <a:t>t</a:t>
+                </a:r>
+                <a:r>
+                  <a:rPr lang="en-US" sz="2000" baseline="-25000" dirty="0" err="1">
+                    <a:latin typeface="Times New Roman" panose="02020603050405020304" pitchFamily="18" charset="0"/>
+                    <a:cs typeface="Times New Roman" panose="02020603050405020304" pitchFamily="18" charset="0"/>
+                  </a:rPr>
+                  <a:t>k</a:t>
+                </a:r>
+                <a:r>
+                  <a:rPr lang="en-US" sz="2000" dirty="0">
+                    <a:latin typeface="Times New Roman" panose="02020603050405020304" pitchFamily="18" charset="0"/>
+                    <a:cs typeface="Times New Roman" panose="02020603050405020304" pitchFamily="18" charset="0"/>
+                  </a:rPr>
+                  <a:t> – o</a:t>
+                </a:r>
+                <a:r>
+                  <a:rPr lang="en-US" sz="2000" baseline="-25000" dirty="0">
+                    <a:latin typeface="Times New Roman" panose="02020603050405020304" pitchFamily="18" charset="0"/>
+                    <a:cs typeface="Times New Roman" panose="02020603050405020304" pitchFamily="18" charset="0"/>
+                  </a:rPr>
+                  <a:t>k</a:t>
+                </a:r>
+                <a:r>
+                  <a:rPr lang="en-US" sz="2000" dirty="0">
+                    <a:latin typeface="Times New Roman" panose="02020603050405020304" pitchFamily="18" charset="0"/>
+                    <a:cs typeface="Times New Roman" panose="02020603050405020304" pitchFamily="18" charset="0"/>
+                  </a:rPr>
+                  <a:t>)</a:t>
+                </a:r>
+              </a:p>
+              <a:p>
+                <a:r>
+                  <a:rPr lang="en-US" sz="2000" dirty="0" err="1">
+                    <a:latin typeface="Times New Roman" panose="02020603050405020304" pitchFamily="18" charset="0"/>
+                    <a:cs typeface="Times New Roman" panose="02020603050405020304" pitchFamily="18" charset="0"/>
+                  </a:rPr>
+                  <a:t>untuk</a:t>
+                </a:r>
+                <a:r>
+                  <a:rPr lang="en-US" sz="2000" dirty="0">
+                    <a:latin typeface="Times New Roman" panose="02020603050405020304" pitchFamily="18" charset="0"/>
+                    <a:cs typeface="Times New Roman" panose="02020603050405020304" pitchFamily="18" charset="0"/>
+                  </a:rPr>
+                  <a:t> </a:t>
+                </a:r>
+                <a:r>
+                  <a:rPr lang="en-US" sz="2000" dirty="0" err="1">
+                    <a:latin typeface="Times New Roman" panose="02020603050405020304" pitchFamily="18" charset="0"/>
+                    <a:cs typeface="Times New Roman" panose="02020603050405020304" pitchFamily="18" charset="0"/>
+                  </a:rPr>
+                  <a:t>setiap</a:t>
+                </a:r>
+                <a:r>
+                  <a:rPr lang="en-US" sz="2000" dirty="0">
+                    <a:latin typeface="Times New Roman" panose="02020603050405020304" pitchFamily="18" charset="0"/>
+                    <a:cs typeface="Times New Roman" panose="02020603050405020304" pitchFamily="18" charset="0"/>
+                  </a:rPr>
+                  <a:t> unit hidden h</a:t>
+                </a:r>
+              </a:p>
+              <a:p>
+                <a:r>
+                  <a:rPr lang="en-US" sz="2000" dirty="0" err="1">
+                    <a:latin typeface="Times New Roman" panose="02020603050405020304" pitchFamily="18" charset="0"/>
+                    <a:cs typeface="Times New Roman" panose="02020603050405020304" pitchFamily="18" charset="0"/>
+                  </a:rPr>
+                  <a:t>δ</a:t>
+                </a:r>
+                <a:r>
+                  <a:rPr lang="en-US" sz="2000" baseline="-25000" dirty="0" err="1">
+                    <a:latin typeface="Times New Roman" panose="02020603050405020304" pitchFamily="18" charset="0"/>
+                    <a:cs typeface="Times New Roman" panose="02020603050405020304" pitchFamily="18" charset="0"/>
+                  </a:rPr>
+                  <a:t>h</a:t>
+                </a:r>
+                <a:r>
+                  <a:rPr lang="en-US" sz="2000" baseline="-25000" dirty="0">
+                    <a:latin typeface="Times New Roman" panose="02020603050405020304" pitchFamily="18" charset="0"/>
+                    <a:cs typeface="Times New Roman" panose="02020603050405020304" pitchFamily="18" charset="0"/>
+                  </a:rPr>
+                  <a:t> </a:t>
+                </a:r>
+                <a:r>
+                  <a:rPr lang="en-US" sz="2000" b="1" dirty="0">
+                    <a:latin typeface="Times New Roman" panose="02020603050405020304" pitchFamily="18" charset="0"/>
+                    <a:cs typeface="Times New Roman" panose="02020603050405020304" pitchFamily="18" charset="0"/>
+                  </a:rPr>
+                  <a:t>←</a:t>
+                </a:r>
+                <a:r>
+                  <a:rPr lang="en-US" sz="2000" dirty="0">
+                    <a:latin typeface="Times New Roman" panose="02020603050405020304" pitchFamily="18" charset="0"/>
+                    <a:cs typeface="Times New Roman" panose="02020603050405020304" pitchFamily="18" charset="0"/>
+                  </a:rPr>
+                  <a:t> o</a:t>
+                </a:r>
+                <a:r>
+                  <a:rPr lang="en-US" sz="2000" baseline="-25000" dirty="0">
+                    <a:latin typeface="Times New Roman" panose="02020603050405020304" pitchFamily="18" charset="0"/>
+                    <a:cs typeface="Times New Roman" panose="02020603050405020304" pitchFamily="18" charset="0"/>
+                  </a:rPr>
+                  <a:t>h</a:t>
+                </a:r>
+                <a:r>
+                  <a:rPr lang="en-US" sz="2000" dirty="0">
+                    <a:latin typeface="Times New Roman" panose="02020603050405020304" pitchFamily="18" charset="0"/>
+                    <a:cs typeface="Times New Roman" panose="02020603050405020304" pitchFamily="18" charset="0"/>
+                  </a:rPr>
+                  <a:t> (1 – o</a:t>
+                </a:r>
+                <a:r>
+                  <a:rPr lang="en-US" sz="2000" baseline="-25000" dirty="0">
+                    <a:latin typeface="Times New Roman" panose="02020603050405020304" pitchFamily="18" charset="0"/>
+                    <a:cs typeface="Times New Roman" panose="02020603050405020304" pitchFamily="18" charset="0"/>
+                  </a:rPr>
+                  <a:t>h</a:t>
+                </a:r>
+                <a:r>
+                  <a:rPr lang="en-US" sz="2000" dirty="0">
+                    <a:latin typeface="Times New Roman" panose="02020603050405020304" pitchFamily="18" charset="0"/>
+                    <a:cs typeface="Times New Roman" panose="02020603050405020304" pitchFamily="18" charset="0"/>
+                  </a:rPr>
+                  <a:t>) </a:t>
+                </a:r>
+                <a14:m>
+                  <m:oMath xmlns:m="http://schemas.openxmlformats.org/officeDocument/2006/math">
+                    <m:nary>
+                      <m:naryPr>
+                        <m:chr m:val="∑"/>
+                        <m:limLoc m:val="undOvr"/>
+                        <m:supHide m:val="on"/>
+                        <m:ctrlPr>
+                          <a:rPr lang="en-US" sz="2000" i="1">
+                            <a:latin typeface="Cambria Math" panose="02040503050406030204" pitchFamily="18" charset="0"/>
+                          </a:rPr>
+                        </m:ctrlPr>
+                      </m:naryPr>
+                      <m:sub>
+                        <m:r>
+                          <a:rPr lang="en-US" sz="2000" i="1">
+                            <a:latin typeface="Cambria Math" panose="02040503050406030204" pitchFamily="18" charset="0"/>
+                          </a:rPr>
+                          <m:t>𝑘</m:t>
+                        </m:r>
+                        <m:r>
+                          <a:rPr lang="en-US" sz="2000" i="1">
+                            <a:latin typeface="Cambria Math" panose="02040503050406030204" pitchFamily="18" charset="0"/>
+                          </a:rPr>
+                          <m:t>𝜖</m:t>
+                        </m:r>
+                        <m:r>
+                          <a:rPr lang="en-US" sz="2000" i="1">
+                            <a:latin typeface="Cambria Math" panose="02040503050406030204" pitchFamily="18" charset="0"/>
+                          </a:rPr>
+                          <m:t>𝑜𝑢𝑝𝑢𝑡</m:t>
+                        </m:r>
+                      </m:sub>
+                      <m:sup/>
+                      <m:e>
+                        <m:r>
+                          <a:rPr lang="en-US" sz="2000" i="1">
+                            <a:latin typeface="Cambria Math" panose="02040503050406030204" pitchFamily="18" charset="0"/>
+                          </a:rPr>
+                          <m:t>𝑊</m:t>
+                        </m:r>
+                        <m:r>
+                          <a:rPr lang="en-US" sz="2000" i="1" baseline="-25000">
+                            <a:latin typeface="Cambria Math" panose="02040503050406030204" pitchFamily="18" charset="0"/>
+                          </a:rPr>
+                          <m:t>h</m:t>
+                        </m:r>
+                        <m:r>
+                          <a:rPr lang="en-US" sz="2000" i="1">
+                            <a:latin typeface="Cambria Math" panose="02040503050406030204" pitchFamily="18" charset="0"/>
+                          </a:rPr>
+                          <m:t>,</m:t>
+                        </m:r>
+                        <m:r>
+                          <a:rPr lang="en-US" sz="2000" i="1" baseline="-25000">
+                            <a:latin typeface="Cambria Math" panose="02040503050406030204" pitchFamily="18" charset="0"/>
+                          </a:rPr>
+                          <m:t>𝑘</m:t>
+                        </m:r>
+                        <m:r>
+                          <a:rPr lang="en-US" sz="2000" i="1">
+                            <a:latin typeface="Cambria Math" panose="02040503050406030204" pitchFamily="18" charset="0"/>
+                          </a:rPr>
+                          <m:t> </m:t>
+                        </m:r>
+                        <m:r>
+                          <a:rPr lang="en-US" sz="2000" i="1">
+                            <a:latin typeface="Cambria Math" panose="02040503050406030204" pitchFamily="18" charset="0"/>
+                          </a:rPr>
+                          <m:t>𝛿</m:t>
+                        </m:r>
+                        <m:r>
+                          <a:rPr lang="en-US" sz="2000" i="1" baseline="-25000">
+                            <a:latin typeface="Cambria Math" panose="02040503050406030204" pitchFamily="18" charset="0"/>
+                          </a:rPr>
+                          <m:t>𝑘</m:t>
+                        </m:r>
+                      </m:e>
+                    </m:nary>
+                  </m:oMath>
+                </a14:m>
+                <a:endParaRPr lang="en-US" sz="2000" dirty="0">
+                  <a:latin typeface="Times New Roman" panose="02020603050405020304" pitchFamily="18" charset="0"/>
+                  <a:cs typeface="Times New Roman" panose="02020603050405020304" pitchFamily="18" charset="0"/>
+                </a:endParaRPr>
+              </a:p>
+              <a:p>
+                <a:r>
+                  <a:rPr lang="en-US" sz="2000" dirty="0">
+                    <a:latin typeface="Times New Roman" panose="02020603050405020304" pitchFamily="18" charset="0"/>
+                    <a:cs typeface="Times New Roman" panose="02020603050405020304" pitchFamily="18" charset="0"/>
+                  </a:rPr>
+                  <a:t>Update </a:t>
+                </a:r>
+                <a:r>
+                  <a:rPr lang="en-US" sz="2000" dirty="0" err="1">
+                    <a:latin typeface="Times New Roman" panose="02020603050405020304" pitchFamily="18" charset="0"/>
+                    <a:cs typeface="Times New Roman" panose="02020603050405020304" pitchFamily="18" charset="0"/>
+                  </a:rPr>
+                  <a:t>setiap</a:t>
+                </a:r>
+                <a:r>
+                  <a:rPr lang="en-US" sz="2000" dirty="0">
+                    <a:latin typeface="Times New Roman" panose="02020603050405020304" pitchFamily="18" charset="0"/>
+                    <a:cs typeface="Times New Roman" panose="02020603050405020304" pitchFamily="18" charset="0"/>
+                  </a:rPr>
+                  <a:t> </a:t>
+                </a:r>
+                <a:r>
+                  <a:rPr lang="en-US" sz="2000" dirty="0" err="1">
+                    <a:latin typeface="Times New Roman" panose="02020603050405020304" pitchFamily="18" charset="0"/>
+                    <a:cs typeface="Times New Roman" panose="02020603050405020304" pitchFamily="18" charset="0"/>
+                  </a:rPr>
+                  <a:t>jaringan</a:t>
+                </a:r>
+                <a:r>
+                  <a:rPr lang="en-US" sz="2000" dirty="0">
+                    <a:latin typeface="Times New Roman" panose="02020603050405020304" pitchFamily="18" charset="0"/>
+                    <a:cs typeface="Times New Roman" panose="02020603050405020304" pitchFamily="18" charset="0"/>
+                  </a:rPr>
+                  <a:t> </a:t>
+                </a:r>
+                <a:r>
+                  <a:rPr lang="en-US" sz="2000" dirty="0" err="1">
+                    <a:latin typeface="Times New Roman" panose="02020603050405020304" pitchFamily="18" charset="0"/>
+                    <a:cs typeface="Times New Roman" panose="02020603050405020304" pitchFamily="18" charset="0"/>
+                  </a:rPr>
+                  <a:t>bobot</a:t>
+                </a:r>
+                <a:r>
+                  <a:rPr lang="en-US" sz="2000" dirty="0">
+                    <a:latin typeface="Times New Roman" panose="02020603050405020304" pitchFamily="18" charset="0"/>
+                    <a:cs typeface="Times New Roman" panose="02020603050405020304" pitchFamily="18" charset="0"/>
+                  </a:rPr>
+                  <a:t> </a:t>
+                </a:r>
+                <a:r>
+                  <a:rPr lang="en-US" sz="2000" dirty="0" err="1">
+                    <a:latin typeface="Times New Roman" panose="02020603050405020304" pitchFamily="18" charset="0"/>
+                    <a:cs typeface="Times New Roman" panose="02020603050405020304" pitchFamily="18" charset="0"/>
+                  </a:rPr>
+                  <a:t>w</a:t>
+                </a:r>
+                <a:r>
+                  <a:rPr lang="en-US" sz="2000" baseline="-25000" dirty="0" err="1">
+                    <a:latin typeface="Times New Roman" panose="02020603050405020304" pitchFamily="18" charset="0"/>
+                    <a:cs typeface="Times New Roman" panose="02020603050405020304" pitchFamily="18" charset="0"/>
+                  </a:rPr>
+                  <a:t>i,j</a:t>
+                </a:r>
+                <a:r>
+                  <a:rPr lang="en-US" sz="2000" baseline="-25000" dirty="0">
+                    <a:latin typeface="Times New Roman" panose="02020603050405020304" pitchFamily="18" charset="0"/>
+                    <a:cs typeface="Times New Roman" panose="02020603050405020304" pitchFamily="18" charset="0"/>
+                  </a:rPr>
+                  <a:t>    </a:t>
+                </a:r>
+                <a:endParaRPr lang="en-US" sz="2000" dirty="0">
+                  <a:latin typeface="Times New Roman" panose="02020603050405020304" pitchFamily="18" charset="0"/>
+                  <a:cs typeface="Times New Roman" panose="02020603050405020304" pitchFamily="18" charset="0"/>
+                </a:endParaRPr>
+              </a:p>
+              <a:p>
+                <a:r>
+                  <a:rPr lang="en-US" sz="2000" dirty="0" err="1">
+                    <a:latin typeface="Times New Roman" panose="02020603050405020304" pitchFamily="18" charset="0"/>
+                    <a:cs typeface="Times New Roman" panose="02020603050405020304" pitchFamily="18" charset="0"/>
+                  </a:rPr>
+                  <a:t>w</a:t>
+                </a:r>
+                <a:r>
+                  <a:rPr lang="en-US" sz="2000" baseline="-25000" dirty="0" err="1">
+                    <a:latin typeface="Times New Roman" panose="02020603050405020304" pitchFamily="18" charset="0"/>
+                    <a:cs typeface="Times New Roman" panose="02020603050405020304" pitchFamily="18" charset="0"/>
+                  </a:rPr>
+                  <a:t>i,j</a:t>
+                </a:r>
+                <a:r>
+                  <a:rPr lang="en-US" sz="2000" baseline="-25000" dirty="0">
+                    <a:latin typeface="Times New Roman" panose="02020603050405020304" pitchFamily="18" charset="0"/>
+                    <a:cs typeface="Times New Roman" panose="02020603050405020304" pitchFamily="18" charset="0"/>
+                  </a:rPr>
+                  <a:t>  </a:t>
+                </a:r>
+                <a:r>
+                  <a:rPr lang="en-US" sz="2000" b="1" dirty="0">
+                    <a:latin typeface="Times New Roman" panose="02020603050405020304" pitchFamily="18" charset="0"/>
+                    <a:cs typeface="Times New Roman" panose="02020603050405020304" pitchFamily="18" charset="0"/>
+                  </a:rPr>
+                  <a:t>← </a:t>
+                </a:r>
+                <a:r>
+                  <a:rPr lang="en-US" sz="2000" dirty="0" err="1">
+                    <a:latin typeface="Times New Roman" panose="02020603050405020304" pitchFamily="18" charset="0"/>
+                    <a:cs typeface="Times New Roman" panose="02020603050405020304" pitchFamily="18" charset="0"/>
+                  </a:rPr>
+                  <a:t>w</a:t>
+                </a:r>
+                <a:r>
+                  <a:rPr lang="en-US" sz="2000" baseline="-25000" dirty="0" err="1">
+                    <a:latin typeface="Times New Roman" panose="02020603050405020304" pitchFamily="18" charset="0"/>
+                    <a:cs typeface="Times New Roman" panose="02020603050405020304" pitchFamily="18" charset="0"/>
+                  </a:rPr>
+                  <a:t>i,j</a:t>
+                </a:r>
+                <a:r>
+                  <a:rPr lang="en-US" sz="2000" baseline="-25000" dirty="0">
+                    <a:latin typeface="Times New Roman" panose="02020603050405020304" pitchFamily="18" charset="0"/>
+                    <a:cs typeface="Times New Roman" panose="02020603050405020304" pitchFamily="18" charset="0"/>
+                  </a:rPr>
+                  <a:t> + </a:t>
+                </a:r>
+                <a:r>
+                  <a:rPr lang="en-US" sz="2000" dirty="0">
+                    <a:latin typeface="Times New Roman" panose="02020603050405020304" pitchFamily="18" charset="0"/>
+                    <a:cs typeface="Times New Roman" panose="02020603050405020304" pitchFamily="18" charset="0"/>
+                  </a:rPr>
+                  <a:t>Δ </a:t>
+                </a:r>
+                <a:r>
+                  <a:rPr lang="en-US" sz="2000" dirty="0" err="1">
+                    <a:latin typeface="Times New Roman" panose="02020603050405020304" pitchFamily="18" charset="0"/>
+                    <a:cs typeface="Times New Roman" panose="02020603050405020304" pitchFamily="18" charset="0"/>
+                  </a:rPr>
+                  <a:t>w</a:t>
+                </a:r>
+                <a:r>
+                  <a:rPr lang="en-US" sz="2000" baseline="-25000" dirty="0" err="1">
+                    <a:latin typeface="Times New Roman" panose="02020603050405020304" pitchFamily="18" charset="0"/>
+                    <a:cs typeface="Times New Roman" panose="02020603050405020304" pitchFamily="18" charset="0"/>
+                  </a:rPr>
+                  <a:t>i,j</a:t>
+                </a:r>
+                <a:r>
+                  <a:rPr lang="en-US" sz="2000" baseline="-25000" dirty="0">
+                    <a:latin typeface="Times New Roman" panose="02020603050405020304" pitchFamily="18" charset="0"/>
+                    <a:cs typeface="Times New Roman" panose="02020603050405020304" pitchFamily="18" charset="0"/>
+                  </a:rPr>
+                  <a:t>  </a:t>
+                </a:r>
+                <a:endParaRPr lang="en-US" sz="2000" dirty="0">
+                  <a:latin typeface="Times New Roman" panose="02020603050405020304" pitchFamily="18" charset="0"/>
+                  <a:cs typeface="Times New Roman" panose="02020603050405020304" pitchFamily="18" charset="0"/>
+                </a:endParaRPr>
+              </a:p>
+              <a:p>
+                <a:r>
+                  <a:rPr lang="en-US" sz="2000" dirty="0" err="1">
+                    <a:latin typeface="Times New Roman" panose="02020603050405020304" pitchFamily="18" charset="0"/>
+                    <a:cs typeface="Times New Roman" panose="02020603050405020304" pitchFamily="18" charset="0"/>
+                  </a:rPr>
+                  <a:t>dimana</a:t>
+                </a:r>
+                <a:r>
+                  <a:rPr lang="en-US" sz="2000" dirty="0">
+                    <a:latin typeface="Times New Roman" panose="02020603050405020304" pitchFamily="18" charset="0"/>
+                    <a:cs typeface="Times New Roman" panose="02020603050405020304" pitchFamily="18" charset="0"/>
+                  </a:rPr>
+                  <a:t> Δ </a:t>
+                </a:r>
+                <a:r>
+                  <a:rPr lang="en-US" sz="2000" dirty="0" err="1">
+                    <a:latin typeface="Times New Roman" panose="02020603050405020304" pitchFamily="18" charset="0"/>
+                    <a:cs typeface="Times New Roman" panose="02020603050405020304" pitchFamily="18" charset="0"/>
+                  </a:rPr>
+                  <a:t>w</a:t>
+                </a:r>
+                <a:r>
+                  <a:rPr lang="en-US" sz="2000" baseline="-25000" dirty="0" err="1">
+                    <a:latin typeface="Times New Roman" panose="02020603050405020304" pitchFamily="18" charset="0"/>
+                    <a:cs typeface="Times New Roman" panose="02020603050405020304" pitchFamily="18" charset="0"/>
+                  </a:rPr>
+                  <a:t>i,j</a:t>
+                </a:r>
+                <a:r>
+                  <a:rPr lang="en-US" sz="2000" baseline="-25000" dirty="0">
+                    <a:latin typeface="Times New Roman" panose="02020603050405020304" pitchFamily="18" charset="0"/>
+                    <a:cs typeface="Times New Roman" panose="02020603050405020304" pitchFamily="18" charset="0"/>
+                  </a:rPr>
+                  <a:t>  = </a:t>
+                </a:r>
+                <a:r>
+                  <a:rPr lang="en-US" sz="2000" i="1" dirty="0" err="1">
+                    <a:latin typeface="Times New Roman" panose="02020603050405020304" pitchFamily="18" charset="0"/>
+                    <a:cs typeface="Times New Roman" panose="02020603050405020304" pitchFamily="18" charset="0"/>
+                  </a:rPr>
+                  <a:t>nδ</a:t>
+                </a:r>
+                <a:r>
+                  <a:rPr lang="en-US" sz="2000" i="1" baseline="-25000" dirty="0" err="1">
+                    <a:latin typeface="Times New Roman" panose="02020603050405020304" pitchFamily="18" charset="0"/>
+                    <a:cs typeface="Times New Roman" panose="02020603050405020304" pitchFamily="18" charset="0"/>
+                  </a:rPr>
+                  <a:t>j</a:t>
+                </a:r>
+                <a:r>
+                  <a:rPr lang="en-US" sz="2000" i="1" dirty="0" err="1">
+                    <a:latin typeface="Times New Roman" panose="02020603050405020304" pitchFamily="18" charset="0"/>
+                    <a:cs typeface="Times New Roman" panose="02020603050405020304" pitchFamily="18" charset="0"/>
+                  </a:rPr>
+                  <a:t>x</a:t>
+                </a:r>
+                <a:r>
+                  <a:rPr lang="en-US" sz="2000" i="1" baseline="-25000" dirty="0" err="1">
+                    <a:latin typeface="Times New Roman" panose="02020603050405020304" pitchFamily="18" charset="0"/>
+                    <a:cs typeface="Times New Roman" panose="02020603050405020304" pitchFamily="18" charset="0"/>
+                  </a:rPr>
+                  <a:t>i</a:t>
+                </a:r>
+                <a:endParaRPr lang="en-US" sz="2000" i="1" baseline="-25000" dirty="0">
+                  <a:latin typeface="Times New Roman" panose="02020603050405020304" pitchFamily="18" charset="0"/>
+                  <a:cs typeface="Times New Roman" panose="02020603050405020304" pitchFamily="18" charset="0"/>
+                </a:endParaRPr>
+              </a:p>
+              <a:p>
+                <a:pPr marL="4572" lvl="1" indent="0">
+                  <a:buNone/>
+                </a:pPr>
+                <a:r>
+                  <a:rPr lang="en-US" sz="2000" dirty="0">
+                    <a:latin typeface="Times New Roman" panose="02020603050405020304" pitchFamily="18" charset="0"/>
+                    <a:cs typeface="Times New Roman" panose="02020603050405020304" pitchFamily="18" charset="0"/>
+                  </a:rPr>
+                  <a:t>	  k = output</a:t>
+                </a:r>
+              </a:p>
+              <a:p>
+                <a:pPr marL="4572" lvl="1" indent="0">
+                  <a:buNone/>
+                </a:pPr>
+                <a:r>
+                  <a:rPr lang="en-US" sz="2000" dirty="0">
+                    <a:latin typeface="Times New Roman" panose="02020603050405020304" pitchFamily="18" charset="0"/>
+                    <a:cs typeface="Times New Roman" panose="02020603050405020304" pitchFamily="18" charset="0"/>
+                  </a:rPr>
+                  <a:t>Output = 0.46</a:t>
+                </a:r>
+              </a:p>
+              <a:p>
+                <a:pPr marL="4572" lvl="1" indent="0">
+                  <a:buNone/>
+                </a:pPr>
+                <a:r>
+                  <a:rPr lang="en-US" sz="2000" dirty="0">
+                    <a:latin typeface="Times New Roman" panose="02020603050405020304" pitchFamily="18" charset="0"/>
+                    <a:cs typeface="Times New Roman" panose="02020603050405020304" pitchFamily="18" charset="0"/>
+                  </a:rPr>
+                  <a:t>Target = 0</a:t>
+                </a:r>
+              </a:p>
+              <a:p>
+                <a:pPr marL="4572" lvl="1" indent="0">
+                  <a:buNone/>
+                </a:pPr>
+                <a:r>
+                  <a:rPr lang="en-US" sz="2000" dirty="0">
+                    <a:latin typeface="Times New Roman" panose="02020603050405020304" pitchFamily="18" charset="0"/>
+                    <a:cs typeface="Times New Roman" panose="02020603050405020304" pitchFamily="18" charset="0"/>
+                  </a:rPr>
+                  <a:t>n = learning rate = 0.45</a:t>
+                </a:r>
+              </a:p>
+              <a:p>
+                <a:pPr marL="4572" lvl="1" indent="0">
+                  <a:buNone/>
+                </a:pPr>
+                <a:r>
+                  <a:rPr lang="en-US" sz="2000" i="1" dirty="0" err="1">
+                    <a:latin typeface="Times New Roman" panose="02020603050405020304" pitchFamily="18" charset="0"/>
+                    <a:cs typeface="Times New Roman" panose="02020603050405020304" pitchFamily="18" charset="0"/>
+                  </a:rPr>
+                  <a:t>δ</a:t>
+                </a:r>
+                <a:r>
+                  <a:rPr lang="en-US" sz="2000" i="1" baseline="-25000" dirty="0" err="1">
+                    <a:latin typeface="Times New Roman" panose="02020603050405020304" pitchFamily="18" charset="0"/>
+                    <a:cs typeface="Times New Roman" panose="02020603050405020304" pitchFamily="18" charset="0"/>
+                  </a:rPr>
+                  <a:t>j</a:t>
+                </a:r>
+                <a:r>
+                  <a:rPr lang="en-US" sz="2000" i="1" baseline="-25000" dirty="0">
+                    <a:latin typeface="Times New Roman" panose="02020603050405020304" pitchFamily="18" charset="0"/>
+                    <a:cs typeface="Times New Roman" panose="02020603050405020304" pitchFamily="18" charset="0"/>
+                  </a:rPr>
+                  <a:t> = </a:t>
+                </a:r>
+                <a:r>
+                  <a:rPr lang="en-US" sz="2000" i="1" dirty="0">
+                    <a:latin typeface="Times New Roman" panose="02020603050405020304" pitchFamily="18" charset="0"/>
+                    <a:cs typeface="Times New Roman" panose="02020603050405020304" pitchFamily="18" charset="0"/>
+                  </a:rPr>
+                  <a:t>δ </a:t>
+                </a:r>
+                <a:r>
+                  <a:rPr lang="en-US" sz="2000" dirty="0">
+                    <a:latin typeface="Times New Roman" panose="02020603050405020304" pitchFamily="18" charset="0"/>
+                    <a:cs typeface="Times New Roman" panose="02020603050405020304" pitchFamily="18" charset="0"/>
+                  </a:rPr>
+                  <a:t>di </a:t>
+                </a:r>
+                <a:r>
+                  <a:rPr lang="en-US" sz="2000" dirty="0" err="1">
+                    <a:latin typeface="Times New Roman" panose="02020603050405020304" pitchFamily="18" charset="0"/>
+                    <a:cs typeface="Times New Roman" panose="02020603050405020304" pitchFamily="18" charset="0"/>
+                  </a:rPr>
+                  <a:t>bobot</a:t>
+                </a:r>
+                <a:r>
+                  <a:rPr lang="en-US" sz="2000" dirty="0">
+                    <a:latin typeface="Times New Roman" panose="02020603050405020304" pitchFamily="18" charset="0"/>
+                    <a:cs typeface="Times New Roman" panose="02020603050405020304" pitchFamily="18" charset="0"/>
+                  </a:rPr>
+                  <a:t> </a:t>
+                </a:r>
+                <a:r>
+                  <a:rPr lang="en-US" sz="2000" dirty="0" err="1">
+                    <a:latin typeface="Times New Roman" panose="02020603050405020304" pitchFamily="18" charset="0"/>
+                    <a:cs typeface="Times New Roman" panose="02020603050405020304" pitchFamily="18" charset="0"/>
+                  </a:rPr>
+                  <a:t>tujuan</a:t>
+                </a:r>
+                <a:r>
+                  <a:rPr lang="en-US" sz="2000" dirty="0">
+                    <a:latin typeface="Times New Roman" panose="02020603050405020304" pitchFamily="18" charset="0"/>
+                    <a:cs typeface="Times New Roman" panose="02020603050405020304" pitchFamily="18" charset="0"/>
+                  </a:rPr>
+                  <a:t>, ex N2</a:t>
+                </a:r>
+              </a:p>
+              <a:p>
+                <a:pPr marL="4572" lvl="1" indent="0">
+                  <a:buNone/>
+                </a:pPr>
+                <a:r>
+                  <a:rPr lang="en-US" sz="2000" baseline="-25000" dirty="0">
+                    <a:latin typeface="Times New Roman" panose="02020603050405020304" pitchFamily="18" charset="0"/>
+                    <a:cs typeface="Times New Roman" panose="02020603050405020304" pitchFamily="18" charset="0"/>
+                  </a:rPr>
+                  <a:t>xi = input</a:t>
+                </a:r>
+              </a:p>
+              <a:p>
+                <a:pPr marL="4572" lvl="1" indent="0">
+                  <a:buNone/>
+                </a:pPr>
+                <a:endParaRPr lang="en-US" sz="2000" dirty="0">
+                  <a:latin typeface="Times New Roman" panose="02020603050405020304" pitchFamily="18" charset="0"/>
+                  <a:cs typeface="Times New Roman" panose="02020603050405020304" pitchFamily="18" charset="0"/>
+                </a:endParaRPr>
+              </a:p>
+            </p:txBody>
+          </p:sp>
+        </mc:Choice>
+        <mc:Fallback xmlns="">
+          <p:sp>
+            <p:nvSpPr>
+              <p:cNvPr id="3" name="Content Placeholder 2">
+                <a:extLst>
+                  <a:ext uri="{FF2B5EF4-FFF2-40B4-BE49-F238E27FC236}">
+                    <a16:creationId xmlns:a16="http://schemas.microsoft.com/office/drawing/2014/main" id="{68EECDFA-3EE8-4BE5-B492-C27E2E8245B8}"/>
+                  </a:ext>
+                </a:extLst>
+              </p:cNvPr>
+              <p:cNvSpPr>
+                <a:spLocks noGrp="1" noRot="1" noChangeAspect="1" noMove="1" noResize="1" noEditPoints="1" noAdjustHandles="1" noChangeArrowheads="1" noChangeShapeType="1" noTextEdit="1"/>
+              </p:cNvSpPr>
+              <p:nvPr>
+                <p:ph idx="1"/>
+              </p:nvPr>
+            </p:nvSpPr>
+            <p:spPr>
+              <a:xfrm>
+                <a:off x="1050729" y="1499062"/>
+                <a:ext cx="4588071" cy="5317374"/>
+              </a:xfrm>
+              <a:blipFill>
+                <a:blip r:embed="rId2"/>
+                <a:stretch>
+                  <a:fillRect l="-1195" t="-1491"/>
+                </a:stretch>
+              </a:blipFill>
+            </p:spPr>
+            <p:txBody>
+              <a:bodyPr/>
+              <a:lstStyle/>
+              <a:p>
+                <a:r>
+                  <a:rPr lang="en-US">
+                    <a:noFill/>
+                  </a:rPr>
+                  <a:t> </a:t>
+                </a:r>
+              </a:p>
+            </p:txBody>
+          </p:sp>
+        </mc:Fallback>
+      </mc:AlternateContent>
+      <mc:AlternateContent xmlns:mc="http://schemas.openxmlformats.org/markup-compatibility/2006" xmlns:a14="http://schemas.microsoft.com/office/drawing/2010/main">
+        <mc:Choice Requires="a14">
+          <p:sp>
+            <p:nvSpPr>
+              <p:cNvPr id="4" name="Content Placeholder 2">
+                <a:extLst>
+                  <a:ext uri="{FF2B5EF4-FFF2-40B4-BE49-F238E27FC236}">
+                    <a16:creationId xmlns:a16="http://schemas.microsoft.com/office/drawing/2014/main" id="{E0245176-E59E-4C87-A763-AC15925BC507}"/>
+                  </a:ext>
+                </a:extLst>
+              </p:cNvPr>
+              <p:cNvSpPr txBox="1">
+                <a:spLocks/>
+              </p:cNvSpPr>
+              <p:nvPr/>
+            </p:nvSpPr>
+            <p:spPr>
+              <a:xfrm>
+                <a:off x="6566833" y="1499062"/>
+                <a:ext cx="5474762" cy="4714702"/>
+              </a:xfrm>
+              <a:prstGeom prst="rect">
+                <a:avLst/>
+              </a:prstGeom>
+            </p:spPr>
+            <p:txBody>
+              <a:bodyPr vert="horz" lIns="91440" tIns="45720" rIns="91440" bIns="45720" rtlCol="0">
+                <a:normAutofit/>
+              </a:bodyPr>
+              <a:lstStyle>
+                <a:lvl1pPr marL="91440" indent="-91440" algn="l" defTabSz="914400" rtl="0" eaLnBrk="1" latinLnBrk="0" hangingPunct="1">
+                  <a:lnSpc>
+                    <a:spcPct val="85000"/>
+                  </a:lnSpc>
+                  <a:spcBef>
+                    <a:spcPts val="1300"/>
+                  </a:spcBef>
+                  <a:buFont typeface="Arial" pitchFamily="34" charset="0"/>
+                  <a:buChar char=" "/>
+                  <a:defRPr sz="2400" kern="1200">
+                    <a:solidFill>
+                      <a:schemeClr val="tx1">
+                        <a:lumMod val="85000"/>
+                        <a:lumOff val="15000"/>
+                      </a:schemeClr>
+                    </a:solidFill>
+                    <a:latin typeface="+mn-lt"/>
+                    <a:ea typeface="+mn-ea"/>
+                    <a:cs typeface="+mn-cs"/>
+                  </a:defRPr>
+                </a:lvl1pPr>
+                <a:lvl2pPr marL="347472" indent="-342900" algn="l" defTabSz="914400" rtl="0" eaLnBrk="1" latinLnBrk="0" hangingPunct="1">
+                  <a:lnSpc>
+                    <a:spcPct val="85000"/>
+                  </a:lnSpc>
+                  <a:spcBef>
+                    <a:spcPts val="600"/>
+                  </a:spcBef>
+                  <a:buFont typeface="Arial" pitchFamily="34" charset="0"/>
+                  <a:buChar char=" "/>
+                  <a:defRPr sz="2400" kern="1200">
+                    <a:solidFill>
+                      <a:schemeClr val="tx1">
+                        <a:lumMod val="85000"/>
+                        <a:lumOff val="15000"/>
+                      </a:schemeClr>
+                    </a:solidFill>
+                    <a:latin typeface="+mn-lt"/>
+                    <a:ea typeface="+mn-ea"/>
+                    <a:cs typeface="+mn-cs"/>
+                  </a:defRPr>
+                </a:lvl2pPr>
+                <a:lvl3pPr marL="548640" indent="-548640" algn="l" defTabSz="914400" rtl="0" eaLnBrk="1" latinLnBrk="0" hangingPunct="1">
+                  <a:lnSpc>
+                    <a:spcPct val="85000"/>
+                  </a:lnSpc>
+                  <a:spcBef>
+                    <a:spcPts val="600"/>
+                  </a:spcBef>
+                  <a:buFont typeface="Arial" pitchFamily="34" charset="0"/>
+                  <a:buChar char=" "/>
+                  <a:defRPr sz="2000" i="1" kern="1200">
+                    <a:solidFill>
+                      <a:schemeClr val="tx1">
+                        <a:lumMod val="85000"/>
+                        <a:lumOff val="15000"/>
+                      </a:schemeClr>
+                    </a:solidFill>
+                    <a:latin typeface="+mn-lt"/>
+                    <a:ea typeface="+mn-ea"/>
+                    <a:cs typeface="+mn-cs"/>
+                  </a:defRPr>
+                </a:lvl3pPr>
+                <a:lvl4pPr marL="822960" indent="-822960" algn="l" defTabSz="914400" rtl="0" eaLnBrk="1" latinLnBrk="0" hangingPunct="1">
+                  <a:lnSpc>
+                    <a:spcPct val="85000"/>
+                  </a:lnSpc>
+                  <a:spcBef>
+                    <a:spcPts val="600"/>
+                  </a:spcBef>
+                  <a:buFont typeface="Arial" pitchFamily="34" charset="0"/>
+                  <a:buChar char=" "/>
+                  <a:defRPr sz="1800" kern="1200">
+                    <a:solidFill>
+                      <a:schemeClr val="tx1">
+                        <a:lumMod val="85000"/>
+                        <a:lumOff val="15000"/>
+                      </a:schemeClr>
+                    </a:solidFill>
+                    <a:latin typeface="+mn-lt"/>
+                    <a:ea typeface="+mn-ea"/>
+                    <a:cs typeface="+mn-cs"/>
+                  </a:defRPr>
+                </a:lvl4pPr>
+                <a:lvl5pPr marL="1097280" indent="-1097280" algn="l" defTabSz="914400" rtl="0" eaLnBrk="1" latinLnBrk="0" hangingPunct="1">
+                  <a:lnSpc>
+                    <a:spcPct val="85000"/>
+                  </a:lnSpc>
+                  <a:spcBef>
+                    <a:spcPts val="600"/>
+                  </a:spcBef>
+                  <a:buFont typeface="Arial" pitchFamily="34" charset="0"/>
+                  <a:buChar char=" "/>
+                  <a:defRPr sz="1800" kern="1200">
+                    <a:solidFill>
+                      <a:schemeClr val="tx1">
+                        <a:lumMod val="85000"/>
+                        <a:lumOff val="15000"/>
+                      </a:schemeClr>
+                    </a:solidFill>
+                    <a:latin typeface="+mn-lt"/>
+                    <a:ea typeface="+mn-ea"/>
+                    <a:cs typeface="+mn-cs"/>
+                  </a:defRPr>
+                </a:lvl5pPr>
+                <a:lvl6pPr marL="1200000" indent="-228600" algn="l" defTabSz="914400" rtl="0" eaLnBrk="1" latinLnBrk="0" hangingPunct="1">
+                  <a:lnSpc>
+                    <a:spcPct val="85000"/>
+                  </a:lnSpc>
+                  <a:spcBef>
+                    <a:spcPts val="600"/>
+                  </a:spcBef>
+                  <a:buFont typeface="Arial" pitchFamily="34" charset="0"/>
+                  <a:buChar char=" "/>
+                  <a:defRPr sz="1800" kern="1200">
+                    <a:solidFill>
+                      <a:schemeClr val="tx1">
+                        <a:lumMod val="85000"/>
+                        <a:lumOff val="15000"/>
+                      </a:schemeClr>
+                    </a:solidFill>
+                    <a:latin typeface="+mn-lt"/>
+                    <a:ea typeface="+mn-ea"/>
+                    <a:cs typeface="+mn-cs"/>
+                  </a:defRPr>
+                </a:lvl6pPr>
+                <a:lvl7pPr marL="1400000" indent="-228600" algn="l" defTabSz="914400" rtl="0" eaLnBrk="1" latinLnBrk="0" hangingPunct="1">
+                  <a:lnSpc>
+                    <a:spcPct val="85000"/>
+                  </a:lnSpc>
+                  <a:spcBef>
+                    <a:spcPts val="600"/>
+                  </a:spcBef>
+                  <a:buFont typeface="Arial" pitchFamily="34" charset="0"/>
+                  <a:buChar char=" "/>
+                  <a:defRPr sz="1800" kern="1200">
+                    <a:solidFill>
+                      <a:schemeClr val="tx1">
+                        <a:lumMod val="85000"/>
+                        <a:lumOff val="15000"/>
+                      </a:schemeClr>
+                    </a:solidFill>
+                    <a:latin typeface="+mn-lt"/>
+                    <a:ea typeface="+mn-ea"/>
+                    <a:cs typeface="+mn-cs"/>
+                  </a:defRPr>
+                </a:lvl7pPr>
+                <a:lvl8pPr marL="1600000" indent="-228600" algn="l" defTabSz="914400" rtl="0" eaLnBrk="1" latinLnBrk="0" hangingPunct="1">
+                  <a:lnSpc>
+                    <a:spcPct val="85000"/>
+                  </a:lnSpc>
+                  <a:spcBef>
+                    <a:spcPts val="600"/>
+                  </a:spcBef>
+                  <a:buFont typeface="Arial" pitchFamily="34" charset="0"/>
+                  <a:buChar char=" "/>
+                  <a:defRPr sz="1800" kern="1200">
+                    <a:solidFill>
+                      <a:schemeClr val="tx1">
+                        <a:lumMod val="85000"/>
+                        <a:lumOff val="15000"/>
+                      </a:schemeClr>
+                    </a:solidFill>
+                    <a:latin typeface="+mn-lt"/>
+                    <a:ea typeface="+mn-ea"/>
+                    <a:cs typeface="+mn-cs"/>
+                  </a:defRPr>
+                </a:lvl8pPr>
+                <a:lvl9pPr marL="1800000" indent="-228600" algn="l" defTabSz="914400" rtl="0" eaLnBrk="1" latinLnBrk="0" hangingPunct="1">
+                  <a:lnSpc>
+                    <a:spcPct val="85000"/>
+                  </a:lnSpc>
+                  <a:spcBef>
+                    <a:spcPts val="600"/>
+                  </a:spcBef>
+                  <a:buFont typeface="Arial" pitchFamily="34" charset="0"/>
+                  <a:buChar char=" "/>
+                  <a:defRPr sz="1800" kern="1200">
+                    <a:solidFill>
+                      <a:schemeClr val="tx1">
+                        <a:lumMod val="85000"/>
+                        <a:lumOff val="15000"/>
+                      </a:schemeClr>
+                    </a:solidFill>
+                    <a:latin typeface="+mn-lt"/>
+                    <a:ea typeface="+mn-ea"/>
+                    <a:cs typeface="+mn-cs"/>
+                  </a:defRPr>
+                </a:lvl9pPr>
+              </a:lstStyle>
+              <a:p>
+                <a:r>
+                  <a:rPr lang="en-US" sz="1800" dirty="0"/>
+                  <a:t>δ</a:t>
+                </a:r>
+                <a:r>
+                  <a:rPr lang="en-US" sz="1800" baseline="-25000" dirty="0" err="1"/>
+                  <a:t>k</a:t>
+                </a:r>
+                <a:r>
+                  <a:rPr lang="en-US" sz="1800" baseline="-25000" dirty="0"/>
+                  <a:t> </a:t>
+                </a:r>
+                <a:r>
+                  <a:rPr lang="en-US" sz="1800" b="1" dirty="0"/>
+                  <a:t>←</a:t>
+                </a:r>
+                <a:r>
+                  <a:rPr lang="en-US" sz="1800" dirty="0"/>
+                  <a:t> o</a:t>
+                </a:r>
+                <a:r>
+                  <a:rPr lang="en-US" sz="1800" baseline="-25000" dirty="0"/>
+                  <a:t>k</a:t>
+                </a:r>
+                <a:r>
+                  <a:rPr lang="en-US" sz="1800" dirty="0"/>
+                  <a:t> (1 – o</a:t>
+                </a:r>
+                <a:r>
+                  <a:rPr lang="en-US" sz="1800" baseline="-25000" dirty="0"/>
+                  <a:t>k</a:t>
+                </a:r>
+                <a:r>
+                  <a:rPr lang="en-US" sz="1800" dirty="0"/>
+                  <a:t>) (</a:t>
+                </a:r>
+                <a:r>
+                  <a:rPr lang="en-US" sz="1800" dirty="0" err="1"/>
+                  <a:t>t</a:t>
+                </a:r>
+                <a:r>
+                  <a:rPr lang="en-US" sz="1800" baseline="-25000" dirty="0" err="1"/>
+                  <a:t>k</a:t>
+                </a:r>
+                <a:r>
+                  <a:rPr lang="en-US" sz="1800" dirty="0"/>
+                  <a:t> – o</a:t>
+                </a:r>
+                <a:r>
+                  <a:rPr lang="en-US" sz="1800" baseline="-25000" dirty="0"/>
+                  <a:t>k</a:t>
+                </a:r>
+                <a:r>
+                  <a:rPr lang="en-US" sz="1800" dirty="0"/>
+                  <a:t>)</a:t>
+                </a:r>
+              </a:p>
+              <a:p>
+                <a:r>
+                  <a:rPr lang="en-US" sz="1800" dirty="0"/>
+                  <a:t>     = 0.46 (1-0.46) (0 – 0.46)</a:t>
+                </a:r>
+              </a:p>
+              <a:p>
+                <a:r>
+                  <a:rPr lang="en-US" sz="1800" dirty="0"/>
+                  <a:t>     = 0.46 (0.54) (-0.46)</a:t>
+                </a:r>
+              </a:p>
+              <a:p>
+                <a:r>
+                  <a:rPr lang="en-US" sz="1800" dirty="0"/>
+                  <a:t>     = - 0.114</a:t>
+                </a:r>
+              </a:p>
+              <a:p>
+                <a:endParaRPr lang="en-US" sz="1800" dirty="0"/>
+              </a:p>
+              <a:p>
+                <a:r>
+                  <a:rPr lang="en-US" sz="1800" dirty="0"/>
+                  <a:t>δ</a:t>
+                </a:r>
+                <a:r>
+                  <a:rPr lang="en-US" sz="1800" baseline="-25000" dirty="0"/>
+                  <a:t>h0 </a:t>
+                </a:r>
+                <a:r>
+                  <a:rPr lang="en-US" sz="1800" b="1" dirty="0"/>
+                  <a:t>←</a:t>
+                </a:r>
+                <a:r>
+                  <a:rPr lang="en-US" sz="1800" dirty="0"/>
+                  <a:t> o</a:t>
+                </a:r>
+                <a:r>
+                  <a:rPr lang="en-US" sz="1800" baseline="-25000" dirty="0"/>
+                  <a:t>h0</a:t>
+                </a:r>
+                <a:r>
+                  <a:rPr lang="en-US" sz="1800" dirty="0"/>
+                  <a:t> (1 – o</a:t>
+                </a:r>
+                <a:r>
+                  <a:rPr lang="en-US" sz="1800" baseline="-25000" dirty="0"/>
+                  <a:t>h0</a:t>
+                </a:r>
+                <a:r>
+                  <a:rPr lang="en-US" sz="1800" dirty="0"/>
+                  <a:t>) </a:t>
+                </a:r>
+                <a14:m>
+                  <m:oMath xmlns:m="http://schemas.openxmlformats.org/officeDocument/2006/math">
+                    <m:nary>
+                      <m:naryPr>
+                        <m:chr m:val="∑"/>
+                        <m:limLoc m:val="undOvr"/>
+                        <m:supHide m:val="on"/>
+                        <m:ctrlPr>
+                          <a:rPr lang="en-US" sz="1800" i="1">
+                            <a:latin typeface="Cambria Math" panose="02040503050406030204" pitchFamily="18" charset="0"/>
+                          </a:rPr>
+                        </m:ctrlPr>
+                      </m:naryPr>
+                      <m:sub>
+                        <m:r>
+                          <a:rPr lang="en-US" sz="1800" i="1">
+                            <a:latin typeface="Cambria Math" panose="02040503050406030204" pitchFamily="18" charset="0"/>
+                          </a:rPr>
+                          <m:t>𝑘</m:t>
+                        </m:r>
+                        <m:r>
+                          <a:rPr lang="en-US" sz="1800" i="1">
+                            <a:latin typeface="Cambria Math" panose="02040503050406030204" pitchFamily="18" charset="0"/>
+                          </a:rPr>
+                          <m:t>𝜖</m:t>
+                        </m:r>
+                        <m:r>
+                          <a:rPr lang="en-US" sz="1800" i="1">
+                            <a:latin typeface="Cambria Math" panose="02040503050406030204" pitchFamily="18" charset="0"/>
+                          </a:rPr>
+                          <m:t>𝑜𝑢𝑝𝑢𝑡</m:t>
+                        </m:r>
+                      </m:sub>
+                      <m:sup/>
+                      <m:e>
+                        <m:r>
+                          <a:rPr lang="en-US" sz="1800" i="1">
+                            <a:latin typeface="Cambria Math" panose="02040503050406030204" pitchFamily="18" charset="0"/>
+                          </a:rPr>
+                          <m:t>𝑊</m:t>
+                        </m:r>
+                        <m:r>
+                          <a:rPr lang="en-US" sz="1800" i="1" baseline="-25000">
+                            <a:latin typeface="Cambria Math" panose="02040503050406030204" pitchFamily="18" charset="0"/>
+                          </a:rPr>
+                          <m:t>h</m:t>
+                        </m:r>
+                        <m:r>
+                          <a:rPr lang="en-US" sz="1800" i="1">
+                            <a:latin typeface="Cambria Math" panose="02040503050406030204" pitchFamily="18" charset="0"/>
+                          </a:rPr>
+                          <m:t>,</m:t>
+                        </m:r>
+                        <m:r>
+                          <a:rPr lang="en-US" sz="1800" i="1" baseline="-25000">
+                            <a:latin typeface="Cambria Math" panose="02040503050406030204" pitchFamily="18" charset="0"/>
+                          </a:rPr>
+                          <m:t>𝑘</m:t>
+                        </m:r>
+                        <m:r>
+                          <a:rPr lang="en-US" sz="1800" i="1">
+                            <a:latin typeface="Cambria Math" panose="02040503050406030204" pitchFamily="18" charset="0"/>
+                          </a:rPr>
+                          <m:t> </m:t>
+                        </m:r>
+                        <m:r>
+                          <a:rPr lang="en-US" sz="1800" i="1">
+                            <a:latin typeface="Cambria Math" panose="02040503050406030204" pitchFamily="18" charset="0"/>
+                          </a:rPr>
+                          <m:t>𝛿</m:t>
+                        </m:r>
+                        <m:r>
+                          <a:rPr lang="en-US" sz="1800" i="1" baseline="-25000">
+                            <a:latin typeface="Cambria Math" panose="02040503050406030204" pitchFamily="18" charset="0"/>
+                          </a:rPr>
+                          <m:t>𝑘</m:t>
+                        </m:r>
+                      </m:e>
+                    </m:nary>
+                  </m:oMath>
+                </a14:m>
+                <a:endParaRPr lang="en-US" sz="1800" dirty="0"/>
+              </a:p>
+              <a:p>
+                <a:pPr lvl="2"/>
+                <a:r>
+                  <a:rPr lang="en-US" sz="1800" i="0" dirty="0"/>
+                  <a:t>= 0.524 (0.476) – 0.114 . (-0.4)</a:t>
+                </a:r>
+              </a:p>
+              <a:p>
+                <a:pPr lvl="2"/>
+                <a:r>
+                  <a:rPr lang="en-US" sz="1800" i="0" dirty="0"/>
+                  <a:t>= - 0.01137</a:t>
+                </a:r>
+              </a:p>
+              <a:p>
+                <a:pPr lvl="2"/>
+                <a:endParaRPr lang="en-US" sz="1800" i="0" dirty="0"/>
+              </a:p>
+              <a:p>
+                <a:r>
+                  <a:rPr lang="en-US" dirty="0"/>
+                  <a:t>δ</a:t>
+                </a:r>
+                <a:r>
+                  <a:rPr lang="en-US" baseline="-25000" dirty="0"/>
+                  <a:t>h1 </a:t>
+                </a:r>
+                <a:r>
+                  <a:rPr lang="en-US" b="1" dirty="0"/>
+                  <a:t>←</a:t>
+                </a:r>
+                <a:r>
+                  <a:rPr lang="en-US" dirty="0"/>
+                  <a:t> o</a:t>
+                </a:r>
+                <a:r>
+                  <a:rPr lang="en-US" baseline="-25000" dirty="0"/>
+                  <a:t>h1</a:t>
+                </a:r>
+                <a:r>
+                  <a:rPr lang="en-US" dirty="0"/>
+                  <a:t> (1 – o</a:t>
+                </a:r>
+                <a:r>
+                  <a:rPr lang="en-US" baseline="-25000" dirty="0"/>
+                  <a:t>h1</a:t>
+                </a:r>
+                <a:r>
+                  <a:rPr lang="en-US" dirty="0"/>
+                  <a:t>) </a:t>
+                </a:r>
+                <a14:m>
+                  <m:oMath xmlns:m="http://schemas.openxmlformats.org/officeDocument/2006/math">
+                    <m:nary>
+                      <m:naryPr>
+                        <m:chr m:val="∑"/>
+                        <m:limLoc m:val="undOvr"/>
+                        <m:supHide m:val="on"/>
+                        <m:ctrlPr>
+                          <a:rPr lang="en-US" i="1">
+                            <a:latin typeface="Cambria Math" panose="02040503050406030204" pitchFamily="18" charset="0"/>
+                          </a:rPr>
+                        </m:ctrlPr>
+                      </m:naryPr>
+                      <m:sub>
+                        <m:r>
+                          <a:rPr lang="en-US" i="1">
+                            <a:latin typeface="Cambria Math" panose="02040503050406030204" pitchFamily="18" charset="0"/>
+                          </a:rPr>
+                          <m:t>𝑘</m:t>
+                        </m:r>
+                        <m:r>
+                          <a:rPr lang="en-US" i="1">
+                            <a:latin typeface="Cambria Math" panose="02040503050406030204" pitchFamily="18" charset="0"/>
+                          </a:rPr>
+                          <m:t>𝜖</m:t>
+                        </m:r>
+                        <m:r>
+                          <a:rPr lang="en-US" i="1">
+                            <a:latin typeface="Cambria Math" panose="02040503050406030204" pitchFamily="18" charset="0"/>
+                          </a:rPr>
+                          <m:t>𝑜𝑢𝑝𝑢𝑡</m:t>
+                        </m:r>
+                      </m:sub>
+                      <m:sup/>
+                      <m:e>
+                        <m:r>
+                          <a:rPr lang="en-US" i="1">
+                            <a:latin typeface="Cambria Math" panose="02040503050406030204" pitchFamily="18" charset="0"/>
+                          </a:rPr>
+                          <m:t>𝑊</m:t>
+                        </m:r>
+                        <m:r>
+                          <a:rPr lang="en-US" i="1" baseline="-25000">
+                            <a:latin typeface="Cambria Math" panose="02040503050406030204" pitchFamily="18" charset="0"/>
+                          </a:rPr>
+                          <m:t>h</m:t>
+                        </m:r>
+                        <m:r>
+                          <a:rPr lang="en-US" i="1">
+                            <a:latin typeface="Cambria Math" panose="02040503050406030204" pitchFamily="18" charset="0"/>
+                          </a:rPr>
+                          <m:t>,</m:t>
+                        </m:r>
+                        <m:r>
+                          <a:rPr lang="en-US" i="1" baseline="-25000">
+                            <a:latin typeface="Cambria Math" panose="02040503050406030204" pitchFamily="18" charset="0"/>
+                          </a:rPr>
+                          <m:t>𝑘</m:t>
+                        </m:r>
+                        <m:r>
+                          <a:rPr lang="en-US" i="1">
+                            <a:latin typeface="Cambria Math" panose="02040503050406030204" pitchFamily="18" charset="0"/>
+                          </a:rPr>
+                          <m:t> </m:t>
+                        </m:r>
+                        <m:r>
+                          <a:rPr lang="en-US" i="1">
+                            <a:latin typeface="Cambria Math" panose="02040503050406030204" pitchFamily="18" charset="0"/>
+                          </a:rPr>
+                          <m:t>𝛿</m:t>
+                        </m:r>
+                        <m:r>
+                          <a:rPr lang="en-US" i="1" baseline="-25000">
+                            <a:latin typeface="Cambria Math" panose="02040503050406030204" pitchFamily="18" charset="0"/>
+                          </a:rPr>
+                          <m:t>𝑘</m:t>
+                        </m:r>
+                      </m:e>
+                    </m:nary>
+                  </m:oMath>
+                </a14:m>
+                <a:endParaRPr lang="en-US" dirty="0"/>
+              </a:p>
+              <a:p>
+                <a:pPr lvl="2"/>
+                <a:r>
+                  <a:rPr lang="en-US" dirty="0"/>
+                  <a:t>= 0.475 (0.525) – 0.114 . 0.06</a:t>
+                </a:r>
+              </a:p>
+              <a:p>
+                <a:pPr lvl="2"/>
+                <a:r>
+                  <a:rPr lang="en-US" dirty="0"/>
+                  <a:t>= - 0.00171</a:t>
+                </a:r>
+              </a:p>
+              <a:p>
+                <a:endParaRPr lang="en-US" dirty="0"/>
+              </a:p>
+              <a:p>
+                <a:pPr marL="0" lvl="2" indent="0">
+                  <a:buNone/>
+                </a:pPr>
+                <a:endParaRPr lang="en-US" sz="1800" dirty="0"/>
+              </a:p>
+              <a:p>
+                <a:pPr marL="0" lvl="2" indent="0">
+                  <a:buNone/>
+                </a:pPr>
+                <a:endParaRPr lang="en-US" sz="1800" i="0" dirty="0"/>
+              </a:p>
+              <a:p>
+                <a:pPr marL="0" lvl="2" indent="0">
+                  <a:buNone/>
+                </a:pPr>
+                <a:endParaRPr lang="en-US" sz="1800" i="0" dirty="0"/>
+              </a:p>
+              <a:p>
+                <a:pPr lvl="2"/>
+                <a:endParaRPr lang="en-US" sz="1800" i="0" dirty="0"/>
+              </a:p>
+              <a:p>
+                <a:pPr lvl="2"/>
+                <a:endParaRPr lang="en-US" sz="1800" i="0" dirty="0"/>
+              </a:p>
+            </p:txBody>
+          </p:sp>
+        </mc:Choice>
+        <mc:Fallback xmlns="">
+          <p:sp>
+            <p:nvSpPr>
+              <p:cNvPr id="4" name="Content Placeholder 2">
+                <a:extLst>
+                  <a:ext uri="{FF2B5EF4-FFF2-40B4-BE49-F238E27FC236}">
+                    <a16:creationId xmlns:a16="http://schemas.microsoft.com/office/drawing/2014/main" id="{E0245176-E59E-4C87-A763-AC15925BC507}"/>
+                  </a:ext>
+                </a:extLst>
+              </p:cNvPr>
+              <p:cNvSpPr txBox="1">
+                <a:spLocks noRot="1" noChangeAspect="1" noMove="1" noResize="1" noEditPoints="1" noAdjustHandles="1" noChangeArrowheads="1" noChangeShapeType="1" noTextEdit="1"/>
+              </p:cNvSpPr>
+              <p:nvPr/>
+            </p:nvSpPr>
+            <p:spPr>
+              <a:xfrm>
+                <a:off x="6566833" y="1499062"/>
+                <a:ext cx="5474762" cy="4714702"/>
+              </a:xfrm>
+              <a:prstGeom prst="rect">
+                <a:avLst/>
+              </a:prstGeom>
+              <a:blipFill>
+                <a:blip r:embed="rId3"/>
+                <a:stretch>
+                  <a:fillRect t="-1552"/>
+                </a:stretch>
+              </a:blipFill>
+            </p:spPr>
+            <p:txBody>
+              <a:bodyPr/>
+              <a:lstStyle/>
+              <a:p>
+                <a:r>
+                  <a:rPr lang="en-US">
+                    <a:noFill/>
+                  </a:rPr>
+                  <a:t> </a:t>
+                </a:r>
+              </a:p>
+            </p:txBody>
+          </p:sp>
+        </mc:Fallback>
+      </mc:AlternateContent>
+    </p:spTree>
+    <p:extLst>
+      <p:ext uri="{BB962C8B-B14F-4D97-AF65-F5344CB8AC3E}">
+        <p14:creationId xmlns:p14="http://schemas.microsoft.com/office/powerpoint/2010/main" val="1280502772"/>
+      </p:ext>
+    </p:extLst>
+  </p:cSld>
+  <p:clrMapOvr>
+    <a:masterClrMapping/>
+  </p:clrMapOvr>
+</p:sld>
+</file>
+
+<file path=ppt/slides/slide37.xml><?xml version="1.0" encoding="utf-8"?>
+<p:sld xmlns:a="http://schemas.openxmlformats.org/drawingml/2006/main" xmlns:r="http://schemas.openxmlformats.org/officeDocument/2006/relationships" xmlns:p="http://schemas.openxmlformats.org/presentationml/2006/main">
+  <p:cSld>
+    <p:spTree>
+      <p:nvGrpSpPr>
+        <p:cNvPr id="1" name=""/>
+        <p:cNvGrpSpPr/>
+        <p:nvPr/>
+      </p:nvGrpSpPr>
+      <p:grpSpPr>
+        <a:xfrm>
+          <a:off x="0" y="0"/>
+          <a:ext cx="0" cy="0"/>
+          <a:chOff x="0" y="0"/>
+          <a:chExt cx="0" cy="0"/>
+        </a:xfrm>
+      </p:grpSpPr>
+      <p:sp>
+        <p:nvSpPr>
+          <p:cNvPr id="2" name="Title 1">
+            <a:extLst>
+              <a:ext uri="{FF2B5EF4-FFF2-40B4-BE49-F238E27FC236}">
+                <a16:creationId xmlns:a16="http://schemas.microsoft.com/office/drawing/2014/main" id="{992920C0-7013-4225-A1DC-08F6654BE47A}"/>
+              </a:ext>
+            </a:extLst>
+          </p:cNvPr>
+          <p:cNvSpPr>
+            <a:spLocks noGrp="1"/>
+          </p:cNvSpPr>
+          <p:nvPr>
+            <p:ph type="title"/>
+          </p:nvPr>
+        </p:nvSpPr>
+        <p:spPr>
+          <a:xfrm>
+            <a:off x="939814" y="0"/>
+            <a:ext cx="10772775" cy="981780"/>
+          </a:xfrm>
+        </p:spPr>
+        <p:txBody>
+          <a:bodyPr>
+            <a:noAutofit/>
+          </a:bodyPr>
+          <a:lstStyle/>
+          <a:p>
+            <a:pPr algn="ctr"/>
+            <a:r>
+              <a:rPr lang="en-US" sz="3200" dirty="0"/>
+              <a:t>Update </a:t>
+            </a:r>
+            <a:r>
+              <a:rPr lang="en-US" sz="3200" dirty="0" err="1"/>
+              <a:t>bobot</a:t>
+            </a:r>
+            <a:r>
+              <a:rPr lang="en-US" sz="3200" dirty="0"/>
+              <a:t> </a:t>
+            </a:r>
+            <a:r>
+              <a:rPr lang="en-US" sz="3200" dirty="0" err="1"/>
+              <a:t>dengan</a:t>
+            </a:r>
+            <a:r>
+              <a:rPr lang="en-US" sz="3200" dirty="0"/>
+              <a:t> </a:t>
+            </a:r>
+            <a:r>
+              <a:rPr lang="en-US" sz="3200" dirty="0" err="1"/>
+              <a:t>BackPropagation</a:t>
+            </a:r>
+            <a:endParaRPr lang="en-US" sz="3200" dirty="0"/>
+          </a:p>
+        </p:txBody>
+      </p:sp>
+      <p:grpSp>
+        <p:nvGrpSpPr>
+          <p:cNvPr id="22" name="Group 21">
+            <a:extLst>
+              <a:ext uri="{FF2B5EF4-FFF2-40B4-BE49-F238E27FC236}">
+                <a16:creationId xmlns:a16="http://schemas.microsoft.com/office/drawing/2014/main" id="{0A18AF8E-B9D1-49CD-8988-49160E357C56}"/>
+              </a:ext>
+            </a:extLst>
+          </p:cNvPr>
+          <p:cNvGrpSpPr/>
+          <p:nvPr/>
+        </p:nvGrpSpPr>
+        <p:grpSpPr>
+          <a:xfrm>
+            <a:off x="3289585" y="1814030"/>
+            <a:ext cx="3501559" cy="4056611"/>
+            <a:chOff x="469474" y="1385111"/>
+            <a:chExt cx="3501559" cy="4056611"/>
+          </a:xfrm>
+        </p:grpSpPr>
+        <p:sp>
+          <p:nvSpPr>
+            <p:cNvPr id="5" name="Oval 4">
+              <a:extLst>
+                <a:ext uri="{FF2B5EF4-FFF2-40B4-BE49-F238E27FC236}">
+                  <a16:creationId xmlns:a16="http://schemas.microsoft.com/office/drawing/2014/main" id="{D44FE996-8F64-4B59-B296-8BC8CB74B8B9}"/>
+                </a:ext>
+              </a:extLst>
+            </p:cNvPr>
+            <p:cNvSpPr/>
+            <p:nvPr/>
+          </p:nvSpPr>
+          <p:spPr>
+            <a:xfrm>
+              <a:off x="643634" y="3112925"/>
+              <a:ext cx="600981" cy="600981"/>
+            </a:xfrm>
+            <a:prstGeom prst="ellipse">
+              <a:avLst/>
+            </a:prstGeom>
+            <a:noFill/>
+            <a:ln>
+              <a:solidFill>
+                <a:schemeClr val="tx1"/>
+              </a:solidFill>
+            </a:ln>
+          </p:spPr>
+          <p:style>
+            <a:lnRef idx="2">
+              <a:schemeClr val="accent1">
+                <a:shade val="50000"/>
+              </a:schemeClr>
+            </a:lnRef>
+            <a:fillRef idx="1">
+              <a:schemeClr val="accent1"/>
+            </a:fillRef>
+            <a:effectRef idx="0">
+              <a:schemeClr val="accent1"/>
+            </a:effectRef>
+            <a:fontRef idx="minor">
+              <a:schemeClr val="lt1"/>
+            </a:fontRef>
+          </p:style>
+          <p:txBody>
+            <a:bodyPr rtlCol="0" anchor="ctr"/>
+            <a:lstStyle/>
+            <a:p>
+              <a:pPr algn="ctr"/>
+              <a:r>
+                <a:rPr lang="en-US" sz="900" dirty="0">
+                  <a:solidFill>
+                    <a:schemeClr val="tx1"/>
+                  </a:solidFill>
+                  <a:latin typeface="Times New Roman" panose="02020603050405020304" pitchFamily="18" charset="0"/>
+                  <a:cs typeface="Times New Roman" panose="02020603050405020304" pitchFamily="18" charset="0"/>
+                </a:rPr>
+                <a:t>N1,0</a:t>
+              </a:r>
+            </a:p>
+          </p:txBody>
+        </p:sp>
+        <p:sp>
+          <p:nvSpPr>
+            <p:cNvPr id="6" name="Oval 5">
+              <a:extLst>
+                <a:ext uri="{FF2B5EF4-FFF2-40B4-BE49-F238E27FC236}">
+                  <a16:creationId xmlns:a16="http://schemas.microsoft.com/office/drawing/2014/main" id="{BBB2C04C-AA4E-4D26-A993-2F1D6B871A6C}"/>
+                </a:ext>
+              </a:extLst>
+            </p:cNvPr>
+            <p:cNvSpPr/>
+            <p:nvPr/>
+          </p:nvSpPr>
+          <p:spPr>
+            <a:xfrm>
+              <a:off x="643634" y="4822328"/>
+              <a:ext cx="600981" cy="600981"/>
+            </a:xfrm>
+            <a:prstGeom prst="ellipse">
+              <a:avLst/>
+            </a:prstGeom>
+            <a:noFill/>
+            <a:ln>
+              <a:solidFill>
+                <a:schemeClr val="tx1"/>
+              </a:solidFill>
+            </a:ln>
+          </p:spPr>
+          <p:style>
+            <a:lnRef idx="2">
+              <a:schemeClr val="accent1">
+                <a:shade val="50000"/>
+              </a:schemeClr>
+            </a:lnRef>
+            <a:fillRef idx="1">
+              <a:schemeClr val="accent1"/>
+            </a:fillRef>
+            <a:effectRef idx="0">
+              <a:schemeClr val="accent1"/>
+            </a:effectRef>
+            <a:fontRef idx="minor">
+              <a:schemeClr val="lt1"/>
+            </a:fontRef>
+          </p:style>
+          <p:txBody>
+            <a:bodyPr rtlCol="0" anchor="ctr"/>
+            <a:lstStyle/>
+            <a:p>
+              <a:pPr algn="ctr"/>
+              <a:r>
+                <a:rPr lang="en-US" sz="1000" dirty="0">
+                  <a:solidFill>
+                    <a:schemeClr val="tx1"/>
+                  </a:solidFill>
+                  <a:latin typeface="Times New Roman" panose="02020603050405020304" pitchFamily="18" charset="0"/>
+                  <a:cs typeface="Times New Roman" panose="02020603050405020304" pitchFamily="18" charset="0"/>
+                </a:rPr>
+                <a:t>X1</a:t>
+              </a:r>
+            </a:p>
+          </p:txBody>
+        </p:sp>
+        <p:sp>
+          <p:nvSpPr>
+            <p:cNvPr id="7" name="Oval 6">
+              <a:extLst>
+                <a:ext uri="{FF2B5EF4-FFF2-40B4-BE49-F238E27FC236}">
+                  <a16:creationId xmlns:a16="http://schemas.microsoft.com/office/drawing/2014/main" id="{242BC416-A75A-4A41-8F49-8F3E76B7BF12}"/>
+                </a:ext>
+              </a:extLst>
+            </p:cNvPr>
+            <p:cNvSpPr/>
+            <p:nvPr/>
+          </p:nvSpPr>
+          <p:spPr>
+            <a:xfrm>
+              <a:off x="2709498" y="3112925"/>
+              <a:ext cx="600981" cy="600981"/>
+            </a:xfrm>
+            <a:prstGeom prst="ellipse">
+              <a:avLst/>
+            </a:prstGeom>
+            <a:noFill/>
+            <a:ln>
+              <a:solidFill>
+                <a:schemeClr val="tx1"/>
+              </a:solidFill>
+            </a:ln>
+          </p:spPr>
+          <p:style>
+            <a:lnRef idx="2">
+              <a:schemeClr val="accent1">
+                <a:shade val="50000"/>
+              </a:schemeClr>
+            </a:lnRef>
+            <a:fillRef idx="1">
+              <a:schemeClr val="accent1"/>
+            </a:fillRef>
+            <a:effectRef idx="0">
+              <a:schemeClr val="accent1"/>
+            </a:effectRef>
+            <a:fontRef idx="minor">
+              <a:schemeClr val="lt1"/>
+            </a:fontRef>
+          </p:style>
+          <p:txBody>
+            <a:bodyPr rtlCol="0" anchor="ctr"/>
+            <a:lstStyle/>
+            <a:p>
+              <a:pPr algn="ctr"/>
+              <a:r>
+                <a:rPr lang="en-US" sz="900" dirty="0">
+                  <a:solidFill>
+                    <a:schemeClr val="tx1"/>
+                  </a:solidFill>
+                  <a:latin typeface="Times New Roman" panose="02020603050405020304" pitchFamily="18" charset="0"/>
+                  <a:cs typeface="Times New Roman" panose="02020603050405020304" pitchFamily="18" charset="0"/>
+                </a:rPr>
+                <a:t>N1,1</a:t>
+              </a:r>
+            </a:p>
+          </p:txBody>
+        </p:sp>
+        <p:sp>
+          <p:nvSpPr>
+            <p:cNvPr id="8" name="Oval 7">
+              <a:extLst>
+                <a:ext uri="{FF2B5EF4-FFF2-40B4-BE49-F238E27FC236}">
+                  <a16:creationId xmlns:a16="http://schemas.microsoft.com/office/drawing/2014/main" id="{296014D8-B06D-4D2E-8002-5F019BEF676E}"/>
+                </a:ext>
+              </a:extLst>
+            </p:cNvPr>
+            <p:cNvSpPr/>
+            <p:nvPr/>
+          </p:nvSpPr>
+          <p:spPr>
+            <a:xfrm>
+              <a:off x="2709498" y="4840741"/>
+              <a:ext cx="600981" cy="600981"/>
+            </a:xfrm>
+            <a:prstGeom prst="ellipse">
+              <a:avLst/>
+            </a:prstGeom>
+            <a:noFill/>
+            <a:ln>
+              <a:solidFill>
+                <a:schemeClr val="tx1"/>
+              </a:solidFill>
+            </a:ln>
+          </p:spPr>
+          <p:style>
+            <a:lnRef idx="2">
+              <a:schemeClr val="accent1">
+                <a:shade val="50000"/>
+              </a:schemeClr>
+            </a:lnRef>
+            <a:fillRef idx="1">
+              <a:schemeClr val="accent1"/>
+            </a:fillRef>
+            <a:effectRef idx="0">
+              <a:schemeClr val="accent1"/>
+            </a:effectRef>
+            <a:fontRef idx="minor">
+              <a:schemeClr val="lt1"/>
+            </a:fontRef>
+          </p:style>
+          <p:txBody>
+            <a:bodyPr rtlCol="0" anchor="ctr"/>
+            <a:lstStyle/>
+            <a:p>
+              <a:pPr algn="ctr"/>
+              <a:r>
+                <a:rPr lang="en-US" sz="1000" dirty="0">
+                  <a:solidFill>
+                    <a:schemeClr val="tx1"/>
+                  </a:solidFill>
+                  <a:latin typeface="Times New Roman" panose="02020603050405020304" pitchFamily="18" charset="0"/>
+                  <a:cs typeface="Times New Roman" panose="02020603050405020304" pitchFamily="18" charset="0"/>
+                </a:rPr>
+                <a:t>X2</a:t>
+              </a:r>
+            </a:p>
+          </p:txBody>
+        </p:sp>
+        <p:sp>
+          <p:nvSpPr>
+            <p:cNvPr id="9" name="Oval 8">
+              <a:extLst>
+                <a:ext uri="{FF2B5EF4-FFF2-40B4-BE49-F238E27FC236}">
+                  <a16:creationId xmlns:a16="http://schemas.microsoft.com/office/drawing/2014/main" id="{403A0EED-C2C8-42E5-87F3-B0607F50D579}"/>
+                </a:ext>
+              </a:extLst>
+            </p:cNvPr>
+            <p:cNvSpPr/>
+            <p:nvPr/>
+          </p:nvSpPr>
+          <p:spPr>
+            <a:xfrm>
+              <a:off x="1682827" y="1385111"/>
+              <a:ext cx="600981" cy="600981"/>
+            </a:xfrm>
+            <a:prstGeom prst="ellipse">
+              <a:avLst/>
+            </a:prstGeom>
+            <a:noFill/>
+            <a:ln>
+              <a:solidFill>
+                <a:schemeClr val="tx1"/>
+              </a:solidFill>
+            </a:ln>
+          </p:spPr>
+          <p:style>
+            <a:lnRef idx="2">
+              <a:schemeClr val="accent1">
+                <a:shade val="50000"/>
+              </a:schemeClr>
+            </a:lnRef>
+            <a:fillRef idx="1">
+              <a:schemeClr val="accent1"/>
+            </a:fillRef>
+            <a:effectRef idx="0">
+              <a:schemeClr val="accent1"/>
+            </a:effectRef>
+            <a:fontRef idx="minor">
+              <a:schemeClr val="lt1"/>
+            </a:fontRef>
+          </p:style>
+          <p:txBody>
+            <a:bodyPr rtlCol="0" anchor="ctr"/>
+            <a:lstStyle/>
+            <a:p>
+              <a:pPr algn="ctr"/>
+              <a:r>
+                <a:rPr lang="en-US" sz="1000" dirty="0">
+                  <a:solidFill>
+                    <a:schemeClr val="tx1"/>
+                  </a:solidFill>
+                  <a:latin typeface="Times New Roman" panose="02020603050405020304" pitchFamily="18" charset="0"/>
+                  <a:cs typeface="Times New Roman" panose="02020603050405020304" pitchFamily="18" charset="0"/>
+                </a:rPr>
+                <a:t>N2</a:t>
+              </a:r>
+            </a:p>
+          </p:txBody>
+        </p:sp>
+        <p:cxnSp>
+          <p:nvCxnSpPr>
+            <p:cNvPr id="10" name="Straight Arrow Connector 9">
+              <a:extLst>
+                <a:ext uri="{FF2B5EF4-FFF2-40B4-BE49-F238E27FC236}">
+                  <a16:creationId xmlns:a16="http://schemas.microsoft.com/office/drawing/2014/main" id="{13F6A3BA-000E-4C4E-ACE5-BDEA8B33953C}"/>
+                </a:ext>
+              </a:extLst>
+            </p:cNvPr>
+            <p:cNvCxnSpPr>
+              <a:cxnSpLocks/>
+              <a:stCxn id="8" idx="1"/>
+              <a:endCxn id="5" idx="5"/>
+            </p:cNvCxnSpPr>
+            <p:nvPr/>
+          </p:nvCxnSpPr>
+          <p:spPr>
+            <a:xfrm flipH="1" flipV="1">
+              <a:off x="1156604" y="3625895"/>
+              <a:ext cx="1640905" cy="1302857"/>
+            </a:xfrm>
+            <a:prstGeom prst="straightConnector1">
+              <a:avLst/>
+            </a:prstGeom>
+            <a:ln>
+              <a:solidFill>
+                <a:schemeClr val="tx1"/>
+              </a:solidFill>
+              <a:tailEnd type="triangle"/>
+            </a:ln>
+          </p:spPr>
+          <p:style>
+            <a:lnRef idx="1">
+              <a:schemeClr val="accent1"/>
+            </a:lnRef>
+            <a:fillRef idx="0">
+              <a:schemeClr val="accent1"/>
+            </a:fillRef>
+            <a:effectRef idx="0">
+              <a:schemeClr val="accent1"/>
+            </a:effectRef>
+            <a:fontRef idx="minor">
+              <a:schemeClr val="tx1"/>
+            </a:fontRef>
+          </p:style>
+        </p:cxnSp>
+        <p:cxnSp>
+          <p:nvCxnSpPr>
+            <p:cNvPr id="11" name="Straight Arrow Connector 10">
+              <a:extLst>
+                <a:ext uri="{FF2B5EF4-FFF2-40B4-BE49-F238E27FC236}">
+                  <a16:creationId xmlns:a16="http://schemas.microsoft.com/office/drawing/2014/main" id="{E80FAD48-2971-40F9-BCE2-16B83FFB5F55}"/>
+                </a:ext>
+              </a:extLst>
+            </p:cNvPr>
+            <p:cNvCxnSpPr>
+              <a:cxnSpLocks/>
+              <a:stCxn id="6" idx="7"/>
+              <a:endCxn id="7" idx="3"/>
+            </p:cNvCxnSpPr>
+            <p:nvPr/>
+          </p:nvCxnSpPr>
+          <p:spPr>
+            <a:xfrm flipV="1">
+              <a:off x="1156604" y="3625894"/>
+              <a:ext cx="1640905" cy="1284445"/>
+            </a:xfrm>
+            <a:prstGeom prst="straightConnector1">
+              <a:avLst/>
+            </a:prstGeom>
+            <a:ln>
+              <a:solidFill>
+                <a:schemeClr val="tx1"/>
+              </a:solidFill>
+              <a:tailEnd type="triangle"/>
+            </a:ln>
+          </p:spPr>
+          <p:style>
+            <a:lnRef idx="1">
+              <a:schemeClr val="accent1"/>
+            </a:lnRef>
+            <a:fillRef idx="0">
+              <a:schemeClr val="accent1"/>
+            </a:fillRef>
+            <a:effectRef idx="0">
+              <a:schemeClr val="accent1"/>
+            </a:effectRef>
+            <a:fontRef idx="minor">
+              <a:schemeClr val="tx1"/>
+            </a:fontRef>
+          </p:style>
+        </p:cxnSp>
+        <p:cxnSp>
+          <p:nvCxnSpPr>
+            <p:cNvPr id="12" name="Straight Arrow Connector 11">
+              <a:extLst>
+                <a:ext uri="{FF2B5EF4-FFF2-40B4-BE49-F238E27FC236}">
+                  <a16:creationId xmlns:a16="http://schemas.microsoft.com/office/drawing/2014/main" id="{137F2E57-1505-4CAC-9758-DFD0E19ADC18}"/>
+                </a:ext>
+              </a:extLst>
+            </p:cNvPr>
+            <p:cNvCxnSpPr>
+              <a:cxnSpLocks/>
+              <a:stCxn id="7" idx="0"/>
+              <a:endCxn id="9" idx="5"/>
+            </p:cNvCxnSpPr>
+            <p:nvPr/>
+          </p:nvCxnSpPr>
+          <p:spPr>
+            <a:xfrm flipH="1" flipV="1">
+              <a:off x="2195796" y="1898081"/>
+              <a:ext cx="814193" cy="1214844"/>
+            </a:xfrm>
+            <a:prstGeom prst="straightConnector1">
+              <a:avLst/>
+            </a:prstGeom>
+            <a:ln>
+              <a:solidFill>
+                <a:schemeClr val="tx1"/>
+              </a:solidFill>
+              <a:tailEnd type="triangle"/>
+            </a:ln>
+          </p:spPr>
+          <p:style>
+            <a:lnRef idx="1">
+              <a:schemeClr val="accent1"/>
+            </a:lnRef>
+            <a:fillRef idx="0">
+              <a:schemeClr val="accent1"/>
+            </a:fillRef>
+            <a:effectRef idx="0">
+              <a:schemeClr val="accent1"/>
+            </a:effectRef>
+            <a:fontRef idx="minor">
+              <a:schemeClr val="tx1"/>
+            </a:fontRef>
+          </p:style>
+        </p:cxnSp>
+        <p:cxnSp>
+          <p:nvCxnSpPr>
+            <p:cNvPr id="13" name="Straight Arrow Connector 12">
+              <a:extLst>
+                <a:ext uri="{FF2B5EF4-FFF2-40B4-BE49-F238E27FC236}">
+                  <a16:creationId xmlns:a16="http://schemas.microsoft.com/office/drawing/2014/main" id="{E538FA46-3289-469A-8A23-C9C9092D4E0D}"/>
+                </a:ext>
+              </a:extLst>
+            </p:cNvPr>
+            <p:cNvCxnSpPr>
+              <a:cxnSpLocks/>
+              <a:stCxn id="5" idx="0"/>
+              <a:endCxn id="9" idx="3"/>
+            </p:cNvCxnSpPr>
+            <p:nvPr/>
+          </p:nvCxnSpPr>
+          <p:spPr>
+            <a:xfrm flipV="1">
+              <a:off x="944126" y="1898081"/>
+              <a:ext cx="826713" cy="1214845"/>
+            </a:xfrm>
+            <a:prstGeom prst="straightConnector1">
+              <a:avLst/>
+            </a:prstGeom>
+            <a:ln>
+              <a:solidFill>
+                <a:schemeClr val="tx1"/>
+              </a:solidFill>
+              <a:tailEnd type="triangle"/>
+            </a:ln>
+          </p:spPr>
+          <p:style>
+            <a:lnRef idx="1">
+              <a:schemeClr val="accent1"/>
+            </a:lnRef>
+            <a:fillRef idx="0">
+              <a:schemeClr val="accent1"/>
+            </a:fillRef>
+            <a:effectRef idx="0">
+              <a:schemeClr val="accent1"/>
+            </a:effectRef>
+            <a:fontRef idx="minor">
+              <a:schemeClr val="tx1"/>
+            </a:fontRef>
+          </p:style>
+        </p:cxnSp>
+        <p:cxnSp>
+          <p:nvCxnSpPr>
+            <p:cNvPr id="14" name="Straight Arrow Connector 13">
+              <a:extLst>
+                <a:ext uri="{FF2B5EF4-FFF2-40B4-BE49-F238E27FC236}">
+                  <a16:creationId xmlns:a16="http://schemas.microsoft.com/office/drawing/2014/main" id="{4C936647-F15C-4D80-8432-ED915605F974}"/>
+                </a:ext>
+              </a:extLst>
+            </p:cNvPr>
+            <p:cNvCxnSpPr>
+              <a:cxnSpLocks/>
+              <a:stCxn id="8" idx="0"/>
+            </p:cNvCxnSpPr>
+            <p:nvPr/>
+          </p:nvCxnSpPr>
+          <p:spPr>
+            <a:xfrm flipV="1">
+              <a:off x="3009989" y="3713907"/>
+              <a:ext cx="0" cy="1126834"/>
+            </a:xfrm>
+            <a:prstGeom prst="straightConnector1">
+              <a:avLst/>
+            </a:prstGeom>
+            <a:ln>
+              <a:solidFill>
+                <a:schemeClr val="tx1"/>
+              </a:solidFill>
+              <a:tailEnd type="triangle"/>
+            </a:ln>
+          </p:spPr>
+          <p:style>
+            <a:lnRef idx="1">
+              <a:schemeClr val="accent1"/>
+            </a:lnRef>
+            <a:fillRef idx="0">
+              <a:schemeClr val="accent1"/>
+            </a:fillRef>
+            <a:effectRef idx="0">
+              <a:schemeClr val="accent1"/>
+            </a:effectRef>
+            <a:fontRef idx="minor">
+              <a:schemeClr val="tx1"/>
+            </a:fontRef>
+          </p:style>
+        </p:cxnSp>
+        <p:cxnSp>
+          <p:nvCxnSpPr>
+            <p:cNvPr id="15" name="Straight Arrow Connector 14">
+              <a:extLst>
+                <a:ext uri="{FF2B5EF4-FFF2-40B4-BE49-F238E27FC236}">
+                  <a16:creationId xmlns:a16="http://schemas.microsoft.com/office/drawing/2014/main" id="{FA2CE172-93B7-4F07-9223-AE08B2BB5898}"/>
+                </a:ext>
+              </a:extLst>
+            </p:cNvPr>
+            <p:cNvCxnSpPr>
+              <a:cxnSpLocks/>
+              <a:stCxn id="6" idx="0"/>
+              <a:endCxn id="5" idx="4"/>
+            </p:cNvCxnSpPr>
+            <p:nvPr/>
+          </p:nvCxnSpPr>
+          <p:spPr>
+            <a:xfrm flipV="1">
+              <a:off x="944126" y="3713907"/>
+              <a:ext cx="0" cy="1108421"/>
+            </a:xfrm>
+            <a:prstGeom prst="straightConnector1">
+              <a:avLst/>
+            </a:prstGeom>
+            <a:ln>
+              <a:solidFill>
+                <a:schemeClr val="tx1"/>
+              </a:solidFill>
+              <a:tailEnd type="triangle"/>
+            </a:ln>
+          </p:spPr>
+          <p:style>
+            <a:lnRef idx="1">
+              <a:schemeClr val="accent1"/>
+            </a:lnRef>
+            <a:fillRef idx="0">
+              <a:schemeClr val="accent1"/>
+            </a:fillRef>
+            <a:effectRef idx="0">
+              <a:schemeClr val="accent1"/>
+            </a:effectRef>
+            <a:fontRef idx="minor">
+              <a:schemeClr val="tx1"/>
+            </a:fontRef>
+          </p:style>
+        </p:cxnSp>
+        <p:sp>
+          <p:nvSpPr>
+            <p:cNvPr id="16" name="TextBox 15">
+              <a:extLst>
+                <a:ext uri="{FF2B5EF4-FFF2-40B4-BE49-F238E27FC236}">
+                  <a16:creationId xmlns:a16="http://schemas.microsoft.com/office/drawing/2014/main" id="{022A94CD-9317-4527-A0A0-A7E95C9CFF83}"/>
+                </a:ext>
+              </a:extLst>
+            </p:cNvPr>
+            <p:cNvSpPr txBox="1"/>
+            <p:nvPr/>
+          </p:nvSpPr>
+          <p:spPr>
+            <a:xfrm>
+              <a:off x="572983" y="4188700"/>
+              <a:ext cx="410690" cy="307777"/>
+            </a:xfrm>
+            <a:prstGeom prst="rect">
+              <a:avLst/>
+            </a:prstGeom>
+            <a:noFill/>
+          </p:spPr>
+          <p:txBody>
+            <a:bodyPr wrap="none" rtlCol="0">
+              <a:spAutoFit/>
+            </a:bodyPr>
+            <a:lstStyle/>
+            <a:p>
+              <a:r>
+                <a:rPr lang="en-US" sz="1400" dirty="0"/>
+                <a:t>0.4</a:t>
+              </a:r>
+            </a:p>
+          </p:txBody>
+        </p:sp>
+        <p:sp>
+          <p:nvSpPr>
+            <p:cNvPr id="17" name="TextBox 16">
+              <a:extLst>
+                <a:ext uri="{FF2B5EF4-FFF2-40B4-BE49-F238E27FC236}">
+                  <a16:creationId xmlns:a16="http://schemas.microsoft.com/office/drawing/2014/main" id="{45BB1CE6-B6C1-4076-A8CC-6A88698E7D26}"/>
+                </a:ext>
+              </a:extLst>
+            </p:cNvPr>
+            <p:cNvSpPr txBox="1"/>
+            <p:nvPr/>
+          </p:nvSpPr>
+          <p:spPr>
+            <a:xfrm>
+              <a:off x="1414879" y="3640110"/>
+              <a:ext cx="1071127" cy="338554"/>
+            </a:xfrm>
+            <a:prstGeom prst="rect">
+              <a:avLst/>
+            </a:prstGeom>
+            <a:noFill/>
+          </p:spPr>
+          <p:txBody>
+            <a:bodyPr wrap="none" rtlCol="0">
+              <a:spAutoFit/>
+            </a:bodyPr>
+            <a:lstStyle/>
+            <a:p>
+              <a:pPr marL="0" lvl="2" indent="0">
+                <a:buNone/>
+              </a:pPr>
+              <a:r>
+                <a:rPr lang="en-US" sz="1600" b="1" dirty="0"/>
+                <a:t>- </a:t>
+              </a:r>
+              <a:r>
+                <a:rPr lang="en-US" sz="1600" dirty="0"/>
+                <a:t>0.000076</a:t>
+              </a:r>
+            </a:p>
+          </p:txBody>
+        </p:sp>
+        <p:sp>
+          <p:nvSpPr>
+            <p:cNvPr id="18" name="TextBox 17">
+              <a:extLst>
+                <a:ext uri="{FF2B5EF4-FFF2-40B4-BE49-F238E27FC236}">
+                  <a16:creationId xmlns:a16="http://schemas.microsoft.com/office/drawing/2014/main" id="{E39F4723-BB95-4D48-94AB-194CB03448AF}"/>
+                </a:ext>
+              </a:extLst>
+            </p:cNvPr>
+            <p:cNvSpPr txBox="1"/>
+            <p:nvPr/>
+          </p:nvSpPr>
+          <p:spPr>
+            <a:xfrm>
+              <a:off x="2207293" y="3976331"/>
+              <a:ext cx="420395" cy="278139"/>
+            </a:xfrm>
+            <a:prstGeom prst="rect">
+              <a:avLst/>
+            </a:prstGeom>
+            <a:noFill/>
+          </p:spPr>
+          <p:txBody>
+            <a:bodyPr wrap="none" rtlCol="0">
+              <a:spAutoFit/>
+            </a:bodyPr>
+            <a:lstStyle/>
+            <a:p>
+              <a:r>
+                <a:rPr lang="en-US" sz="1400" dirty="0"/>
+                <a:t>-0.1</a:t>
+              </a:r>
+            </a:p>
+          </p:txBody>
+        </p:sp>
+        <p:sp>
+          <p:nvSpPr>
+            <p:cNvPr id="19" name="TextBox 18">
+              <a:extLst>
+                <a:ext uri="{FF2B5EF4-FFF2-40B4-BE49-F238E27FC236}">
+                  <a16:creationId xmlns:a16="http://schemas.microsoft.com/office/drawing/2014/main" id="{3EF96538-CDFB-4E46-94D2-CFA1D7506C26}"/>
+                </a:ext>
+              </a:extLst>
+            </p:cNvPr>
+            <p:cNvSpPr txBox="1"/>
+            <p:nvPr/>
+          </p:nvSpPr>
+          <p:spPr>
+            <a:xfrm>
+              <a:off x="3100282" y="4220739"/>
+              <a:ext cx="870751" cy="307777"/>
+            </a:xfrm>
+            <a:prstGeom prst="rect">
+              <a:avLst/>
+            </a:prstGeom>
+            <a:noFill/>
+          </p:spPr>
+          <p:txBody>
+            <a:bodyPr wrap="none" rtlCol="0">
+              <a:spAutoFit/>
+            </a:bodyPr>
+            <a:lstStyle/>
+            <a:p>
+              <a:pPr marL="0" lvl="2" indent="0">
+                <a:buNone/>
+              </a:pPr>
+              <a:r>
+                <a:rPr lang="en-US" sz="1400" b="1" dirty="0"/>
+                <a:t>- </a:t>
+              </a:r>
+              <a:r>
+                <a:rPr lang="en-US" sz="1400" dirty="0"/>
+                <a:t>0.10076</a:t>
+              </a:r>
+            </a:p>
+          </p:txBody>
+        </p:sp>
+        <p:sp>
+          <p:nvSpPr>
+            <p:cNvPr id="20" name="TextBox 19">
+              <a:extLst>
+                <a:ext uri="{FF2B5EF4-FFF2-40B4-BE49-F238E27FC236}">
+                  <a16:creationId xmlns:a16="http://schemas.microsoft.com/office/drawing/2014/main" id="{E2CCFA43-0C09-459E-B55A-F0BF6BB5188D}"/>
+                </a:ext>
+              </a:extLst>
+            </p:cNvPr>
+            <p:cNvSpPr txBox="1"/>
+            <p:nvPr/>
+          </p:nvSpPr>
+          <p:spPr>
+            <a:xfrm>
+              <a:off x="469474" y="2296635"/>
+              <a:ext cx="864339" cy="338554"/>
+            </a:xfrm>
+            <a:prstGeom prst="rect">
+              <a:avLst/>
+            </a:prstGeom>
+            <a:noFill/>
+          </p:spPr>
+          <p:txBody>
+            <a:bodyPr wrap="none" rtlCol="0">
+              <a:spAutoFit/>
+            </a:bodyPr>
+            <a:lstStyle/>
+            <a:p>
+              <a:pPr marL="0" lvl="2" indent="0">
+                <a:buNone/>
+              </a:pPr>
+              <a:r>
+                <a:rPr lang="en-US" sz="1600" dirty="0"/>
+                <a:t>- 0.0016</a:t>
+              </a:r>
+            </a:p>
+          </p:txBody>
+        </p:sp>
+        <p:sp>
+          <p:nvSpPr>
+            <p:cNvPr id="21" name="TextBox 20">
+              <a:extLst>
+                <a:ext uri="{FF2B5EF4-FFF2-40B4-BE49-F238E27FC236}">
+                  <a16:creationId xmlns:a16="http://schemas.microsoft.com/office/drawing/2014/main" id="{3E078624-6819-43D7-AF9C-A8A1CC1F833E}"/>
+                </a:ext>
+              </a:extLst>
+            </p:cNvPr>
+            <p:cNvSpPr txBox="1"/>
+            <p:nvPr/>
+          </p:nvSpPr>
+          <p:spPr>
+            <a:xfrm>
+              <a:off x="2627098" y="2233804"/>
+              <a:ext cx="817853" cy="338554"/>
+            </a:xfrm>
+            <a:prstGeom prst="rect">
+              <a:avLst/>
+            </a:prstGeom>
+            <a:noFill/>
+          </p:spPr>
+          <p:txBody>
+            <a:bodyPr wrap="none" rtlCol="0">
+              <a:spAutoFit/>
+            </a:bodyPr>
+            <a:lstStyle/>
+            <a:p>
+              <a:pPr marL="0" lvl="2" indent="0">
+                <a:buNone/>
+              </a:pPr>
+              <a:r>
+                <a:rPr lang="en-US" sz="1600" dirty="0"/>
+                <a:t>-0.0027</a:t>
+              </a:r>
+            </a:p>
+          </p:txBody>
+        </p:sp>
+      </p:grpSp>
+      <p:sp>
+        <p:nvSpPr>
+          <p:cNvPr id="4" name="Rectangle 3">
+            <a:extLst>
+              <a:ext uri="{FF2B5EF4-FFF2-40B4-BE49-F238E27FC236}">
+                <a16:creationId xmlns:a16="http://schemas.microsoft.com/office/drawing/2014/main" id="{5A772289-C9DA-43AD-947C-0CDBA576DE27}"/>
+              </a:ext>
+            </a:extLst>
+          </p:cNvPr>
+          <p:cNvSpPr/>
+          <p:nvPr/>
+        </p:nvSpPr>
+        <p:spPr>
+          <a:xfrm>
+            <a:off x="6840828" y="1634446"/>
+            <a:ext cx="6858639" cy="5016758"/>
+          </a:xfrm>
+          <a:prstGeom prst="rect">
+            <a:avLst/>
+          </a:prstGeom>
+        </p:spPr>
+        <p:txBody>
+          <a:bodyPr wrap="square">
+            <a:spAutoFit/>
+          </a:bodyPr>
+          <a:lstStyle/>
+          <a:p>
+            <a:pPr marL="0" lvl="2" indent="0">
+              <a:buNone/>
+            </a:pPr>
+            <a:r>
+              <a:rPr lang="en-US" sz="1600" dirty="0"/>
+              <a:t>Update </a:t>
+            </a:r>
+            <a:r>
+              <a:rPr lang="en-US" sz="1600" dirty="0" err="1"/>
+              <a:t>bobot</a:t>
+            </a:r>
+            <a:r>
+              <a:rPr lang="en-US" sz="1600" dirty="0"/>
+              <a:t> di N1.0 : </a:t>
+            </a:r>
+            <a:r>
+              <a:rPr lang="en-US" sz="1600" dirty="0" err="1"/>
+              <a:t>w</a:t>
+            </a:r>
+            <a:r>
+              <a:rPr lang="en-US" sz="1600" baseline="-25000" dirty="0" err="1"/>
+              <a:t>i,j</a:t>
+            </a:r>
+            <a:r>
+              <a:rPr lang="en-US" sz="1600" baseline="-25000" dirty="0"/>
+              <a:t>  </a:t>
+            </a:r>
+            <a:r>
+              <a:rPr lang="en-US" sz="1600" b="1" dirty="0"/>
+              <a:t>← </a:t>
+            </a:r>
+            <a:r>
+              <a:rPr lang="en-US" sz="1600" dirty="0" err="1"/>
+              <a:t>w</a:t>
+            </a:r>
+            <a:r>
+              <a:rPr lang="en-US" sz="1600" baseline="-25000" dirty="0" err="1"/>
+              <a:t>i,j</a:t>
+            </a:r>
+            <a:r>
+              <a:rPr lang="en-US" sz="1600" baseline="-25000" dirty="0"/>
+              <a:t> + </a:t>
+            </a:r>
+            <a:r>
+              <a:rPr lang="en-US" sz="1600" dirty="0"/>
+              <a:t>Δ </a:t>
+            </a:r>
+            <a:r>
+              <a:rPr lang="en-US" sz="1600" dirty="0" err="1"/>
+              <a:t>w</a:t>
+            </a:r>
+            <a:r>
+              <a:rPr lang="en-US" sz="1600" baseline="-25000" dirty="0" err="1"/>
+              <a:t>i,j</a:t>
+            </a:r>
+            <a:r>
+              <a:rPr lang="en-US" sz="1600" baseline="-25000" dirty="0"/>
+              <a:t>  </a:t>
+            </a:r>
+          </a:p>
+          <a:p>
+            <a:pPr marL="0" lvl="2" indent="0">
+              <a:buNone/>
+            </a:pPr>
+            <a:r>
+              <a:rPr lang="en-US" sz="1600" baseline="-25000" dirty="0"/>
+              <a:t>	 	                                    </a:t>
+            </a:r>
+            <a:r>
+              <a:rPr lang="en-US" sz="1600" dirty="0" err="1"/>
+              <a:t>w</a:t>
+            </a:r>
+            <a:r>
+              <a:rPr lang="en-US" sz="1600" baseline="-25000" dirty="0" err="1"/>
+              <a:t>i,j</a:t>
+            </a:r>
+            <a:r>
+              <a:rPr lang="en-US" sz="1600" baseline="-25000" dirty="0"/>
+              <a:t> </a:t>
+            </a:r>
+            <a:r>
+              <a:rPr lang="en-US" sz="1600" b="1" dirty="0"/>
+              <a:t>← </a:t>
+            </a:r>
+            <a:r>
+              <a:rPr lang="en-US" sz="1600" dirty="0"/>
+              <a:t>0.06 + 0.45 . -0.114 . 0.524</a:t>
+            </a:r>
+          </a:p>
+          <a:p>
+            <a:pPr marL="0" lvl="2" indent="0">
+              <a:buNone/>
+            </a:pPr>
+            <a:r>
+              <a:rPr lang="en-US" sz="1600" dirty="0"/>
+              <a:t>	 	                        </a:t>
+            </a:r>
+            <a:r>
+              <a:rPr lang="en-US" sz="1600" dirty="0" err="1"/>
+              <a:t>w</a:t>
+            </a:r>
+            <a:r>
+              <a:rPr lang="en-US" sz="1600" baseline="-25000" dirty="0" err="1"/>
+              <a:t>i,j</a:t>
+            </a:r>
+            <a:r>
+              <a:rPr lang="en-US" sz="1600" baseline="-25000" dirty="0"/>
+              <a:t> </a:t>
+            </a:r>
+            <a:r>
+              <a:rPr lang="en-US" sz="1600" b="1" dirty="0"/>
+              <a:t>←  </a:t>
+            </a:r>
+            <a:r>
+              <a:rPr lang="en-US" sz="1600" dirty="0"/>
+              <a:t>- 0.0016</a:t>
+            </a:r>
+          </a:p>
+          <a:p>
+            <a:pPr lvl="2"/>
+            <a:endParaRPr lang="en-US" sz="1600" dirty="0"/>
+          </a:p>
+          <a:p>
+            <a:pPr marL="0" lvl="2" indent="0">
+              <a:buNone/>
+            </a:pPr>
+            <a:r>
+              <a:rPr lang="en-US" sz="1600" dirty="0"/>
+              <a:t>Update </a:t>
+            </a:r>
+            <a:r>
+              <a:rPr lang="en-US" sz="1600" dirty="0" err="1"/>
+              <a:t>bobot</a:t>
+            </a:r>
+            <a:r>
+              <a:rPr lang="en-US" sz="1600" dirty="0"/>
+              <a:t> di N1.1 : </a:t>
+            </a:r>
+            <a:r>
+              <a:rPr lang="en-US" sz="1600" dirty="0" err="1"/>
+              <a:t>w</a:t>
+            </a:r>
+            <a:r>
+              <a:rPr lang="en-US" sz="1600" baseline="-25000" dirty="0" err="1"/>
+              <a:t>i,j</a:t>
+            </a:r>
+            <a:r>
+              <a:rPr lang="en-US" sz="1600" baseline="-25000" dirty="0"/>
+              <a:t>  </a:t>
+            </a:r>
+            <a:r>
+              <a:rPr lang="en-US" sz="1600" b="1" dirty="0"/>
+              <a:t>← </a:t>
+            </a:r>
+            <a:r>
+              <a:rPr lang="en-US" sz="1600" dirty="0" err="1"/>
+              <a:t>w</a:t>
+            </a:r>
+            <a:r>
+              <a:rPr lang="en-US" sz="1600" baseline="-25000" dirty="0" err="1"/>
+              <a:t>i,j</a:t>
+            </a:r>
+            <a:r>
+              <a:rPr lang="en-US" sz="1600" baseline="-25000" dirty="0"/>
+              <a:t> + </a:t>
+            </a:r>
+            <a:r>
+              <a:rPr lang="en-US" sz="1600" dirty="0"/>
+              <a:t>Δ </a:t>
+            </a:r>
+            <a:r>
+              <a:rPr lang="en-US" sz="1600" dirty="0" err="1"/>
+              <a:t>w</a:t>
+            </a:r>
+            <a:r>
+              <a:rPr lang="en-US" sz="1600" baseline="-25000" dirty="0" err="1"/>
+              <a:t>i,j</a:t>
+            </a:r>
+            <a:r>
+              <a:rPr lang="en-US" sz="1600" baseline="-25000" dirty="0"/>
+              <a:t>  </a:t>
+            </a:r>
+          </a:p>
+          <a:p>
+            <a:pPr marL="0" lvl="2" indent="0">
+              <a:buNone/>
+            </a:pPr>
+            <a:r>
+              <a:rPr lang="en-US" sz="1600" dirty="0"/>
+              <a:t>				  </a:t>
+            </a:r>
+            <a:r>
+              <a:rPr lang="en-US" sz="1600" dirty="0" err="1"/>
+              <a:t>w</a:t>
+            </a:r>
+            <a:r>
+              <a:rPr lang="en-US" sz="1600" baseline="-25000" dirty="0" err="1"/>
+              <a:t>i,j</a:t>
+            </a:r>
+            <a:r>
+              <a:rPr lang="en-US" sz="1600" baseline="-25000" dirty="0"/>
+              <a:t> </a:t>
+            </a:r>
+            <a:r>
+              <a:rPr lang="en-US" sz="1600" b="1" dirty="0"/>
+              <a:t>← - </a:t>
+            </a:r>
+            <a:r>
+              <a:rPr lang="en-US" sz="1600" dirty="0"/>
+              <a:t>0.4 + 0.45 . -0.114 . 0.475</a:t>
+            </a:r>
+          </a:p>
+          <a:p>
+            <a:pPr marL="0" lvl="2" indent="0">
+              <a:buNone/>
+            </a:pPr>
+            <a:r>
+              <a:rPr lang="en-US" sz="1600" dirty="0"/>
+              <a:t>			            </a:t>
+            </a:r>
+            <a:r>
+              <a:rPr lang="en-US" sz="1600" dirty="0" err="1"/>
+              <a:t>w</a:t>
+            </a:r>
+            <a:r>
+              <a:rPr lang="en-US" sz="1600" baseline="-25000" dirty="0" err="1"/>
+              <a:t>i,j</a:t>
+            </a:r>
+            <a:r>
+              <a:rPr lang="en-US" sz="1600" baseline="-25000" dirty="0"/>
+              <a:t> </a:t>
+            </a:r>
+            <a:r>
+              <a:rPr lang="en-US" sz="1600" b="1" dirty="0"/>
+              <a:t>←  </a:t>
+            </a:r>
+            <a:r>
+              <a:rPr lang="en-US" sz="1600" dirty="0"/>
+              <a:t>-0.0027</a:t>
+            </a:r>
+          </a:p>
+          <a:p>
+            <a:pPr marL="0" lvl="2" indent="0">
+              <a:buNone/>
+            </a:pPr>
+            <a:endParaRPr lang="en-US" sz="1600" dirty="0"/>
+          </a:p>
+          <a:p>
+            <a:pPr marL="0" lvl="2" indent="0">
+              <a:buNone/>
+            </a:pPr>
+            <a:r>
+              <a:rPr lang="en-US" sz="1600" dirty="0"/>
+              <a:t>Update </a:t>
+            </a:r>
+            <a:r>
+              <a:rPr lang="en-US" sz="1600" dirty="0" err="1"/>
+              <a:t>bobot</a:t>
+            </a:r>
+            <a:r>
+              <a:rPr lang="en-US" sz="1600" dirty="0"/>
+              <a:t> di X1 (0.4) :    </a:t>
+            </a:r>
+            <a:r>
+              <a:rPr lang="en-US" sz="1600" dirty="0" err="1"/>
+              <a:t>w</a:t>
+            </a:r>
+            <a:r>
+              <a:rPr lang="en-US" sz="1600" baseline="-25000" dirty="0" err="1"/>
+              <a:t>i,j</a:t>
+            </a:r>
+            <a:r>
+              <a:rPr lang="en-US" sz="1600" baseline="-25000" dirty="0"/>
+              <a:t> </a:t>
+            </a:r>
+            <a:r>
+              <a:rPr lang="en-US" sz="1600" b="1" dirty="0"/>
+              <a:t>← </a:t>
+            </a:r>
+            <a:r>
+              <a:rPr lang="en-US" sz="1600" dirty="0"/>
+              <a:t>0.4 + 0.45 . -0.01137 . 0</a:t>
+            </a:r>
+          </a:p>
+          <a:p>
+            <a:pPr marL="0" lvl="2" indent="0">
+              <a:buNone/>
+            </a:pPr>
+            <a:r>
+              <a:rPr lang="en-US" sz="1600" dirty="0"/>
+              <a:t>		    		           </a:t>
+            </a:r>
+            <a:r>
+              <a:rPr lang="en-US" sz="1600" dirty="0" err="1"/>
+              <a:t>w</a:t>
+            </a:r>
+            <a:r>
+              <a:rPr lang="en-US" sz="1600" baseline="-25000" dirty="0" err="1"/>
+              <a:t>i,j</a:t>
+            </a:r>
+            <a:r>
+              <a:rPr lang="en-US" sz="1600" baseline="-25000" dirty="0"/>
+              <a:t> </a:t>
+            </a:r>
+            <a:r>
+              <a:rPr lang="en-US" sz="1600" b="1" dirty="0"/>
+              <a:t>←  </a:t>
+            </a:r>
+            <a:r>
+              <a:rPr lang="en-US" sz="1600" dirty="0"/>
+              <a:t>0.4</a:t>
+            </a:r>
+          </a:p>
+          <a:p>
+            <a:pPr marL="0" lvl="2" indent="0">
+              <a:buNone/>
+            </a:pPr>
+            <a:r>
+              <a:rPr lang="en-US" sz="1600" dirty="0"/>
+              <a:t>Update </a:t>
+            </a:r>
+            <a:r>
+              <a:rPr lang="en-US" sz="1600" dirty="0" err="1"/>
+              <a:t>bobot</a:t>
+            </a:r>
+            <a:r>
+              <a:rPr lang="en-US" sz="1600" dirty="0"/>
+              <a:t> di X1 (- 0.1) :  </a:t>
+            </a:r>
+            <a:r>
+              <a:rPr lang="en-US" sz="1600" dirty="0" err="1"/>
+              <a:t>w</a:t>
+            </a:r>
+            <a:r>
+              <a:rPr lang="en-US" sz="1600" baseline="-25000" dirty="0" err="1"/>
+              <a:t>i,j</a:t>
+            </a:r>
+            <a:r>
+              <a:rPr lang="en-US" sz="1600" baseline="-25000" dirty="0"/>
+              <a:t> </a:t>
+            </a:r>
+            <a:r>
+              <a:rPr lang="en-US" sz="1600" b="1" dirty="0"/>
+              <a:t>← </a:t>
+            </a:r>
+            <a:r>
+              <a:rPr lang="en-US" sz="1600" dirty="0"/>
+              <a:t>- 0.1 + 0.45 . -0.01137 . 0</a:t>
+            </a:r>
+          </a:p>
+          <a:p>
+            <a:pPr marL="0" lvl="2" indent="0">
+              <a:buNone/>
+            </a:pPr>
+            <a:r>
+              <a:rPr lang="en-US" sz="1600" dirty="0"/>
+              <a:t>		    		           </a:t>
+            </a:r>
+            <a:r>
+              <a:rPr lang="en-US" sz="1600" dirty="0" err="1"/>
+              <a:t>w</a:t>
+            </a:r>
+            <a:r>
+              <a:rPr lang="en-US" sz="1600" baseline="-25000" dirty="0" err="1"/>
+              <a:t>i,j</a:t>
+            </a:r>
+            <a:r>
+              <a:rPr lang="en-US" sz="1600" baseline="-25000" dirty="0"/>
+              <a:t> </a:t>
+            </a:r>
+            <a:r>
+              <a:rPr lang="en-US" sz="1600" b="1" dirty="0"/>
+              <a:t>←  - </a:t>
+            </a:r>
+            <a:r>
+              <a:rPr lang="en-US" sz="1600" dirty="0"/>
+              <a:t>0.1</a:t>
+            </a:r>
+          </a:p>
+          <a:p>
+            <a:pPr marL="0" lvl="2" indent="0">
+              <a:buNone/>
+            </a:pPr>
+            <a:endParaRPr lang="en-US" sz="1600" dirty="0"/>
+          </a:p>
+          <a:p>
+            <a:pPr marL="0" lvl="2" indent="0">
+              <a:buNone/>
+            </a:pPr>
+            <a:endParaRPr lang="en-US" sz="1600" b="1" dirty="0"/>
+          </a:p>
+          <a:p>
+            <a:pPr marL="0" lvl="2" indent="0">
+              <a:buNone/>
+            </a:pPr>
+            <a:r>
+              <a:rPr lang="en-US" sz="1600" dirty="0"/>
+              <a:t>Update </a:t>
+            </a:r>
+            <a:r>
+              <a:rPr lang="en-US" sz="1600" dirty="0" err="1"/>
+              <a:t>bobot</a:t>
+            </a:r>
+            <a:r>
+              <a:rPr lang="en-US" sz="1600" dirty="0"/>
+              <a:t> di X2 (- 0.1) :    </a:t>
+            </a:r>
+            <a:r>
+              <a:rPr lang="en-US" sz="1600" dirty="0" err="1"/>
+              <a:t>w</a:t>
+            </a:r>
+            <a:r>
+              <a:rPr lang="en-US" sz="1600" baseline="-25000" dirty="0" err="1"/>
+              <a:t>i,j</a:t>
+            </a:r>
+            <a:r>
+              <a:rPr lang="en-US" sz="1600" baseline="-25000" dirty="0"/>
+              <a:t> </a:t>
+            </a:r>
+            <a:r>
+              <a:rPr lang="en-US" sz="1600" b="1" dirty="0"/>
+              <a:t>← </a:t>
+            </a:r>
+            <a:r>
+              <a:rPr lang="en-US" sz="1600" dirty="0"/>
+              <a:t>- 0.1 + 0.45 . -0.00171 . 1</a:t>
+            </a:r>
+          </a:p>
+          <a:p>
+            <a:pPr marL="0" lvl="2" indent="0">
+              <a:buNone/>
+            </a:pPr>
+            <a:r>
+              <a:rPr lang="en-US" sz="1600" dirty="0"/>
+              <a:t>		       			   </a:t>
+            </a:r>
+            <a:r>
+              <a:rPr lang="en-US" sz="1600" dirty="0" err="1"/>
+              <a:t>w</a:t>
+            </a:r>
+            <a:r>
+              <a:rPr lang="en-US" sz="1600" baseline="-25000" dirty="0" err="1"/>
+              <a:t>i,j</a:t>
+            </a:r>
+            <a:r>
+              <a:rPr lang="en-US" sz="1600" baseline="-25000" dirty="0"/>
+              <a:t> </a:t>
+            </a:r>
+            <a:r>
+              <a:rPr lang="en-US" sz="1600" b="1" dirty="0"/>
+              <a:t>←  - </a:t>
+            </a:r>
+            <a:r>
+              <a:rPr lang="en-US" sz="1600" dirty="0"/>
+              <a:t>0.10076</a:t>
+            </a:r>
+          </a:p>
+          <a:p>
+            <a:pPr marL="0" lvl="2" indent="0">
+              <a:buNone/>
+            </a:pPr>
+            <a:endParaRPr lang="en-US" sz="1600" b="1" dirty="0"/>
+          </a:p>
+          <a:p>
+            <a:pPr marL="0" lvl="2" indent="0">
+              <a:buNone/>
+            </a:pPr>
+            <a:r>
+              <a:rPr lang="en-US" sz="1600" dirty="0"/>
+              <a:t>Update </a:t>
+            </a:r>
+            <a:r>
+              <a:rPr lang="en-US" sz="1600" dirty="0" err="1"/>
+              <a:t>bobot</a:t>
+            </a:r>
+            <a:r>
+              <a:rPr lang="en-US" sz="1600" dirty="0"/>
+              <a:t> di X2 ( 0.1) :    </a:t>
+            </a:r>
+            <a:r>
+              <a:rPr lang="en-US" sz="1600" dirty="0" err="1"/>
+              <a:t>w</a:t>
+            </a:r>
+            <a:r>
+              <a:rPr lang="en-US" sz="1600" baseline="-25000" dirty="0" err="1"/>
+              <a:t>i,j</a:t>
+            </a:r>
+            <a:r>
+              <a:rPr lang="en-US" sz="1600" baseline="-25000" dirty="0"/>
+              <a:t> </a:t>
+            </a:r>
+            <a:r>
+              <a:rPr lang="en-US" sz="1600" b="1" dirty="0"/>
+              <a:t>←  </a:t>
+            </a:r>
+            <a:r>
+              <a:rPr lang="en-US" sz="1600" dirty="0"/>
+              <a:t>0.1 + 0.45 . -0.00171 . 1</a:t>
+            </a:r>
+          </a:p>
+          <a:p>
+            <a:pPr marL="0" lvl="2" indent="0">
+              <a:buNone/>
+            </a:pPr>
+            <a:r>
+              <a:rPr lang="en-US" sz="1600" dirty="0"/>
+              <a:t>		       		           </a:t>
+            </a:r>
+            <a:r>
+              <a:rPr lang="en-US" sz="1600" dirty="0" err="1"/>
+              <a:t>w</a:t>
+            </a:r>
+            <a:r>
+              <a:rPr lang="en-US" sz="1600" baseline="-25000" dirty="0" err="1"/>
+              <a:t>i,j</a:t>
+            </a:r>
+            <a:r>
+              <a:rPr lang="en-US" sz="1600" baseline="-25000" dirty="0"/>
+              <a:t> </a:t>
+            </a:r>
+            <a:r>
+              <a:rPr lang="en-US" sz="1600" b="1" dirty="0"/>
+              <a:t>←  - </a:t>
+            </a:r>
+            <a:r>
+              <a:rPr lang="en-US" sz="1600" dirty="0"/>
+              <a:t>0.000076</a:t>
+            </a:r>
+          </a:p>
+          <a:p>
+            <a:pPr marL="0" lvl="2" indent="0">
+              <a:buNone/>
+            </a:pPr>
+            <a:endParaRPr lang="en-US" sz="1600" dirty="0"/>
+          </a:p>
+        </p:txBody>
+      </p:sp>
+      <p:grpSp>
+        <p:nvGrpSpPr>
+          <p:cNvPr id="23" name="Group 22">
+            <a:extLst>
+              <a:ext uri="{FF2B5EF4-FFF2-40B4-BE49-F238E27FC236}">
+                <a16:creationId xmlns:a16="http://schemas.microsoft.com/office/drawing/2014/main" id="{9E18D116-AC68-4216-9E17-97A8EF346CAF}"/>
+              </a:ext>
+            </a:extLst>
+          </p:cNvPr>
+          <p:cNvGrpSpPr/>
+          <p:nvPr/>
+        </p:nvGrpSpPr>
+        <p:grpSpPr>
+          <a:xfrm>
+            <a:off x="268182" y="1845426"/>
+            <a:ext cx="2992491" cy="4056611"/>
+            <a:chOff x="1016326" y="1981199"/>
+            <a:chExt cx="3311366" cy="4488878"/>
+          </a:xfrm>
+        </p:grpSpPr>
+        <p:sp>
+          <p:nvSpPr>
+            <p:cNvPr id="24" name="Oval 23">
+              <a:extLst>
+                <a:ext uri="{FF2B5EF4-FFF2-40B4-BE49-F238E27FC236}">
+                  <a16:creationId xmlns:a16="http://schemas.microsoft.com/office/drawing/2014/main" id="{8F858FAD-2DC3-447C-8D53-56D56C1BA139}"/>
+                </a:ext>
+              </a:extLst>
+            </p:cNvPr>
+            <p:cNvSpPr/>
+            <p:nvPr/>
+          </p:nvSpPr>
+          <p:spPr>
+            <a:xfrm>
+              <a:off x="1094506" y="3893127"/>
+              <a:ext cx="665021" cy="665021"/>
+            </a:xfrm>
+            <a:prstGeom prst="ellipse">
+              <a:avLst/>
+            </a:prstGeom>
+            <a:noFill/>
+            <a:ln>
+              <a:solidFill>
+                <a:srgbClr val="0070C0"/>
+              </a:solidFill>
+            </a:ln>
+          </p:spPr>
+          <p:style>
+            <a:lnRef idx="2">
+              <a:schemeClr val="accent1">
+                <a:shade val="50000"/>
+              </a:schemeClr>
+            </a:lnRef>
+            <a:fillRef idx="1">
+              <a:schemeClr val="accent1"/>
+            </a:fillRef>
+            <a:effectRef idx="0">
+              <a:schemeClr val="accent1"/>
+            </a:effectRef>
+            <a:fontRef idx="minor">
+              <a:schemeClr val="lt1"/>
+            </a:fontRef>
+          </p:style>
+          <p:txBody>
+            <a:bodyPr rtlCol="0" anchor="ctr"/>
+            <a:lstStyle/>
+            <a:p>
+              <a:pPr algn="ctr"/>
+              <a:r>
+                <a:rPr lang="en-US" sz="900" dirty="0">
+                  <a:solidFill>
+                    <a:srgbClr val="002060"/>
+                  </a:solidFill>
+                  <a:latin typeface="Times New Roman" panose="02020603050405020304" pitchFamily="18" charset="0"/>
+                  <a:cs typeface="Times New Roman" panose="02020603050405020304" pitchFamily="18" charset="0"/>
+                </a:rPr>
+                <a:t>N1,0</a:t>
+              </a:r>
+            </a:p>
+          </p:txBody>
+        </p:sp>
+        <p:sp>
+          <p:nvSpPr>
+            <p:cNvPr id="25" name="Oval 24">
+              <a:extLst>
+                <a:ext uri="{FF2B5EF4-FFF2-40B4-BE49-F238E27FC236}">
+                  <a16:creationId xmlns:a16="http://schemas.microsoft.com/office/drawing/2014/main" id="{EC2BC1B6-3281-43E9-B5A3-0507CF59957D}"/>
+                </a:ext>
+              </a:extLst>
+            </p:cNvPr>
+            <p:cNvSpPr/>
+            <p:nvPr/>
+          </p:nvSpPr>
+          <p:spPr>
+            <a:xfrm>
+              <a:off x="1094506" y="5784681"/>
+              <a:ext cx="665021" cy="665021"/>
+            </a:xfrm>
+            <a:prstGeom prst="ellipse">
+              <a:avLst/>
+            </a:prstGeom>
+            <a:noFill/>
+            <a:ln>
+              <a:solidFill>
+                <a:srgbClr val="0070C0"/>
+              </a:solidFill>
+            </a:ln>
+          </p:spPr>
+          <p:style>
+            <a:lnRef idx="2">
+              <a:schemeClr val="accent1">
+                <a:shade val="50000"/>
+              </a:schemeClr>
+            </a:lnRef>
+            <a:fillRef idx="1">
+              <a:schemeClr val="accent1"/>
+            </a:fillRef>
+            <a:effectRef idx="0">
+              <a:schemeClr val="accent1"/>
+            </a:effectRef>
+            <a:fontRef idx="minor">
+              <a:schemeClr val="lt1"/>
+            </a:fontRef>
+          </p:style>
+          <p:txBody>
+            <a:bodyPr rtlCol="0" anchor="ctr"/>
+            <a:lstStyle/>
+            <a:p>
+              <a:pPr algn="ctr"/>
+              <a:r>
+                <a:rPr lang="en-US" sz="1000" dirty="0">
+                  <a:solidFill>
+                    <a:srgbClr val="002060"/>
+                  </a:solidFill>
+                  <a:latin typeface="Times New Roman" panose="02020603050405020304" pitchFamily="18" charset="0"/>
+                  <a:cs typeface="Times New Roman" panose="02020603050405020304" pitchFamily="18" charset="0"/>
+                </a:rPr>
+                <a:t>X1</a:t>
+              </a:r>
+            </a:p>
+          </p:txBody>
+        </p:sp>
+        <p:sp>
+          <p:nvSpPr>
+            <p:cNvPr id="26" name="Oval 25">
+              <a:extLst>
+                <a:ext uri="{FF2B5EF4-FFF2-40B4-BE49-F238E27FC236}">
+                  <a16:creationId xmlns:a16="http://schemas.microsoft.com/office/drawing/2014/main" id="{D97E3E3E-BD47-4006-867D-20DA2F3398A7}"/>
+                </a:ext>
+              </a:extLst>
+            </p:cNvPr>
+            <p:cNvSpPr/>
+            <p:nvPr/>
+          </p:nvSpPr>
+          <p:spPr>
+            <a:xfrm>
+              <a:off x="3380505" y="3893126"/>
+              <a:ext cx="665021" cy="665021"/>
+            </a:xfrm>
+            <a:prstGeom prst="ellipse">
+              <a:avLst/>
+            </a:prstGeom>
+            <a:noFill/>
+            <a:ln>
+              <a:solidFill>
+                <a:srgbClr val="0070C0"/>
+              </a:solidFill>
+            </a:ln>
+          </p:spPr>
+          <p:style>
+            <a:lnRef idx="2">
+              <a:schemeClr val="accent1">
+                <a:shade val="50000"/>
+              </a:schemeClr>
+            </a:lnRef>
+            <a:fillRef idx="1">
+              <a:schemeClr val="accent1"/>
+            </a:fillRef>
+            <a:effectRef idx="0">
+              <a:schemeClr val="accent1"/>
+            </a:effectRef>
+            <a:fontRef idx="minor">
+              <a:schemeClr val="lt1"/>
+            </a:fontRef>
+          </p:style>
+          <p:txBody>
+            <a:bodyPr rtlCol="0" anchor="ctr"/>
+            <a:lstStyle/>
+            <a:p>
+              <a:pPr algn="ctr"/>
+              <a:r>
+                <a:rPr lang="en-US" sz="900" dirty="0">
+                  <a:solidFill>
+                    <a:srgbClr val="002060"/>
+                  </a:solidFill>
+                  <a:latin typeface="Times New Roman" panose="02020603050405020304" pitchFamily="18" charset="0"/>
+                  <a:cs typeface="Times New Roman" panose="02020603050405020304" pitchFamily="18" charset="0"/>
+                </a:rPr>
+                <a:t>N1,1</a:t>
+              </a:r>
+            </a:p>
+          </p:txBody>
+        </p:sp>
+        <p:sp>
+          <p:nvSpPr>
+            <p:cNvPr id="27" name="Oval 26">
+              <a:extLst>
+                <a:ext uri="{FF2B5EF4-FFF2-40B4-BE49-F238E27FC236}">
+                  <a16:creationId xmlns:a16="http://schemas.microsoft.com/office/drawing/2014/main" id="{77F2FE20-5808-4135-93CC-1732A5D6124C}"/>
+                </a:ext>
+              </a:extLst>
+            </p:cNvPr>
+            <p:cNvSpPr/>
+            <p:nvPr/>
+          </p:nvSpPr>
+          <p:spPr>
+            <a:xfrm>
+              <a:off x="3380505" y="5805056"/>
+              <a:ext cx="665021" cy="665021"/>
+            </a:xfrm>
+            <a:prstGeom prst="ellipse">
+              <a:avLst/>
+            </a:prstGeom>
+            <a:noFill/>
+            <a:ln>
+              <a:solidFill>
+                <a:srgbClr val="0070C0"/>
+              </a:solidFill>
+            </a:ln>
+          </p:spPr>
+          <p:style>
+            <a:lnRef idx="2">
+              <a:schemeClr val="accent1">
+                <a:shade val="50000"/>
+              </a:schemeClr>
+            </a:lnRef>
+            <a:fillRef idx="1">
+              <a:schemeClr val="accent1"/>
+            </a:fillRef>
+            <a:effectRef idx="0">
+              <a:schemeClr val="accent1"/>
+            </a:effectRef>
+            <a:fontRef idx="minor">
+              <a:schemeClr val="lt1"/>
+            </a:fontRef>
+          </p:style>
+          <p:txBody>
+            <a:bodyPr rtlCol="0" anchor="ctr"/>
+            <a:lstStyle/>
+            <a:p>
+              <a:pPr algn="ctr"/>
+              <a:r>
+                <a:rPr lang="en-US" sz="1000" dirty="0">
+                  <a:solidFill>
+                    <a:srgbClr val="002060"/>
+                  </a:solidFill>
+                  <a:latin typeface="Times New Roman" panose="02020603050405020304" pitchFamily="18" charset="0"/>
+                  <a:cs typeface="Times New Roman" panose="02020603050405020304" pitchFamily="18" charset="0"/>
+                </a:rPr>
+                <a:t>X2</a:t>
+              </a:r>
+            </a:p>
+          </p:txBody>
+        </p:sp>
+        <p:sp>
+          <p:nvSpPr>
+            <p:cNvPr id="28" name="Oval 27">
+              <a:extLst>
+                <a:ext uri="{FF2B5EF4-FFF2-40B4-BE49-F238E27FC236}">
+                  <a16:creationId xmlns:a16="http://schemas.microsoft.com/office/drawing/2014/main" id="{09F07F7C-EF66-4E8D-B783-4F339C990171}"/>
+                </a:ext>
+              </a:extLst>
+            </p:cNvPr>
+            <p:cNvSpPr/>
+            <p:nvPr/>
+          </p:nvSpPr>
+          <p:spPr>
+            <a:xfrm>
+              <a:off x="2244433" y="1981199"/>
+              <a:ext cx="665021" cy="665021"/>
+            </a:xfrm>
+            <a:prstGeom prst="ellipse">
+              <a:avLst/>
+            </a:prstGeom>
+            <a:noFill/>
+            <a:ln>
+              <a:solidFill>
+                <a:srgbClr val="0070C0"/>
+              </a:solidFill>
+            </a:ln>
+          </p:spPr>
+          <p:style>
+            <a:lnRef idx="2">
+              <a:schemeClr val="accent1">
+                <a:shade val="50000"/>
+              </a:schemeClr>
+            </a:lnRef>
+            <a:fillRef idx="1">
+              <a:schemeClr val="accent1"/>
+            </a:fillRef>
+            <a:effectRef idx="0">
+              <a:schemeClr val="accent1"/>
+            </a:effectRef>
+            <a:fontRef idx="minor">
+              <a:schemeClr val="lt1"/>
+            </a:fontRef>
+          </p:style>
+          <p:txBody>
+            <a:bodyPr rtlCol="0" anchor="ctr"/>
+            <a:lstStyle/>
+            <a:p>
+              <a:pPr algn="ctr"/>
+              <a:r>
+                <a:rPr lang="en-US" sz="1000" dirty="0">
+                  <a:solidFill>
+                    <a:srgbClr val="002060"/>
+                  </a:solidFill>
+                  <a:latin typeface="Times New Roman" panose="02020603050405020304" pitchFamily="18" charset="0"/>
+                  <a:cs typeface="Times New Roman" panose="02020603050405020304" pitchFamily="18" charset="0"/>
+                </a:rPr>
+                <a:t>N2</a:t>
+              </a:r>
+            </a:p>
+          </p:txBody>
+        </p:sp>
+        <p:cxnSp>
+          <p:nvCxnSpPr>
+            <p:cNvPr id="29" name="Straight Arrow Connector 28">
+              <a:extLst>
+                <a:ext uri="{FF2B5EF4-FFF2-40B4-BE49-F238E27FC236}">
+                  <a16:creationId xmlns:a16="http://schemas.microsoft.com/office/drawing/2014/main" id="{E4D0D177-591B-4E6B-B226-703889B80892}"/>
+                </a:ext>
+              </a:extLst>
+            </p:cNvPr>
+            <p:cNvCxnSpPr>
+              <a:cxnSpLocks/>
+              <a:stCxn id="27" idx="1"/>
+              <a:endCxn id="24" idx="5"/>
+            </p:cNvCxnSpPr>
+            <p:nvPr/>
+          </p:nvCxnSpPr>
+          <p:spPr>
+            <a:xfrm flipH="1" flipV="1">
+              <a:off x="1662137" y="4460758"/>
+              <a:ext cx="1815758" cy="1441688"/>
+            </a:xfrm>
+            <a:prstGeom prst="straightConnector1">
+              <a:avLst/>
+            </a:prstGeom>
+            <a:ln>
+              <a:solidFill>
+                <a:srgbClr val="0070C0"/>
+              </a:solidFill>
+              <a:tailEnd type="triangle"/>
+            </a:ln>
+          </p:spPr>
+          <p:style>
+            <a:lnRef idx="1">
+              <a:schemeClr val="accent1"/>
+            </a:lnRef>
+            <a:fillRef idx="0">
+              <a:schemeClr val="accent1"/>
+            </a:fillRef>
+            <a:effectRef idx="0">
+              <a:schemeClr val="accent1"/>
+            </a:effectRef>
+            <a:fontRef idx="minor">
+              <a:schemeClr val="tx1"/>
+            </a:fontRef>
+          </p:style>
+        </p:cxnSp>
+        <p:cxnSp>
+          <p:nvCxnSpPr>
+            <p:cNvPr id="30" name="Straight Arrow Connector 29">
+              <a:extLst>
+                <a:ext uri="{FF2B5EF4-FFF2-40B4-BE49-F238E27FC236}">
+                  <a16:creationId xmlns:a16="http://schemas.microsoft.com/office/drawing/2014/main" id="{34D98DA8-5262-4B1D-B0D2-6261107F6D6D}"/>
+                </a:ext>
+              </a:extLst>
+            </p:cNvPr>
+            <p:cNvCxnSpPr>
+              <a:cxnSpLocks/>
+              <a:stCxn id="25" idx="7"/>
+              <a:endCxn id="26" idx="3"/>
+            </p:cNvCxnSpPr>
+            <p:nvPr/>
+          </p:nvCxnSpPr>
+          <p:spPr>
+            <a:xfrm flipV="1">
+              <a:off x="1662137" y="4460757"/>
+              <a:ext cx="1815758" cy="1421314"/>
+            </a:xfrm>
+            <a:prstGeom prst="straightConnector1">
+              <a:avLst/>
+            </a:prstGeom>
+            <a:ln>
+              <a:solidFill>
+                <a:srgbClr val="0070C0"/>
+              </a:solidFill>
+              <a:tailEnd type="triangle"/>
+            </a:ln>
+          </p:spPr>
+          <p:style>
+            <a:lnRef idx="1">
+              <a:schemeClr val="accent1"/>
+            </a:lnRef>
+            <a:fillRef idx="0">
+              <a:schemeClr val="accent1"/>
+            </a:fillRef>
+            <a:effectRef idx="0">
+              <a:schemeClr val="accent1"/>
+            </a:effectRef>
+            <a:fontRef idx="minor">
+              <a:schemeClr val="tx1"/>
+            </a:fontRef>
+          </p:style>
+        </p:cxnSp>
+        <p:cxnSp>
+          <p:nvCxnSpPr>
+            <p:cNvPr id="31" name="Straight Arrow Connector 30">
+              <a:extLst>
+                <a:ext uri="{FF2B5EF4-FFF2-40B4-BE49-F238E27FC236}">
+                  <a16:creationId xmlns:a16="http://schemas.microsoft.com/office/drawing/2014/main" id="{21A1E397-63B0-4629-8BB8-AD570ECB3668}"/>
+                </a:ext>
+              </a:extLst>
+            </p:cNvPr>
+            <p:cNvCxnSpPr>
+              <a:cxnSpLocks/>
+              <a:stCxn id="26" idx="0"/>
+              <a:endCxn id="28" idx="5"/>
+            </p:cNvCxnSpPr>
+            <p:nvPr/>
+          </p:nvCxnSpPr>
+          <p:spPr>
+            <a:xfrm flipH="1" flipV="1">
+              <a:off x="2812064" y="2548830"/>
+              <a:ext cx="900952" cy="1344296"/>
+            </a:xfrm>
+            <a:prstGeom prst="straightConnector1">
+              <a:avLst/>
+            </a:prstGeom>
+            <a:ln>
+              <a:solidFill>
+                <a:srgbClr val="0070C0"/>
+              </a:solidFill>
+              <a:tailEnd type="triangle"/>
+            </a:ln>
+          </p:spPr>
+          <p:style>
+            <a:lnRef idx="1">
+              <a:schemeClr val="accent1"/>
+            </a:lnRef>
+            <a:fillRef idx="0">
+              <a:schemeClr val="accent1"/>
+            </a:fillRef>
+            <a:effectRef idx="0">
+              <a:schemeClr val="accent1"/>
+            </a:effectRef>
+            <a:fontRef idx="minor">
+              <a:schemeClr val="tx1"/>
+            </a:fontRef>
+          </p:style>
+        </p:cxnSp>
+        <p:cxnSp>
+          <p:nvCxnSpPr>
+            <p:cNvPr id="32" name="Straight Arrow Connector 31">
+              <a:extLst>
+                <a:ext uri="{FF2B5EF4-FFF2-40B4-BE49-F238E27FC236}">
+                  <a16:creationId xmlns:a16="http://schemas.microsoft.com/office/drawing/2014/main" id="{3FCE7EE0-9BF7-4D01-AE49-3C14E498DB75}"/>
+                </a:ext>
+              </a:extLst>
+            </p:cNvPr>
+            <p:cNvCxnSpPr>
+              <a:cxnSpLocks/>
+              <a:stCxn id="24" idx="0"/>
+              <a:endCxn id="28" idx="3"/>
+            </p:cNvCxnSpPr>
+            <p:nvPr/>
+          </p:nvCxnSpPr>
+          <p:spPr>
+            <a:xfrm flipV="1">
+              <a:off x="1427017" y="2548830"/>
+              <a:ext cx="914806" cy="1344297"/>
+            </a:xfrm>
+            <a:prstGeom prst="straightConnector1">
+              <a:avLst/>
+            </a:prstGeom>
+            <a:ln>
+              <a:solidFill>
+                <a:srgbClr val="0070C0"/>
+              </a:solidFill>
+              <a:tailEnd type="triangle"/>
+            </a:ln>
+          </p:spPr>
+          <p:style>
+            <a:lnRef idx="1">
+              <a:schemeClr val="accent1"/>
+            </a:lnRef>
+            <a:fillRef idx="0">
+              <a:schemeClr val="accent1"/>
+            </a:fillRef>
+            <a:effectRef idx="0">
+              <a:schemeClr val="accent1"/>
+            </a:effectRef>
+            <a:fontRef idx="minor">
+              <a:schemeClr val="tx1"/>
+            </a:fontRef>
+          </p:style>
+        </p:cxnSp>
+        <p:cxnSp>
+          <p:nvCxnSpPr>
+            <p:cNvPr id="33" name="Straight Arrow Connector 32">
+              <a:extLst>
+                <a:ext uri="{FF2B5EF4-FFF2-40B4-BE49-F238E27FC236}">
+                  <a16:creationId xmlns:a16="http://schemas.microsoft.com/office/drawing/2014/main" id="{64EF4549-8CDA-47FC-ABEE-AD3458C64302}"/>
+                </a:ext>
+              </a:extLst>
+            </p:cNvPr>
+            <p:cNvCxnSpPr>
+              <a:cxnSpLocks/>
+              <a:stCxn id="27" idx="0"/>
+            </p:cNvCxnSpPr>
+            <p:nvPr/>
+          </p:nvCxnSpPr>
+          <p:spPr>
+            <a:xfrm flipV="1">
+              <a:off x="3713016" y="4558148"/>
+              <a:ext cx="0" cy="1246908"/>
+            </a:xfrm>
+            <a:prstGeom prst="straightConnector1">
+              <a:avLst/>
+            </a:prstGeom>
+            <a:ln>
+              <a:solidFill>
+                <a:srgbClr val="0070C0"/>
+              </a:solidFill>
+              <a:tailEnd type="triangle"/>
+            </a:ln>
+          </p:spPr>
+          <p:style>
+            <a:lnRef idx="1">
+              <a:schemeClr val="accent1"/>
+            </a:lnRef>
+            <a:fillRef idx="0">
+              <a:schemeClr val="accent1"/>
+            </a:fillRef>
+            <a:effectRef idx="0">
+              <a:schemeClr val="accent1"/>
+            </a:effectRef>
+            <a:fontRef idx="minor">
+              <a:schemeClr val="tx1"/>
+            </a:fontRef>
+          </p:style>
+        </p:cxnSp>
+        <p:cxnSp>
+          <p:nvCxnSpPr>
+            <p:cNvPr id="34" name="Straight Arrow Connector 33">
+              <a:extLst>
+                <a:ext uri="{FF2B5EF4-FFF2-40B4-BE49-F238E27FC236}">
+                  <a16:creationId xmlns:a16="http://schemas.microsoft.com/office/drawing/2014/main" id="{BA76D645-4F2C-4A01-B67E-6BBE7B177AA9}"/>
+                </a:ext>
+              </a:extLst>
+            </p:cNvPr>
+            <p:cNvCxnSpPr>
+              <a:cxnSpLocks/>
+              <a:stCxn id="25" idx="0"/>
+              <a:endCxn id="24" idx="4"/>
+            </p:cNvCxnSpPr>
+            <p:nvPr/>
+          </p:nvCxnSpPr>
+          <p:spPr>
+            <a:xfrm flipV="1">
+              <a:off x="1427017" y="4558148"/>
+              <a:ext cx="0" cy="1226533"/>
+            </a:xfrm>
+            <a:prstGeom prst="straightConnector1">
+              <a:avLst/>
+            </a:prstGeom>
+            <a:ln>
+              <a:solidFill>
+                <a:srgbClr val="0070C0"/>
+              </a:solidFill>
+              <a:tailEnd type="triangle"/>
+            </a:ln>
+          </p:spPr>
+          <p:style>
+            <a:lnRef idx="1">
+              <a:schemeClr val="accent1"/>
+            </a:lnRef>
+            <a:fillRef idx="0">
+              <a:schemeClr val="accent1"/>
+            </a:fillRef>
+            <a:effectRef idx="0">
+              <a:schemeClr val="accent1"/>
+            </a:effectRef>
+            <a:fontRef idx="minor">
+              <a:schemeClr val="tx1"/>
+            </a:fontRef>
+          </p:style>
+        </p:cxnSp>
+        <p:sp>
+          <p:nvSpPr>
+            <p:cNvPr id="35" name="TextBox 34">
+              <a:extLst>
+                <a:ext uri="{FF2B5EF4-FFF2-40B4-BE49-F238E27FC236}">
+                  <a16:creationId xmlns:a16="http://schemas.microsoft.com/office/drawing/2014/main" id="{2479ADCC-FD5D-4CF4-A7EC-638FD94A991B}"/>
+                </a:ext>
+              </a:extLst>
+            </p:cNvPr>
+            <p:cNvSpPr txBox="1"/>
+            <p:nvPr/>
+          </p:nvSpPr>
+          <p:spPr>
+            <a:xfrm>
+              <a:off x="1016326" y="5083535"/>
+              <a:ext cx="454453" cy="340573"/>
+            </a:xfrm>
+            <a:prstGeom prst="rect">
+              <a:avLst/>
+            </a:prstGeom>
+            <a:noFill/>
+            <a:ln>
+              <a:noFill/>
+            </a:ln>
+          </p:spPr>
+          <p:txBody>
+            <a:bodyPr wrap="none" rtlCol="0">
+              <a:spAutoFit/>
+            </a:bodyPr>
+            <a:lstStyle/>
+            <a:p>
+              <a:r>
+                <a:rPr lang="en-US" sz="1400" dirty="0">
+                  <a:solidFill>
+                    <a:srgbClr val="002060"/>
+                  </a:solidFill>
+                </a:rPr>
+                <a:t>0.4</a:t>
+              </a:r>
+            </a:p>
+          </p:txBody>
+        </p:sp>
+        <p:sp>
+          <p:nvSpPr>
+            <p:cNvPr id="36" name="TextBox 35">
+              <a:extLst>
+                <a:ext uri="{FF2B5EF4-FFF2-40B4-BE49-F238E27FC236}">
+                  <a16:creationId xmlns:a16="http://schemas.microsoft.com/office/drawing/2014/main" id="{D438B96E-4C16-4F1D-B1B1-1D21521B1CD1}"/>
+                </a:ext>
+              </a:extLst>
+            </p:cNvPr>
+            <p:cNvSpPr txBox="1"/>
+            <p:nvPr/>
+          </p:nvSpPr>
+          <p:spPr>
+            <a:xfrm>
+              <a:off x="2080450" y="4558147"/>
+              <a:ext cx="454453" cy="340573"/>
+            </a:xfrm>
+            <a:prstGeom prst="rect">
+              <a:avLst/>
+            </a:prstGeom>
+            <a:noFill/>
+            <a:ln>
+              <a:noFill/>
+            </a:ln>
+          </p:spPr>
+          <p:txBody>
+            <a:bodyPr wrap="none" rtlCol="0">
+              <a:spAutoFit/>
+            </a:bodyPr>
+            <a:lstStyle/>
+            <a:p>
+              <a:r>
+                <a:rPr lang="en-US" sz="1400" dirty="0">
+                  <a:solidFill>
+                    <a:srgbClr val="002060"/>
+                  </a:solidFill>
+                </a:rPr>
+                <a:t>0.1</a:t>
+              </a:r>
+            </a:p>
+          </p:txBody>
+        </p:sp>
+        <p:sp>
+          <p:nvSpPr>
+            <p:cNvPr id="37" name="TextBox 36">
+              <a:extLst>
+                <a:ext uri="{FF2B5EF4-FFF2-40B4-BE49-F238E27FC236}">
+                  <a16:creationId xmlns:a16="http://schemas.microsoft.com/office/drawing/2014/main" id="{3BD5E4DF-7B06-40CC-9FA2-5CA803793741}"/>
+                </a:ext>
+              </a:extLst>
+            </p:cNvPr>
+            <p:cNvSpPr txBox="1"/>
+            <p:nvPr/>
+          </p:nvSpPr>
+          <p:spPr>
+            <a:xfrm>
+              <a:off x="2692720" y="4558147"/>
+              <a:ext cx="514762" cy="340573"/>
+            </a:xfrm>
+            <a:prstGeom prst="rect">
+              <a:avLst/>
+            </a:prstGeom>
+            <a:noFill/>
+            <a:ln>
+              <a:noFill/>
+            </a:ln>
+          </p:spPr>
+          <p:txBody>
+            <a:bodyPr wrap="none" rtlCol="0">
+              <a:spAutoFit/>
+            </a:bodyPr>
+            <a:lstStyle/>
+            <a:p>
+              <a:r>
+                <a:rPr lang="en-US" sz="1400" dirty="0">
+                  <a:solidFill>
+                    <a:srgbClr val="002060"/>
+                  </a:solidFill>
+                </a:rPr>
+                <a:t>-0.1</a:t>
+              </a:r>
+            </a:p>
+          </p:txBody>
+        </p:sp>
+        <p:sp>
+          <p:nvSpPr>
+            <p:cNvPr id="38" name="TextBox 37">
+              <a:extLst>
+                <a:ext uri="{FF2B5EF4-FFF2-40B4-BE49-F238E27FC236}">
+                  <a16:creationId xmlns:a16="http://schemas.microsoft.com/office/drawing/2014/main" id="{9C9268DB-FED6-4724-B203-359F63D9C6E6}"/>
+                </a:ext>
+              </a:extLst>
+            </p:cNvPr>
+            <p:cNvSpPr txBox="1"/>
+            <p:nvPr/>
+          </p:nvSpPr>
+          <p:spPr>
+            <a:xfrm>
+              <a:off x="3812930" y="5118988"/>
+              <a:ext cx="514762" cy="340573"/>
+            </a:xfrm>
+            <a:prstGeom prst="rect">
+              <a:avLst/>
+            </a:prstGeom>
+            <a:noFill/>
+            <a:ln>
+              <a:noFill/>
+            </a:ln>
+          </p:spPr>
+          <p:txBody>
+            <a:bodyPr wrap="none" rtlCol="0">
+              <a:spAutoFit/>
+            </a:bodyPr>
+            <a:lstStyle/>
+            <a:p>
+              <a:r>
+                <a:rPr lang="en-US" sz="1400" dirty="0">
+                  <a:solidFill>
+                    <a:srgbClr val="002060"/>
+                  </a:solidFill>
+                </a:rPr>
+                <a:t>-0.1</a:t>
+              </a:r>
+            </a:p>
+          </p:txBody>
+        </p:sp>
+        <p:sp>
+          <p:nvSpPr>
+            <p:cNvPr id="39" name="TextBox 38">
+              <a:extLst>
+                <a:ext uri="{FF2B5EF4-FFF2-40B4-BE49-F238E27FC236}">
+                  <a16:creationId xmlns:a16="http://schemas.microsoft.com/office/drawing/2014/main" id="{80F02197-4A45-41F4-A941-A246962F1C4C}"/>
+                </a:ext>
+              </a:extLst>
+            </p:cNvPr>
+            <p:cNvSpPr txBox="1"/>
+            <p:nvPr/>
+          </p:nvSpPr>
+          <p:spPr>
+            <a:xfrm>
+              <a:off x="1382359" y="2972084"/>
+              <a:ext cx="555560" cy="340573"/>
+            </a:xfrm>
+            <a:prstGeom prst="rect">
+              <a:avLst/>
+            </a:prstGeom>
+            <a:noFill/>
+            <a:ln>
+              <a:noFill/>
+            </a:ln>
+          </p:spPr>
+          <p:txBody>
+            <a:bodyPr wrap="none" rtlCol="0">
+              <a:spAutoFit/>
+            </a:bodyPr>
+            <a:lstStyle/>
+            <a:p>
+              <a:r>
+                <a:rPr lang="en-US" sz="1400" dirty="0">
+                  <a:solidFill>
+                    <a:srgbClr val="002060"/>
+                  </a:solidFill>
+                </a:rPr>
+                <a:t>0.06</a:t>
+              </a:r>
+            </a:p>
+          </p:txBody>
+        </p:sp>
+        <p:sp>
+          <p:nvSpPr>
+            <p:cNvPr id="40" name="TextBox 39">
+              <a:extLst>
+                <a:ext uri="{FF2B5EF4-FFF2-40B4-BE49-F238E27FC236}">
+                  <a16:creationId xmlns:a16="http://schemas.microsoft.com/office/drawing/2014/main" id="{F84CD953-FC9D-448E-8A8B-5658E89708F0}"/>
+                </a:ext>
+              </a:extLst>
+            </p:cNvPr>
+            <p:cNvSpPr txBox="1"/>
+            <p:nvPr/>
+          </p:nvSpPr>
+          <p:spPr>
+            <a:xfrm>
+              <a:off x="3289325" y="2920328"/>
+              <a:ext cx="514762" cy="340573"/>
+            </a:xfrm>
+            <a:prstGeom prst="rect">
+              <a:avLst/>
+            </a:prstGeom>
+            <a:noFill/>
+            <a:ln>
+              <a:noFill/>
+            </a:ln>
+          </p:spPr>
+          <p:txBody>
+            <a:bodyPr wrap="none" rtlCol="0">
+              <a:spAutoFit/>
+            </a:bodyPr>
+            <a:lstStyle/>
+            <a:p>
+              <a:r>
+                <a:rPr lang="en-US" sz="1400" dirty="0">
+                  <a:solidFill>
+                    <a:srgbClr val="002060"/>
+                  </a:solidFill>
+                </a:rPr>
+                <a:t>-0.4</a:t>
+              </a:r>
+            </a:p>
+          </p:txBody>
+        </p:sp>
+      </p:grpSp>
+      <p:sp>
+        <p:nvSpPr>
+          <p:cNvPr id="41" name="TextBox 40">
+            <a:extLst>
+              <a:ext uri="{FF2B5EF4-FFF2-40B4-BE49-F238E27FC236}">
+                <a16:creationId xmlns:a16="http://schemas.microsoft.com/office/drawing/2014/main" id="{A6BB7463-4357-42B3-B154-4A14E9186F40}"/>
+              </a:ext>
+            </a:extLst>
+          </p:cNvPr>
+          <p:cNvSpPr txBox="1"/>
+          <p:nvPr/>
+        </p:nvSpPr>
+        <p:spPr>
+          <a:xfrm>
+            <a:off x="512722" y="6139141"/>
+            <a:ext cx="2454518" cy="369332"/>
+          </a:xfrm>
+          <a:prstGeom prst="rect">
+            <a:avLst/>
+          </a:prstGeom>
+          <a:noFill/>
+        </p:spPr>
+        <p:txBody>
+          <a:bodyPr wrap="none" rtlCol="0">
+            <a:spAutoFit/>
+          </a:bodyPr>
+          <a:lstStyle/>
+          <a:p>
+            <a:r>
+              <a:rPr lang="en-US" b="1" dirty="0" err="1">
+                <a:solidFill>
+                  <a:srgbClr val="0070C0"/>
+                </a:solidFill>
+                <a:latin typeface="Times New Roman" panose="02020603050405020304" pitchFamily="18" charset="0"/>
+                <a:cs typeface="Times New Roman" panose="02020603050405020304" pitchFamily="18" charset="0"/>
+              </a:rPr>
+              <a:t>Sebelum</a:t>
+            </a:r>
+            <a:r>
+              <a:rPr lang="en-US" b="1" dirty="0">
+                <a:solidFill>
+                  <a:srgbClr val="0070C0"/>
+                </a:solidFill>
+                <a:latin typeface="Times New Roman" panose="02020603050405020304" pitchFamily="18" charset="0"/>
+                <a:cs typeface="Times New Roman" panose="02020603050405020304" pitchFamily="18" charset="0"/>
+              </a:rPr>
+              <a:t> Update </a:t>
+            </a:r>
+            <a:r>
+              <a:rPr lang="en-US" b="1" dirty="0" err="1">
+                <a:solidFill>
+                  <a:srgbClr val="0070C0"/>
+                </a:solidFill>
+                <a:latin typeface="Times New Roman" panose="02020603050405020304" pitchFamily="18" charset="0"/>
+                <a:cs typeface="Times New Roman" panose="02020603050405020304" pitchFamily="18" charset="0"/>
+              </a:rPr>
+              <a:t>Bobot</a:t>
+            </a:r>
+            <a:endParaRPr lang="en-US" b="1" dirty="0">
+              <a:solidFill>
+                <a:srgbClr val="0070C0"/>
+              </a:solidFill>
+              <a:latin typeface="Times New Roman" panose="02020603050405020304" pitchFamily="18" charset="0"/>
+              <a:cs typeface="Times New Roman" panose="02020603050405020304" pitchFamily="18" charset="0"/>
+            </a:endParaRPr>
+          </a:p>
+        </p:txBody>
+      </p:sp>
+      <p:sp>
+        <p:nvSpPr>
+          <p:cNvPr id="42" name="TextBox 41">
+            <a:extLst>
+              <a:ext uri="{FF2B5EF4-FFF2-40B4-BE49-F238E27FC236}">
+                <a16:creationId xmlns:a16="http://schemas.microsoft.com/office/drawing/2014/main" id="{92DE9F64-2AC3-4DA6-A8BE-6ECBF3F1A7D2}"/>
+              </a:ext>
+            </a:extLst>
+          </p:cNvPr>
+          <p:cNvSpPr txBox="1"/>
+          <p:nvPr/>
+        </p:nvSpPr>
+        <p:spPr>
+          <a:xfrm>
+            <a:off x="3764235" y="6109575"/>
+            <a:ext cx="2326278" cy="369332"/>
+          </a:xfrm>
+          <a:prstGeom prst="rect">
+            <a:avLst/>
+          </a:prstGeom>
+          <a:noFill/>
+        </p:spPr>
+        <p:txBody>
+          <a:bodyPr wrap="none" rtlCol="0">
+            <a:spAutoFit/>
+          </a:bodyPr>
+          <a:lstStyle/>
+          <a:p>
+            <a:r>
+              <a:rPr lang="en-US" b="1" dirty="0" err="1">
+                <a:latin typeface="Times New Roman" panose="02020603050405020304" pitchFamily="18" charset="0"/>
+                <a:cs typeface="Times New Roman" panose="02020603050405020304" pitchFamily="18" charset="0"/>
+              </a:rPr>
+              <a:t>Setelah</a:t>
+            </a:r>
+            <a:r>
+              <a:rPr lang="en-US" b="1" dirty="0">
+                <a:latin typeface="Times New Roman" panose="02020603050405020304" pitchFamily="18" charset="0"/>
+                <a:cs typeface="Times New Roman" panose="02020603050405020304" pitchFamily="18" charset="0"/>
+              </a:rPr>
+              <a:t> Update </a:t>
+            </a:r>
+            <a:r>
+              <a:rPr lang="en-US" b="1" dirty="0" err="1">
+                <a:latin typeface="Times New Roman" panose="02020603050405020304" pitchFamily="18" charset="0"/>
+                <a:cs typeface="Times New Roman" panose="02020603050405020304" pitchFamily="18" charset="0"/>
+              </a:rPr>
+              <a:t>Bobot</a:t>
+            </a:r>
+            <a:endParaRPr lang="en-US" b="1" dirty="0">
+              <a:latin typeface="Times New Roman" panose="02020603050405020304" pitchFamily="18" charset="0"/>
+              <a:cs typeface="Times New Roman" panose="02020603050405020304" pitchFamily="18" charset="0"/>
+            </a:endParaRPr>
+          </a:p>
+        </p:txBody>
+      </p:sp>
+    </p:spTree>
+    <p:extLst>
+      <p:ext uri="{BB962C8B-B14F-4D97-AF65-F5344CB8AC3E}">
+        <p14:creationId xmlns:p14="http://schemas.microsoft.com/office/powerpoint/2010/main" val="3628476687"/>
+      </p:ext>
+    </p:extLst>
+  </p:cSld>
+  <p:clrMapOvr>
+    <a:masterClrMapping/>
+  </p:clrMapOvr>
+</p:sld>
+</file>
+
 <file path=ppt/slides/slide4.xml><?xml version="1.0" encoding="utf-8"?>
 <p:sld xmlns:a="http://schemas.openxmlformats.org/drawingml/2006/main" xmlns:r="http://schemas.openxmlformats.org/officeDocument/2006/relationships" xmlns:p="http://schemas.openxmlformats.org/presentationml/2006/main">
   <p:cSld>

--- a/1. presentasi/Seminar Kemajuan Tesis.pptx
+++ b/1. presentasi/Seminar Kemajuan Tesis.pptx
@@ -352,7 +352,7 @@
           <a:p>
             <a:fld id="{8476A333-483B-443C-9BB4-F5BC7F6CB232}" type="datetimeFigureOut">
               <a:rPr lang="en-US" smtClean="0"/>
-              <a:t>10/27/2017</a:t>
+              <a:t>11/6/2017</a:t>
             </a:fld>
             <a:endParaRPr lang="en-US"/>
           </a:p>
@@ -542,7 +542,7 @@
           <a:p>
             <a:fld id="{8476A333-483B-443C-9BB4-F5BC7F6CB232}" type="datetimeFigureOut">
               <a:rPr lang="en-US" smtClean="0"/>
-              <a:t>10/27/2017</a:t>
+              <a:t>11/6/2017</a:t>
             </a:fld>
             <a:endParaRPr lang="en-US"/>
           </a:p>
@@ -722,7 +722,7 @@
           <a:p>
             <a:fld id="{8476A333-483B-443C-9BB4-F5BC7F6CB232}" type="datetimeFigureOut">
               <a:rPr lang="en-US" smtClean="0"/>
-              <a:t>10/27/2017</a:t>
+              <a:t>11/6/2017</a:t>
             </a:fld>
             <a:endParaRPr lang="en-US"/>
           </a:p>
@@ -892,7 +892,7 @@
           <a:p>
             <a:fld id="{8476A333-483B-443C-9BB4-F5BC7F6CB232}" type="datetimeFigureOut">
               <a:rPr lang="en-US" smtClean="0"/>
-              <a:t>10/27/2017</a:t>
+              <a:t>11/6/2017</a:t>
             </a:fld>
             <a:endParaRPr lang="en-US"/>
           </a:p>
@@ -1148,7 +1148,7 @@
           <a:p>
             <a:fld id="{8476A333-483B-443C-9BB4-F5BC7F6CB232}" type="datetimeFigureOut">
               <a:rPr lang="en-US" smtClean="0"/>
-              <a:t>10/27/2017</a:t>
+              <a:t>11/6/2017</a:t>
             </a:fld>
             <a:endParaRPr lang="en-US"/>
           </a:p>
@@ -1436,7 +1436,7 @@
           <a:p>
             <a:fld id="{8476A333-483B-443C-9BB4-F5BC7F6CB232}" type="datetimeFigureOut">
               <a:rPr lang="en-US" smtClean="0"/>
-              <a:t>10/27/2017</a:t>
+              <a:t>11/6/2017</a:t>
             </a:fld>
             <a:endParaRPr lang="en-US"/>
           </a:p>
@@ -1874,7 +1874,7 @@
           <a:p>
             <a:fld id="{8476A333-483B-443C-9BB4-F5BC7F6CB232}" type="datetimeFigureOut">
               <a:rPr lang="en-US" smtClean="0"/>
-              <a:t>10/27/2017</a:t>
+              <a:t>11/6/2017</a:t>
             </a:fld>
             <a:endParaRPr lang="en-US"/>
           </a:p>
@@ -1992,7 +1992,7 @@
           <a:p>
             <a:fld id="{8476A333-483B-443C-9BB4-F5BC7F6CB232}" type="datetimeFigureOut">
               <a:rPr lang="en-US" smtClean="0"/>
-              <a:t>10/27/2017</a:t>
+              <a:t>11/6/2017</a:t>
             </a:fld>
             <a:endParaRPr lang="en-US"/>
           </a:p>
@@ -2087,7 +2087,7 @@
           <a:p>
             <a:fld id="{8476A333-483B-443C-9BB4-F5BC7F6CB232}" type="datetimeFigureOut">
               <a:rPr lang="en-US" smtClean="0"/>
-              <a:t>10/27/2017</a:t>
+              <a:t>11/6/2017</a:t>
             </a:fld>
             <a:endParaRPr lang="en-US"/>
           </a:p>
@@ -2443,7 +2443,7 @@
           <a:p>
             <a:fld id="{8476A333-483B-443C-9BB4-F5BC7F6CB232}" type="datetimeFigureOut">
               <a:rPr lang="en-US" smtClean="0"/>
-              <a:t>10/27/2017</a:t>
+              <a:t>11/6/2017</a:t>
             </a:fld>
             <a:endParaRPr lang="en-US"/>
           </a:p>
@@ -2759,7 +2759,7 @@
           <a:p>
             <a:fld id="{8476A333-483B-443C-9BB4-F5BC7F6CB232}" type="datetimeFigureOut">
               <a:rPr lang="en-US" smtClean="0"/>
-              <a:t>10/27/2017</a:t>
+              <a:t>11/6/2017</a:t>
             </a:fld>
             <a:endParaRPr lang="en-US"/>
           </a:p>
@@ -2992,7 +2992,7 @@
           <a:p>
             <a:fld id="{8476A333-483B-443C-9BB4-F5BC7F6CB232}" type="datetimeFigureOut">
               <a:rPr lang="en-US" smtClean="0"/>
-              <a:t>10/27/2017</a:t>
+              <a:t>11/6/2017</a:t>
             </a:fld>
             <a:endParaRPr lang="en-US"/>
           </a:p>
@@ -19579,7 +19579,19 @@
                           <a:rPr lang="en-US" sz="2400" i="1">
                             <a:latin typeface="Cambria Math" panose="02040503050406030204" pitchFamily="18" charset="0"/>
                           </a:rPr>
-                          <m:t>(1+</m:t>
+                          <m:t>(</m:t>
+                        </m:r>
+                        <m:r>
+                          <a:rPr lang="en-US" sz="2400" i="1">
+                            <a:latin typeface="Cambria Math" panose="02040503050406030204" pitchFamily="18" charset="0"/>
+                          </a:rPr>
+                          <m:t>1</m:t>
+                        </m:r>
+                        <m:r>
+                          <a:rPr lang="en-US" sz="2400" i="1">
+                            <a:latin typeface="Cambria Math" panose="02040503050406030204" pitchFamily="18" charset="0"/>
+                          </a:rPr>
+                          <m:t>+</m:t>
                         </m:r>
                         <m:sSup>
                           <m:sSupPr>
@@ -19668,7 +19680,19 @@
                           <a:rPr lang="en-US" sz="2400" i="1">
                             <a:latin typeface="Cambria Math" panose="02040503050406030204" pitchFamily="18" charset="0"/>
                           </a:rPr>
-                          <m:t>(1+</m:t>
+                          <m:t>(</m:t>
+                        </m:r>
+                        <m:r>
+                          <a:rPr lang="en-US" sz="2400" i="1">
+                            <a:latin typeface="Cambria Math" panose="02040503050406030204" pitchFamily="18" charset="0"/>
+                          </a:rPr>
+                          <m:t>1</m:t>
+                        </m:r>
+                        <m:r>
+                          <a:rPr lang="en-US" sz="2400" i="1">
+                            <a:latin typeface="Cambria Math" panose="02040503050406030204" pitchFamily="18" charset="0"/>
+                          </a:rPr>
+                          <m:t>+</m:t>
                         </m:r>
                         <m:sSup>
                           <m:sSupPr>
@@ -19697,7 +19721,19 @@
                               <a:rPr lang="en-US" sz="2400" b="0" i="1" smtClean="0">
                                 <a:latin typeface="Cambria Math" panose="02040503050406030204" pitchFamily="18" charset="0"/>
                               </a:rPr>
-                              <m:t>0.1</m:t>
+                              <m:t>0</m:t>
+                            </m:r>
+                            <m:r>
+                              <a:rPr lang="en-US" sz="2400" b="0" i="1" smtClean="0">
+                                <a:latin typeface="Cambria Math" panose="02040503050406030204" pitchFamily="18" charset="0"/>
+                              </a:rPr>
+                              <m:t>.</m:t>
+                            </m:r>
+                            <m:r>
+                              <a:rPr lang="en-US" sz="2400" b="0" i="1" smtClean="0">
+                                <a:latin typeface="Cambria Math" panose="02040503050406030204" pitchFamily="18" charset="0"/>
+                              </a:rPr>
+                              <m:t>1</m:t>
                             </m:r>
                           </m:sup>
                         </m:sSup>
@@ -20168,7 +20204,19 @@
                           <a:rPr lang="en-US" sz="2400" i="1">
                             <a:latin typeface="Cambria Math" panose="02040503050406030204" pitchFamily="18" charset="0"/>
                           </a:rPr>
-                          <m:t>(1+</m:t>
+                          <m:t>(</m:t>
+                        </m:r>
+                        <m:r>
+                          <a:rPr lang="en-US" sz="2400" i="1">
+                            <a:latin typeface="Cambria Math" panose="02040503050406030204" pitchFamily="18" charset="0"/>
+                          </a:rPr>
+                          <m:t>1</m:t>
+                        </m:r>
+                        <m:r>
+                          <a:rPr lang="en-US" sz="2400" i="1">
+                            <a:latin typeface="Cambria Math" panose="02040503050406030204" pitchFamily="18" charset="0"/>
+                          </a:rPr>
+                          <m:t>+</m:t>
                         </m:r>
                         <m:sSup>
                           <m:sSupPr>
@@ -20203,7 +20251,19 @@
                               <a:rPr lang="en-US" sz="2400" i="1" smtClean="0">
                                 <a:latin typeface="Cambria Math" panose="02040503050406030204" pitchFamily="18" charset="0"/>
                               </a:rPr>
-                              <m:t>0.1</m:t>
+                              <m:t>0</m:t>
+                            </m:r>
+                            <m:r>
+                              <a:rPr lang="en-US" sz="2400" i="1" smtClean="0">
+                                <a:latin typeface="Cambria Math" panose="02040503050406030204" pitchFamily="18" charset="0"/>
+                              </a:rPr>
+                              <m:t>.</m:t>
+                            </m:r>
+                            <m:r>
+                              <a:rPr lang="en-US" sz="2400" i="1" smtClean="0">
+                                <a:latin typeface="Cambria Math" panose="02040503050406030204" pitchFamily="18" charset="0"/>
+                              </a:rPr>
+                              <m:t>1</m:t>
                             </m:r>
                             <m:r>
                               <a:rPr lang="en-US" sz="2400" b="0" i="1" smtClean="0">
@@ -20417,7 +20477,19 @@
                           <a:rPr lang="en-US" sz="2400" i="1">
                             <a:latin typeface="Cambria Math" panose="02040503050406030204" pitchFamily="18" charset="0"/>
                           </a:rPr>
-                          <m:t>(1+</m:t>
+                          <m:t>(</m:t>
+                        </m:r>
+                        <m:r>
+                          <a:rPr lang="en-US" sz="2400" i="1">
+                            <a:latin typeface="Cambria Math" panose="02040503050406030204" pitchFamily="18" charset="0"/>
+                          </a:rPr>
+                          <m:t>1</m:t>
+                        </m:r>
+                        <m:r>
+                          <a:rPr lang="en-US" sz="2400" i="1">
+                            <a:latin typeface="Cambria Math" panose="02040503050406030204" pitchFamily="18" charset="0"/>
+                          </a:rPr>
+                          <m:t>+</m:t>
                         </m:r>
                         <m:sSup>
                           <m:sSupPr>
@@ -20440,13 +20512,25 @@
                               <a:rPr lang="en-US" sz="2400" i="1">
                                 <a:latin typeface="Cambria Math" panose="02040503050406030204" pitchFamily="18" charset="0"/>
                               </a:rPr>
-                              <m:t>−0.1</m:t>
+                              <m:t>−</m:t>
                             </m:r>
                             <m:r>
-                              <a:rPr lang="en-US" sz="2400" b="0" i="1" smtClean="0">
+                              <a:rPr lang="en-US" sz="2400" i="1">
                                 <a:latin typeface="Cambria Math" panose="02040503050406030204" pitchFamily="18" charset="0"/>
                               </a:rPr>
-                              <m:t>58</m:t>
+                              <m:t>0</m:t>
+                            </m:r>
+                            <m:r>
+                              <a:rPr lang="en-US" sz="2400" i="1">
+                                <a:latin typeface="Cambria Math" panose="02040503050406030204" pitchFamily="18" charset="0"/>
+                              </a:rPr>
+                              <m:t>.</m:t>
+                            </m:r>
+                            <m:r>
+                              <a:rPr lang="en-US" sz="2400" i="1">
+                                <a:latin typeface="Cambria Math" panose="02040503050406030204" pitchFamily="18" charset="0"/>
+                              </a:rPr>
+                              <m:t>158</m:t>
                             </m:r>
                           </m:sup>
                         </m:sSup>
@@ -26513,50 +26597,86 @@
           <a:p>
             <a:pPr algn="ctr"/>
             <a:r>
-              <a:rPr lang="en-US" sz="3600" dirty="0" err="1"/>
+              <a:rPr lang="en-US" sz="1200" dirty="0" err="1">
+                <a:latin typeface="Times New Roman" panose="02020603050405020304" pitchFamily="18" charset="0"/>
+                <a:cs typeface="Times New Roman" panose="02020603050405020304" pitchFamily="18" charset="0"/>
+              </a:rPr>
               <a:t>Perbandingan</a:t>
             </a:r>
             <a:r>
-              <a:rPr lang="en-US" sz="3600" dirty="0"/>
-              <a:t> </a:t>
-            </a:r>
-            <a:r>
-              <a:rPr lang="en-US" sz="3600" dirty="0" err="1"/>
+              <a:rPr lang="en-US" sz="1200" dirty="0">
+                <a:latin typeface="Times New Roman" panose="02020603050405020304" pitchFamily="18" charset="0"/>
+                <a:cs typeface="Times New Roman" panose="02020603050405020304" pitchFamily="18" charset="0"/>
+              </a:rPr>
+              <a:t> </a:t>
+            </a:r>
+            <a:r>
+              <a:rPr lang="en-US" sz="1200" dirty="0" err="1">
+                <a:latin typeface="Times New Roman" panose="02020603050405020304" pitchFamily="18" charset="0"/>
+                <a:cs typeface="Times New Roman" panose="02020603050405020304" pitchFamily="18" charset="0"/>
+              </a:rPr>
               <a:t>Penipisan</a:t>
             </a:r>
             <a:r>
-              <a:rPr lang="en-US" sz="3600" dirty="0"/>
+              <a:rPr lang="en-US" sz="1200" dirty="0">
+                <a:latin typeface="Times New Roman" panose="02020603050405020304" pitchFamily="18" charset="0"/>
+                <a:cs typeface="Times New Roman" panose="02020603050405020304" pitchFamily="18" charset="0"/>
+              </a:rPr>
               <a:t>  </a:t>
             </a:r>
             <a:r>
-              <a:rPr lang="en-US" sz="3600" dirty="0" err="1"/>
+              <a:rPr lang="en-US" sz="1200" dirty="0" err="1">
+                <a:latin typeface="Times New Roman" panose="02020603050405020304" pitchFamily="18" charset="0"/>
+                <a:cs typeface="Times New Roman" panose="02020603050405020304" pitchFamily="18" charset="0"/>
+              </a:rPr>
               <a:t>Stentiford</a:t>
             </a:r>
             <a:r>
-              <a:rPr lang="en-US" sz="3600" dirty="0"/>
+              <a:rPr lang="en-US" sz="1200" dirty="0">
+                <a:latin typeface="Times New Roman" panose="02020603050405020304" pitchFamily="18" charset="0"/>
+                <a:cs typeface="Times New Roman" panose="02020603050405020304" pitchFamily="18" charset="0"/>
+              </a:rPr>
               <a:t>, </a:t>
             </a:r>
             <a:r>
-              <a:rPr lang="en-US" sz="3600" dirty="0" err="1"/>
+              <a:rPr lang="en-US" sz="1200" dirty="0" err="1">
+                <a:latin typeface="Times New Roman" panose="02020603050405020304" pitchFamily="18" charset="0"/>
+                <a:cs typeface="Times New Roman" panose="02020603050405020304" pitchFamily="18" charset="0"/>
+              </a:rPr>
               <a:t>ZhangSuen</a:t>
             </a:r>
             <a:r>
-              <a:rPr lang="en-US" sz="3600" dirty="0"/>
-              <a:t> </a:t>
-            </a:r>
-            <a:r>
-              <a:rPr lang="en-US" sz="3600" dirty="0" err="1"/>
+              <a:rPr lang="en-US" sz="1200" dirty="0">
+                <a:latin typeface="Times New Roman" panose="02020603050405020304" pitchFamily="18" charset="0"/>
+                <a:cs typeface="Times New Roman" panose="02020603050405020304" pitchFamily="18" charset="0"/>
+              </a:rPr>
+              <a:t> </a:t>
+            </a:r>
+            <a:r>
+              <a:rPr lang="en-US" sz="1200" dirty="0" err="1">
+                <a:latin typeface="Times New Roman" panose="02020603050405020304" pitchFamily="18" charset="0"/>
+                <a:cs typeface="Times New Roman" panose="02020603050405020304" pitchFamily="18" charset="0"/>
+              </a:rPr>
               <a:t>dan</a:t>
             </a:r>
             <a:r>
-              <a:rPr lang="en-US" sz="3600" dirty="0"/>
-              <a:t> </a:t>
-            </a:r>
-            <a:r>
-              <a:rPr lang="en-US" sz="3600" dirty="0" err="1"/>
+              <a:rPr lang="en-US" sz="1200" dirty="0">
+                <a:latin typeface="Times New Roman" panose="02020603050405020304" pitchFamily="18" charset="0"/>
+                <a:cs typeface="Times New Roman" panose="02020603050405020304" pitchFamily="18" charset="0"/>
+              </a:rPr>
+              <a:t> </a:t>
+            </a:r>
+            <a:r>
+              <a:rPr lang="en-US" sz="1200" dirty="0" err="1">
+                <a:latin typeface="Times New Roman" panose="02020603050405020304" pitchFamily="18" charset="0"/>
+                <a:cs typeface="Times New Roman" panose="02020603050405020304" pitchFamily="18" charset="0"/>
+              </a:rPr>
               <a:t>Hilditch</a:t>
             </a:r>
-            <a:endParaRPr lang="en-US" sz="3600" dirty="0"/>
+            <a:endParaRPr lang="en-US" sz="1200" dirty="0">
+              <a:latin typeface="Times New Roman" panose="02020603050405020304" pitchFamily="18" charset="0"/>
+              <a:cs typeface="Times New Roman" panose="02020603050405020304" pitchFamily="18" charset="0"/>
+            </a:endParaRPr>
           </a:p>
         </p:txBody>
       </p:sp>
@@ -26590,8 +26710,8 @@
         </p:blipFill>
         <p:spPr>
           <a:xfrm>
-            <a:off x="4268063" y="3354501"/>
-            <a:ext cx="2719388" cy="2773776"/>
+            <a:off x="3025743" y="4562178"/>
+            <a:ext cx="1177959" cy="1201518"/>
           </a:xfrm>
         </p:spPr>
       </p:pic>
@@ -26609,8 +26729,8 @@
         </p:nvSpPr>
         <p:spPr>
           <a:xfrm>
-            <a:off x="5023264" y="5652665"/>
-            <a:ext cx="1208985" cy="369332"/>
+            <a:off x="3171331" y="5467999"/>
+            <a:ext cx="886781" cy="276999"/>
           </a:xfrm>
           <a:prstGeom prst="rect">
             <a:avLst/>
@@ -26618,16 +26738,22 @@
           <a:noFill/>
         </p:spPr>
         <p:txBody>
-          <a:bodyPr wrap="none" rtlCol="0">
+          <a:bodyPr wrap="square" rtlCol="0">
             <a:spAutoFit/>
           </a:bodyPr>
           <a:lstStyle/>
           <a:p>
             <a:r>
-              <a:rPr lang="en-US" dirty="0" err="1"/>
+              <a:rPr lang="en-US" sz="1200" dirty="0" err="1">
+                <a:latin typeface="Times New Roman" panose="02020603050405020304" pitchFamily="18" charset="0"/>
+                <a:cs typeface="Times New Roman" panose="02020603050405020304" pitchFamily="18" charset="0"/>
+              </a:rPr>
               <a:t>ZhangSuen</a:t>
             </a:r>
-            <a:endParaRPr lang="en-US" dirty="0"/>
+            <a:endParaRPr lang="en-US" sz="1200" dirty="0">
+              <a:latin typeface="Times New Roman" panose="02020603050405020304" pitchFamily="18" charset="0"/>
+              <a:cs typeface="Times New Roman" panose="02020603050405020304" pitchFamily="18" charset="0"/>
+            </a:endParaRPr>
           </a:p>
         </p:txBody>
       </p:sp>
@@ -26659,8 +26785,8 @@
         </p:blipFill>
         <p:spPr>
           <a:xfrm>
-            <a:off x="885153" y="3454792"/>
-            <a:ext cx="2516868" cy="2567205"/>
+            <a:off x="4367929" y="4704522"/>
+            <a:ext cx="1030266" cy="1050871"/>
           </a:xfrm>
           <a:prstGeom prst="rect">
             <a:avLst/>
@@ -26681,8 +26807,8 @@
         </p:nvSpPr>
         <p:spPr>
           <a:xfrm>
-            <a:off x="1649934" y="5652665"/>
-            <a:ext cx="1100879" cy="369332"/>
+            <a:off x="4482150" y="5467999"/>
+            <a:ext cx="801823" cy="276999"/>
           </a:xfrm>
           <a:prstGeom prst="rect">
             <a:avLst/>
@@ -26696,10 +26822,16 @@
           <a:lstStyle/>
           <a:p>
             <a:r>
-              <a:rPr lang="en-US" dirty="0" err="1"/>
+              <a:rPr lang="en-US" sz="1200" dirty="0" err="1">
+                <a:latin typeface="Times New Roman" panose="02020603050405020304" pitchFamily="18" charset="0"/>
+                <a:cs typeface="Times New Roman" panose="02020603050405020304" pitchFamily="18" charset="0"/>
+              </a:rPr>
               <a:t>Stentiford</a:t>
             </a:r>
-            <a:endParaRPr lang="en-US" dirty="0"/>
+            <a:endParaRPr lang="en-US" sz="1200" dirty="0">
+              <a:latin typeface="Times New Roman" panose="02020603050405020304" pitchFamily="18" charset="0"/>
+              <a:cs typeface="Times New Roman" panose="02020603050405020304" pitchFamily="18" charset="0"/>
+            </a:endParaRPr>
           </a:p>
         </p:txBody>
       </p:sp>
@@ -26731,8 +26863,8 @@
         </p:blipFill>
         <p:spPr>
           <a:xfrm>
-            <a:off x="7597509" y="3454792"/>
-            <a:ext cx="2528188" cy="2578751"/>
+            <a:off x="5491809" y="4684854"/>
+            <a:ext cx="1039459" cy="1060248"/>
           </a:xfrm>
           <a:prstGeom prst="rect">
             <a:avLst/>
@@ -26753,8 +26885,8 @@
         </p:nvSpPr>
         <p:spPr>
           <a:xfrm>
-            <a:off x="8504701" y="5652665"/>
-            <a:ext cx="891975" cy="369332"/>
+            <a:off x="5665930" y="5467999"/>
+            <a:ext cx="691215" cy="276999"/>
           </a:xfrm>
           <a:prstGeom prst="rect">
             <a:avLst/>
@@ -26768,10 +26900,16 @@
           <a:lstStyle/>
           <a:p>
             <a:r>
-              <a:rPr lang="en-US" dirty="0" err="1"/>
+              <a:rPr lang="en-US" sz="1200" dirty="0" err="1">
+                <a:latin typeface="Times New Roman" panose="02020603050405020304" pitchFamily="18" charset="0"/>
+                <a:cs typeface="Times New Roman" panose="02020603050405020304" pitchFamily="18" charset="0"/>
+              </a:rPr>
               <a:t>Hilditch</a:t>
             </a:r>
-            <a:endParaRPr lang="en-US" dirty="0"/>
+            <a:endParaRPr lang="en-US" sz="1200" dirty="0">
+              <a:latin typeface="Times New Roman" panose="02020603050405020304" pitchFamily="18" charset="0"/>
+              <a:cs typeface="Times New Roman" panose="02020603050405020304" pitchFamily="18" charset="0"/>
+            </a:endParaRPr>
           </a:p>
         </p:txBody>
       </p:sp>
@@ -26825,8 +26963,8 @@
         </p:nvSpPr>
         <p:spPr>
           <a:xfrm>
-            <a:off x="3676085" y="3284248"/>
-            <a:ext cx="5112327" cy="369332"/>
+            <a:off x="3306565" y="2743156"/>
+            <a:ext cx="5112327" cy="276999"/>
           </a:xfrm>
           <a:prstGeom prst="rect">
             <a:avLst/>
@@ -26840,27 +26978,45 @@
           <a:lstStyle/>
           <a:p>
             <a:r>
-              <a:rPr lang="en-US" dirty="0" err="1"/>
+              <a:rPr lang="en-US" sz="1200" dirty="0" err="1">
+                <a:latin typeface="Times New Roman" panose="02020603050405020304" pitchFamily="18" charset="0"/>
+                <a:cs typeface="Times New Roman" panose="02020603050405020304" pitchFamily="18" charset="0"/>
+              </a:rPr>
               <a:t>Huruf</a:t>
             </a:r>
             <a:r>
-              <a:rPr lang="en-US" dirty="0"/>
-              <a:t> </a:t>
-            </a:r>
-            <a:r>
-              <a:rPr lang="en-US" dirty="0" err="1"/>
+              <a:rPr lang="en-US" sz="1200" dirty="0">
+                <a:latin typeface="Times New Roman" panose="02020603050405020304" pitchFamily="18" charset="0"/>
+                <a:cs typeface="Times New Roman" panose="02020603050405020304" pitchFamily="18" charset="0"/>
+              </a:rPr>
+              <a:t> </a:t>
+            </a:r>
+            <a:r>
+              <a:rPr lang="en-US" sz="1200" dirty="0" err="1">
+                <a:latin typeface="Times New Roman" panose="02020603050405020304" pitchFamily="18" charset="0"/>
+                <a:cs typeface="Times New Roman" panose="02020603050405020304" pitchFamily="18" charset="0"/>
+              </a:rPr>
               <a:t>Tsa</a:t>
             </a:r>
             <a:r>
-              <a:rPr lang="en-US" dirty="0"/>
+              <a:rPr lang="en-US" sz="1200" dirty="0">
+                <a:latin typeface="Times New Roman" panose="02020603050405020304" pitchFamily="18" charset="0"/>
+                <a:cs typeface="Times New Roman" panose="02020603050405020304" pitchFamily="18" charset="0"/>
+              </a:rPr>
               <a:t> Tunggal </a:t>
             </a:r>
             <a:r>
-              <a:rPr lang="en-US" dirty="0" err="1"/>
+              <a:rPr lang="en-US" sz="1200" dirty="0" err="1">
+                <a:latin typeface="Times New Roman" panose="02020603050405020304" pitchFamily="18" charset="0"/>
+                <a:cs typeface="Times New Roman" panose="02020603050405020304" pitchFamily="18" charset="0"/>
+              </a:rPr>
               <a:t>dengan</a:t>
             </a:r>
             <a:r>
-              <a:rPr lang="en-US" dirty="0"/>
+              <a:rPr lang="en-US" sz="1200" dirty="0">
+                <a:latin typeface="Times New Roman" panose="02020603050405020304" pitchFamily="18" charset="0"/>
+                <a:cs typeface="Times New Roman" panose="02020603050405020304" pitchFamily="18" charset="0"/>
+              </a:rPr>
               <a:t> Font Microsoft Sans Serif </a:t>
             </a:r>
           </a:p>

--- a/1. presentasi/Seminar Kemajuan Tesis.pptx
+++ b/1. presentasi/Seminar Kemajuan Tesis.pptx
@@ -352,7 +352,7 @@
           <a:p>
             <a:fld id="{8476A333-483B-443C-9BB4-F5BC7F6CB232}" type="datetimeFigureOut">
               <a:rPr lang="en-US" smtClean="0"/>
-              <a:t>11/6/2017</a:t>
+              <a:t>11/24/2017</a:t>
             </a:fld>
             <a:endParaRPr lang="en-US"/>
           </a:p>
@@ -542,7 +542,7 @@
           <a:p>
             <a:fld id="{8476A333-483B-443C-9BB4-F5BC7F6CB232}" type="datetimeFigureOut">
               <a:rPr lang="en-US" smtClean="0"/>
-              <a:t>11/6/2017</a:t>
+              <a:t>11/24/2017</a:t>
             </a:fld>
             <a:endParaRPr lang="en-US"/>
           </a:p>
@@ -722,7 +722,7 @@
           <a:p>
             <a:fld id="{8476A333-483B-443C-9BB4-F5BC7F6CB232}" type="datetimeFigureOut">
               <a:rPr lang="en-US" smtClean="0"/>
-              <a:t>11/6/2017</a:t>
+              <a:t>11/24/2017</a:t>
             </a:fld>
             <a:endParaRPr lang="en-US"/>
           </a:p>
@@ -892,7 +892,7 @@
           <a:p>
             <a:fld id="{8476A333-483B-443C-9BB4-F5BC7F6CB232}" type="datetimeFigureOut">
               <a:rPr lang="en-US" smtClean="0"/>
-              <a:t>11/6/2017</a:t>
+              <a:t>11/24/2017</a:t>
             </a:fld>
             <a:endParaRPr lang="en-US"/>
           </a:p>
@@ -1148,7 +1148,7 @@
           <a:p>
             <a:fld id="{8476A333-483B-443C-9BB4-F5BC7F6CB232}" type="datetimeFigureOut">
               <a:rPr lang="en-US" smtClean="0"/>
-              <a:t>11/6/2017</a:t>
+              <a:t>11/24/2017</a:t>
             </a:fld>
             <a:endParaRPr lang="en-US"/>
           </a:p>
@@ -1436,7 +1436,7 @@
           <a:p>
             <a:fld id="{8476A333-483B-443C-9BB4-F5BC7F6CB232}" type="datetimeFigureOut">
               <a:rPr lang="en-US" smtClean="0"/>
-              <a:t>11/6/2017</a:t>
+              <a:t>11/24/2017</a:t>
             </a:fld>
             <a:endParaRPr lang="en-US"/>
           </a:p>
@@ -1874,7 +1874,7 @@
           <a:p>
             <a:fld id="{8476A333-483B-443C-9BB4-F5BC7F6CB232}" type="datetimeFigureOut">
               <a:rPr lang="en-US" smtClean="0"/>
-              <a:t>11/6/2017</a:t>
+              <a:t>11/24/2017</a:t>
             </a:fld>
             <a:endParaRPr lang="en-US"/>
           </a:p>
@@ -1992,7 +1992,7 @@
           <a:p>
             <a:fld id="{8476A333-483B-443C-9BB4-F5BC7F6CB232}" type="datetimeFigureOut">
               <a:rPr lang="en-US" smtClean="0"/>
-              <a:t>11/6/2017</a:t>
+              <a:t>11/24/2017</a:t>
             </a:fld>
             <a:endParaRPr lang="en-US"/>
           </a:p>
@@ -2087,7 +2087,7 @@
           <a:p>
             <a:fld id="{8476A333-483B-443C-9BB4-F5BC7F6CB232}" type="datetimeFigureOut">
               <a:rPr lang="en-US" smtClean="0"/>
-              <a:t>11/6/2017</a:t>
+              <a:t>11/24/2017</a:t>
             </a:fld>
             <a:endParaRPr lang="en-US"/>
           </a:p>
@@ -2443,7 +2443,7 @@
           <a:p>
             <a:fld id="{8476A333-483B-443C-9BB4-F5BC7F6CB232}" type="datetimeFigureOut">
               <a:rPr lang="en-US" smtClean="0"/>
-              <a:t>11/6/2017</a:t>
+              <a:t>11/24/2017</a:t>
             </a:fld>
             <a:endParaRPr lang="en-US"/>
           </a:p>
@@ -2759,7 +2759,7 @@
           <a:p>
             <a:fld id="{8476A333-483B-443C-9BB4-F5BC7F6CB232}" type="datetimeFigureOut">
               <a:rPr lang="en-US" smtClean="0"/>
-              <a:t>11/6/2017</a:t>
+              <a:t>11/24/2017</a:t>
             </a:fld>
             <a:endParaRPr lang="en-US"/>
           </a:p>
@@ -2992,7 +2992,7 @@
           <a:p>
             <a:fld id="{8476A333-483B-443C-9BB4-F5BC7F6CB232}" type="datetimeFigureOut">
               <a:rPr lang="en-US" smtClean="0"/>
-              <a:t>11/6/2017</a:t>
+              <a:t>11/24/2017</a:t>
             </a:fld>
             <a:endParaRPr lang="en-US"/>
           </a:p>
@@ -19579,19 +19579,7 @@
                           <a:rPr lang="en-US" sz="2400" i="1">
                             <a:latin typeface="Cambria Math" panose="02040503050406030204" pitchFamily="18" charset="0"/>
                           </a:rPr>
-                          <m:t>(</m:t>
-                        </m:r>
-                        <m:r>
-                          <a:rPr lang="en-US" sz="2400" i="1">
-                            <a:latin typeface="Cambria Math" panose="02040503050406030204" pitchFamily="18" charset="0"/>
-                          </a:rPr>
-                          <m:t>1</m:t>
-                        </m:r>
-                        <m:r>
-                          <a:rPr lang="en-US" sz="2400" i="1">
-                            <a:latin typeface="Cambria Math" panose="02040503050406030204" pitchFamily="18" charset="0"/>
-                          </a:rPr>
-                          <m:t>+</m:t>
+                          <m:t>(1+</m:t>
                         </m:r>
                         <m:sSup>
                           <m:sSupPr>
@@ -19680,19 +19668,7 @@
                           <a:rPr lang="en-US" sz="2400" i="1">
                             <a:latin typeface="Cambria Math" panose="02040503050406030204" pitchFamily="18" charset="0"/>
                           </a:rPr>
-                          <m:t>(</m:t>
-                        </m:r>
-                        <m:r>
-                          <a:rPr lang="en-US" sz="2400" i="1">
-                            <a:latin typeface="Cambria Math" panose="02040503050406030204" pitchFamily="18" charset="0"/>
-                          </a:rPr>
-                          <m:t>1</m:t>
-                        </m:r>
-                        <m:r>
-                          <a:rPr lang="en-US" sz="2400" i="1">
-                            <a:latin typeface="Cambria Math" panose="02040503050406030204" pitchFamily="18" charset="0"/>
-                          </a:rPr>
-                          <m:t>+</m:t>
+                          <m:t>(1+</m:t>
                         </m:r>
                         <m:sSup>
                           <m:sSupPr>
@@ -19721,19 +19697,7 @@
                               <a:rPr lang="en-US" sz="2400" b="0" i="1" smtClean="0">
                                 <a:latin typeface="Cambria Math" panose="02040503050406030204" pitchFamily="18" charset="0"/>
                               </a:rPr>
-                              <m:t>0</m:t>
-                            </m:r>
-                            <m:r>
-                              <a:rPr lang="en-US" sz="2400" b="0" i="1" smtClean="0">
-                                <a:latin typeface="Cambria Math" panose="02040503050406030204" pitchFamily="18" charset="0"/>
-                              </a:rPr>
-                              <m:t>.</m:t>
-                            </m:r>
-                            <m:r>
-                              <a:rPr lang="en-US" sz="2400" b="0" i="1" smtClean="0">
-                                <a:latin typeface="Cambria Math" panose="02040503050406030204" pitchFamily="18" charset="0"/>
-                              </a:rPr>
-                              <m:t>1</m:t>
+                              <m:t>0.1</m:t>
                             </m:r>
                           </m:sup>
                         </m:sSup>
@@ -20204,19 +20168,7 @@
                           <a:rPr lang="en-US" sz="2400" i="1">
                             <a:latin typeface="Cambria Math" panose="02040503050406030204" pitchFamily="18" charset="0"/>
                           </a:rPr>
-                          <m:t>(</m:t>
-                        </m:r>
-                        <m:r>
-                          <a:rPr lang="en-US" sz="2400" i="1">
-                            <a:latin typeface="Cambria Math" panose="02040503050406030204" pitchFamily="18" charset="0"/>
-                          </a:rPr>
-                          <m:t>1</m:t>
-                        </m:r>
-                        <m:r>
-                          <a:rPr lang="en-US" sz="2400" i="1">
-                            <a:latin typeface="Cambria Math" panose="02040503050406030204" pitchFamily="18" charset="0"/>
-                          </a:rPr>
-                          <m:t>+</m:t>
+                          <m:t>(1+</m:t>
                         </m:r>
                         <m:sSup>
                           <m:sSupPr>
@@ -20251,19 +20203,7 @@
                               <a:rPr lang="en-US" sz="2400" i="1" smtClean="0">
                                 <a:latin typeface="Cambria Math" panose="02040503050406030204" pitchFamily="18" charset="0"/>
                               </a:rPr>
-                              <m:t>0</m:t>
-                            </m:r>
-                            <m:r>
-                              <a:rPr lang="en-US" sz="2400" i="1" smtClean="0">
-                                <a:latin typeface="Cambria Math" panose="02040503050406030204" pitchFamily="18" charset="0"/>
-                              </a:rPr>
-                              <m:t>.</m:t>
-                            </m:r>
-                            <m:r>
-                              <a:rPr lang="en-US" sz="2400" i="1" smtClean="0">
-                                <a:latin typeface="Cambria Math" panose="02040503050406030204" pitchFamily="18" charset="0"/>
-                              </a:rPr>
-                              <m:t>1</m:t>
+                              <m:t>0.1</m:t>
                             </m:r>
                             <m:r>
                               <a:rPr lang="en-US" sz="2400" b="0" i="1" smtClean="0">
@@ -20477,19 +20417,7 @@
                           <a:rPr lang="en-US" sz="2400" i="1">
                             <a:latin typeface="Cambria Math" panose="02040503050406030204" pitchFamily="18" charset="0"/>
                           </a:rPr>
-                          <m:t>(</m:t>
-                        </m:r>
-                        <m:r>
-                          <a:rPr lang="en-US" sz="2400" i="1">
-                            <a:latin typeface="Cambria Math" panose="02040503050406030204" pitchFamily="18" charset="0"/>
-                          </a:rPr>
-                          <m:t>1</m:t>
-                        </m:r>
-                        <m:r>
-                          <a:rPr lang="en-US" sz="2400" i="1">
-                            <a:latin typeface="Cambria Math" panose="02040503050406030204" pitchFamily="18" charset="0"/>
-                          </a:rPr>
-                          <m:t>+</m:t>
+                          <m:t>(1+</m:t>
                         </m:r>
                         <m:sSup>
                           <m:sSupPr>
@@ -20512,25 +20440,7 @@
                               <a:rPr lang="en-US" sz="2400" i="1">
                                 <a:latin typeface="Cambria Math" panose="02040503050406030204" pitchFamily="18" charset="0"/>
                               </a:rPr>
-                              <m:t>−</m:t>
-                            </m:r>
-                            <m:r>
-                              <a:rPr lang="en-US" sz="2400" i="1">
-                                <a:latin typeface="Cambria Math" panose="02040503050406030204" pitchFamily="18" charset="0"/>
-                              </a:rPr>
-                              <m:t>0</m:t>
-                            </m:r>
-                            <m:r>
-                              <a:rPr lang="en-US" sz="2400" i="1">
-                                <a:latin typeface="Cambria Math" panose="02040503050406030204" pitchFamily="18" charset="0"/>
-                              </a:rPr>
-                              <m:t>.</m:t>
-                            </m:r>
-                            <m:r>
-                              <a:rPr lang="en-US" sz="2400" i="1">
-                                <a:latin typeface="Cambria Math" panose="02040503050406030204" pitchFamily="18" charset="0"/>
-                              </a:rPr>
-                              <m:t>158</m:t>
+                              <m:t>−0.158</m:t>
                             </m:r>
                           </m:sup>
                         </m:sSup>
@@ -26750,10 +26660,13 @@
               </a:rPr>
               <a:t>ZhangSuen</a:t>
             </a:r>
-            <a:endParaRPr lang="en-US" sz="1200" dirty="0">
-              <a:latin typeface="Times New Roman" panose="02020603050405020304" pitchFamily="18" charset="0"/>
-              <a:cs typeface="Times New Roman" panose="02020603050405020304" pitchFamily="18" charset="0"/>
-            </a:endParaRPr>
+            <a:r>
+              <a:rPr lang="en-US" sz="1200" dirty="0">
+                <a:latin typeface="Times New Roman" panose="02020603050405020304" pitchFamily="18" charset="0"/>
+                <a:cs typeface="Times New Roman" panose="02020603050405020304" pitchFamily="18" charset="0"/>
+              </a:rPr>
+              <a:t> </a:t>
+            </a:r>
           </a:p>
         </p:txBody>
       </p:sp>
@@ -26785,7 +26698,7 @@
         </p:blipFill>
         <p:spPr>
           <a:xfrm>
-            <a:off x="4367929" y="4704522"/>
+            <a:off x="4260839" y="4712825"/>
             <a:ext cx="1030266" cy="1050871"/>
           </a:xfrm>
           <a:prstGeom prst="rect">
@@ -26808,7 +26721,7 @@
         <p:spPr>
           <a:xfrm>
             <a:off x="4482150" y="5467999"/>
-            <a:ext cx="801823" cy="276999"/>
+            <a:ext cx="840295" cy="276999"/>
           </a:xfrm>
           <a:prstGeom prst="rect">
             <a:avLst/>
@@ -26828,10 +26741,13 @@
               </a:rPr>
               <a:t>Stentiford</a:t>
             </a:r>
-            <a:endParaRPr lang="en-US" sz="1200" dirty="0">
-              <a:latin typeface="Times New Roman" panose="02020603050405020304" pitchFamily="18" charset="0"/>
-              <a:cs typeface="Times New Roman" panose="02020603050405020304" pitchFamily="18" charset="0"/>
-            </a:endParaRPr>
+            <a:r>
+              <a:rPr lang="en-US" sz="1200" dirty="0">
+                <a:latin typeface="Times New Roman" panose="02020603050405020304" pitchFamily="18" charset="0"/>
+                <a:cs typeface="Times New Roman" panose="02020603050405020304" pitchFamily="18" charset="0"/>
+              </a:rPr>
+              <a:t> </a:t>
+            </a:r>
           </a:p>
         </p:txBody>
       </p:sp>
@@ -26886,7 +26802,7 @@
         <p:spPr>
           <a:xfrm>
             <a:off x="5665930" y="5467999"/>
-            <a:ext cx="691215" cy="276999"/>
+            <a:ext cx="729687" cy="276999"/>
           </a:xfrm>
           <a:prstGeom prst="rect">
             <a:avLst/>
@@ -26906,10 +26822,13 @@
               </a:rPr>
               <a:t>Hilditch</a:t>
             </a:r>
-            <a:endParaRPr lang="en-US" sz="1200" dirty="0">
-              <a:latin typeface="Times New Roman" panose="02020603050405020304" pitchFamily="18" charset="0"/>
-              <a:cs typeface="Times New Roman" panose="02020603050405020304" pitchFamily="18" charset="0"/>
-            </a:endParaRPr>
+            <a:r>
+              <a:rPr lang="en-US" sz="1200" dirty="0">
+                <a:latin typeface="Times New Roman" panose="02020603050405020304" pitchFamily="18" charset="0"/>
+                <a:cs typeface="Times New Roman" panose="02020603050405020304" pitchFamily="18" charset="0"/>
+              </a:rPr>
+              <a:t> </a:t>
+            </a:r>
           </a:p>
         </p:txBody>
       </p:sp>

--- a/1. presentasi/Seminar Kemajuan Tesis.pptx
+++ b/1. presentasi/Seminar Kemajuan Tesis.pptx
@@ -352,7 +352,7 @@
           <a:p>
             <a:fld id="{8476A333-483B-443C-9BB4-F5BC7F6CB232}" type="datetimeFigureOut">
               <a:rPr lang="en-US" smtClean="0"/>
-              <a:t>11/24/2017</a:t>
+              <a:t>11/28/2017</a:t>
             </a:fld>
             <a:endParaRPr lang="en-US"/>
           </a:p>
@@ -542,7 +542,7 @@
           <a:p>
             <a:fld id="{8476A333-483B-443C-9BB4-F5BC7F6CB232}" type="datetimeFigureOut">
               <a:rPr lang="en-US" smtClean="0"/>
-              <a:t>11/24/2017</a:t>
+              <a:t>11/28/2017</a:t>
             </a:fld>
             <a:endParaRPr lang="en-US"/>
           </a:p>
@@ -722,7 +722,7 @@
           <a:p>
             <a:fld id="{8476A333-483B-443C-9BB4-F5BC7F6CB232}" type="datetimeFigureOut">
               <a:rPr lang="en-US" smtClean="0"/>
-              <a:t>11/24/2017</a:t>
+              <a:t>11/28/2017</a:t>
             </a:fld>
             <a:endParaRPr lang="en-US"/>
           </a:p>
@@ -892,7 +892,7 @@
           <a:p>
             <a:fld id="{8476A333-483B-443C-9BB4-F5BC7F6CB232}" type="datetimeFigureOut">
               <a:rPr lang="en-US" smtClean="0"/>
-              <a:t>11/24/2017</a:t>
+              <a:t>11/28/2017</a:t>
             </a:fld>
             <a:endParaRPr lang="en-US"/>
           </a:p>
@@ -1148,7 +1148,7 @@
           <a:p>
             <a:fld id="{8476A333-483B-443C-9BB4-F5BC7F6CB232}" type="datetimeFigureOut">
               <a:rPr lang="en-US" smtClean="0"/>
-              <a:t>11/24/2017</a:t>
+              <a:t>11/28/2017</a:t>
             </a:fld>
             <a:endParaRPr lang="en-US"/>
           </a:p>
@@ -1436,7 +1436,7 @@
           <a:p>
             <a:fld id="{8476A333-483B-443C-9BB4-F5BC7F6CB232}" type="datetimeFigureOut">
               <a:rPr lang="en-US" smtClean="0"/>
-              <a:t>11/24/2017</a:t>
+              <a:t>11/28/2017</a:t>
             </a:fld>
             <a:endParaRPr lang="en-US"/>
           </a:p>
@@ -1874,7 +1874,7 @@
           <a:p>
             <a:fld id="{8476A333-483B-443C-9BB4-F5BC7F6CB232}" type="datetimeFigureOut">
               <a:rPr lang="en-US" smtClean="0"/>
-              <a:t>11/24/2017</a:t>
+              <a:t>11/28/2017</a:t>
             </a:fld>
             <a:endParaRPr lang="en-US"/>
           </a:p>
@@ -1992,7 +1992,7 @@
           <a:p>
             <a:fld id="{8476A333-483B-443C-9BB4-F5BC7F6CB232}" type="datetimeFigureOut">
               <a:rPr lang="en-US" smtClean="0"/>
-              <a:t>11/24/2017</a:t>
+              <a:t>11/28/2017</a:t>
             </a:fld>
             <a:endParaRPr lang="en-US"/>
           </a:p>
@@ -2087,7 +2087,7 @@
           <a:p>
             <a:fld id="{8476A333-483B-443C-9BB4-F5BC7F6CB232}" type="datetimeFigureOut">
               <a:rPr lang="en-US" smtClean="0"/>
-              <a:t>11/24/2017</a:t>
+              <a:t>11/28/2017</a:t>
             </a:fld>
             <a:endParaRPr lang="en-US"/>
           </a:p>
@@ -2443,7 +2443,7 @@
           <a:p>
             <a:fld id="{8476A333-483B-443C-9BB4-F5BC7F6CB232}" type="datetimeFigureOut">
               <a:rPr lang="en-US" smtClean="0"/>
-              <a:t>11/24/2017</a:t>
+              <a:t>11/28/2017</a:t>
             </a:fld>
             <a:endParaRPr lang="en-US"/>
           </a:p>
@@ -2759,7 +2759,7 @@
           <a:p>
             <a:fld id="{8476A333-483B-443C-9BB4-F5BC7F6CB232}" type="datetimeFigureOut">
               <a:rPr lang="en-US" smtClean="0"/>
-              <a:t>11/24/2017</a:t>
+              <a:t>11/28/2017</a:t>
             </a:fld>
             <a:endParaRPr lang="en-US"/>
           </a:p>
@@ -2992,7 +2992,7 @@
           <a:p>
             <a:fld id="{8476A333-483B-443C-9BB4-F5BC7F6CB232}" type="datetimeFigureOut">
               <a:rPr lang="en-US" smtClean="0"/>
-              <a:t>11/24/2017</a:t>
+              <a:t>11/28/2017</a:t>
             </a:fld>
             <a:endParaRPr lang="en-US"/>
           </a:p>
@@ -12858,7 +12858,7 @@
         </p:blipFill>
         <p:spPr>
           <a:xfrm>
-            <a:off x="6209909" y="1400432"/>
+            <a:off x="6209909" y="1424495"/>
             <a:ext cx="5071796" cy="4793889"/>
           </a:xfrm>
         </p:spPr>
@@ -12885,7 +12885,7 @@
         </p:blipFill>
         <p:spPr>
           <a:xfrm>
-            <a:off x="652734" y="1400433"/>
+            <a:off x="652734" y="1424496"/>
             <a:ext cx="5239832" cy="4793889"/>
           </a:xfrm>
           <a:prstGeom prst="rect">
@@ -14880,14 +14880,14 @@
           <p:nvPr>
             <p:extLst>
               <p:ext uri="{D42A27DB-BD31-4B8C-83A1-F6EECF244321}">
-                <p14:modId xmlns:p14="http://schemas.microsoft.com/office/powerpoint/2010/main" val="1864990541"/>
+                <p14:modId xmlns:p14="http://schemas.microsoft.com/office/powerpoint/2010/main" val="170316833"/>
               </p:ext>
             </p:extLst>
           </p:nvPr>
         </p:nvGraphicFramePr>
         <p:xfrm>
           <a:off x="1907308" y="2299084"/>
-          <a:ext cx="8442036" cy="3139440"/>
+          <a:ext cx="7907666" cy="3139440"/>
         </p:xfrm>
         <a:graphic>
           <a:graphicData uri="http://schemas.openxmlformats.org/drawingml/2006/table">
@@ -14903,7 +14903,7 @@
                     </a:ext>
                   </a:extLst>
                 </a:gridCol>
-                <a:gridCol w="3306463">
+                <a:gridCol w="2772093">
                   <a:extLst>
                     <a:ext uri="{9D8B030D-6E8A-4147-A177-3AD203B41FA5}">
                       <a16:colId xmlns:a16="http://schemas.microsoft.com/office/drawing/2014/main" val="882487523"/>
@@ -16639,6 +16639,1113 @@
           </a:p>
         </p:txBody>
       </p:sp>
+      <p:graphicFrame>
+        <p:nvGraphicFramePr>
+          <p:cNvPr id="4" name="Table 3">
+            <a:extLst>
+              <a:ext uri="{FF2B5EF4-FFF2-40B4-BE49-F238E27FC236}">
+                <a16:creationId xmlns:a16="http://schemas.microsoft.com/office/drawing/2014/main" id="{A475A0E9-A9FB-49EE-A98B-426562DF43BB}"/>
+              </a:ext>
+            </a:extLst>
+          </p:cNvPr>
+          <p:cNvGraphicFramePr>
+            <a:graphicFrameLocks noGrp="1"/>
+          </p:cNvGraphicFramePr>
+          <p:nvPr>
+            <p:extLst>
+              <p:ext uri="{D42A27DB-BD31-4B8C-83A1-F6EECF244321}">
+                <p14:modId xmlns:p14="http://schemas.microsoft.com/office/powerpoint/2010/main" val="3658594224"/>
+              </p:ext>
+            </p:extLst>
+          </p:nvPr>
+        </p:nvGraphicFramePr>
+        <p:xfrm>
+          <a:off x="2096655" y="1679071"/>
+          <a:ext cx="8252690" cy="4993640"/>
+        </p:xfrm>
+        <a:graphic>
+          <a:graphicData uri="http://schemas.openxmlformats.org/drawingml/2006/table">
+            <a:tbl>
+              <a:tblPr firstRow="1" bandRow="1">
+                <a:tableStyleId>{5C22544A-7EE6-4342-B048-85BDC9FD1C3A}</a:tableStyleId>
+              </a:tblPr>
+              <a:tblGrid>
+                <a:gridCol w="2430190">
+                  <a:extLst>
+                    <a:ext uri="{9D8B030D-6E8A-4147-A177-3AD203B41FA5}">
+                      <a16:colId xmlns:a16="http://schemas.microsoft.com/office/drawing/2014/main" val="1761105069"/>
+                    </a:ext>
+                  </a:extLst>
+                </a:gridCol>
+                <a:gridCol w="2816064">
+                  <a:extLst>
+                    <a:ext uri="{9D8B030D-6E8A-4147-A177-3AD203B41FA5}">
+                      <a16:colId xmlns:a16="http://schemas.microsoft.com/office/drawing/2014/main" val="1193764578"/>
+                    </a:ext>
+                  </a:extLst>
+                </a:gridCol>
+                <a:gridCol w="3006436">
+                  <a:extLst>
+                    <a:ext uri="{9D8B030D-6E8A-4147-A177-3AD203B41FA5}">
+                      <a16:colId xmlns:a16="http://schemas.microsoft.com/office/drawing/2014/main" val="1842109872"/>
+                    </a:ext>
+                  </a:extLst>
+                </a:gridCol>
+              </a:tblGrid>
+              <a:tr h="259234">
+                <a:tc>
+                  <a:txBody>
+                    <a:bodyPr/>
+                    <a:lstStyle/>
+                    <a:p>
+                      <a:pPr algn="ctr"/>
+                      <a:r>
+                        <a:rPr lang="en-US" dirty="0" err="1">
+                          <a:latin typeface="+mj-lt"/>
+                        </a:rPr>
+                        <a:t>Kalimat</a:t>
+                      </a:r>
+                      <a:endParaRPr lang="en-US" dirty="0">
+                        <a:latin typeface="+mj-lt"/>
+                      </a:endParaRPr>
+                    </a:p>
+                  </a:txBody>
+                  <a:tcPr/>
+                </a:tc>
+                <a:tc>
+                  <a:txBody>
+                    <a:bodyPr/>
+                    <a:lstStyle/>
+                    <a:p>
+                      <a:pPr marL="0" marR="0" lvl="0" indent="0" algn="ctr" defTabSz="914400" rtl="0" eaLnBrk="1" fontAlgn="auto" latinLnBrk="0" hangingPunct="1">
+                        <a:lnSpc>
+                          <a:spcPct val="100000"/>
+                        </a:lnSpc>
+                        <a:spcBef>
+                          <a:spcPts val="0"/>
+                        </a:spcBef>
+                        <a:spcAft>
+                          <a:spcPts val="0"/>
+                        </a:spcAft>
+                        <a:buClrTx/>
+                        <a:buSzTx/>
+                        <a:buFontTx/>
+                        <a:buNone/>
+                        <a:tabLst/>
+                        <a:defRPr/>
+                      </a:pPr>
+                      <a:r>
+                        <a:rPr lang="en-US" sz="1800" dirty="0" err="1">
+                          <a:latin typeface="+mj-lt"/>
+                        </a:rPr>
+                        <a:t>Akurasi</a:t>
+                      </a:r>
+                      <a:r>
+                        <a:rPr lang="en-US" sz="1800" dirty="0">
+                          <a:latin typeface="+mj-lt"/>
+                        </a:rPr>
+                        <a:t>  </a:t>
+                      </a:r>
+                    </a:p>
+                    <a:p>
+                      <a:pPr marL="0" marR="0" lvl="0" indent="0" algn="ctr" defTabSz="914400" rtl="0" eaLnBrk="1" fontAlgn="auto" latinLnBrk="0" hangingPunct="1">
+                        <a:lnSpc>
+                          <a:spcPct val="100000"/>
+                        </a:lnSpc>
+                        <a:spcBef>
+                          <a:spcPts val="0"/>
+                        </a:spcBef>
+                        <a:spcAft>
+                          <a:spcPts val="0"/>
+                        </a:spcAft>
+                        <a:buClrTx/>
+                        <a:buSzTx/>
+                        <a:buFontTx/>
+                        <a:buNone/>
+                        <a:tabLst/>
+                        <a:defRPr/>
+                      </a:pPr>
+                      <a:r>
+                        <a:rPr lang="en-US" sz="1800" dirty="0">
+                          <a:latin typeface="+mj-lt"/>
+                        </a:rPr>
+                        <a:t>(</a:t>
+                      </a:r>
+                      <a:r>
+                        <a:rPr lang="en-US" sz="1800" dirty="0" err="1">
+                          <a:latin typeface="+mj-lt"/>
+                        </a:rPr>
+                        <a:t>Normalisasi</a:t>
+                      </a:r>
+                      <a:r>
+                        <a:rPr lang="en-US" sz="1800" dirty="0">
+                          <a:latin typeface="+mj-lt"/>
+                        </a:rPr>
+                        <a:t> Chain Code 10)</a:t>
+                      </a:r>
+                    </a:p>
+                  </a:txBody>
+                  <a:tcPr/>
+                </a:tc>
+                <a:tc>
+                  <a:txBody>
+                    <a:bodyPr/>
+                    <a:lstStyle/>
+                    <a:p>
+                      <a:pPr marL="0" marR="0" lvl="0" indent="0" algn="ctr" defTabSz="914400" rtl="0" eaLnBrk="1" fontAlgn="auto" latinLnBrk="0" hangingPunct="1">
+                        <a:lnSpc>
+                          <a:spcPct val="100000"/>
+                        </a:lnSpc>
+                        <a:spcBef>
+                          <a:spcPts val="0"/>
+                        </a:spcBef>
+                        <a:spcAft>
+                          <a:spcPts val="0"/>
+                        </a:spcAft>
+                        <a:buClrTx/>
+                        <a:buSzTx/>
+                        <a:buFontTx/>
+                        <a:buNone/>
+                        <a:tabLst/>
+                        <a:defRPr/>
+                      </a:pPr>
+                      <a:r>
+                        <a:rPr lang="en-US" sz="1800" dirty="0" err="1">
+                          <a:latin typeface="+mj-lt"/>
+                        </a:rPr>
+                        <a:t>Akurasi</a:t>
+                      </a:r>
+                      <a:r>
+                        <a:rPr lang="en-US" sz="1800" dirty="0">
+                          <a:latin typeface="+mj-lt"/>
+                        </a:rPr>
+                        <a:t>  </a:t>
+                      </a:r>
+                    </a:p>
+                    <a:p>
+                      <a:pPr marL="0" marR="0" lvl="0" indent="0" algn="ctr" defTabSz="914400" rtl="0" eaLnBrk="1" fontAlgn="auto" latinLnBrk="0" hangingPunct="1">
+                        <a:lnSpc>
+                          <a:spcPct val="100000"/>
+                        </a:lnSpc>
+                        <a:spcBef>
+                          <a:spcPts val="0"/>
+                        </a:spcBef>
+                        <a:spcAft>
+                          <a:spcPts val="0"/>
+                        </a:spcAft>
+                        <a:buClrTx/>
+                        <a:buSzTx/>
+                        <a:buFontTx/>
+                        <a:buNone/>
+                        <a:tabLst/>
+                        <a:defRPr/>
+                      </a:pPr>
+                      <a:r>
+                        <a:rPr lang="en-US" sz="1800" dirty="0">
+                          <a:latin typeface="+mj-lt"/>
+                        </a:rPr>
+                        <a:t>(</a:t>
+                      </a:r>
+                      <a:r>
+                        <a:rPr lang="en-US" sz="1800" dirty="0" err="1">
+                          <a:latin typeface="+mj-lt"/>
+                        </a:rPr>
+                        <a:t>Normalisasi</a:t>
+                      </a:r>
+                      <a:r>
+                        <a:rPr lang="en-US" sz="1800" dirty="0">
+                          <a:latin typeface="+mj-lt"/>
+                        </a:rPr>
+                        <a:t> Chain Code 15)</a:t>
+                      </a:r>
+                    </a:p>
+                    <a:p>
+                      <a:endParaRPr lang="en-US" dirty="0">
+                        <a:latin typeface="+mj-lt"/>
+                      </a:endParaRPr>
+                    </a:p>
+                  </a:txBody>
+                  <a:tcPr/>
+                </a:tc>
+                <a:extLst>
+                  <a:ext uri="{0D108BD9-81ED-4DB2-BD59-A6C34878D82A}">
+                    <a16:rowId xmlns:a16="http://schemas.microsoft.com/office/drawing/2014/main" val="1978583621"/>
+                  </a:ext>
+                </a:extLst>
+              </a:tr>
+              <a:tr h="370840">
+                <a:tc>
+                  <a:txBody>
+                    <a:bodyPr/>
+                    <a:lstStyle/>
+                    <a:p>
+                      <a:pPr algn="ctr" fontAlgn="b"/>
+                      <a:r>
+                        <a:rPr lang="en-US" sz="1800" b="0" i="0" u="none" strike="noStrike" dirty="0" err="1">
+                          <a:solidFill>
+                            <a:srgbClr val="000000"/>
+                          </a:solidFill>
+                          <a:effectLst/>
+                          <a:latin typeface="+mj-lt"/>
+                        </a:rPr>
+                        <a:t>Kalimat</a:t>
+                      </a:r>
+                      <a:r>
+                        <a:rPr lang="en-US" sz="1800" b="0" i="0" u="none" strike="noStrike" dirty="0">
+                          <a:solidFill>
+                            <a:srgbClr val="000000"/>
+                          </a:solidFill>
+                          <a:effectLst/>
+                          <a:latin typeface="+mj-lt"/>
+                        </a:rPr>
+                        <a:t> 1</a:t>
+                      </a:r>
+                    </a:p>
+                  </a:txBody>
+                  <a:tcPr marL="9525" marR="9525" marT="9525" marB="0" anchor="b"/>
+                </a:tc>
+                <a:tc>
+                  <a:txBody>
+                    <a:bodyPr/>
+                    <a:lstStyle/>
+                    <a:p>
+                      <a:pPr algn="ctr" fontAlgn="b"/>
+                      <a:r>
+                        <a:rPr lang="en-US" sz="1800" b="0" i="0" u="none" strike="noStrike" dirty="0">
+                          <a:solidFill>
+                            <a:srgbClr val="000000"/>
+                          </a:solidFill>
+                          <a:effectLst/>
+                          <a:latin typeface="+mj-lt"/>
+                        </a:rPr>
+                        <a:t>79.1%</a:t>
+                      </a:r>
+                    </a:p>
+                  </a:txBody>
+                  <a:tcPr marL="9525" marR="9525" marT="9525" marB="0" anchor="b"/>
+                </a:tc>
+                <a:tc>
+                  <a:txBody>
+                    <a:bodyPr/>
+                    <a:lstStyle/>
+                    <a:p>
+                      <a:pPr algn="ctr" fontAlgn="b"/>
+                      <a:r>
+                        <a:rPr lang="en-US" sz="1800" b="0" i="0" u="none" strike="noStrike" dirty="0">
+                          <a:solidFill>
+                            <a:srgbClr val="000000"/>
+                          </a:solidFill>
+                          <a:effectLst/>
+                          <a:latin typeface="+mj-lt"/>
+                        </a:rPr>
+                        <a:t>83.3%</a:t>
+                      </a:r>
+                    </a:p>
+                  </a:txBody>
+                  <a:tcPr marL="9525" marR="9525" marT="9525" marB="0" anchor="b"/>
+                </a:tc>
+                <a:extLst>
+                  <a:ext uri="{0D108BD9-81ED-4DB2-BD59-A6C34878D82A}">
+                    <a16:rowId xmlns:a16="http://schemas.microsoft.com/office/drawing/2014/main" val="2051185433"/>
+                  </a:ext>
+                </a:extLst>
+              </a:tr>
+              <a:tr h="370840">
+                <a:tc>
+                  <a:txBody>
+                    <a:bodyPr/>
+                    <a:lstStyle/>
+                    <a:p>
+                      <a:pPr algn="ctr" fontAlgn="b"/>
+                      <a:r>
+                        <a:rPr lang="en-US" sz="1800" b="0" i="0" u="none" strike="noStrike" dirty="0" err="1">
+                          <a:solidFill>
+                            <a:srgbClr val="000000"/>
+                          </a:solidFill>
+                          <a:effectLst/>
+                          <a:latin typeface="+mj-lt"/>
+                        </a:rPr>
+                        <a:t>Kalimat</a:t>
+                      </a:r>
+                      <a:r>
+                        <a:rPr lang="en-US" sz="1800" b="0" i="0" u="none" strike="noStrike" dirty="0">
+                          <a:solidFill>
+                            <a:srgbClr val="000000"/>
+                          </a:solidFill>
+                          <a:effectLst/>
+                          <a:latin typeface="+mj-lt"/>
+                        </a:rPr>
+                        <a:t> 2</a:t>
+                      </a:r>
+                    </a:p>
+                  </a:txBody>
+                  <a:tcPr marL="9525" marR="9525" marT="9525" marB="0" anchor="b"/>
+                </a:tc>
+                <a:tc>
+                  <a:txBody>
+                    <a:bodyPr/>
+                    <a:lstStyle/>
+                    <a:p>
+                      <a:pPr algn="ctr" fontAlgn="b"/>
+                      <a:r>
+                        <a:rPr lang="en-US" sz="1800" b="0" i="0" u="none" strike="noStrike" dirty="0">
+                          <a:solidFill>
+                            <a:srgbClr val="000000"/>
+                          </a:solidFill>
+                          <a:effectLst/>
+                          <a:latin typeface="+mj-lt"/>
+                        </a:rPr>
+                        <a:t>82.3%</a:t>
+                      </a:r>
+                    </a:p>
+                  </a:txBody>
+                  <a:tcPr marL="9525" marR="9525" marT="9525" marB="0" anchor="b"/>
+                </a:tc>
+                <a:tc>
+                  <a:txBody>
+                    <a:bodyPr/>
+                    <a:lstStyle/>
+                    <a:p>
+                      <a:pPr algn="ctr" fontAlgn="b"/>
+                      <a:r>
+                        <a:rPr lang="en-US" sz="1800" b="0" i="0" u="none" strike="noStrike" dirty="0">
+                          <a:solidFill>
+                            <a:srgbClr val="000000"/>
+                          </a:solidFill>
+                          <a:effectLst/>
+                          <a:latin typeface="+mj-lt"/>
+                        </a:rPr>
+                        <a:t>64.7%</a:t>
+                      </a:r>
+                    </a:p>
+                  </a:txBody>
+                  <a:tcPr marL="9525" marR="9525" marT="9525" marB="0" anchor="b"/>
+                </a:tc>
+                <a:extLst>
+                  <a:ext uri="{0D108BD9-81ED-4DB2-BD59-A6C34878D82A}">
+                    <a16:rowId xmlns:a16="http://schemas.microsoft.com/office/drawing/2014/main" val="1174659309"/>
+                  </a:ext>
+                </a:extLst>
+              </a:tr>
+              <a:tr h="370840">
+                <a:tc>
+                  <a:txBody>
+                    <a:bodyPr/>
+                    <a:lstStyle/>
+                    <a:p>
+                      <a:pPr algn="ctr" fontAlgn="b"/>
+                      <a:r>
+                        <a:rPr lang="en-US" sz="1800" b="0" i="0" u="none" strike="noStrike" dirty="0" err="1">
+                          <a:solidFill>
+                            <a:srgbClr val="000000"/>
+                          </a:solidFill>
+                          <a:effectLst/>
+                          <a:latin typeface="+mj-lt"/>
+                        </a:rPr>
+                        <a:t>Kalimat</a:t>
+                      </a:r>
+                      <a:r>
+                        <a:rPr lang="en-US" sz="1800" b="0" i="0" u="none" strike="noStrike" dirty="0">
+                          <a:solidFill>
+                            <a:srgbClr val="000000"/>
+                          </a:solidFill>
+                          <a:effectLst/>
+                          <a:latin typeface="+mj-lt"/>
+                        </a:rPr>
+                        <a:t> 3</a:t>
+                      </a:r>
+                    </a:p>
+                  </a:txBody>
+                  <a:tcPr marL="9525" marR="9525" marT="9525" marB="0" anchor="b"/>
+                </a:tc>
+                <a:tc>
+                  <a:txBody>
+                    <a:bodyPr/>
+                    <a:lstStyle/>
+                    <a:p>
+                      <a:pPr algn="ctr" fontAlgn="b"/>
+                      <a:r>
+                        <a:rPr lang="en-US" sz="1800" b="0" i="0" u="none" strike="noStrike" dirty="0">
+                          <a:solidFill>
+                            <a:srgbClr val="000000"/>
+                          </a:solidFill>
+                          <a:effectLst/>
+                          <a:latin typeface="+mj-lt"/>
+                        </a:rPr>
+                        <a:t>76.1%</a:t>
+                      </a:r>
+                    </a:p>
+                  </a:txBody>
+                  <a:tcPr marL="9525" marR="9525" marT="9525" marB="0" anchor="b"/>
+                </a:tc>
+                <a:tc>
+                  <a:txBody>
+                    <a:bodyPr/>
+                    <a:lstStyle/>
+                    <a:p>
+                      <a:pPr algn="ctr" fontAlgn="b"/>
+                      <a:r>
+                        <a:rPr lang="en-US" sz="1800" b="0" i="0" u="none" strike="noStrike" dirty="0">
+                          <a:solidFill>
+                            <a:srgbClr val="000000"/>
+                          </a:solidFill>
+                          <a:effectLst/>
+                          <a:latin typeface="+mj-lt"/>
+                        </a:rPr>
+                        <a:t>66.7%</a:t>
+                      </a:r>
+                    </a:p>
+                  </a:txBody>
+                  <a:tcPr marL="9525" marR="9525" marT="9525" marB="0" anchor="b"/>
+                </a:tc>
+                <a:extLst>
+                  <a:ext uri="{0D108BD9-81ED-4DB2-BD59-A6C34878D82A}">
+                    <a16:rowId xmlns:a16="http://schemas.microsoft.com/office/drawing/2014/main" val="3860619034"/>
+                  </a:ext>
+                </a:extLst>
+              </a:tr>
+              <a:tr h="370840">
+                <a:tc>
+                  <a:txBody>
+                    <a:bodyPr/>
+                    <a:lstStyle/>
+                    <a:p>
+                      <a:pPr algn="ctr" fontAlgn="b"/>
+                      <a:r>
+                        <a:rPr lang="en-US" sz="1800" b="0" i="0" u="none" strike="noStrike" dirty="0" err="1">
+                          <a:solidFill>
+                            <a:srgbClr val="000000"/>
+                          </a:solidFill>
+                          <a:effectLst/>
+                          <a:latin typeface="+mj-lt"/>
+                        </a:rPr>
+                        <a:t>Kalimat</a:t>
+                      </a:r>
+                      <a:r>
+                        <a:rPr lang="en-US" sz="1800" b="0" i="0" u="none" strike="noStrike" dirty="0">
+                          <a:solidFill>
+                            <a:srgbClr val="000000"/>
+                          </a:solidFill>
+                          <a:effectLst/>
+                          <a:latin typeface="+mj-lt"/>
+                        </a:rPr>
+                        <a:t> 4</a:t>
+                      </a:r>
+                    </a:p>
+                  </a:txBody>
+                  <a:tcPr marL="9525" marR="9525" marT="9525" marB="0" anchor="b"/>
+                </a:tc>
+                <a:tc>
+                  <a:txBody>
+                    <a:bodyPr/>
+                    <a:lstStyle/>
+                    <a:p>
+                      <a:pPr algn="ctr" fontAlgn="b"/>
+                      <a:r>
+                        <a:rPr lang="en-US" sz="1800" b="0" i="0" u="none" strike="noStrike" dirty="0">
+                          <a:solidFill>
+                            <a:srgbClr val="000000"/>
+                          </a:solidFill>
+                          <a:effectLst/>
+                          <a:latin typeface="+mj-lt"/>
+                        </a:rPr>
+                        <a:t>76.4%</a:t>
+                      </a:r>
+                    </a:p>
+                  </a:txBody>
+                  <a:tcPr marL="9525" marR="9525" marT="9525" marB="0" anchor="b"/>
+                </a:tc>
+                <a:tc>
+                  <a:txBody>
+                    <a:bodyPr/>
+                    <a:lstStyle/>
+                    <a:p>
+                      <a:pPr algn="ctr" fontAlgn="b"/>
+                      <a:r>
+                        <a:rPr lang="en-US" sz="1800" b="0" i="0" u="none" strike="noStrike" dirty="0">
+                          <a:solidFill>
+                            <a:srgbClr val="000000"/>
+                          </a:solidFill>
+                          <a:effectLst/>
+                          <a:latin typeface="+mj-lt"/>
+                        </a:rPr>
+                        <a:t>76.5%</a:t>
+                      </a:r>
+                    </a:p>
+                  </a:txBody>
+                  <a:tcPr marL="9525" marR="9525" marT="9525" marB="0" anchor="b"/>
+                </a:tc>
+                <a:extLst>
+                  <a:ext uri="{0D108BD9-81ED-4DB2-BD59-A6C34878D82A}">
+                    <a16:rowId xmlns:a16="http://schemas.microsoft.com/office/drawing/2014/main" val="2713077914"/>
+                  </a:ext>
+                </a:extLst>
+              </a:tr>
+              <a:tr h="370840">
+                <a:tc>
+                  <a:txBody>
+                    <a:bodyPr/>
+                    <a:lstStyle/>
+                    <a:p>
+                      <a:pPr algn="ctr" fontAlgn="b"/>
+                      <a:r>
+                        <a:rPr lang="en-US" sz="1800" b="0" i="0" u="none" strike="noStrike" dirty="0" err="1">
+                          <a:solidFill>
+                            <a:srgbClr val="000000"/>
+                          </a:solidFill>
+                          <a:effectLst/>
+                          <a:latin typeface="+mj-lt"/>
+                        </a:rPr>
+                        <a:t>Kalimat</a:t>
+                      </a:r>
+                      <a:r>
+                        <a:rPr lang="en-US" sz="1800" b="0" i="0" u="none" strike="noStrike" dirty="0">
+                          <a:solidFill>
+                            <a:srgbClr val="000000"/>
+                          </a:solidFill>
+                          <a:effectLst/>
+                          <a:latin typeface="+mj-lt"/>
+                        </a:rPr>
+                        <a:t> 5</a:t>
+                      </a:r>
+                    </a:p>
+                  </a:txBody>
+                  <a:tcPr marL="9525" marR="9525" marT="9525" marB="0" anchor="b"/>
+                </a:tc>
+                <a:tc>
+                  <a:txBody>
+                    <a:bodyPr/>
+                    <a:lstStyle/>
+                    <a:p>
+                      <a:pPr algn="ctr" fontAlgn="b"/>
+                      <a:r>
+                        <a:rPr lang="en-US" sz="1800" b="0" i="0" u="none" strike="noStrike" dirty="0">
+                          <a:solidFill>
+                            <a:srgbClr val="000000"/>
+                          </a:solidFill>
+                          <a:effectLst/>
+                          <a:latin typeface="+mj-lt"/>
+                        </a:rPr>
+                        <a:t>76.9%</a:t>
+                      </a:r>
+                    </a:p>
+                  </a:txBody>
+                  <a:tcPr marL="9525" marR="9525" marT="9525" marB="0" anchor="b"/>
+                </a:tc>
+                <a:tc>
+                  <a:txBody>
+                    <a:bodyPr/>
+                    <a:lstStyle/>
+                    <a:p>
+                      <a:pPr algn="ctr" fontAlgn="b"/>
+                      <a:r>
+                        <a:rPr lang="en-US" sz="1800" b="0" i="0" u="none" strike="noStrike" dirty="0">
+                          <a:solidFill>
+                            <a:srgbClr val="000000"/>
+                          </a:solidFill>
+                          <a:effectLst/>
+                          <a:latin typeface="+mj-lt"/>
+                        </a:rPr>
+                        <a:t>61.5%</a:t>
+                      </a:r>
+                    </a:p>
+                  </a:txBody>
+                  <a:tcPr marL="9525" marR="9525" marT="9525" marB="0" anchor="b"/>
+                </a:tc>
+                <a:extLst>
+                  <a:ext uri="{0D108BD9-81ED-4DB2-BD59-A6C34878D82A}">
+                    <a16:rowId xmlns:a16="http://schemas.microsoft.com/office/drawing/2014/main" val="3576986712"/>
+                  </a:ext>
+                </a:extLst>
+              </a:tr>
+              <a:tr h="370840">
+                <a:tc>
+                  <a:txBody>
+                    <a:bodyPr/>
+                    <a:lstStyle/>
+                    <a:p>
+                      <a:pPr algn="ctr" fontAlgn="b"/>
+                      <a:r>
+                        <a:rPr lang="en-US" sz="1800" b="0" i="0" u="none" strike="noStrike" dirty="0" err="1">
+                          <a:solidFill>
+                            <a:srgbClr val="000000"/>
+                          </a:solidFill>
+                          <a:effectLst/>
+                          <a:latin typeface="+mj-lt"/>
+                        </a:rPr>
+                        <a:t>Kalimat</a:t>
+                      </a:r>
+                      <a:r>
+                        <a:rPr lang="en-US" sz="1800" b="0" i="0" u="none" strike="noStrike" dirty="0">
+                          <a:solidFill>
+                            <a:srgbClr val="000000"/>
+                          </a:solidFill>
+                          <a:effectLst/>
+                          <a:latin typeface="+mj-lt"/>
+                        </a:rPr>
+                        <a:t> 6</a:t>
+                      </a:r>
+                    </a:p>
+                  </a:txBody>
+                  <a:tcPr marL="9525" marR="9525" marT="9525" marB="0" anchor="b"/>
+                </a:tc>
+                <a:tc>
+                  <a:txBody>
+                    <a:bodyPr/>
+                    <a:lstStyle/>
+                    <a:p>
+                      <a:pPr algn="ctr" fontAlgn="b"/>
+                      <a:r>
+                        <a:rPr lang="en-US" sz="1800" b="0" i="0" u="none" strike="noStrike" dirty="0">
+                          <a:solidFill>
+                            <a:srgbClr val="000000"/>
+                          </a:solidFill>
+                          <a:effectLst/>
+                          <a:latin typeface="+mj-lt"/>
+                        </a:rPr>
+                        <a:t>73.9%</a:t>
+                      </a:r>
+                    </a:p>
+                  </a:txBody>
+                  <a:tcPr marL="9525" marR="9525" marT="9525" marB="0" anchor="b"/>
+                </a:tc>
+                <a:tc>
+                  <a:txBody>
+                    <a:bodyPr/>
+                    <a:lstStyle/>
+                    <a:p>
+                      <a:pPr algn="ctr" fontAlgn="b"/>
+                      <a:r>
+                        <a:rPr lang="en-US" sz="1800" b="0" i="0" u="none" strike="noStrike" dirty="0">
+                          <a:solidFill>
+                            <a:srgbClr val="000000"/>
+                          </a:solidFill>
+                          <a:effectLst/>
+                          <a:latin typeface="+mj-lt"/>
+                        </a:rPr>
+                        <a:t>73.9%</a:t>
+                      </a:r>
+                    </a:p>
+                  </a:txBody>
+                  <a:tcPr marL="9525" marR="9525" marT="9525" marB="0" anchor="b"/>
+                </a:tc>
+                <a:extLst>
+                  <a:ext uri="{0D108BD9-81ED-4DB2-BD59-A6C34878D82A}">
+                    <a16:rowId xmlns:a16="http://schemas.microsoft.com/office/drawing/2014/main" val="3410113169"/>
+                  </a:ext>
+                </a:extLst>
+              </a:tr>
+              <a:tr h="370840">
+                <a:tc>
+                  <a:txBody>
+                    <a:bodyPr/>
+                    <a:lstStyle/>
+                    <a:p>
+                      <a:pPr algn="ctr" fontAlgn="b"/>
+                      <a:r>
+                        <a:rPr lang="en-US" sz="1800" b="0" i="0" u="none" strike="noStrike" dirty="0" err="1">
+                          <a:solidFill>
+                            <a:srgbClr val="000000"/>
+                          </a:solidFill>
+                          <a:effectLst/>
+                          <a:latin typeface="+mj-lt"/>
+                        </a:rPr>
+                        <a:t>Kalimat</a:t>
+                      </a:r>
+                      <a:r>
+                        <a:rPr lang="en-US" sz="1800" b="0" i="0" u="none" strike="noStrike" dirty="0">
+                          <a:solidFill>
+                            <a:srgbClr val="000000"/>
+                          </a:solidFill>
+                          <a:effectLst/>
+                          <a:latin typeface="+mj-lt"/>
+                        </a:rPr>
+                        <a:t> 7</a:t>
+                      </a:r>
+                    </a:p>
+                  </a:txBody>
+                  <a:tcPr marL="9525" marR="9525" marT="9525" marB="0" anchor="b"/>
+                </a:tc>
+                <a:tc>
+                  <a:txBody>
+                    <a:bodyPr/>
+                    <a:lstStyle/>
+                    <a:p>
+                      <a:pPr algn="ctr" fontAlgn="b"/>
+                      <a:r>
+                        <a:rPr lang="en-US" sz="1800" b="0" i="0" u="none" strike="noStrike" dirty="0">
+                          <a:solidFill>
+                            <a:srgbClr val="000000"/>
+                          </a:solidFill>
+                          <a:effectLst/>
+                          <a:latin typeface="+mj-lt"/>
+                        </a:rPr>
+                        <a:t>71.4%</a:t>
+                      </a:r>
+                    </a:p>
+                  </a:txBody>
+                  <a:tcPr marL="9525" marR="9525" marT="9525" marB="0" anchor="b"/>
+                </a:tc>
+                <a:tc>
+                  <a:txBody>
+                    <a:bodyPr/>
+                    <a:lstStyle/>
+                    <a:p>
+                      <a:pPr algn="ctr" fontAlgn="b"/>
+                      <a:r>
+                        <a:rPr lang="en-US" sz="1800" b="0" i="0" u="none" strike="noStrike" dirty="0">
+                          <a:solidFill>
+                            <a:srgbClr val="000000"/>
+                          </a:solidFill>
+                          <a:effectLst/>
+                          <a:latin typeface="+mj-lt"/>
+                        </a:rPr>
+                        <a:t>57.1%</a:t>
+                      </a:r>
+                    </a:p>
+                  </a:txBody>
+                  <a:tcPr marL="9525" marR="9525" marT="9525" marB="0" anchor="b"/>
+                </a:tc>
+                <a:extLst>
+                  <a:ext uri="{0D108BD9-81ED-4DB2-BD59-A6C34878D82A}">
+                    <a16:rowId xmlns:a16="http://schemas.microsoft.com/office/drawing/2014/main" val="1902559205"/>
+                  </a:ext>
+                </a:extLst>
+              </a:tr>
+              <a:tr h="370840">
+                <a:tc>
+                  <a:txBody>
+                    <a:bodyPr/>
+                    <a:lstStyle/>
+                    <a:p>
+                      <a:pPr algn="ctr" fontAlgn="b"/>
+                      <a:r>
+                        <a:rPr lang="en-US" sz="1800" b="0" i="0" u="none" strike="noStrike" dirty="0" err="1">
+                          <a:solidFill>
+                            <a:srgbClr val="000000"/>
+                          </a:solidFill>
+                          <a:effectLst/>
+                          <a:latin typeface="+mj-lt"/>
+                        </a:rPr>
+                        <a:t>Kalimat</a:t>
+                      </a:r>
+                      <a:r>
+                        <a:rPr lang="en-US" sz="1800" b="0" i="0" u="none" strike="noStrike" dirty="0">
+                          <a:solidFill>
+                            <a:srgbClr val="000000"/>
+                          </a:solidFill>
+                          <a:effectLst/>
+                          <a:latin typeface="+mj-lt"/>
+                        </a:rPr>
+                        <a:t> 8</a:t>
+                      </a:r>
+                    </a:p>
+                  </a:txBody>
+                  <a:tcPr marL="9525" marR="9525" marT="9525" marB="0" anchor="b"/>
+                </a:tc>
+                <a:tc>
+                  <a:txBody>
+                    <a:bodyPr/>
+                    <a:lstStyle/>
+                    <a:p>
+                      <a:pPr algn="ctr" fontAlgn="b"/>
+                      <a:r>
+                        <a:rPr lang="en-US" sz="1800" b="0" i="0" u="none" strike="noStrike" dirty="0">
+                          <a:solidFill>
+                            <a:srgbClr val="000000"/>
+                          </a:solidFill>
+                          <a:effectLst/>
+                          <a:latin typeface="+mj-lt"/>
+                        </a:rPr>
+                        <a:t>71.4%</a:t>
+                      </a:r>
+                    </a:p>
+                  </a:txBody>
+                  <a:tcPr marL="9525" marR="9525" marT="9525" marB="0" anchor="b"/>
+                </a:tc>
+                <a:tc>
+                  <a:txBody>
+                    <a:bodyPr/>
+                    <a:lstStyle/>
+                    <a:p>
+                      <a:pPr algn="ctr" fontAlgn="b"/>
+                      <a:r>
+                        <a:rPr lang="en-US" sz="1800" b="0" i="0" u="none" strike="noStrike" dirty="0">
+                          <a:solidFill>
+                            <a:srgbClr val="000000"/>
+                          </a:solidFill>
+                          <a:effectLst/>
+                          <a:latin typeface="+mj-lt"/>
+                        </a:rPr>
+                        <a:t>42.9%</a:t>
+                      </a:r>
+                    </a:p>
+                  </a:txBody>
+                  <a:tcPr marL="9525" marR="9525" marT="9525" marB="0" anchor="b"/>
+                </a:tc>
+                <a:extLst>
+                  <a:ext uri="{0D108BD9-81ED-4DB2-BD59-A6C34878D82A}">
+                    <a16:rowId xmlns:a16="http://schemas.microsoft.com/office/drawing/2014/main" val="2549475869"/>
+                  </a:ext>
+                </a:extLst>
+              </a:tr>
+              <a:tr h="370840">
+                <a:tc>
+                  <a:txBody>
+                    <a:bodyPr/>
+                    <a:lstStyle/>
+                    <a:p>
+                      <a:pPr algn="ctr" fontAlgn="b"/>
+                      <a:r>
+                        <a:rPr lang="en-US" sz="1800" b="0" i="0" u="none" strike="noStrike" dirty="0" err="1">
+                          <a:solidFill>
+                            <a:srgbClr val="000000"/>
+                          </a:solidFill>
+                          <a:effectLst/>
+                          <a:latin typeface="+mj-lt"/>
+                        </a:rPr>
+                        <a:t>Kalimat</a:t>
+                      </a:r>
+                      <a:r>
+                        <a:rPr lang="en-US" sz="1800" b="0" i="0" u="none" strike="noStrike" dirty="0">
+                          <a:solidFill>
+                            <a:srgbClr val="000000"/>
+                          </a:solidFill>
+                          <a:effectLst/>
+                          <a:latin typeface="+mj-lt"/>
+                        </a:rPr>
+                        <a:t> 9</a:t>
+                      </a:r>
+                    </a:p>
+                  </a:txBody>
+                  <a:tcPr marL="9525" marR="9525" marT="9525" marB="0" anchor="b"/>
+                </a:tc>
+                <a:tc>
+                  <a:txBody>
+                    <a:bodyPr/>
+                    <a:lstStyle/>
+                    <a:p>
+                      <a:pPr algn="ctr" fontAlgn="b"/>
+                      <a:r>
+                        <a:rPr lang="en-US" sz="1800" b="0" i="0" u="none" strike="noStrike" dirty="0">
+                          <a:solidFill>
+                            <a:srgbClr val="000000"/>
+                          </a:solidFill>
+                          <a:effectLst/>
+                          <a:latin typeface="+mj-lt"/>
+                        </a:rPr>
+                        <a:t>72.2%</a:t>
+                      </a:r>
+                    </a:p>
+                  </a:txBody>
+                  <a:tcPr marL="9525" marR="9525" marT="9525" marB="0" anchor="b"/>
+                </a:tc>
+                <a:tc>
+                  <a:txBody>
+                    <a:bodyPr/>
+                    <a:lstStyle/>
+                    <a:p>
+                      <a:pPr algn="ctr" fontAlgn="b"/>
+                      <a:r>
+                        <a:rPr lang="en-US" sz="1800" b="0" i="0" u="none" strike="noStrike" dirty="0">
+                          <a:solidFill>
+                            <a:srgbClr val="000000"/>
+                          </a:solidFill>
+                          <a:effectLst/>
+                          <a:latin typeface="+mj-lt"/>
+                        </a:rPr>
+                        <a:t>72.2%</a:t>
+                      </a:r>
+                    </a:p>
+                  </a:txBody>
+                  <a:tcPr marL="9525" marR="9525" marT="9525" marB="0" anchor="b"/>
+                </a:tc>
+                <a:extLst>
+                  <a:ext uri="{0D108BD9-81ED-4DB2-BD59-A6C34878D82A}">
+                    <a16:rowId xmlns:a16="http://schemas.microsoft.com/office/drawing/2014/main" val="844291518"/>
+                  </a:ext>
+                </a:extLst>
+              </a:tr>
+              <a:tr h="370840">
+                <a:tc>
+                  <a:txBody>
+                    <a:bodyPr/>
+                    <a:lstStyle/>
+                    <a:p>
+                      <a:pPr algn="ctr" fontAlgn="b"/>
+                      <a:r>
+                        <a:rPr lang="en-US" sz="1800" b="0" i="0" u="none" strike="noStrike" dirty="0" err="1">
+                          <a:solidFill>
+                            <a:srgbClr val="000000"/>
+                          </a:solidFill>
+                          <a:effectLst/>
+                          <a:latin typeface="+mj-lt"/>
+                        </a:rPr>
+                        <a:t>Kalimat</a:t>
+                      </a:r>
+                      <a:r>
+                        <a:rPr lang="en-US" sz="1800" b="0" i="0" u="none" strike="noStrike" dirty="0">
+                          <a:solidFill>
+                            <a:srgbClr val="000000"/>
+                          </a:solidFill>
+                          <a:effectLst/>
+                          <a:latin typeface="+mj-lt"/>
+                        </a:rPr>
+                        <a:t> 10</a:t>
+                      </a:r>
+                    </a:p>
+                  </a:txBody>
+                  <a:tcPr marL="9525" marR="9525" marT="9525" marB="0" anchor="b"/>
+                </a:tc>
+                <a:tc>
+                  <a:txBody>
+                    <a:bodyPr/>
+                    <a:lstStyle/>
+                    <a:p>
+                      <a:pPr algn="ctr" fontAlgn="b"/>
+                      <a:r>
+                        <a:rPr lang="en-US" sz="1800" b="0" i="0" u="none" strike="noStrike" dirty="0">
+                          <a:solidFill>
+                            <a:srgbClr val="000000"/>
+                          </a:solidFill>
+                          <a:effectLst/>
+                          <a:latin typeface="+mj-lt"/>
+                        </a:rPr>
+                        <a:t>68.8%</a:t>
+                      </a:r>
+                    </a:p>
+                  </a:txBody>
+                  <a:tcPr marL="9525" marR="9525" marT="9525" marB="0" anchor="b"/>
+                </a:tc>
+                <a:tc>
+                  <a:txBody>
+                    <a:bodyPr/>
+                    <a:lstStyle/>
+                    <a:p>
+                      <a:pPr algn="ctr" fontAlgn="b"/>
+                      <a:r>
+                        <a:rPr lang="en-US" sz="1800" b="0" i="0" u="none" strike="noStrike" dirty="0">
+                          <a:solidFill>
+                            <a:srgbClr val="000000"/>
+                          </a:solidFill>
+                          <a:effectLst/>
+                          <a:latin typeface="+mj-lt"/>
+                        </a:rPr>
+                        <a:t>72.7%</a:t>
+                      </a:r>
+                    </a:p>
+                  </a:txBody>
+                  <a:tcPr marL="9525" marR="9525" marT="9525" marB="0" anchor="b"/>
+                </a:tc>
+                <a:extLst>
+                  <a:ext uri="{0D108BD9-81ED-4DB2-BD59-A6C34878D82A}">
+                    <a16:rowId xmlns:a16="http://schemas.microsoft.com/office/drawing/2014/main" val="639136489"/>
+                  </a:ext>
+                </a:extLst>
+              </a:tr>
+              <a:tr h="370840">
+                <a:tc>
+                  <a:txBody>
+                    <a:bodyPr/>
+                    <a:lstStyle/>
+                    <a:p>
+                      <a:pPr algn="ctr"/>
+                      <a:r>
+                        <a:rPr lang="en-US" sz="1800" b="1" dirty="0">
+                          <a:solidFill>
+                            <a:schemeClr val="bg1"/>
+                          </a:solidFill>
+                          <a:latin typeface="+mj-lt"/>
+                        </a:rPr>
+                        <a:t>Total </a:t>
+                      </a:r>
+                      <a:r>
+                        <a:rPr lang="en-US" sz="1800" b="1" dirty="0" err="1">
+                          <a:solidFill>
+                            <a:schemeClr val="bg1"/>
+                          </a:solidFill>
+                          <a:latin typeface="+mj-lt"/>
+                        </a:rPr>
+                        <a:t>Akurasi</a:t>
+                      </a:r>
+                      <a:endParaRPr lang="en-US" sz="1800" b="1" dirty="0">
+                        <a:solidFill>
+                          <a:schemeClr val="bg1"/>
+                        </a:solidFill>
+                        <a:latin typeface="+mj-lt"/>
+                      </a:endParaRPr>
+                    </a:p>
+                  </a:txBody>
+                  <a:tcPr>
+                    <a:solidFill>
+                      <a:schemeClr val="accent1">
+                        <a:lumMod val="75000"/>
+                      </a:schemeClr>
+                    </a:solidFill>
+                  </a:tcPr>
+                </a:tc>
+                <a:tc>
+                  <a:txBody>
+                    <a:bodyPr/>
+                    <a:lstStyle/>
+                    <a:p>
+                      <a:pPr algn="ctr" fontAlgn="b"/>
+                      <a:r>
+                        <a:rPr lang="en-US" sz="1800" b="1" i="0" u="none" strike="noStrike" dirty="0">
+                          <a:solidFill>
+                            <a:schemeClr val="bg1"/>
+                          </a:solidFill>
+                          <a:effectLst/>
+                          <a:latin typeface="+mj-lt"/>
+                        </a:rPr>
+                        <a:t>75.0%</a:t>
+                      </a:r>
+                    </a:p>
+                  </a:txBody>
+                  <a:tcPr marL="9525" marR="9525" marT="9525" marB="0" anchor="b">
+                    <a:solidFill>
+                      <a:schemeClr val="accent1">
+                        <a:lumMod val="75000"/>
+                      </a:schemeClr>
+                    </a:solidFill>
+                  </a:tcPr>
+                </a:tc>
+                <a:tc>
+                  <a:txBody>
+                    <a:bodyPr/>
+                    <a:lstStyle/>
+                    <a:p>
+                      <a:pPr algn="ctr" fontAlgn="b"/>
+                      <a:r>
+                        <a:rPr lang="en-US" sz="1800" b="1" i="0" u="none" strike="noStrike" dirty="0">
+                          <a:solidFill>
+                            <a:schemeClr val="bg1"/>
+                          </a:solidFill>
+                          <a:effectLst/>
+                          <a:latin typeface="+mj-lt"/>
+                        </a:rPr>
+                        <a:t>67.2%</a:t>
+                      </a:r>
+                    </a:p>
+                  </a:txBody>
+                  <a:tcPr marL="9525" marR="9525" marT="9525" marB="0" anchor="b">
+                    <a:solidFill>
+                      <a:schemeClr val="accent1">
+                        <a:lumMod val="75000"/>
+                      </a:schemeClr>
+                    </a:solidFill>
+                  </a:tcPr>
+                </a:tc>
+                <a:extLst>
+                  <a:ext uri="{0D108BD9-81ED-4DB2-BD59-A6C34878D82A}">
+                    <a16:rowId xmlns:a16="http://schemas.microsoft.com/office/drawing/2014/main" val="3600065628"/>
+                  </a:ext>
+                </a:extLst>
+              </a:tr>
+            </a:tbl>
+          </a:graphicData>
+        </a:graphic>
+      </p:graphicFrame>
     </p:spTree>
     <p:extLst>
       <p:ext uri="{BB962C8B-B14F-4D97-AF65-F5344CB8AC3E}">
